--- a/source/files/prezentace_sem.pptx
+++ b/source/files/prezentace_sem.pptx
@@ -39,24 +39,24 @@
     <p:sldId id="288" r:id="rId33"/>
     <p:sldId id="286" r:id="rId34"/>
     <p:sldId id="287" r:id="rId35"/>
-    <p:sldId id="289" r:id="rId36"/>
-    <p:sldId id="302" r:id="rId37"/>
-    <p:sldId id="303" r:id="rId38"/>
-    <p:sldId id="304" r:id="rId39"/>
-    <p:sldId id="305" r:id="rId40"/>
-    <p:sldId id="306" r:id="rId41"/>
-    <p:sldId id="307" r:id="rId42"/>
-    <p:sldId id="301" r:id="rId43"/>
-    <p:sldId id="299" r:id="rId44"/>
-    <p:sldId id="291" r:id="rId45"/>
-    <p:sldId id="292" r:id="rId46"/>
-    <p:sldId id="293" r:id="rId47"/>
-    <p:sldId id="294" r:id="rId48"/>
-    <p:sldId id="295" r:id="rId49"/>
-    <p:sldId id="296" r:id="rId50"/>
-    <p:sldId id="297" r:id="rId51"/>
-    <p:sldId id="298" r:id="rId52"/>
-    <p:sldId id="290" r:id="rId53"/>
+    <p:sldId id="302" r:id="rId36"/>
+    <p:sldId id="303" r:id="rId37"/>
+    <p:sldId id="304" r:id="rId38"/>
+    <p:sldId id="305" r:id="rId39"/>
+    <p:sldId id="306" r:id="rId40"/>
+    <p:sldId id="307" r:id="rId41"/>
+    <p:sldId id="301" r:id="rId42"/>
+    <p:sldId id="299" r:id="rId43"/>
+    <p:sldId id="291" r:id="rId44"/>
+    <p:sldId id="292" r:id="rId45"/>
+    <p:sldId id="293" r:id="rId46"/>
+    <p:sldId id="294" r:id="rId47"/>
+    <p:sldId id="295" r:id="rId48"/>
+    <p:sldId id="296" r:id="rId49"/>
+    <p:sldId id="297" r:id="rId50"/>
+    <p:sldId id="298" r:id="rId51"/>
+    <p:sldId id="290" r:id="rId52"/>
+    <p:sldId id="308" r:id="rId53"/>
   </p:sldIdLst>
   <p:sldSz cx="9144000" cy="6858000" type="screen4x3"/>
   <p:notesSz cx="6858000" cy="9144000"/>
@@ -11676,77 +11676,12 @@
               <a:t>založen na agility</a:t>
             </a:r>
           </a:p>
-          <a:p>
-            <a:pPr algn="ctr"/>
-            <a:r>
-              <a:rPr lang="en-CZ" sz="2400" dirty="0">
-                <a:solidFill>
-                  <a:srgbClr val="0065BD"/>
-                </a:solidFill>
-                <a:latin typeface="Times New Roman" panose="02020603050405020304" pitchFamily="18" charset="0"/>
-                <a:cs typeface="Times New Roman" panose="02020603050405020304" pitchFamily="18" charset="0"/>
-              </a:rPr>
-              <a:t>přístup agility vytvořen z důvodu problémů ve vývoji SW</a:t>
-            </a:r>
-          </a:p>
-          <a:p>
-            <a:pPr algn="ctr"/>
-            <a:r>
-              <a:rPr lang="en-CZ" sz="2400" dirty="0">
-                <a:solidFill>
-                  <a:srgbClr val="0065BD"/>
-                </a:solidFill>
-                <a:latin typeface="Times New Roman" panose="02020603050405020304" pitchFamily="18" charset="0"/>
-                <a:cs typeface="Times New Roman" panose="02020603050405020304" pitchFamily="18" charset="0"/>
-              </a:rPr>
-              <a:t>iterační princip</a:t>
-            </a:r>
-          </a:p>
-          <a:p>
-            <a:pPr algn="ctr"/>
-            <a:r>
-              <a:rPr lang="en-CZ" sz="2400" dirty="0">
-                <a:solidFill>
-                  <a:srgbClr val="0065BD"/>
-                </a:solidFill>
-                <a:latin typeface="Times New Roman" panose="02020603050405020304" pitchFamily="18" charset="0"/>
-                <a:cs typeface="Times New Roman" panose="02020603050405020304" pitchFamily="18" charset="0"/>
-              </a:rPr>
-              <a:t>vytvoření Manifesto for Agile Software Development</a:t>
-            </a:r>
-          </a:p>
-          <a:p>
-            <a:pPr algn="ctr"/>
-            <a:r>
-              <a:rPr lang="en-CZ" sz="2400" dirty="0">
-                <a:solidFill>
-                  <a:srgbClr val="0065BD"/>
-                </a:solidFill>
-                <a:latin typeface="Times New Roman" panose="02020603050405020304" pitchFamily="18" charset="0"/>
-                <a:cs typeface="Times New Roman" panose="02020603050405020304" pitchFamily="18" charset="0"/>
-              </a:rPr>
-              <a:t>principy Manifesto přeformulovány ze SW do manufacturing</a:t>
-            </a:r>
-          </a:p>
-          <a:p>
-            <a:pPr algn="ctr"/>
-            <a:r>
-              <a:rPr lang="en-CZ" sz="2400" dirty="0">
-                <a:solidFill>
-                  <a:srgbClr val="0065BD"/>
-                </a:solidFill>
-                <a:latin typeface="Times New Roman" panose="02020603050405020304" pitchFamily="18" charset="0"/>
-                <a:cs typeface="Times New Roman" panose="02020603050405020304" pitchFamily="18" charset="0"/>
-              </a:rPr>
-              <a:t>základy ze Scrum</a:t>
-            </a:r>
-          </a:p>
         </p:txBody>
       </p:sp>
     </p:spTree>
     <p:extLst>
       <p:ext uri="{BB962C8B-B14F-4D97-AF65-F5344CB8AC3E}">
-        <p14:creationId xmlns:p14="http://schemas.microsoft.com/office/powerpoint/2010/main" val="1598922453"/>
+        <p14:creationId xmlns:p14="http://schemas.microsoft.com/office/powerpoint/2010/main" val="2220901875"/>
       </p:ext>
     </p:extLst>
   </p:cSld>
@@ -12067,13 +12002,23 @@
             <a:pPr algn="ctr"/>
             <a:r>
               <a:rPr lang="en-CZ" sz="2400" dirty="0">
+                <a:latin typeface="Times New Roman" panose="02020603050405020304" pitchFamily="18" charset="0"/>
+                <a:cs typeface="Times New Roman" panose="02020603050405020304" pitchFamily="18" charset="0"/>
+              </a:rPr>
+              <a:t>založen na agility</a:t>
+            </a:r>
+          </a:p>
+          <a:p>
+            <a:pPr algn="ctr"/>
+            <a:r>
+              <a:rPr lang="en-CZ" sz="2400" dirty="0">
                 <a:solidFill>
                   <a:srgbClr val="0065BD"/>
                 </a:solidFill>
                 <a:latin typeface="Times New Roman" panose="02020603050405020304" pitchFamily="18" charset="0"/>
                 <a:cs typeface="Times New Roman" panose="02020603050405020304" pitchFamily="18" charset="0"/>
               </a:rPr>
-              <a:t>založen na agility</a:t>
+              <a:t>přístup agility vytvořen z důvodu problémů ve vývoji SW</a:t>
             </a:r>
           </a:p>
         </p:txBody>
@@ -12081,7 +12026,7 @@
     </p:spTree>
     <p:extLst>
       <p:ext uri="{BB962C8B-B14F-4D97-AF65-F5344CB8AC3E}">
-        <p14:creationId xmlns:p14="http://schemas.microsoft.com/office/powerpoint/2010/main" val="2220901875"/>
+        <p14:creationId xmlns:p14="http://schemas.microsoft.com/office/powerpoint/2010/main" val="4222871393"/>
       </p:ext>
     </p:extLst>
   </p:cSld>
@@ -12412,13 +12357,23 @@
             <a:pPr algn="ctr"/>
             <a:r>
               <a:rPr lang="en-CZ" sz="2400" dirty="0">
+                <a:latin typeface="Times New Roman" panose="02020603050405020304" pitchFamily="18" charset="0"/>
+                <a:cs typeface="Times New Roman" panose="02020603050405020304" pitchFamily="18" charset="0"/>
+              </a:rPr>
+              <a:t>přístup agility vytvořen z důvodu problémů ve vývoji SW</a:t>
+            </a:r>
+          </a:p>
+          <a:p>
+            <a:pPr algn="ctr"/>
+            <a:r>
+              <a:rPr lang="en-CZ" sz="2400" dirty="0">
                 <a:solidFill>
                   <a:srgbClr val="0065BD"/>
                 </a:solidFill>
                 <a:latin typeface="Times New Roman" panose="02020603050405020304" pitchFamily="18" charset="0"/>
                 <a:cs typeface="Times New Roman" panose="02020603050405020304" pitchFamily="18" charset="0"/>
               </a:rPr>
-              <a:t>přístup agility vytvořen z důvodu problémů ve vývoji SW</a:t>
+              <a:t>iterační princip</a:t>
             </a:r>
           </a:p>
         </p:txBody>
@@ -12426,7 +12381,7 @@
     </p:spTree>
     <p:extLst>
       <p:ext uri="{BB962C8B-B14F-4D97-AF65-F5344CB8AC3E}">
-        <p14:creationId xmlns:p14="http://schemas.microsoft.com/office/powerpoint/2010/main" val="4222871393"/>
+        <p14:creationId xmlns:p14="http://schemas.microsoft.com/office/powerpoint/2010/main" val="3275247148"/>
       </p:ext>
     </p:extLst>
   </p:cSld>
@@ -12767,13 +12722,23 @@
             <a:pPr algn="ctr"/>
             <a:r>
               <a:rPr lang="en-CZ" sz="2400" dirty="0">
+                <a:latin typeface="Times New Roman" panose="02020603050405020304" pitchFamily="18" charset="0"/>
+                <a:cs typeface="Times New Roman" panose="02020603050405020304" pitchFamily="18" charset="0"/>
+              </a:rPr>
+              <a:t>iterační princip</a:t>
+            </a:r>
+          </a:p>
+          <a:p>
+            <a:pPr algn="ctr"/>
+            <a:r>
+              <a:rPr lang="en-CZ" sz="2400" dirty="0">
                 <a:solidFill>
                   <a:srgbClr val="0065BD"/>
                 </a:solidFill>
                 <a:latin typeface="Times New Roman" panose="02020603050405020304" pitchFamily="18" charset="0"/>
                 <a:cs typeface="Times New Roman" panose="02020603050405020304" pitchFamily="18" charset="0"/>
               </a:rPr>
-              <a:t>iterační princip</a:t>
+              <a:t>vytvoření Manifesto for Agile Software Development</a:t>
             </a:r>
           </a:p>
         </p:txBody>
@@ -12781,7 +12746,7 @@
     </p:spTree>
     <p:extLst>
       <p:ext uri="{BB962C8B-B14F-4D97-AF65-F5344CB8AC3E}">
-        <p14:creationId xmlns:p14="http://schemas.microsoft.com/office/powerpoint/2010/main" val="3275247148"/>
+        <p14:creationId xmlns:p14="http://schemas.microsoft.com/office/powerpoint/2010/main" val="3745765733"/>
       </p:ext>
     </p:extLst>
   </p:cSld>
@@ -13132,13 +13097,23 @@
             <a:pPr algn="ctr"/>
             <a:r>
               <a:rPr lang="en-CZ" sz="2400" dirty="0">
+                <a:latin typeface="Times New Roman" panose="02020603050405020304" pitchFamily="18" charset="0"/>
+                <a:cs typeface="Times New Roman" panose="02020603050405020304" pitchFamily="18" charset="0"/>
+              </a:rPr>
+              <a:t>vytvoření Manifesto for Agile Software Development</a:t>
+            </a:r>
+          </a:p>
+          <a:p>
+            <a:pPr algn="ctr"/>
+            <a:r>
+              <a:rPr lang="en-CZ" sz="2400" dirty="0">
                 <a:solidFill>
                   <a:srgbClr val="0065BD"/>
                 </a:solidFill>
                 <a:latin typeface="Times New Roman" panose="02020603050405020304" pitchFamily="18" charset="0"/>
                 <a:cs typeface="Times New Roman" panose="02020603050405020304" pitchFamily="18" charset="0"/>
               </a:rPr>
-              <a:t>vytvoření Manifesto for Agile Software Development</a:t>
+              <a:t>principy Manifesto přeformulovány ze SW do manufacturing</a:t>
             </a:r>
           </a:p>
         </p:txBody>
@@ -13146,7 +13121,7 @@
     </p:spTree>
     <p:extLst>
       <p:ext uri="{BB962C8B-B14F-4D97-AF65-F5344CB8AC3E}">
-        <p14:creationId xmlns:p14="http://schemas.microsoft.com/office/powerpoint/2010/main" val="3745765733"/>
+        <p14:creationId xmlns:p14="http://schemas.microsoft.com/office/powerpoint/2010/main" val="1425864915"/>
       </p:ext>
     </p:extLst>
   </p:cSld>
@@ -13711,13 +13686,23 @@
             <a:pPr algn="ctr"/>
             <a:r>
               <a:rPr lang="en-CZ" sz="2400" dirty="0">
+                <a:latin typeface="Times New Roman" panose="02020603050405020304" pitchFamily="18" charset="0"/>
+                <a:cs typeface="Times New Roman" panose="02020603050405020304" pitchFamily="18" charset="0"/>
+              </a:rPr>
+              <a:t>principy Manifesto přeformulovány ze SW do manufacturing</a:t>
+            </a:r>
+          </a:p>
+          <a:p>
+            <a:pPr algn="ctr"/>
+            <a:r>
+              <a:rPr lang="en-CZ" sz="2400" dirty="0">
                 <a:solidFill>
                   <a:srgbClr val="0065BD"/>
                 </a:solidFill>
                 <a:latin typeface="Times New Roman" panose="02020603050405020304" pitchFamily="18" charset="0"/>
                 <a:cs typeface="Times New Roman" panose="02020603050405020304" pitchFamily="18" charset="0"/>
               </a:rPr>
-              <a:t>principy Manifesto přeformulovány ze SW do manufacturing</a:t>
+              <a:t>základy ze Scrum</a:t>
             </a:r>
           </a:p>
         </p:txBody>
@@ -13725,7 +13710,7 @@
     </p:spTree>
     <p:extLst>
       <p:ext uri="{BB962C8B-B14F-4D97-AF65-F5344CB8AC3E}">
-        <p14:creationId xmlns:p14="http://schemas.microsoft.com/office/powerpoint/2010/main" val="1425864915"/>
+        <p14:creationId xmlns:p14="http://schemas.microsoft.com/office/powerpoint/2010/main" val="2511102984"/>
       </p:ext>
     </p:extLst>
   </p:cSld>
@@ -13843,7 +13828,7 @@
                 <a:latin typeface="+mj-lt"/>
                 <a:cs typeface="Times New Roman" panose="02020603050405020304" pitchFamily="18" charset="0"/>
               </a:rPr>
-              <a:t>XM</a:t>
+              <a:t>Základy ze Scrum</a:t>
             </a:r>
             <a:endParaRPr lang="en-CZ" sz="2800" dirty="0">
               <a:latin typeface="+mj-lt"/>
@@ -14046,63 +14031,13 @@
             <a:pPr algn="ctr"/>
             <a:r>
               <a:rPr lang="en-CZ" sz="2400" dirty="0">
-                <a:latin typeface="Times New Roman" panose="02020603050405020304" pitchFamily="18" charset="0"/>
-                <a:cs typeface="Times New Roman" panose="02020603050405020304" pitchFamily="18" charset="0"/>
-              </a:rPr>
-              <a:t>založen na agility</a:t>
-            </a:r>
-          </a:p>
-          <a:p>
-            <a:pPr algn="ctr"/>
-            <a:r>
-              <a:rPr lang="en-CZ" sz="2400" dirty="0">
-                <a:latin typeface="Times New Roman" panose="02020603050405020304" pitchFamily="18" charset="0"/>
-                <a:cs typeface="Times New Roman" panose="02020603050405020304" pitchFamily="18" charset="0"/>
-              </a:rPr>
-              <a:t>přístup agility vytvořen z důvodu problémů ve vývoji SW</a:t>
-            </a:r>
-          </a:p>
-          <a:p>
-            <a:pPr algn="ctr"/>
-            <a:r>
-              <a:rPr lang="en-CZ" sz="2400" dirty="0">
-                <a:latin typeface="Times New Roman" panose="02020603050405020304" pitchFamily="18" charset="0"/>
-                <a:cs typeface="Times New Roman" panose="02020603050405020304" pitchFamily="18" charset="0"/>
-              </a:rPr>
-              <a:t>iterační princip</a:t>
-            </a:r>
-          </a:p>
-          <a:p>
-            <a:pPr algn="ctr"/>
-            <a:r>
-              <a:rPr lang="en-CZ" sz="2400" dirty="0">
-                <a:latin typeface="Times New Roman" panose="02020603050405020304" pitchFamily="18" charset="0"/>
-                <a:cs typeface="Times New Roman" panose="02020603050405020304" pitchFamily="18" charset="0"/>
-              </a:rPr>
-              <a:t>vytvoření Manifesto for Agile Software Development</a:t>
-            </a:r>
-          </a:p>
-          <a:p>
-            <a:pPr algn="ctr"/>
-            <a:r>
-              <a:rPr lang="en-CZ" sz="2400" dirty="0">
-                <a:latin typeface="Times New Roman" panose="02020603050405020304" pitchFamily="18" charset="0"/>
-                <a:cs typeface="Times New Roman" panose="02020603050405020304" pitchFamily="18" charset="0"/>
-              </a:rPr>
-              <a:t>principy Manifesto přeformulovány ze SW do manufacturing</a:t>
-            </a:r>
-          </a:p>
-          <a:p>
-            <a:pPr algn="ctr"/>
-            <a:r>
-              <a:rPr lang="en-CZ" sz="2400" dirty="0">
                 <a:solidFill>
                   <a:srgbClr val="0065BD"/>
                 </a:solidFill>
                 <a:latin typeface="Times New Roman" panose="02020603050405020304" pitchFamily="18" charset="0"/>
                 <a:cs typeface="Times New Roman" panose="02020603050405020304" pitchFamily="18" charset="0"/>
               </a:rPr>
-              <a:t>základy ze Scrum</a:t>
+              <a:t>Optimizováno pro změnu</a:t>
             </a:r>
           </a:p>
         </p:txBody>
@@ -14110,7 +14045,7 @@
     </p:spTree>
     <p:extLst>
       <p:ext uri="{BB962C8B-B14F-4D97-AF65-F5344CB8AC3E}">
-        <p14:creationId xmlns:p14="http://schemas.microsoft.com/office/powerpoint/2010/main" val="2511102984"/>
+        <p14:creationId xmlns:p14="http://schemas.microsoft.com/office/powerpoint/2010/main" val="3447380460"/>
       </p:ext>
     </p:extLst>
   </p:cSld>
@@ -14431,21 +14366,38 @@
             <a:pPr algn="ctr"/>
             <a:r>
               <a:rPr lang="en-CZ" sz="2400" dirty="0">
+                <a:latin typeface="Times New Roman" panose="02020603050405020304" pitchFamily="18" charset="0"/>
+                <a:cs typeface="Times New Roman" panose="02020603050405020304" pitchFamily="18" charset="0"/>
+              </a:rPr>
+              <a:t>Optimizováno pro změnu</a:t>
+            </a:r>
+          </a:p>
+          <a:p>
+            <a:pPr algn="ctr"/>
+            <a:r>
+              <a:rPr lang="en-CZ" sz="2400" dirty="0">
                 <a:solidFill>
                   <a:srgbClr val="0065BD"/>
                 </a:solidFill>
                 <a:latin typeface="Times New Roman" panose="02020603050405020304" pitchFamily="18" charset="0"/>
                 <a:cs typeface="Times New Roman" panose="02020603050405020304" pitchFamily="18" charset="0"/>
               </a:rPr>
-              <a:t>Optimizováno pro změnu</a:t>
-            </a:r>
+              <a:t>Objektivně orientované, modulární architektura</a:t>
+            </a:r>
+          </a:p>
+          <a:p>
+            <a:pPr algn="ctr"/>
+            <a:endParaRPr lang="en-CZ" sz="2400" dirty="0">
+              <a:latin typeface="Times New Roman" panose="02020603050405020304" pitchFamily="18" charset="0"/>
+              <a:cs typeface="Times New Roman" panose="02020603050405020304" pitchFamily="18" charset="0"/>
+            </a:endParaRPr>
           </a:p>
         </p:txBody>
       </p:sp>
     </p:spTree>
     <p:extLst>
       <p:ext uri="{BB962C8B-B14F-4D97-AF65-F5344CB8AC3E}">
-        <p14:creationId xmlns:p14="http://schemas.microsoft.com/office/powerpoint/2010/main" val="3447380460"/>
+        <p14:creationId xmlns:p14="http://schemas.microsoft.com/office/powerpoint/2010/main" val="980812500"/>
       </p:ext>
     </p:extLst>
   </p:cSld>
@@ -14776,13 +14728,23 @@
             <a:pPr algn="ctr"/>
             <a:r>
               <a:rPr lang="en-CZ" sz="2400" dirty="0">
+                <a:latin typeface="Times New Roman" panose="02020603050405020304" pitchFamily="18" charset="0"/>
+                <a:cs typeface="Times New Roman" panose="02020603050405020304" pitchFamily="18" charset="0"/>
+              </a:rPr>
+              <a:t>Objektivně orientované, modulární architektura</a:t>
+            </a:r>
+          </a:p>
+          <a:p>
+            <a:pPr algn="ctr"/>
+            <a:r>
+              <a:rPr lang="en-CZ" sz="2400" dirty="0">
                 <a:solidFill>
                   <a:srgbClr val="0065BD"/>
                 </a:solidFill>
                 <a:latin typeface="Times New Roman" panose="02020603050405020304" pitchFamily="18" charset="0"/>
                 <a:cs typeface="Times New Roman" panose="02020603050405020304" pitchFamily="18" charset="0"/>
               </a:rPr>
-              <a:t>Objektivně orientované, modulární architektura</a:t>
+              <a:t>Test Driven Development</a:t>
             </a:r>
           </a:p>
           <a:p>
@@ -14797,7 +14759,7 @@
     </p:spTree>
     <p:extLst>
       <p:ext uri="{BB962C8B-B14F-4D97-AF65-F5344CB8AC3E}">
-        <p14:creationId xmlns:p14="http://schemas.microsoft.com/office/powerpoint/2010/main" val="980812500"/>
+        <p14:creationId xmlns:p14="http://schemas.microsoft.com/office/powerpoint/2010/main" val="2262498160"/>
       </p:ext>
     </p:extLst>
   </p:cSld>
@@ -15138,13 +15100,23 @@
             <a:pPr algn="ctr"/>
             <a:r>
               <a:rPr lang="en-CZ" sz="2400" dirty="0">
+                <a:latin typeface="Times New Roman" panose="02020603050405020304" pitchFamily="18" charset="0"/>
+                <a:cs typeface="Times New Roman" panose="02020603050405020304" pitchFamily="18" charset="0"/>
+              </a:rPr>
+              <a:t>Test Driven Development</a:t>
+            </a:r>
+          </a:p>
+          <a:p>
+            <a:pPr algn="ctr"/>
+            <a:r>
+              <a:rPr lang="en-CZ" sz="2400" dirty="0">
                 <a:solidFill>
                   <a:srgbClr val="0065BD"/>
                 </a:solidFill>
                 <a:latin typeface="Times New Roman" panose="02020603050405020304" pitchFamily="18" charset="0"/>
                 <a:cs typeface="Times New Roman" panose="02020603050405020304" pitchFamily="18" charset="0"/>
               </a:rPr>
-              <a:t>Test Driven Development</a:t>
+              <a:t>Contact First Design</a:t>
             </a:r>
           </a:p>
           <a:p>
@@ -15159,7 +15131,7 @@
     </p:spTree>
     <p:extLst>
       <p:ext uri="{BB962C8B-B14F-4D97-AF65-F5344CB8AC3E}">
-        <p14:creationId xmlns:p14="http://schemas.microsoft.com/office/powerpoint/2010/main" val="2262498160"/>
+        <p14:creationId xmlns:p14="http://schemas.microsoft.com/office/powerpoint/2010/main" val="829010547"/>
       </p:ext>
     </p:extLst>
   </p:cSld>
@@ -15510,13 +15482,23 @@
             <a:pPr algn="ctr"/>
             <a:r>
               <a:rPr lang="en-CZ" sz="2400" dirty="0">
+                <a:latin typeface="Times New Roman" panose="02020603050405020304" pitchFamily="18" charset="0"/>
+                <a:cs typeface="Times New Roman" panose="02020603050405020304" pitchFamily="18" charset="0"/>
+              </a:rPr>
+              <a:t>Contact First Design</a:t>
+            </a:r>
+          </a:p>
+          <a:p>
+            <a:pPr algn="ctr"/>
+            <a:r>
+              <a:rPr lang="en-CZ" sz="2400" dirty="0">
                 <a:solidFill>
                   <a:srgbClr val="0065BD"/>
                 </a:solidFill>
                 <a:latin typeface="Times New Roman" panose="02020603050405020304" pitchFamily="18" charset="0"/>
                 <a:cs typeface="Times New Roman" panose="02020603050405020304" pitchFamily="18" charset="0"/>
               </a:rPr>
-              <a:t>Contact First Design</a:t>
+              <a:t>Iterate the Design</a:t>
             </a:r>
           </a:p>
           <a:p>
@@ -15531,7 +15513,7 @@
     </p:spTree>
     <p:extLst>
       <p:ext uri="{BB962C8B-B14F-4D97-AF65-F5344CB8AC3E}">
-        <p14:creationId xmlns:p14="http://schemas.microsoft.com/office/powerpoint/2010/main" val="829010547"/>
+        <p14:creationId xmlns:p14="http://schemas.microsoft.com/office/powerpoint/2010/main" val="437437047"/>
       </p:ext>
     </p:extLst>
   </p:cSld>
@@ -15892,13 +15874,23 @@
             <a:pPr algn="ctr"/>
             <a:r>
               <a:rPr lang="en-CZ" sz="2400" dirty="0">
+                <a:latin typeface="Times New Roman" panose="02020603050405020304" pitchFamily="18" charset="0"/>
+                <a:cs typeface="Times New Roman" panose="02020603050405020304" pitchFamily="18" charset="0"/>
+              </a:rPr>
+              <a:t>Iterate the Design</a:t>
+            </a:r>
+          </a:p>
+          <a:p>
+            <a:pPr algn="ctr"/>
+            <a:r>
+              <a:rPr lang="en-CZ" sz="2400" dirty="0">
                 <a:solidFill>
                   <a:srgbClr val="0065BD"/>
                 </a:solidFill>
                 <a:latin typeface="Times New Roman" panose="02020603050405020304" pitchFamily="18" charset="0"/>
                 <a:cs typeface="Times New Roman" panose="02020603050405020304" pitchFamily="18" charset="0"/>
               </a:rPr>
-              <a:t>Iterate the Design</a:t>
+              <a:t>Agile Hardware Design Patterns</a:t>
             </a:r>
           </a:p>
           <a:p>
@@ -15913,7 +15905,7 @@
     </p:spTree>
     <p:extLst>
       <p:ext uri="{BB962C8B-B14F-4D97-AF65-F5344CB8AC3E}">
-        <p14:creationId xmlns:p14="http://schemas.microsoft.com/office/powerpoint/2010/main" val="437437047"/>
+        <p14:creationId xmlns:p14="http://schemas.microsoft.com/office/powerpoint/2010/main" val="2965370288"/>
       </p:ext>
     </p:extLst>
   </p:cSld>
@@ -16284,28 +16276,31 @@
             <a:pPr algn="ctr"/>
             <a:r>
               <a:rPr lang="en-CZ" sz="2400" dirty="0">
+                <a:latin typeface="Times New Roman" panose="02020603050405020304" pitchFamily="18" charset="0"/>
+                <a:cs typeface="Times New Roman" panose="02020603050405020304" pitchFamily="18" charset="0"/>
+              </a:rPr>
+              <a:t>Agile Hardware Design Patterns</a:t>
+            </a:r>
+          </a:p>
+          <a:p>
+            <a:pPr algn="ctr"/>
+            <a:r>
+              <a:rPr lang="en-CZ" sz="2400" dirty="0">
                 <a:solidFill>
                   <a:srgbClr val="0065BD"/>
                 </a:solidFill>
                 <a:latin typeface="Times New Roman" panose="02020603050405020304" pitchFamily="18" charset="0"/>
                 <a:cs typeface="Times New Roman" panose="02020603050405020304" pitchFamily="18" charset="0"/>
               </a:rPr>
-              <a:t>Agile Hardware Design Patterns</a:t>
-            </a:r>
-          </a:p>
-          <a:p>
-            <a:pPr algn="ctr"/>
-            <a:endParaRPr lang="en-CZ" sz="2400" dirty="0">
-              <a:latin typeface="Times New Roman" panose="02020603050405020304" pitchFamily="18" charset="0"/>
-              <a:cs typeface="Times New Roman" panose="02020603050405020304" pitchFamily="18" charset="0"/>
-            </a:endParaRPr>
+              <a:t>Continuous Integration Development</a:t>
+            </a:r>
           </a:p>
         </p:txBody>
       </p:sp>
     </p:spTree>
     <p:extLst>
       <p:ext uri="{BB962C8B-B14F-4D97-AF65-F5344CB8AC3E}">
-        <p14:creationId xmlns:p14="http://schemas.microsoft.com/office/powerpoint/2010/main" val="2965370288"/>
+        <p14:creationId xmlns:p14="http://schemas.microsoft.com/office/powerpoint/2010/main" val="1168832104"/>
       </p:ext>
     </p:extLst>
   </p:cSld>
@@ -16686,13 +16681,23 @@
             <a:pPr algn="ctr"/>
             <a:r>
               <a:rPr lang="en-CZ" sz="2400" dirty="0">
+                <a:latin typeface="Times New Roman" panose="02020603050405020304" pitchFamily="18" charset="0"/>
+                <a:cs typeface="Times New Roman" panose="02020603050405020304" pitchFamily="18" charset="0"/>
+              </a:rPr>
+              <a:t>Continuous Integration Development</a:t>
+            </a:r>
+          </a:p>
+          <a:p>
+            <a:pPr algn="ctr"/>
+            <a:r>
+              <a:rPr lang="en-CZ" sz="2400" dirty="0">
                 <a:solidFill>
                   <a:srgbClr val="0065BD"/>
                 </a:solidFill>
                 <a:latin typeface="Times New Roman" panose="02020603050405020304" pitchFamily="18" charset="0"/>
                 <a:cs typeface="Times New Roman" panose="02020603050405020304" pitchFamily="18" charset="0"/>
               </a:rPr>
-              <a:t>Continuous Integration Development</a:t>
+              <a:t>Continuous Deployment Development</a:t>
             </a:r>
           </a:p>
         </p:txBody>
@@ -16700,7 +16705,7 @@
     </p:spTree>
     <p:extLst>
       <p:ext uri="{BB962C8B-B14F-4D97-AF65-F5344CB8AC3E}">
-        <p14:creationId xmlns:p14="http://schemas.microsoft.com/office/powerpoint/2010/main" val="1168832104"/>
+        <p14:creationId xmlns:p14="http://schemas.microsoft.com/office/powerpoint/2010/main" val="3315965749"/>
       </p:ext>
     </p:extLst>
   </p:cSld>
@@ -17091,13 +17096,23 @@
             <a:pPr algn="ctr"/>
             <a:r>
               <a:rPr lang="en-CZ" sz="2400" dirty="0">
+                <a:latin typeface="Times New Roman" panose="02020603050405020304" pitchFamily="18" charset="0"/>
+                <a:cs typeface="Times New Roman" panose="02020603050405020304" pitchFamily="18" charset="0"/>
+              </a:rPr>
+              <a:t>Continuous Deployment Development</a:t>
+            </a:r>
+          </a:p>
+          <a:p>
+            <a:pPr algn="ctr"/>
+            <a:r>
+              <a:rPr lang="en-CZ" sz="2400" dirty="0">
                 <a:solidFill>
                   <a:srgbClr val="0065BD"/>
                 </a:solidFill>
                 <a:latin typeface="Times New Roman" panose="02020603050405020304" pitchFamily="18" charset="0"/>
                 <a:cs typeface="Times New Roman" panose="02020603050405020304" pitchFamily="18" charset="0"/>
               </a:rPr>
-              <a:t>Continuous Deployment Development</a:t>
+              <a:t>Scaling Patterns</a:t>
             </a:r>
           </a:p>
         </p:txBody>
@@ -17105,7 +17120,7 @@
     </p:spTree>
     <p:extLst>
       <p:ext uri="{BB962C8B-B14F-4D97-AF65-F5344CB8AC3E}">
-        <p14:creationId xmlns:p14="http://schemas.microsoft.com/office/powerpoint/2010/main" val="3315965749"/>
+        <p14:creationId xmlns:p14="http://schemas.microsoft.com/office/powerpoint/2010/main" val="174182631"/>
       </p:ext>
     </p:extLst>
   </p:cSld>
@@ -17842,13 +17857,23 @@
             <a:pPr algn="ctr"/>
             <a:r>
               <a:rPr lang="en-CZ" sz="2400" dirty="0">
+                <a:latin typeface="Times New Roman" panose="02020603050405020304" pitchFamily="18" charset="0"/>
+                <a:cs typeface="Times New Roman" panose="02020603050405020304" pitchFamily="18" charset="0"/>
+              </a:rPr>
+              <a:t>Scaling Patterns</a:t>
+            </a:r>
+          </a:p>
+          <a:p>
+            <a:pPr algn="ctr"/>
+            <a:r>
+              <a:rPr lang="en-CZ" sz="2400" dirty="0">
                 <a:solidFill>
                   <a:srgbClr val="0065BD"/>
                 </a:solidFill>
                 <a:latin typeface="Times New Roman" panose="02020603050405020304" pitchFamily="18" charset="0"/>
                 <a:cs typeface="Times New Roman" panose="02020603050405020304" pitchFamily="18" charset="0"/>
               </a:rPr>
-              <a:t>Scaling Patterns</a:t>
+              <a:t>Partner Patterns</a:t>
             </a:r>
           </a:p>
         </p:txBody>
@@ -17856,7 +17881,7 @@
     </p:spTree>
     <p:extLst>
       <p:ext uri="{BB962C8B-B14F-4D97-AF65-F5344CB8AC3E}">
-        <p14:creationId xmlns:p14="http://schemas.microsoft.com/office/powerpoint/2010/main" val="174182631"/>
+        <p14:creationId xmlns:p14="http://schemas.microsoft.com/office/powerpoint/2010/main" val="3905668839"/>
       </p:ext>
     </p:extLst>
   </p:cSld>
@@ -17939,431 +17964,6 @@
       </p:sp>
       <p:sp>
         <p:nvSpPr>
-          <p:cNvPr id="5" name="TextBox 4">
-            <a:extLst>
-              <a:ext uri="{FF2B5EF4-FFF2-40B4-BE49-F238E27FC236}">
-                <a16:creationId xmlns:a16="http://schemas.microsoft.com/office/drawing/2014/main" id="{0B97D00E-39C2-D145-A631-DBA36E45E7E1}"/>
-              </a:ext>
-            </a:extLst>
-          </p:cNvPr>
-          <p:cNvSpPr txBox="1"/>
-          <p:nvPr/>
-        </p:nvSpPr>
-        <p:spPr>
-          <a:xfrm>
-            <a:off x="0" y="1221336"/>
-            <a:ext cx="9144000" cy="523220"/>
-          </a:xfrm>
-          <a:prstGeom prst="rect">
-            <a:avLst/>
-          </a:prstGeom>
-          <a:noFill/>
-        </p:spPr>
-        <p:txBody>
-          <a:bodyPr wrap="square" rtlCol="0">
-            <a:spAutoFit/>
-          </a:bodyPr>
-          <a:lstStyle/>
-          <a:p>
-            <a:pPr algn="ctr"/>
-            <a:r>
-              <a:rPr lang="en-CZ" sz="2800" dirty="0">
-                <a:solidFill>
-                  <a:srgbClr val="FF0000"/>
-                </a:solidFill>
-                <a:latin typeface="+mj-lt"/>
-                <a:cs typeface="Times New Roman" panose="02020603050405020304" pitchFamily="18" charset="0"/>
-              </a:rPr>
-              <a:t>Základy ze Scrum</a:t>
-            </a:r>
-            <a:endParaRPr lang="en-CZ" sz="2800" dirty="0">
-              <a:latin typeface="+mj-lt"/>
-            </a:endParaRPr>
-          </a:p>
-        </p:txBody>
-      </p:sp>
-      <p:sp>
-        <p:nvSpPr>
-          <p:cNvPr id="8" name="Content Placeholder 2">
-            <a:extLst>
-              <a:ext uri="{FF2B5EF4-FFF2-40B4-BE49-F238E27FC236}">
-                <a16:creationId xmlns:a16="http://schemas.microsoft.com/office/drawing/2014/main" id="{1DE13750-9F62-BD48-9589-CF29E926F7C9}"/>
-              </a:ext>
-            </a:extLst>
-          </p:cNvPr>
-          <p:cNvSpPr txBox="1">
-            <a:spLocks/>
-          </p:cNvSpPr>
-          <p:nvPr/>
-        </p:nvSpPr>
-        <p:spPr>
-          <a:xfrm>
-            <a:off x="675000" y="1924161"/>
-            <a:ext cx="7794000" cy="4774813"/>
-          </a:xfrm>
-          <a:prstGeom prst="rect">
-            <a:avLst/>
-          </a:prstGeom>
-        </p:spPr>
-        <p:txBody>
-          <a:bodyPr vert="horz" lIns="91440" tIns="45720" rIns="91440" bIns="45720" rtlCol="0">
-            <a:normAutofit/>
-          </a:bodyPr>
-          <a:lstStyle>
-            <a:lvl1pPr marL="0" indent="0" algn="l" defTabSz="914354" rtl="0" eaLnBrk="1" latinLnBrk="0" hangingPunct="1">
-              <a:lnSpc>
-                <a:spcPct val="90000"/>
-              </a:lnSpc>
-              <a:spcBef>
-                <a:spcPts val="1000"/>
-              </a:spcBef>
-              <a:buFont typeface="Arial" panose="020B0604020202020204" pitchFamily="34" charset="0"/>
-              <a:buNone/>
-              <a:defRPr sz="2000" kern="3000" baseline="0">
-                <a:solidFill>
-                  <a:schemeClr val="tx1"/>
-                </a:solidFill>
-                <a:latin typeface="Technika-Bold" panose="00000600000000000000" pitchFamily="50" charset="-18"/>
-                <a:ea typeface="+mn-ea"/>
-                <a:cs typeface="+mn-cs"/>
-              </a:defRPr>
-            </a:lvl1pPr>
-            <a:lvl2pPr marL="685766" indent="-228589" algn="l" defTabSz="914354" rtl="0" eaLnBrk="1" latinLnBrk="0" hangingPunct="1">
-              <a:lnSpc>
-                <a:spcPct val="90000"/>
-              </a:lnSpc>
-              <a:spcBef>
-                <a:spcPts val="500"/>
-              </a:spcBef>
-              <a:buFont typeface="Arial" panose="020B0604020202020204" pitchFamily="34" charset="0"/>
-              <a:buChar char="•"/>
-              <a:defRPr sz="2400" kern="1200">
-                <a:solidFill>
-                  <a:schemeClr val="tx1"/>
-                </a:solidFill>
-                <a:latin typeface="Technika" panose="00000600000000000000" pitchFamily="50" charset="-18"/>
-                <a:ea typeface="+mn-ea"/>
-                <a:cs typeface="+mn-cs"/>
-              </a:defRPr>
-            </a:lvl2pPr>
-            <a:lvl3pPr marL="1142942" indent="-228589" algn="l" defTabSz="914354" rtl="0" eaLnBrk="1" latinLnBrk="0" hangingPunct="1">
-              <a:lnSpc>
-                <a:spcPct val="90000"/>
-              </a:lnSpc>
-              <a:spcBef>
-                <a:spcPts val="500"/>
-              </a:spcBef>
-              <a:buFont typeface="Arial" panose="020B0604020202020204" pitchFamily="34" charset="0"/>
-              <a:buChar char="•"/>
-              <a:defRPr sz="2000" kern="1200">
-                <a:solidFill>
-                  <a:schemeClr val="tx1"/>
-                </a:solidFill>
-                <a:latin typeface="Technika" panose="00000600000000000000" pitchFamily="50" charset="-18"/>
-                <a:ea typeface="+mn-ea"/>
-                <a:cs typeface="+mn-cs"/>
-              </a:defRPr>
-            </a:lvl3pPr>
-            <a:lvl4pPr marL="1600120" indent="-228589" algn="l" defTabSz="914354" rtl="0" eaLnBrk="1" latinLnBrk="0" hangingPunct="1">
-              <a:lnSpc>
-                <a:spcPct val="90000"/>
-              </a:lnSpc>
-              <a:spcBef>
-                <a:spcPts val="500"/>
-              </a:spcBef>
-              <a:buFont typeface="Arial" panose="020B0604020202020204" pitchFamily="34" charset="0"/>
-              <a:buChar char="•"/>
-              <a:defRPr sz="1800" kern="1200">
-                <a:solidFill>
-                  <a:schemeClr val="tx1"/>
-                </a:solidFill>
-                <a:latin typeface="Technika" panose="00000600000000000000" pitchFamily="50" charset="-18"/>
-                <a:ea typeface="+mn-ea"/>
-                <a:cs typeface="+mn-cs"/>
-              </a:defRPr>
-            </a:lvl4pPr>
-            <a:lvl5pPr marL="2057298" indent="-228589" algn="l" defTabSz="914354" rtl="0" eaLnBrk="1" latinLnBrk="0" hangingPunct="1">
-              <a:lnSpc>
-                <a:spcPct val="90000"/>
-              </a:lnSpc>
-              <a:spcBef>
-                <a:spcPts val="500"/>
-              </a:spcBef>
-              <a:buFont typeface="Arial" panose="020B0604020202020204" pitchFamily="34" charset="0"/>
-              <a:buChar char="•"/>
-              <a:defRPr sz="1800" kern="1200">
-                <a:solidFill>
-                  <a:schemeClr val="tx1"/>
-                </a:solidFill>
-                <a:latin typeface="Technika" panose="00000600000000000000" pitchFamily="50" charset="-18"/>
-                <a:ea typeface="+mn-ea"/>
-                <a:cs typeface="+mn-cs"/>
-              </a:defRPr>
-            </a:lvl5pPr>
-            <a:lvl6pPr marL="2514474" indent="-228589" algn="l" defTabSz="914354" rtl="0" eaLnBrk="1" latinLnBrk="0" hangingPunct="1">
-              <a:lnSpc>
-                <a:spcPct val="90000"/>
-              </a:lnSpc>
-              <a:spcBef>
-                <a:spcPts val="500"/>
-              </a:spcBef>
-              <a:buFont typeface="Arial" panose="020B0604020202020204" pitchFamily="34" charset="0"/>
-              <a:buChar char="•"/>
-              <a:defRPr sz="1800" kern="1200">
-                <a:solidFill>
-                  <a:schemeClr val="tx1"/>
-                </a:solidFill>
-                <a:latin typeface="+mn-lt"/>
-                <a:ea typeface="+mn-ea"/>
-                <a:cs typeface="+mn-cs"/>
-              </a:defRPr>
-            </a:lvl6pPr>
-            <a:lvl7pPr marL="2971652" indent="-228589" algn="l" defTabSz="914354" rtl="0" eaLnBrk="1" latinLnBrk="0" hangingPunct="1">
-              <a:lnSpc>
-                <a:spcPct val="90000"/>
-              </a:lnSpc>
-              <a:spcBef>
-                <a:spcPts val="500"/>
-              </a:spcBef>
-              <a:buFont typeface="Arial" panose="020B0604020202020204" pitchFamily="34" charset="0"/>
-              <a:buChar char="•"/>
-              <a:defRPr sz="1800" kern="1200">
-                <a:solidFill>
-                  <a:schemeClr val="tx1"/>
-                </a:solidFill>
-                <a:latin typeface="+mn-lt"/>
-                <a:ea typeface="+mn-ea"/>
-                <a:cs typeface="+mn-cs"/>
-              </a:defRPr>
-            </a:lvl7pPr>
-            <a:lvl8pPr marL="3428829" indent="-228589" algn="l" defTabSz="914354" rtl="0" eaLnBrk="1" latinLnBrk="0" hangingPunct="1">
-              <a:lnSpc>
-                <a:spcPct val="90000"/>
-              </a:lnSpc>
-              <a:spcBef>
-                <a:spcPts val="500"/>
-              </a:spcBef>
-              <a:buFont typeface="Arial" panose="020B0604020202020204" pitchFamily="34" charset="0"/>
-              <a:buChar char="•"/>
-              <a:defRPr sz="1800" kern="1200">
-                <a:solidFill>
-                  <a:schemeClr val="tx1"/>
-                </a:solidFill>
-                <a:latin typeface="+mn-lt"/>
-                <a:ea typeface="+mn-ea"/>
-                <a:cs typeface="+mn-cs"/>
-              </a:defRPr>
-            </a:lvl8pPr>
-            <a:lvl9pPr marL="3886006" indent="-228589" algn="l" defTabSz="914354" rtl="0" eaLnBrk="1" latinLnBrk="0" hangingPunct="1">
-              <a:lnSpc>
-                <a:spcPct val="90000"/>
-              </a:lnSpc>
-              <a:spcBef>
-                <a:spcPts val="500"/>
-              </a:spcBef>
-              <a:buFont typeface="Arial" panose="020B0604020202020204" pitchFamily="34" charset="0"/>
-              <a:buChar char="•"/>
-              <a:defRPr sz="1800" kern="1200">
-                <a:solidFill>
-                  <a:schemeClr val="tx1"/>
-                </a:solidFill>
-                <a:latin typeface="+mn-lt"/>
-                <a:ea typeface="+mn-ea"/>
-                <a:cs typeface="+mn-cs"/>
-              </a:defRPr>
-            </a:lvl9pPr>
-          </a:lstStyle>
-          <a:p>
-            <a:pPr algn="ctr"/>
-            <a:r>
-              <a:rPr lang="en-CZ" sz="2400" dirty="0">
-                <a:latin typeface="Times New Roman" panose="02020603050405020304" pitchFamily="18" charset="0"/>
-                <a:cs typeface="Times New Roman" panose="02020603050405020304" pitchFamily="18" charset="0"/>
-              </a:rPr>
-              <a:t>Optimizováno pro změnu</a:t>
-            </a:r>
-          </a:p>
-          <a:p>
-            <a:pPr algn="ctr"/>
-            <a:r>
-              <a:rPr lang="en-CZ" sz="2400" dirty="0">
-                <a:latin typeface="Times New Roman" panose="02020603050405020304" pitchFamily="18" charset="0"/>
-                <a:cs typeface="Times New Roman" panose="02020603050405020304" pitchFamily="18" charset="0"/>
-              </a:rPr>
-              <a:t>Objektivně orientované, modulární architektura</a:t>
-            </a:r>
-          </a:p>
-          <a:p>
-            <a:pPr algn="ctr"/>
-            <a:r>
-              <a:rPr lang="en-CZ" sz="2400" dirty="0">
-                <a:latin typeface="Times New Roman" panose="02020603050405020304" pitchFamily="18" charset="0"/>
-                <a:cs typeface="Times New Roman" panose="02020603050405020304" pitchFamily="18" charset="0"/>
-              </a:rPr>
-              <a:t>Test Driven Development</a:t>
-            </a:r>
-          </a:p>
-          <a:p>
-            <a:pPr algn="ctr"/>
-            <a:r>
-              <a:rPr lang="en-CZ" sz="2400" dirty="0">
-                <a:latin typeface="Times New Roman" panose="02020603050405020304" pitchFamily="18" charset="0"/>
-                <a:cs typeface="Times New Roman" panose="02020603050405020304" pitchFamily="18" charset="0"/>
-              </a:rPr>
-              <a:t>Contact First Design</a:t>
-            </a:r>
-          </a:p>
-          <a:p>
-            <a:pPr algn="ctr"/>
-            <a:r>
-              <a:rPr lang="en-CZ" sz="2400" dirty="0">
-                <a:latin typeface="Times New Roman" panose="02020603050405020304" pitchFamily="18" charset="0"/>
-                <a:cs typeface="Times New Roman" panose="02020603050405020304" pitchFamily="18" charset="0"/>
-              </a:rPr>
-              <a:t>Iterate the Design</a:t>
-            </a:r>
-          </a:p>
-          <a:p>
-            <a:pPr algn="ctr"/>
-            <a:r>
-              <a:rPr lang="en-CZ" sz="2400" dirty="0">
-                <a:latin typeface="Times New Roman" panose="02020603050405020304" pitchFamily="18" charset="0"/>
-                <a:cs typeface="Times New Roman" panose="02020603050405020304" pitchFamily="18" charset="0"/>
-              </a:rPr>
-              <a:t>Agile Hardware Design Patterns</a:t>
-            </a:r>
-          </a:p>
-          <a:p>
-            <a:pPr algn="ctr"/>
-            <a:r>
-              <a:rPr lang="en-CZ" sz="2400" dirty="0">
-                <a:latin typeface="Times New Roman" panose="02020603050405020304" pitchFamily="18" charset="0"/>
-                <a:cs typeface="Times New Roman" panose="02020603050405020304" pitchFamily="18" charset="0"/>
-              </a:rPr>
-              <a:t>Continuous Integration Development</a:t>
-            </a:r>
-          </a:p>
-          <a:p>
-            <a:pPr algn="ctr"/>
-            <a:r>
-              <a:rPr lang="en-CZ" sz="2400" dirty="0">
-                <a:latin typeface="Times New Roman" panose="02020603050405020304" pitchFamily="18" charset="0"/>
-                <a:cs typeface="Times New Roman" panose="02020603050405020304" pitchFamily="18" charset="0"/>
-              </a:rPr>
-              <a:t>Continuous Deployment Development</a:t>
-            </a:r>
-          </a:p>
-          <a:p>
-            <a:pPr algn="ctr"/>
-            <a:r>
-              <a:rPr lang="en-CZ" sz="2400" dirty="0">
-                <a:latin typeface="Times New Roman" panose="02020603050405020304" pitchFamily="18" charset="0"/>
-                <a:cs typeface="Times New Roman" panose="02020603050405020304" pitchFamily="18" charset="0"/>
-              </a:rPr>
-              <a:t>Scaling Patterns</a:t>
-            </a:r>
-          </a:p>
-          <a:p>
-            <a:pPr algn="ctr"/>
-            <a:r>
-              <a:rPr lang="en-CZ" sz="2400" dirty="0">
-                <a:solidFill>
-                  <a:srgbClr val="0065BD"/>
-                </a:solidFill>
-                <a:latin typeface="Times New Roman" panose="02020603050405020304" pitchFamily="18" charset="0"/>
-                <a:cs typeface="Times New Roman" panose="02020603050405020304" pitchFamily="18" charset="0"/>
-              </a:rPr>
-              <a:t>Partner Patterns</a:t>
-            </a:r>
-          </a:p>
-        </p:txBody>
-      </p:sp>
-    </p:spTree>
-    <p:extLst>
-      <p:ext uri="{BB962C8B-B14F-4D97-AF65-F5344CB8AC3E}">
-        <p14:creationId xmlns:p14="http://schemas.microsoft.com/office/powerpoint/2010/main" val="3905668839"/>
-      </p:ext>
-    </p:extLst>
-  </p:cSld>
-  <p:clrMapOvr>
-    <a:masterClrMapping/>
-  </p:clrMapOvr>
-</p:sld>
-</file>
-
-<file path=ppt/slides/slide52.xml><?xml version="1.0" encoding="utf-8"?>
-<p:sld xmlns:a="http://schemas.openxmlformats.org/drawingml/2006/main" xmlns:r="http://schemas.openxmlformats.org/officeDocument/2006/relationships" xmlns:p="http://schemas.openxmlformats.org/presentationml/2006/main">
-  <p:cSld>
-    <p:spTree>
-      <p:nvGrpSpPr>
-        <p:cNvPr id="1" name=""/>
-        <p:cNvGrpSpPr/>
-        <p:nvPr/>
-      </p:nvGrpSpPr>
-      <p:grpSpPr>
-        <a:xfrm>
-          <a:off x="0" y="0"/>
-          <a:ext cx="0" cy="0"/>
-          <a:chOff x="0" y="0"/>
-          <a:chExt cx="0" cy="0"/>
-        </a:xfrm>
-      </p:grpSpPr>
-      <p:sp>
-        <p:nvSpPr>
-          <p:cNvPr id="7" name="Title 1">
-            <a:extLst>
-              <a:ext uri="{FF2B5EF4-FFF2-40B4-BE49-F238E27FC236}">
-                <a16:creationId xmlns:a16="http://schemas.microsoft.com/office/drawing/2014/main" id="{778F5AB8-30D0-2943-8A43-A6E04205B88F}"/>
-              </a:ext>
-            </a:extLst>
-          </p:cNvPr>
-          <p:cNvSpPr txBox="1">
-            <a:spLocks/>
-          </p:cNvSpPr>
-          <p:nvPr/>
-        </p:nvSpPr>
-        <p:spPr>
-          <a:xfrm>
-            <a:off x="8469000" y="19878"/>
-            <a:ext cx="907827" cy="544775"/>
-          </a:xfrm>
-          <a:prstGeom prst="rect">
-            <a:avLst/>
-          </a:prstGeom>
-        </p:spPr>
-        <p:txBody>
-          <a:bodyPr vert="horz" lIns="91440" tIns="45720" rIns="91440" bIns="45720" rtlCol="0" anchor="t">
-            <a:normAutofit/>
-          </a:bodyPr>
-          <a:lstStyle>
-            <a:lvl1pPr algn="l" defTabSz="914354" rtl="0" eaLnBrk="1" latinLnBrk="0" hangingPunct="1">
-              <a:lnSpc>
-                <a:spcPct val="90000"/>
-              </a:lnSpc>
-              <a:spcBef>
-                <a:spcPct val="0"/>
-              </a:spcBef>
-              <a:buNone/>
-              <a:defRPr sz="2800" kern="2800" baseline="0">
-                <a:solidFill>
-                  <a:schemeClr val="tx1"/>
-                </a:solidFill>
-                <a:latin typeface="Technika-Bold" panose="00000600000000000000" pitchFamily="50" charset="-18"/>
-                <a:ea typeface="+mj-ea"/>
-                <a:cs typeface="+mj-cs"/>
-              </a:defRPr>
-            </a:lvl1pPr>
-          </a:lstStyle>
-          <a:p>
-            <a:r>
-              <a:rPr lang="en-CZ" dirty="0"/>
-              <a:t>XM</a:t>
-            </a:r>
-          </a:p>
-        </p:txBody>
-      </p:sp>
-      <p:sp>
-        <p:nvSpPr>
           <p:cNvPr id="6" name="Content Placeholder 2">
             <a:extLst>
               <a:ext uri="{FF2B5EF4-FFF2-40B4-BE49-F238E27FC236}">
@@ -18657,6 +18257,302 @@
     <p:extLst>
       <p:ext uri="{BB962C8B-B14F-4D97-AF65-F5344CB8AC3E}">
         <p14:creationId xmlns:p14="http://schemas.microsoft.com/office/powerpoint/2010/main" val="350606253"/>
+      </p:ext>
+    </p:extLst>
+  </p:cSld>
+  <p:clrMapOvr>
+    <a:masterClrMapping/>
+  </p:clrMapOvr>
+</p:sld>
+</file>
+
+<file path=ppt/slides/slide52.xml><?xml version="1.0" encoding="utf-8"?>
+<p:sld xmlns:a="http://schemas.openxmlformats.org/drawingml/2006/main" xmlns:r="http://schemas.openxmlformats.org/officeDocument/2006/relationships" xmlns:p="http://schemas.openxmlformats.org/presentationml/2006/main">
+  <p:cSld>
+    <p:spTree>
+      <p:nvGrpSpPr>
+        <p:cNvPr id="1" name=""/>
+        <p:cNvGrpSpPr/>
+        <p:nvPr/>
+      </p:nvGrpSpPr>
+      <p:grpSpPr>
+        <a:xfrm>
+          <a:off x="0" y="0"/>
+          <a:ext cx="0" cy="0"/>
+          <a:chOff x="0" y="0"/>
+          <a:chExt cx="0" cy="0"/>
+        </a:xfrm>
+      </p:grpSpPr>
+      <p:sp>
+        <p:nvSpPr>
+          <p:cNvPr id="2" name="Title 1">
+            <a:extLst>
+              <a:ext uri="{FF2B5EF4-FFF2-40B4-BE49-F238E27FC236}">
+                <a16:creationId xmlns:a16="http://schemas.microsoft.com/office/drawing/2014/main" id="{28C9F81D-D815-C64B-B580-2F7E104BCCF8}"/>
+              </a:ext>
+            </a:extLst>
+          </p:cNvPr>
+          <p:cNvSpPr>
+            <a:spLocks noGrp="1"/>
+          </p:cNvSpPr>
+          <p:nvPr>
+            <p:ph type="ctrTitle"/>
+          </p:nvPr>
+        </p:nvSpPr>
+        <p:spPr>
+          <a:xfrm>
+            <a:off x="1080000" y="2705668"/>
+            <a:ext cx="7736694" cy="1446663"/>
+          </a:xfrm>
+        </p:spPr>
+        <p:txBody>
+          <a:bodyPr/>
+          <a:lstStyle/>
+          <a:p>
+            <a:r>
+              <a:rPr lang="en-CZ" dirty="0"/>
+              <a:t>Děkujeme za pozornost</a:t>
+            </a:r>
+          </a:p>
+        </p:txBody>
+      </p:sp>
+      <p:sp>
+        <p:nvSpPr>
+          <p:cNvPr id="4" name="Content Placeholder 2">
+            <a:extLst>
+              <a:ext uri="{FF2B5EF4-FFF2-40B4-BE49-F238E27FC236}">
+                <a16:creationId xmlns:a16="http://schemas.microsoft.com/office/drawing/2014/main" id="{0989FA9D-E085-184A-85E2-259E55750507}"/>
+              </a:ext>
+            </a:extLst>
+          </p:cNvPr>
+          <p:cNvSpPr txBox="1">
+            <a:spLocks/>
+          </p:cNvSpPr>
+          <p:nvPr/>
+        </p:nvSpPr>
+        <p:spPr>
+          <a:xfrm>
+            <a:off x="-457200" y="6272448"/>
+            <a:ext cx="10058400" cy="1481070"/>
+          </a:xfrm>
+          <a:prstGeom prst="rect">
+            <a:avLst/>
+          </a:prstGeom>
+        </p:spPr>
+        <p:txBody>
+          <a:bodyPr vert="horz" lIns="91440" tIns="45720" rIns="91440" bIns="45720" rtlCol="0">
+            <a:normAutofit/>
+          </a:bodyPr>
+          <a:lstStyle>
+            <a:lvl1pPr marL="0" indent="0" algn="l" defTabSz="914354" rtl="0" eaLnBrk="1" latinLnBrk="0" hangingPunct="1">
+              <a:lnSpc>
+                <a:spcPct val="90000"/>
+              </a:lnSpc>
+              <a:spcBef>
+                <a:spcPts val="1000"/>
+              </a:spcBef>
+              <a:buFont typeface="Arial" panose="020B0604020202020204" pitchFamily="34" charset="0"/>
+              <a:buNone/>
+              <a:defRPr sz="2000" kern="3000" baseline="0">
+                <a:solidFill>
+                  <a:schemeClr val="tx1"/>
+                </a:solidFill>
+                <a:latin typeface="Technika-Bold" panose="00000600000000000000" pitchFamily="50" charset="-18"/>
+                <a:ea typeface="+mn-ea"/>
+                <a:cs typeface="+mn-cs"/>
+              </a:defRPr>
+            </a:lvl1pPr>
+            <a:lvl2pPr marL="685766" indent="-228589" algn="l" defTabSz="914354" rtl="0" eaLnBrk="1" latinLnBrk="0" hangingPunct="1">
+              <a:lnSpc>
+                <a:spcPct val="90000"/>
+              </a:lnSpc>
+              <a:spcBef>
+                <a:spcPts val="500"/>
+              </a:spcBef>
+              <a:buFont typeface="Arial" panose="020B0604020202020204" pitchFamily="34" charset="0"/>
+              <a:buChar char="•"/>
+              <a:defRPr sz="2400" kern="1200">
+                <a:solidFill>
+                  <a:schemeClr val="tx1"/>
+                </a:solidFill>
+                <a:latin typeface="Technika" panose="00000600000000000000" pitchFamily="50" charset="-18"/>
+                <a:ea typeface="+mn-ea"/>
+                <a:cs typeface="+mn-cs"/>
+              </a:defRPr>
+            </a:lvl2pPr>
+            <a:lvl3pPr marL="1142942" indent="-228589" algn="l" defTabSz="914354" rtl="0" eaLnBrk="1" latinLnBrk="0" hangingPunct="1">
+              <a:lnSpc>
+                <a:spcPct val="90000"/>
+              </a:lnSpc>
+              <a:spcBef>
+                <a:spcPts val="500"/>
+              </a:spcBef>
+              <a:buFont typeface="Arial" panose="020B0604020202020204" pitchFamily="34" charset="0"/>
+              <a:buChar char="•"/>
+              <a:defRPr sz="2000" kern="1200">
+                <a:solidFill>
+                  <a:schemeClr val="tx1"/>
+                </a:solidFill>
+                <a:latin typeface="Technika" panose="00000600000000000000" pitchFamily="50" charset="-18"/>
+                <a:ea typeface="+mn-ea"/>
+                <a:cs typeface="+mn-cs"/>
+              </a:defRPr>
+            </a:lvl3pPr>
+            <a:lvl4pPr marL="1600120" indent="-228589" algn="l" defTabSz="914354" rtl="0" eaLnBrk="1" latinLnBrk="0" hangingPunct="1">
+              <a:lnSpc>
+                <a:spcPct val="90000"/>
+              </a:lnSpc>
+              <a:spcBef>
+                <a:spcPts val="500"/>
+              </a:spcBef>
+              <a:buFont typeface="Arial" panose="020B0604020202020204" pitchFamily="34" charset="0"/>
+              <a:buChar char="•"/>
+              <a:defRPr sz="1800" kern="1200">
+                <a:solidFill>
+                  <a:schemeClr val="tx1"/>
+                </a:solidFill>
+                <a:latin typeface="Technika" panose="00000600000000000000" pitchFamily="50" charset="-18"/>
+                <a:ea typeface="+mn-ea"/>
+                <a:cs typeface="+mn-cs"/>
+              </a:defRPr>
+            </a:lvl4pPr>
+            <a:lvl5pPr marL="2057298" indent="-228589" algn="l" defTabSz="914354" rtl="0" eaLnBrk="1" latinLnBrk="0" hangingPunct="1">
+              <a:lnSpc>
+                <a:spcPct val="90000"/>
+              </a:lnSpc>
+              <a:spcBef>
+                <a:spcPts val="500"/>
+              </a:spcBef>
+              <a:buFont typeface="Arial" panose="020B0604020202020204" pitchFamily="34" charset="0"/>
+              <a:buChar char="•"/>
+              <a:defRPr sz="1800" kern="1200">
+                <a:solidFill>
+                  <a:schemeClr val="tx1"/>
+                </a:solidFill>
+                <a:latin typeface="Technika" panose="00000600000000000000" pitchFamily="50" charset="-18"/>
+                <a:ea typeface="+mn-ea"/>
+                <a:cs typeface="+mn-cs"/>
+              </a:defRPr>
+            </a:lvl5pPr>
+            <a:lvl6pPr marL="2514474" indent="-228589" algn="l" defTabSz="914354" rtl="0" eaLnBrk="1" latinLnBrk="0" hangingPunct="1">
+              <a:lnSpc>
+                <a:spcPct val="90000"/>
+              </a:lnSpc>
+              <a:spcBef>
+                <a:spcPts val="500"/>
+              </a:spcBef>
+              <a:buFont typeface="Arial" panose="020B0604020202020204" pitchFamily="34" charset="0"/>
+              <a:buChar char="•"/>
+              <a:defRPr sz="1800" kern="1200">
+                <a:solidFill>
+                  <a:schemeClr val="tx1"/>
+                </a:solidFill>
+                <a:latin typeface="+mn-lt"/>
+                <a:ea typeface="+mn-ea"/>
+                <a:cs typeface="+mn-cs"/>
+              </a:defRPr>
+            </a:lvl6pPr>
+            <a:lvl7pPr marL="2971652" indent="-228589" algn="l" defTabSz="914354" rtl="0" eaLnBrk="1" latinLnBrk="0" hangingPunct="1">
+              <a:lnSpc>
+                <a:spcPct val="90000"/>
+              </a:lnSpc>
+              <a:spcBef>
+                <a:spcPts val="500"/>
+              </a:spcBef>
+              <a:buFont typeface="Arial" panose="020B0604020202020204" pitchFamily="34" charset="0"/>
+              <a:buChar char="•"/>
+              <a:defRPr sz="1800" kern="1200">
+                <a:solidFill>
+                  <a:schemeClr val="tx1"/>
+                </a:solidFill>
+                <a:latin typeface="+mn-lt"/>
+                <a:ea typeface="+mn-ea"/>
+                <a:cs typeface="+mn-cs"/>
+              </a:defRPr>
+            </a:lvl7pPr>
+            <a:lvl8pPr marL="3428829" indent="-228589" algn="l" defTabSz="914354" rtl="0" eaLnBrk="1" latinLnBrk="0" hangingPunct="1">
+              <a:lnSpc>
+                <a:spcPct val="90000"/>
+              </a:lnSpc>
+              <a:spcBef>
+                <a:spcPts val="500"/>
+              </a:spcBef>
+              <a:buFont typeface="Arial" panose="020B0604020202020204" pitchFamily="34" charset="0"/>
+              <a:buChar char="•"/>
+              <a:defRPr sz="1800" kern="1200">
+                <a:solidFill>
+                  <a:schemeClr val="tx1"/>
+                </a:solidFill>
+                <a:latin typeface="+mn-lt"/>
+                <a:ea typeface="+mn-ea"/>
+                <a:cs typeface="+mn-cs"/>
+              </a:defRPr>
+            </a:lvl8pPr>
+            <a:lvl9pPr marL="3886006" indent="-228589" algn="l" defTabSz="914354" rtl="0" eaLnBrk="1" latinLnBrk="0" hangingPunct="1">
+              <a:lnSpc>
+                <a:spcPct val="90000"/>
+              </a:lnSpc>
+              <a:spcBef>
+                <a:spcPts val="500"/>
+              </a:spcBef>
+              <a:buFont typeface="Arial" panose="020B0604020202020204" pitchFamily="34" charset="0"/>
+              <a:buChar char="•"/>
+              <a:defRPr sz="1800" kern="1200">
+                <a:solidFill>
+                  <a:schemeClr val="tx1"/>
+                </a:solidFill>
+                <a:latin typeface="+mn-lt"/>
+                <a:ea typeface="+mn-ea"/>
+                <a:cs typeface="+mn-cs"/>
+              </a:defRPr>
+            </a:lvl9pPr>
+          </a:lstStyle>
+          <a:p>
+            <a:pPr algn="ctr"/>
+            <a:r>
+              <a:rPr lang="cs-CZ" sz="2800" dirty="0" err="1">
+                <a:solidFill>
+                  <a:schemeClr val="bg1">
+                    <a:lumMod val="85000"/>
+                  </a:schemeClr>
+                </a:solidFill>
+              </a:rPr>
+              <a:t>ptzk.cz</a:t>
+            </a:r>
+            <a:r>
+              <a:rPr lang="cs-CZ" sz="2800" dirty="0">
+                <a:solidFill>
+                  <a:schemeClr val="bg1">
+                    <a:lumMod val="85000"/>
+                  </a:schemeClr>
+                </a:solidFill>
+              </a:rPr>
+              <a:t>/</a:t>
+            </a:r>
+            <a:r>
+              <a:rPr lang="cs-CZ" sz="2800" dirty="0" err="1">
+                <a:solidFill>
+                  <a:schemeClr val="bg1">
+                    <a:lumMod val="85000"/>
+                  </a:schemeClr>
+                </a:solidFill>
+              </a:rPr>
+              <a:t>tpr</a:t>
+            </a:r>
+            <a:endParaRPr lang="en-CZ" sz="2800" dirty="0">
+              <a:solidFill>
+                <a:schemeClr val="bg1">
+                  <a:lumMod val="85000"/>
+                </a:schemeClr>
+              </a:solidFill>
+            </a:endParaRPr>
+          </a:p>
+        </p:txBody>
+      </p:sp>
+    </p:spTree>
+    <p:extLst>
+      <p:ext uri="{BB962C8B-B14F-4D97-AF65-F5344CB8AC3E}">
+        <p14:creationId xmlns:p14="http://schemas.microsoft.com/office/powerpoint/2010/main" val="2323112200"/>
       </p:ext>
     </p:extLst>
   </p:cSld>

--- a/source/files/prezentace_sem.pptx
+++ b/source/files/prezentace_sem.pptx
@@ -6,72 +6,73 @@
   </p:sldMasterIdLst>
   <p:sldIdLst>
     <p:sldId id="256" r:id="rId2"/>
-    <p:sldId id="257" r:id="rId3"/>
-    <p:sldId id="259" r:id="rId4"/>
-    <p:sldId id="258" r:id="rId5"/>
-    <p:sldId id="260" r:id="rId6"/>
-    <p:sldId id="261" r:id="rId7"/>
-    <p:sldId id="262" r:id="rId8"/>
-    <p:sldId id="263" r:id="rId9"/>
-    <p:sldId id="264" r:id="rId10"/>
-    <p:sldId id="265" r:id="rId11"/>
-    <p:sldId id="266" r:id="rId12"/>
-    <p:sldId id="267" r:id="rId13"/>
-    <p:sldId id="268" r:id="rId14"/>
-    <p:sldId id="300" r:id="rId15"/>
-    <p:sldId id="269" r:id="rId16"/>
-    <p:sldId id="270" r:id="rId17"/>
-    <p:sldId id="271" r:id="rId18"/>
-    <p:sldId id="272" r:id="rId19"/>
-    <p:sldId id="273" r:id="rId20"/>
-    <p:sldId id="274" r:id="rId21"/>
-    <p:sldId id="275" r:id="rId22"/>
-    <p:sldId id="276" r:id="rId23"/>
-    <p:sldId id="277" r:id="rId24"/>
-    <p:sldId id="278" r:id="rId25"/>
-    <p:sldId id="279" r:id="rId26"/>
-    <p:sldId id="280" r:id="rId27"/>
-    <p:sldId id="281" r:id="rId28"/>
-    <p:sldId id="282" r:id="rId29"/>
-    <p:sldId id="283" r:id="rId30"/>
-    <p:sldId id="284" r:id="rId31"/>
-    <p:sldId id="285" r:id="rId32"/>
-    <p:sldId id="288" r:id="rId33"/>
-    <p:sldId id="286" r:id="rId34"/>
-    <p:sldId id="287" r:id="rId35"/>
-    <p:sldId id="302" r:id="rId36"/>
-    <p:sldId id="303" r:id="rId37"/>
-    <p:sldId id="304" r:id="rId38"/>
-    <p:sldId id="305" r:id="rId39"/>
-    <p:sldId id="306" r:id="rId40"/>
-    <p:sldId id="307" r:id="rId41"/>
-    <p:sldId id="301" r:id="rId42"/>
-    <p:sldId id="299" r:id="rId43"/>
-    <p:sldId id="291" r:id="rId44"/>
-    <p:sldId id="292" r:id="rId45"/>
-    <p:sldId id="293" r:id="rId46"/>
-    <p:sldId id="294" r:id="rId47"/>
-    <p:sldId id="295" r:id="rId48"/>
-    <p:sldId id="296" r:id="rId49"/>
-    <p:sldId id="297" r:id="rId50"/>
-    <p:sldId id="298" r:id="rId51"/>
-    <p:sldId id="290" r:id="rId52"/>
-    <p:sldId id="308" r:id="rId53"/>
+    <p:sldId id="309" r:id="rId3"/>
+    <p:sldId id="257" r:id="rId4"/>
+    <p:sldId id="259" r:id="rId5"/>
+    <p:sldId id="258" r:id="rId6"/>
+    <p:sldId id="260" r:id="rId7"/>
+    <p:sldId id="261" r:id="rId8"/>
+    <p:sldId id="262" r:id="rId9"/>
+    <p:sldId id="263" r:id="rId10"/>
+    <p:sldId id="264" r:id="rId11"/>
+    <p:sldId id="265" r:id="rId12"/>
+    <p:sldId id="266" r:id="rId13"/>
+    <p:sldId id="267" r:id="rId14"/>
+    <p:sldId id="268" r:id="rId15"/>
+    <p:sldId id="300" r:id="rId16"/>
+    <p:sldId id="269" r:id="rId17"/>
+    <p:sldId id="270" r:id="rId18"/>
+    <p:sldId id="271" r:id="rId19"/>
+    <p:sldId id="272" r:id="rId20"/>
+    <p:sldId id="273" r:id="rId21"/>
+    <p:sldId id="274" r:id="rId22"/>
+    <p:sldId id="275" r:id="rId23"/>
+    <p:sldId id="276" r:id="rId24"/>
+    <p:sldId id="277" r:id="rId25"/>
+    <p:sldId id="278" r:id="rId26"/>
+    <p:sldId id="279" r:id="rId27"/>
+    <p:sldId id="280" r:id="rId28"/>
+    <p:sldId id="281" r:id="rId29"/>
+    <p:sldId id="282" r:id="rId30"/>
+    <p:sldId id="283" r:id="rId31"/>
+    <p:sldId id="284" r:id="rId32"/>
+    <p:sldId id="285" r:id="rId33"/>
+    <p:sldId id="288" r:id="rId34"/>
+    <p:sldId id="286" r:id="rId35"/>
+    <p:sldId id="287" r:id="rId36"/>
+    <p:sldId id="302" r:id="rId37"/>
+    <p:sldId id="303" r:id="rId38"/>
+    <p:sldId id="304" r:id="rId39"/>
+    <p:sldId id="305" r:id="rId40"/>
+    <p:sldId id="306" r:id="rId41"/>
+    <p:sldId id="307" r:id="rId42"/>
+    <p:sldId id="301" r:id="rId43"/>
+    <p:sldId id="299" r:id="rId44"/>
+    <p:sldId id="291" r:id="rId45"/>
+    <p:sldId id="292" r:id="rId46"/>
+    <p:sldId id="293" r:id="rId47"/>
+    <p:sldId id="294" r:id="rId48"/>
+    <p:sldId id="295" r:id="rId49"/>
+    <p:sldId id="296" r:id="rId50"/>
+    <p:sldId id="297" r:id="rId51"/>
+    <p:sldId id="298" r:id="rId52"/>
+    <p:sldId id="290" r:id="rId53"/>
+    <p:sldId id="308" r:id="rId54"/>
   </p:sldIdLst>
   <p:sldSz cx="9144000" cy="6858000" type="screen4x3"/>
   <p:notesSz cx="6858000" cy="9144000"/>
   <p:embeddedFontLst>
     <p:embeddedFont>
       <p:font typeface="Technika" pitchFamily="2" charset="77"/>
-      <p:regular r:id="rId54"/>
-      <p:bold r:id="rId55"/>
-      <p:italic r:id="rId56"/>
-      <p:boldItalic r:id="rId57"/>
+      <p:regular r:id="rId55"/>
+      <p:bold r:id="rId56"/>
+      <p:italic r:id="rId57"/>
+      <p:boldItalic r:id="rId58"/>
     </p:embeddedFont>
     <p:embeddedFont>
       <p:font typeface="Technika-Bold" pitchFamily="2" charset="77"/>
-      <p:regular r:id="rId58"/>
-      <p:bold r:id="rId59"/>
+      <p:regular r:id="rId59"/>
+      <p:bold r:id="rId60"/>
     </p:embeddedFont>
   </p:embeddedFontLst>
   <p:defaultTextStyle>
@@ -1729,23 +1730,13 @@
             <a:pPr algn="ctr"/>
             <a:r>
               <a:rPr lang="en-CZ" sz="2800" dirty="0">
+                <a:solidFill>
+                  <a:srgbClr val="0065BD"/>
+                </a:solidFill>
                 <a:latin typeface="Times New Roman" panose="02020603050405020304" pitchFamily="18" charset="0"/>
                 <a:cs typeface="Times New Roman" panose="02020603050405020304" pitchFamily="18" charset="0"/>
               </a:rPr>
               <a:t>Jednoduchost</a:t>
-            </a:r>
-          </a:p>
-          <a:p>
-            <a:pPr algn="ctr"/>
-            <a:r>
-              <a:rPr lang="en-CZ" sz="2800" dirty="0">
-                <a:solidFill>
-                  <a:srgbClr val="0065BD"/>
-                </a:solidFill>
-                <a:latin typeface="Times New Roman" panose="02020603050405020304" pitchFamily="18" charset="0"/>
-                <a:cs typeface="Times New Roman" panose="02020603050405020304" pitchFamily="18" charset="0"/>
-              </a:rPr>
-              <a:t>Zpětná vazba</a:t>
             </a:r>
           </a:p>
         </p:txBody>
@@ -1853,7 +1844,7 @@
     </p:spTree>
     <p:extLst>
       <p:ext uri="{BB962C8B-B14F-4D97-AF65-F5344CB8AC3E}">
-        <p14:creationId xmlns:p14="http://schemas.microsoft.com/office/powerpoint/2010/main" val="236217530"/>
+        <p14:creationId xmlns:p14="http://schemas.microsoft.com/office/powerpoint/2010/main" val="2466066742"/>
       </p:ext>
     </p:extLst>
   </p:cSld>
@@ -2095,23 +2086,13 @@
             <a:pPr algn="ctr"/>
             <a:r>
               <a:rPr lang="en-CZ" sz="2800" dirty="0">
+                <a:solidFill>
+                  <a:srgbClr val="0065BD"/>
+                </a:solidFill>
                 <a:latin typeface="Times New Roman" panose="02020603050405020304" pitchFamily="18" charset="0"/>
                 <a:cs typeface="Times New Roman" panose="02020603050405020304" pitchFamily="18" charset="0"/>
               </a:rPr>
               <a:t>Zpětná vazba</a:t>
-            </a:r>
-          </a:p>
-          <a:p>
-            <a:pPr algn="ctr"/>
-            <a:r>
-              <a:rPr lang="en-CZ" sz="2800" dirty="0">
-                <a:solidFill>
-                  <a:srgbClr val="0065BD"/>
-                </a:solidFill>
-                <a:latin typeface="Times New Roman" panose="02020603050405020304" pitchFamily="18" charset="0"/>
-                <a:cs typeface="Times New Roman" panose="02020603050405020304" pitchFamily="18" charset="0"/>
-              </a:rPr>
-              <a:t>Kuráž</a:t>
             </a:r>
           </a:p>
         </p:txBody>
@@ -2219,7 +2200,7 @@
     </p:spTree>
     <p:extLst>
       <p:ext uri="{BB962C8B-B14F-4D97-AF65-F5344CB8AC3E}">
-        <p14:creationId xmlns:p14="http://schemas.microsoft.com/office/powerpoint/2010/main" val="3376723367"/>
+        <p14:creationId xmlns:p14="http://schemas.microsoft.com/office/powerpoint/2010/main" val="236217530"/>
       </p:ext>
     </p:extLst>
   </p:cSld>
@@ -2471,23 +2452,13 @@
             <a:pPr algn="ctr"/>
             <a:r>
               <a:rPr lang="en-CZ" sz="2800" dirty="0">
+                <a:solidFill>
+                  <a:srgbClr val="0065BD"/>
+                </a:solidFill>
                 <a:latin typeface="Times New Roman" panose="02020603050405020304" pitchFamily="18" charset="0"/>
                 <a:cs typeface="Times New Roman" panose="02020603050405020304" pitchFamily="18" charset="0"/>
               </a:rPr>
               <a:t>Kuráž</a:t>
-            </a:r>
-          </a:p>
-          <a:p>
-            <a:pPr algn="ctr"/>
-            <a:r>
-              <a:rPr lang="en-CZ" sz="2800" dirty="0">
-                <a:solidFill>
-                  <a:srgbClr val="0065BD"/>
-                </a:solidFill>
-                <a:latin typeface="Times New Roman" panose="02020603050405020304" pitchFamily="18" charset="0"/>
-                <a:cs typeface="Times New Roman" panose="02020603050405020304" pitchFamily="18" charset="0"/>
-              </a:rPr>
-              <a:t>Respekt</a:t>
             </a:r>
           </a:p>
         </p:txBody>
@@ -2595,6 +2566,382 @@
     </p:spTree>
     <p:extLst>
       <p:ext uri="{BB962C8B-B14F-4D97-AF65-F5344CB8AC3E}">
+        <p14:creationId xmlns:p14="http://schemas.microsoft.com/office/powerpoint/2010/main" val="3376723367"/>
+      </p:ext>
+    </p:extLst>
+  </p:cSld>
+  <p:clrMapOvr>
+    <a:masterClrMapping/>
+  </p:clrMapOvr>
+</p:sld>
+</file>
+
+<file path=ppt/slides/slide13.xml><?xml version="1.0" encoding="utf-8"?>
+<p:sld xmlns:a="http://schemas.openxmlformats.org/drawingml/2006/main" xmlns:r="http://schemas.openxmlformats.org/officeDocument/2006/relationships" xmlns:p="http://schemas.openxmlformats.org/presentationml/2006/main">
+  <p:cSld>
+    <p:spTree>
+      <p:nvGrpSpPr>
+        <p:cNvPr id="1" name=""/>
+        <p:cNvGrpSpPr/>
+        <p:nvPr/>
+      </p:nvGrpSpPr>
+      <p:grpSpPr>
+        <a:xfrm>
+          <a:off x="0" y="0"/>
+          <a:ext cx="0" cy="0"/>
+          <a:chOff x="0" y="0"/>
+          <a:chExt cx="0" cy="0"/>
+        </a:xfrm>
+      </p:grpSpPr>
+      <p:sp>
+        <p:nvSpPr>
+          <p:cNvPr id="5" name="Content Placeholder 2">
+            <a:extLst>
+              <a:ext uri="{FF2B5EF4-FFF2-40B4-BE49-F238E27FC236}">
+                <a16:creationId xmlns:a16="http://schemas.microsoft.com/office/drawing/2014/main" id="{54C89203-5005-0B45-9FCF-265149A07EAD}"/>
+              </a:ext>
+            </a:extLst>
+          </p:cNvPr>
+          <p:cNvSpPr txBox="1">
+            <a:spLocks/>
+          </p:cNvSpPr>
+          <p:nvPr/>
+        </p:nvSpPr>
+        <p:spPr>
+          <a:xfrm>
+            <a:off x="675000" y="2401240"/>
+            <a:ext cx="7794000" cy="2731382"/>
+          </a:xfrm>
+          <a:prstGeom prst="rect">
+            <a:avLst/>
+          </a:prstGeom>
+        </p:spPr>
+        <p:txBody>
+          <a:bodyPr vert="horz" lIns="91440" tIns="45720" rIns="91440" bIns="45720" rtlCol="0">
+            <a:normAutofit/>
+          </a:bodyPr>
+          <a:lstStyle>
+            <a:lvl1pPr marL="0" indent="0" algn="l" defTabSz="914354" rtl="0" eaLnBrk="1" latinLnBrk="0" hangingPunct="1">
+              <a:lnSpc>
+                <a:spcPct val="90000"/>
+              </a:lnSpc>
+              <a:spcBef>
+                <a:spcPts val="1000"/>
+              </a:spcBef>
+              <a:buFont typeface="Arial" panose="020B0604020202020204" pitchFamily="34" charset="0"/>
+              <a:buNone/>
+              <a:defRPr sz="2000" kern="3000" baseline="0">
+                <a:solidFill>
+                  <a:schemeClr val="tx1"/>
+                </a:solidFill>
+                <a:latin typeface="Technika-Bold" panose="00000600000000000000" pitchFamily="50" charset="-18"/>
+                <a:ea typeface="+mn-ea"/>
+                <a:cs typeface="+mn-cs"/>
+              </a:defRPr>
+            </a:lvl1pPr>
+            <a:lvl2pPr marL="685766" indent="-228589" algn="l" defTabSz="914354" rtl="0" eaLnBrk="1" latinLnBrk="0" hangingPunct="1">
+              <a:lnSpc>
+                <a:spcPct val="90000"/>
+              </a:lnSpc>
+              <a:spcBef>
+                <a:spcPts val="500"/>
+              </a:spcBef>
+              <a:buFont typeface="Arial" panose="020B0604020202020204" pitchFamily="34" charset="0"/>
+              <a:buChar char="•"/>
+              <a:defRPr sz="2400" kern="1200">
+                <a:solidFill>
+                  <a:schemeClr val="tx1"/>
+                </a:solidFill>
+                <a:latin typeface="Technika" panose="00000600000000000000" pitchFamily="50" charset="-18"/>
+                <a:ea typeface="+mn-ea"/>
+                <a:cs typeface="+mn-cs"/>
+              </a:defRPr>
+            </a:lvl2pPr>
+            <a:lvl3pPr marL="1142942" indent="-228589" algn="l" defTabSz="914354" rtl="0" eaLnBrk="1" latinLnBrk="0" hangingPunct="1">
+              <a:lnSpc>
+                <a:spcPct val="90000"/>
+              </a:lnSpc>
+              <a:spcBef>
+                <a:spcPts val="500"/>
+              </a:spcBef>
+              <a:buFont typeface="Arial" panose="020B0604020202020204" pitchFamily="34" charset="0"/>
+              <a:buChar char="•"/>
+              <a:defRPr sz="2000" kern="1200">
+                <a:solidFill>
+                  <a:schemeClr val="tx1"/>
+                </a:solidFill>
+                <a:latin typeface="Technika" panose="00000600000000000000" pitchFamily="50" charset="-18"/>
+                <a:ea typeface="+mn-ea"/>
+                <a:cs typeface="+mn-cs"/>
+              </a:defRPr>
+            </a:lvl3pPr>
+            <a:lvl4pPr marL="1600120" indent="-228589" algn="l" defTabSz="914354" rtl="0" eaLnBrk="1" latinLnBrk="0" hangingPunct="1">
+              <a:lnSpc>
+                <a:spcPct val="90000"/>
+              </a:lnSpc>
+              <a:spcBef>
+                <a:spcPts val="500"/>
+              </a:spcBef>
+              <a:buFont typeface="Arial" panose="020B0604020202020204" pitchFamily="34" charset="0"/>
+              <a:buChar char="•"/>
+              <a:defRPr sz="1800" kern="1200">
+                <a:solidFill>
+                  <a:schemeClr val="tx1"/>
+                </a:solidFill>
+                <a:latin typeface="Technika" panose="00000600000000000000" pitchFamily="50" charset="-18"/>
+                <a:ea typeface="+mn-ea"/>
+                <a:cs typeface="+mn-cs"/>
+              </a:defRPr>
+            </a:lvl4pPr>
+            <a:lvl5pPr marL="2057298" indent="-228589" algn="l" defTabSz="914354" rtl="0" eaLnBrk="1" latinLnBrk="0" hangingPunct="1">
+              <a:lnSpc>
+                <a:spcPct val="90000"/>
+              </a:lnSpc>
+              <a:spcBef>
+                <a:spcPts val="500"/>
+              </a:spcBef>
+              <a:buFont typeface="Arial" panose="020B0604020202020204" pitchFamily="34" charset="0"/>
+              <a:buChar char="•"/>
+              <a:defRPr sz="1800" kern="1200">
+                <a:solidFill>
+                  <a:schemeClr val="tx1"/>
+                </a:solidFill>
+                <a:latin typeface="Technika" panose="00000600000000000000" pitchFamily="50" charset="-18"/>
+                <a:ea typeface="+mn-ea"/>
+                <a:cs typeface="+mn-cs"/>
+              </a:defRPr>
+            </a:lvl5pPr>
+            <a:lvl6pPr marL="2514474" indent="-228589" algn="l" defTabSz="914354" rtl="0" eaLnBrk="1" latinLnBrk="0" hangingPunct="1">
+              <a:lnSpc>
+                <a:spcPct val="90000"/>
+              </a:lnSpc>
+              <a:spcBef>
+                <a:spcPts val="500"/>
+              </a:spcBef>
+              <a:buFont typeface="Arial" panose="020B0604020202020204" pitchFamily="34" charset="0"/>
+              <a:buChar char="•"/>
+              <a:defRPr sz="1800" kern="1200">
+                <a:solidFill>
+                  <a:schemeClr val="tx1"/>
+                </a:solidFill>
+                <a:latin typeface="+mn-lt"/>
+                <a:ea typeface="+mn-ea"/>
+                <a:cs typeface="+mn-cs"/>
+              </a:defRPr>
+            </a:lvl6pPr>
+            <a:lvl7pPr marL="2971652" indent="-228589" algn="l" defTabSz="914354" rtl="0" eaLnBrk="1" latinLnBrk="0" hangingPunct="1">
+              <a:lnSpc>
+                <a:spcPct val="90000"/>
+              </a:lnSpc>
+              <a:spcBef>
+                <a:spcPts val="500"/>
+              </a:spcBef>
+              <a:buFont typeface="Arial" panose="020B0604020202020204" pitchFamily="34" charset="0"/>
+              <a:buChar char="•"/>
+              <a:defRPr sz="1800" kern="1200">
+                <a:solidFill>
+                  <a:schemeClr val="tx1"/>
+                </a:solidFill>
+                <a:latin typeface="+mn-lt"/>
+                <a:ea typeface="+mn-ea"/>
+                <a:cs typeface="+mn-cs"/>
+              </a:defRPr>
+            </a:lvl7pPr>
+            <a:lvl8pPr marL="3428829" indent="-228589" algn="l" defTabSz="914354" rtl="0" eaLnBrk="1" latinLnBrk="0" hangingPunct="1">
+              <a:lnSpc>
+                <a:spcPct val="90000"/>
+              </a:lnSpc>
+              <a:spcBef>
+                <a:spcPts val="500"/>
+              </a:spcBef>
+              <a:buFont typeface="Arial" panose="020B0604020202020204" pitchFamily="34" charset="0"/>
+              <a:buChar char="•"/>
+              <a:defRPr sz="1800" kern="1200">
+                <a:solidFill>
+                  <a:schemeClr val="tx1"/>
+                </a:solidFill>
+                <a:latin typeface="+mn-lt"/>
+                <a:ea typeface="+mn-ea"/>
+                <a:cs typeface="+mn-cs"/>
+              </a:defRPr>
+            </a:lvl8pPr>
+            <a:lvl9pPr marL="3886006" indent="-228589" algn="l" defTabSz="914354" rtl="0" eaLnBrk="1" latinLnBrk="0" hangingPunct="1">
+              <a:lnSpc>
+                <a:spcPct val="90000"/>
+              </a:lnSpc>
+              <a:spcBef>
+                <a:spcPts val="500"/>
+              </a:spcBef>
+              <a:buFont typeface="Arial" panose="020B0604020202020204" pitchFamily="34" charset="0"/>
+              <a:buChar char="•"/>
+              <a:defRPr sz="1800" kern="1200">
+                <a:solidFill>
+                  <a:schemeClr val="tx1"/>
+                </a:solidFill>
+                <a:latin typeface="+mn-lt"/>
+                <a:ea typeface="+mn-ea"/>
+                <a:cs typeface="+mn-cs"/>
+              </a:defRPr>
+            </a:lvl9pPr>
+          </a:lstStyle>
+          <a:p>
+            <a:pPr algn="ctr"/>
+            <a:r>
+              <a:rPr lang="en-CZ" sz="2800" dirty="0">
+                <a:latin typeface="Times New Roman" panose="02020603050405020304" pitchFamily="18" charset="0"/>
+                <a:cs typeface="Times New Roman" panose="02020603050405020304" pitchFamily="18" charset="0"/>
+              </a:rPr>
+              <a:t>Komunikace</a:t>
+            </a:r>
+          </a:p>
+          <a:p>
+            <a:pPr algn="ctr"/>
+            <a:r>
+              <a:rPr lang="en-CZ" sz="2800" dirty="0">
+                <a:latin typeface="Times New Roman" panose="02020603050405020304" pitchFamily="18" charset="0"/>
+                <a:cs typeface="Times New Roman" panose="02020603050405020304" pitchFamily="18" charset="0"/>
+              </a:rPr>
+              <a:t>Jednoduchost</a:t>
+            </a:r>
+          </a:p>
+          <a:p>
+            <a:pPr algn="ctr"/>
+            <a:r>
+              <a:rPr lang="en-CZ" sz="2800" dirty="0">
+                <a:latin typeface="Times New Roman" panose="02020603050405020304" pitchFamily="18" charset="0"/>
+                <a:cs typeface="Times New Roman" panose="02020603050405020304" pitchFamily="18" charset="0"/>
+              </a:rPr>
+              <a:t>Zpětná vazba</a:t>
+            </a:r>
+          </a:p>
+          <a:p>
+            <a:pPr algn="ctr"/>
+            <a:r>
+              <a:rPr lang="en-CZ" sz="2800" dirty="0">
+                <a:latin typeface="Times New Roman" panose="02020603050405020304" pitchFamily="18" charset="0"/>
+                <a:cs typeface="Times New Roman" panose="02020603050405020304" pitchFamily="18" charset="0"/>
+              </a:rPr>
+              <a:t>Kuráž</a:t>
+            </a:r>
+          </a:p>
+          <a:p>
+            <a:pPr algn="ctr"/>
+            <a:r>
+              <a:rPr lang="en-CZ" sz="2800" dirty="0">
+                <a:solidFill>
+                  <a:srgbClr val="0065BD"/>
+                </a:solidFill>
+                <a:latin typeface="Times New Roman" panose="02020603050405020304" pitchFamily="18" charset="0"/>
+                <a:cs typeface="Times New Roman" panose="02020603050405020304" pitchFamily="18" charset="0"/>
+              </a:rPr>
+              <a:t>Respekt</a:t>
+            </a:r>
+          </a:p>
+        </p:txBody>
+      </p:sp>
+      <p:sp>
+        <p:nvSpPr>
+          <p:cNvPr id="7" name="Title 1">
+            <a:extLst>
+              <a:ext uri="{FF2B5EF4-FFF2-40B4-BE49-F238E27FC236}">
+                <a16:creationId xmlns:a16="http://schemas.microsoft.com/office/drawing/2014/main" id="{778F5AB8-30D0-2943-8A43-A6E04205B88F}"/>
+              </a:ext>
+            </a:extLst>
+          </p:cNvPr>
+          <p:cNvSpPr txBox="1">
+            <a:spLocks/>
+          </p:cNvSpPr>
+          <p:nvPr/>
+        </p:nvSpPr>
+        <p:spPr>
+          <a:xfrm>
+            <a:off x="8469000" y="19878"/>
+            <a:ext cx="907827" cy="544775"/>
+          </a:xfrm>
+          <a:prstGeom prst="rect">
+            <a:avLst/>
+          </a:prstGeom>
+        </p:spPr>
+        <p:txBody>
+          <a:bodyPr vert="horz" lIns="91440" tIns="45720" rIns="91440" bIns="45720" rtlCol="0" anchor="t">
+            <a:normAutofit/>
+          </a:bodyPr>
+          <a:lstStyle>
+            <a:lvl1pPr algn="l" defTabSz="914354" rtl="0" eaLnBrk="1" latinLnBrk="0" hangingPunct="1">
+              <a:lnSpc>
+                <a:spcPct val="90000"/>
+              </a:lnSpc>
+              <a:spcBef>
+                <a:spcPct val="0"/>
+              </a:spcBef>
+              <a:buNone/>
+              <a:defRPr sz="2800" kern="2800" baseline="0">
+                <a:solidFill>
+                  <a:schemeClr val="tx1"/>
+                </a:solidFill>
+                <a:latin typeface="Technika-Bold" panose="00000600000000000000" pitchFamily="50" charset="-18"/>
+                <a:ea typeface="+mj-ea"/>
+                <a:cs typeface="+mj-cs"/>
+              </a:defRPr>
+            </a:lvl1pPr>
+          </a:lstStyle>
+          <a:p>
+            <a:r>
+              <a:rPr lang="en-CZ"/>
+              <a:t>XP</a:t>
+            </a:r>
+            <a:endParaRPr lang="en-CZ" dirty="0"/>
+          </a:p>
+        </p:txBody>
+      </p:sp>
+      <p:sp>
+        <p:nvSpPr>
+          <p:cNvPr id="10" name="TextBox 9">
+            <a:extLst>
+              <a:ext uri="{FF2B5EF4-FFF2-40B4-BE49-F238E27FC236}">
+                <a16:creationId xmlns:a16="http://schemas.microsoft.com/office/drawing/2014/main" id="{76A37AB8-AA4D-164B-A47F-A164B0BA7158}"/>
+              </a:ext>
+            </a:extLst>
+          </p:cNvPr>
+          <p:cNvSpPr txBox="1"/>
+          <p:nvPr/>
+        </p:nvSpPr>
+        <p:spPr>
+          <a:xfrm>
+            <a:off x="0" y="1540089"/>
+            <a:ext cx="9144000" cy="523220"/>
+          </a:xfrm>
+          <a:prstGeom prst="rect">
+            <a:avLst/>
+          </a:prstGeom>
+          <a:noFill/>
+        </p:spPr>
+        <p:txBody>
+          <a:bodyPr wrap="square" rtlCol="0">
+            <a:spAutoFit/>
+          </a:bodyPr>
+          <a:lstStyle/>
+          <a:p>
+            <a:pPr algn="ctr"/>
+            <a:r>
+              <a:rPr lang="en-CZ" sz="2800" dirty="0">
+                <a:solidFill>
+                  <a:srgbClr val="FF0000"/>
+                </a:solidFill>
+                <a:latin typeface="+mj-lt"/>
+                <a:cs typeface="Times New Roman" panose="02020603050405020304" pitchFamily="18" charset="0"/>
+              </a:rPr>
+              <a:t>Hodnoty</a:t>
+            </a:r>
+            <a:endParaRPr lang="en-CZ" sz="2800" dirty="0">
+              <a:latin typeface="+mj-lt"/>
+            </a:endParaRPr>
+          </a:p>
+        </p:txBody>
+      </p:sp>
+    </p:spTree>
+    <p:extLst>
+      <p:ext uri="{BB962C8B-B14F-4D97-AF65-F5344CB8AC3E}">
         <p14:creationId xmlns:p14="http://schemas.microsoft.com/office/powerpoint/2010/main" val="3517538812"/>
       </p:ext>
     </p:extLst>
@@ -2605,7 +2952,7 @@
 </p:sld>
 </file>
 
-<file path=ppt/slides/slide13.xml><?xml version="1.0" encoding="utf-8"?>
+<file path=ppt/slides/slide14.xml><?xml version="1.0" encoding="utf-8"?>
 <p:sld xmlns:a="http://schemas.openxmlformats.org/drawingml/2006/main" xmlns:r="http://schemas.openxmlformats.org/officeDocument/2006/relationships" xmlns:p="http://schemas.openxmlformats.org/presentationml/2006/main">
   <p:cSld>
     <p:spTree>
@@ -2726,342 +3073,6 @@
     <p:extLst>
       <p:ext uri="{BB962C8B-B14F-4D97-AF65-F5344CB8AC3E}">
         <p14:creationId xmlns:p14="http://schemas.microsoft.com/office/powerpoint/2010/main" val="2930303295"/>
-      </p:ext>
-    </p:extLst>
-  </p:cSld>
-  <p:clrMapOvr>
-    <a:masterClrMapping/>
-  </p:clrMapOvr>
-</p:sld>
-</file>
-
-<file path=ppt/slides/slide14.xml><?xml version="1.0" encoding="utf-8"?>
-<p:sld xmlns:a="http://schemas.openxmlformats.org/drawingml/2006/main" xmlns:r="http://schemas.openxmlformats.org/officeDocument/2006/relationships" xmlns:p="http://schemas.openxmlformats.org/presentationml/2006/main">
-  <p:cSld>
-    <p:spTree>
-      <p:nvGrpSpPr>
-        <p:cNvPr id="1" name=""/>
-        <p:cNvGrpSpPr/>
-        <p:nvPr/>
-      </p:nvGrpSpPr>
-      <p:grpSpPr>
-        <a:xfrm>
-          <a:off x="0" y="0"/>
-          <a:ext cx="0" cy="0"/>
-          <a:chOff x="0" y="0"/>
-          <a:chExt cx="0" cy="0"/>
-        </a:xfrm>
-      </p:grpSpPr>
-      <p:sp>
-        <p:nvSpPr>
-          <p:cNvPr id="5" name="Content Placeholder 2">
-            <a:extLst>
-              <a:ext uri="{FF2B5EF4-FFF2-40B4-BE49-F238E27FC236}">
-                <a16:creationId xmlns:a16="http://schemas.microsoft.com/office/drawing/2014/main" id="{54C89203-5005-0B45-9FCF-265149A07EAD}"/>
-              </a:ext>
-            </a:extLst>
-          </p:cNvPr>
-          <p:cNvSpPr txBox="1">
-            <a:spLocks/>
-          </p:cNvSpPr>
-          <p:nvPr/>
-        </p:nvSpPr>
-        <p:spPr>
-          <a:xfrm>
-            <a:off x="675000" y="2401240"/>
-            <a:ext cx="7794000" cy="2731382"/>
-          </a:xfrm>
-          <a:prstGeom prst="rect">
-            <a:avLst/>
-          </a:prstGeom>
-        </p:spPr>
-        <p:txBody>
-          <a:bodyPr vert="horz" lIns="91440" tIns="45720" rIns="91440" bIns="45720" rtlCol="0">
-            <a:normAutofit/>
-          </a:bodyPr>
-          <a:lstStyle>
-            <a:lvl1pPr marL="0" indent="0" algn="l" defTabSz="914354" rtl="0" eaLnBrk="1" latinLnBrk="0" hangingPunct="1">
-              <a:lnSpc>
-                <a:spcPct val="90000"/>
-              </a:lnSpc>
-              <a:spcBef>
-                <a:spcPts val="1000"/>
-              </a:spcBef>
-              <a:buFont typeface="Arial" panose="020B0604020202020204" pitchFamily="34" charset="0"/>
-              <a:buNone/>
-              <a:defRPr sz="2000" kern="3000" baseline="0">
-                <a:solidFill>
-                  <a:schemeClr val="tx1"/>
-                </a:solidFill>
-                <a:latin typeface="Technika-Bold" panose="00000600000000000000" pitchFamily="50" charset="-18"/>
-                <a:ea typeface="+mn-ea"/>
-                <a:cs typeface="+mn-cs"/>
-              </a:defRPr>
-            </a:lvl1pPr>
-            <a:lvl2pPr marL="685766" indent="-228589" algn="l" defTabSz="914354" rtl="0" eaLnBrk="1" latinLnBrk="0" hangingPunct="1">
-              <a:lnSpc>
-                <a:spcPct val="90000"/>
-              </a:lnSpc>
-              <a:spcBef>
-                <a:spcPts val="500"/>
-              </a:spcBef>
-              <a:buFont typeface="Arial" panose="020B0604020202020204" pitchFamily="34" charset="0"/>
-              <a:buChar char="•"/>
-              <a:defRPr sz="2400" kern="1200">
-                <a:solidFill>
-                  <a:schemeClr val="tx1"/>
-                </a:solidFill>
-                <a:latin typeface="Technika" panose="00000600000000000000" pitchFamily="50" charset="-18"/>
-                <a:ea typeface="+mn-ea"/>
-                <a:cs typeface="+mn-cs"/>
-              </a:defRPr>
-            </a:lvl2pPr>
-            <a:lvl3pPr marL="1142942" indent="-228589" algn="l" defTabSz="914354" rtl="0" eaLnBrk="1" latinLnBrk="0" hangingPunct="1">
-              <a:lnSpc>
-                <a:spcPct val="90000"/>
-              </a:lnSpc>
-              <a:spcBef>
-                <a:spcPts val="500"/>
-              </a:spcBef>
-              <a:buFont typeface="Arial" panose="020B0604020202020204" pitchFamily="34" charset="0"/>
-              <a:buChar char="•"/>
-              <a:defRPr sz="2000" kern="1200">
-                <a:solidFill>
-                  <a:schemeClr val="tx1"/>
-                </a:solidFill>
-                <a:latin typeface="Technika" panose="00000600000000000000" pitchFamily="50" charset="-18"/>
-                <a:ea typeface="+mn-ea"/>
-                <a:cs typeface="+mn-cs"/>
-              </a:defRPr>
-            </a:lvl3pPr>
-            <a:lvl4pPr marL="1600120" indent="-228589" algn="l" defTabSz="914354" rtl="0" eaLnBrk="1" latinLnBrk="0" hangingPunct="1">
-              <a:lnSpc>
-                <a:spcPct val="90000"/>
-              </a:lnSpc>
-              <a:spcBef>
-                <a:spcPts val="500"/>
-              </a:spcBef>
-              <a:buFont typeface="Arial" panose="020B0604020202020204" pitchFamily="34" charset="0"/>
-              <a:buChar char="•"/>
-              <a:defRPr sz="1800" kern="1200">
-                <a:solidFill>
-                  <a:schemeClr val="tx1"/>
-                </a:solidFill>
-                <a:latin typeface="Technika" panose="00000600000000000000" pitchFamily="50" charset="-18"/>
-                <a:ea typeface="+mn-ea"/>
-                <a:cs typeface="+mn-cs"/>
-              </a:defRPr>
-            </a:lvl4pPr>
-            <a:lvl5pPr marL="2057298" indent="-228589" algn="l" defTabSz="914354" rtl="0" eaLnBrk="1" latinLnBrk="0" hangingPunct="1">
-              <a:lnSpc>
-                <a:spcPct val="90000"/>
-              </a:lnSpc>
-              <a:spcBef>
-                <a:spcPts val="500"/>
-              </a:spcBef>
-              <a:buFont typeface="Arial" panose="020B0604020202020204" pitchFamily="34" charset="0"/>
-              <a:buChar char="•"/>
-              <a:defRPr sz="1800" kern="1200">
-                <a:solidFill>
-                  <a:schemeClr val="tx1"/>
-                </a:solidFill>
-                <a:latin typeface="Technika" panose="00000600000000000000" pitchFamily="50" charset="-18"/>
-                <a:ea typeface="+mn-ea"/>
-                <a:cs typeface="+mn-cs"/>
-              </a:defRPr>
-            </a:lvl5pPr>
-            <a:lvl6pPr marL="2514474" indent="-228589" algn="l" defTabSz="914354" rtl="0" eaLnBrk="1" latinLnBrk="0" hangingPunct="1">
-              <a:lnSpc>
-                <a:spcPct val="90000"/>
-              </a:lnSpc>
-              <a:spcBef>
-                <a:spcPts val="500"/>
-              </a:spcBef>
-              <a:buFont typeface="Arial" panose="020B0604020202020204" pitchFamily="34" charset="0"/>
-              <a:buChar char="•"/>
-              <a:defRPr sz="1800" kern="1200">
-                <a:solidFill>
-                  <a:schemeClr val="tx1"/>
-                </a:solidFill>
-                <a:latin typeface="+mn-lt"/>
-                <a:ea typeface="+mn-ea"/>
-                <a:cs typeface="+mn-cs"/>
-              </a:defRPr>
-            </a:lvl6pPr>
-            <a:lvl7pPr marL="2971652" indent="-228589" algn="l" defTabSz="914354" rtl="0" eaLnBrk="1" latinLnBrk="0" hangingPunct="1">
-              <a:lnSpc>
-                <a:spcPct val="90000"/>
-              </a:lnSpc>
-              <a:spcBef>
-                <a:spcPts val="500"/>
-              </a:spcBef>
-              <a:buFont typeface="Arial" panose="020B0604020202020204" pitchFamily="34" charset="0"/>
-              <a:buChar char="•"/>
-              <a:defRPr sz="1800" kern="1200">
-                <a:solidFill>
-                  <a:schemeClr val="tx1"/>
-                </a:solidFill>
-                <a:latin typeface="+mn-lt"/>
-                <a:ea typeface="+mn-ea"/>
-                <a:cs typeface="+mn-cs"/>
-              </a:defRPr>
-            </a:lvl7pPr>
-            <a:lvl8pPr marL="3428829" indent="-228589" algn="l" defTabSz="914354" rtl="0" eaLnBrk="1" latinLnBrk="0" hangingPunct="1">
-              <a:lnSpc>
-                <a:spcPct val="90000"/>
-              </a:lnSpc>
-              <a:spcBef>
-                <a:spcPts val="500"/>
-              </a:spcBef>
-              <a:buFont typeface="Arial" panose="020B0604020202020204" pitchFamily="34" charset="0"/>
-              <a:buChar char="•"/>
-              <a:defRPr sz="1800" kern="1200">
-                <a:solidFill>
-                  <a:schemeClr val="tx1"/>
-                </a:solidFill>
-                <a:latin typeface="+mn-lt"/>
-                <a:ea typeface="+mn-ea"/>
-                <a:cs typeface="+mn-cs"/>
-              </a:defRPr>
-            </a:lvl8pPr>
-            <a:lvl9pPr marL="3886006" indent="-228589" algn="l" defTabSz="914354" rtl="0" eaLnBrk="1" latinLnBrk="0" hangingPunct="1">
-              <a:lnSpc>
-                <a:spcPct val="90000"/>
-              </a:lnSpc>
-              <a:spcBef>
-                <a:spcPts val="500"/>
-              </a:spcBef>
-              <a:buFont typeface="Arial" panose="020B0604020202020204" pitchFamily="34" charset="0"/>
-              <a:buChar char="•"/>
-              <a:defRPr sz="1800" kern="1200">
-                <a:solidFill>
-                  <a:schemeClr val="tx1"/>
-                </a:solidFill>
-                <a:latin typeface="+mn-lt"/>
-                <a:ea typeface="+mn-ea"/>
-                <a:cs typeface="+mn-cs"/>
-              </a:defRPr>
-            </a:lvl9pPr>
-          </a:lstStyle>
-          <a:p>
-            <a:pPr algn="ctr"/>
-            <a:r>
-              <a:rPr lang="en-CZ" sz="2800" dirty="0">
-                <a:solidFill>
-                  <a:srgbClr val="0065BD"/>
-                </a:solidFill>
-                <a:latin typeface="Times New Roman" panose="02020603050405020304" pitchFamily="18" charset="0"/>
-                <a:cs typeface="Times New Roman" panose="02020603050405020304" pitchFamily="18" charset="0"/>
-              </a:rPr>
-              <a:t>Společně</a:t>
-            </a:r>
-          </a:p>
-        </p:txBody>
-      </p:sp>
-      <p:sp>
-        <p:nvSpPr>
-          <p:cNvPr id="7" name="Title 1">
-            <a:extLst>
-              <a:ext uri="{FF2B5EF4-FFF2-40B4-BE49-F238E27FC236}">
-                <a16:creationId xmlns:a16="http://schemas.microsoft.com/office/drawing/2014/main" id="{778F5AB8-30D0-2943-8A43-A6E04205B88F}"/>
-              </a:ext>
-            </a:extLst>
-          </p:cNvPr>
-          <p:cNvSpPr txBox="1">
-            <a:spLocks/>
-          </p:cNvSpPr>
-          <p:nvPr/>
-        </p:nvSpPr>
-        <p:spPr>
-          <a:xfrm>
-            <a:off x="8469000" y="19878"/>
-            <a:ext cx="907827" cy="544775"/>
-          </a:xfrm>
-          <a:prstGeom prst="rect">
-            <a:avLst/>
-          </a:prstGeom>
-        </p:spPr>
-        <p:txBody>
-          <a:bodyPr vert="horz" lIns="91440" tIns="45720" rIns="91440" bIns="45720" rtlCol="0" anchor="t">
-            <a:normAutofit/>
-          </a:bodyPr>
-          <a:lstStyle>
-            <a:lvl1pPr algn="l" defTabSz="914354" rtl="0" eaLnBrk="1" latinLnBrk="0" hangingPunct="1">
-              <a:lnSpc>
-                <a:spcPct val="90000"/>
-              </a:lnSpc>
-              <a:spcBef>
-                <a:spcPct val="0"/>
-              </a:spcBef>
-              <a:buNone/>
-              <a:defRPr sz="2800" kern="2800" baseline="0">
-                <a:solidFill>
-                  <a:schemeClr val="tx1"/>
-                </a:solidFill>
-                <a:latin typeface="Technika-Bold" panose="00000600000000000000" pitchFamily="50" charset="-18"/>
-                <a:ea typeface="+mj-ea"/>
-                <a:cs typeface="+mj-cs"/>
-              </a:defRPr>
-            </a:lvl1pPr>
-          </a:lstStyle>
-          <a:p>
-            <a:r>
-              <a:rPr lang="en-CZ"/>
-              <a:t>XP</a:t>
-            </a:r>
-            <a:endParaRPr lang="en-CZ" dirty="0"/>
-          </a:p>
-        </p:txBody>
-      </p:sp>
-      <p:sp>
-        <p:nvSpPr>
-          <p:cNvPr id="10" name="TextBox 9">
-            <a:extLst>
-              <a:ext uri="{FF2B5EF4-FFF2-40B4-BE49-F238E27FC236}">
-                <a16:creationId xmlns:a16="http://schemas.microsoft.com/office/drawing/2014/main" id="{76A37AB8-AA4D-164B-A47F-A164B0BA7158}"/>
-              </a:ext>
-            </a:extLst>
-          </p:cNvPr>
-          <p:cNvSpPr txBox="1"/>
-          <p:nvPr/>
-        </p:nvSpPr>
-        <p:spPr>
-          <a:xfrm>
-            <a:off x="0" y="1540089"/>
-            <a:ext cx="9144000" cy="523220"/>
-          </a:xfrm>
-          <a:prstGeom prst="rect">
-            <a:avLst/>
-          </a:prstGeom>
-          <a:noFill/>
-        </p:spPr>
-        <p:txBody>
-          <a:bodyPr wrap="square" rtlCol="0">
-            <a:spAutoFit/>
-          </a:bodyPr>
-          <a:lstStyle/>
-          <a:p>
-            <a:pPr algn="ctr"/>
-            <a:r>
-              <a:rPr lang="en-CZ" sz="2800" dirty="0">
-                <a:solidFill>
-                  <a:srgbClr val="FF0000"/>
-                </a:solidFill>
-                <a:latin typeface="+mj-lt"/>
-                <a:cs typeface="Times New Roman" panose="02020603050405020304" pitchFamily="18" charset="0"/>
-              </a:rPr>
-              <a:t>Činnosti</a:t>
-            </a:r>
-            <a:endParaRPr lang="en-CZ" sz="2800" dirty="0">
-              <a:latin typeface="+mj-lt"/>
-            </a:endParaRPr>
-          </a:p>
-        </p:txBody>
-      </p:sp>
-    </p:spTree>
-    <p:extLst>
-      <p:ext uri="{BB962C8B-B14F-4D97-AF65-F5344CB8AC3E}">
-        <p14:creationId xmlns:p14="http://schemas.microsoft.com/office/powerpoint/2010/main" val="271160746"/>
       </p:ext>
     </p:extLst>
   </p:cSld>
@@ -3283,23 +3294,13 @@
             <a:pPr algn="ctr"/>
             <a:r>
               <a:rPr lang="en-CZ" sz="2800" dirty="0">
+                <a:solidFill>
+                  <a:srgbClr val="0065BD"/>
+                </a:solidFill>
                 <a:latin typeface="Times New Roman" panose="02020603050405020304" pitchFamily="18" charset="0"/>
                 <a:cs typeface="Times New Roman" panose="02020603050405020304" pitchFamily="18" charset="0"/>
               </a:rPr>
               <a:t>Společně</a:t>
-            </a:r>
-          </a:p>
-          <a:p>
-            <a:pPr algn="ctr"/>
-            <a:r>
-              <a:rPr lang="en-CZ" sz="2800" dirty="0">
-                <a:solidFill>
-                  <a:srgbClr val="0065BD"/>
-                </a:solidFill>
-                <a:latin typeface="Times New Roman" panose="02020603050405020304" pitchFamily="18" charset="0"/>
-                <a:cs typeface="Times New Roman" panose="02020603050405020304" pitchFamily="18" charset="0"/>
-              </a:rPr>
-              <a:t>Celý tým</a:t>
             </a:r>
           </a:p>
         </p:txBody>
@@ -3407,7 +3408,7 @@
     </p:spTree>
     <p:extLst>
       <p:ext uri="{BB962C8B-B14F-4D97-AF65-F5344CB8AC3E}">
-        <p14:creationId xmlns:p14="http://schemas.microsoft.com/office/powerpoint/2010/main" val="1077472852"/>
+        <p14:creationId xmlns:p14="http://schemas.microsoft.com/office/powerpoint/2010/main" val="271160746"/>
       </p:ext>
     </p:extLst>
   </p:cSld>
@@ -3639,23 +3640,13 @@
             <a:pPr algn="ctr"/>
             <a:r>
               <a:rPr lang="en-CZ" sz="2800" dirty="0">
+                <a:solidFill>
+                  <a:srgbClr val="0065BD"/>
+                </a:solidFill>
                 <a:latin typeface="Times New Roman" panose="02020603050405020304" pitchFamily="18" charset="0"/>
                 <a:cs typeface="Times New Roman" panose="02020603050405020304" pitchFamily="18" charset="0"/>
               </a:rPr>
               <a:t>Celý tým</a:t>
-            </a:r>
-          </a:p>
-          <a:p>
-            <a:pPr algn="ctr"/>
-            <a:r>
-              <a:rPr lang="en-CZ" sz="2800" dirty="0">
-                <a:solidFill>
-                  <a:srgbClr val="0065BD"/>
-                </a:solidFill>
-                <a:latin typeface="Times New Roman" panose="02020603050405020304" pitchFamily="18" charset="0"/>
-                <a:cs typeface="Times New Roman" panose="02020603050405020304" pitchFamily="18" charset="0"/>
-              </a:rPr>
-              <a:t>Pracovní prostředí</a:t>
             </a:r>
           </a:p>
         </p:txBody>
@@ -3763,7 +3754,7 @@
     </p:spTree>
     <p:extLst>
       <p:ext uri="{BB962C8B-B14F-4D97-AF65-F5344CB8AC3E}">
-        <p14:creationId xmlns:p14="http://schemas.microsoft.com/office/powerpoint/2010/main" val="701887404"/>
+        <p14:creationId xmlns:p14="http://schemas.microsoft.com/office/powerpoint/2010/main" val="1077472852"/>
       </p:ext>
     </p:extLst>
   </p:cSld>
@@ -4005,23 +3996,13 @@
             <a:pPr algn="ctr"/>
             <a:r>
               <a:rPr lang="en-CZ" sz="2800" dirty="0">
+                <a:solidFill>
+                  <a:srgbClr val="0065BD"/>
+                </a:solidFill>
                 <a:latin typeface="Times New Roman" panose="02020603050405020304" pitchFamily="18" charset="0"/>
                 <a:cs typeface="Times New Roman" panose="02020603050405020304" pitchFamily="18" charset="0"/>
               </a:rPr>
               <a:t>Pracovní prostředí</a:t>
-            </a:r>
-          </a:p>
-          <a:p>
-            <a:pPr algn="ctr"/>
-            <a:r>
-              <a:rPr lang="en-CZ" sz="2800" dirty="0">
-                <a:solidFill>
-                  <a:srgbClr val="0065BD"/>
-                </a:solidFill>
-                <a:latin typeface="Times New Roman" panose="02020603050405020304" pitchFamily="18" charset="0"/>
-                <a:cs typeface="Times New Roman" panose="02020603050405020304" pitchFamily="18" charset="0"/>
-              </a:rPr>
-              <a:t>Energized work</a:t>
             </a:r>
           </a:p>
         </p:txBody>
@@ -4129,7 +4110,7 @@
     </p:spTree>
     <p:extLst>
       <p:ext uri="{BB962C8B-B14F-4D97-AF65-F5344CB8AC3E}">
-        <p14:creationId xmlns:p14="http://schemas.microsoft.com/office/powerpoint/2010/main" val="3016667543"/>
+        <p14:creationId xmlns:p14="http://schemas.microsoft.com/office/powerpoint/2010/main" val="701887404"/>
       </p:ext>
     </p:extLst>
   </p:cSld>
@@ -4381,23 +4362,13 @@
             <a:pPr algn="ctr"/>
             <a:r>
               <a:rPr lang="en-CZ" sz="2800" dirty="0">
+                <a:solidFill>
+                  <a:srgbClr val="0065BD"/>
+                </a:solidFill>
                 <a:latin typeface="Times New Roman" panose="02020603050405020304" pitchFamily="18" charset="0"/>
                 <a:cs typeface="Times New Roman" panose="02020603050405020304" pitchFamily="18" charset="0"/>
               </a:rPr>
               <a:t>Energized work</a:t>
-            </a:r>
-          </a:p>
-          <a:p>
-            <a:pPr algn="ctr"/>
-            <a:r>
-              <a:rPr lang="en-CZ" sz="2800" dirty="0">
-                <a:solidFill>
-                  <a:srgbClr val="0065BD"/>
-                </a:solidFill>
-                <a:latin typeface="Times New Roman" panose="02020603050405020304" pitchFamily="18" charset="0"/>
-                <a:cs typeface="Times New Roman" panose="02020603050405020304" pitchFamily="18" charset="0"/>
-              </a:rPr>
-              <a:t>Párové programování</a:t>
             </a:r>
           </a:p>
         </p:txBody>
@@ -4505,6 +4476,382 @@
     </p:spTree>
     <p:extLst>
       <p:ext uri="{BB962C8B-B14F-4D97-AF65-F5344CB8AC3E}">
+        <p14:creationId xmlns:p14="http://schemas.microsoft.com/office/powerpoint/2010/main" val="3016667543"/>
+      </p:ext>
+    </p:extLst>
+  </p:cSld>
+  <p:clrMapOvr>
+    <a:masterClrMapping/>
+  </p:clrMapOvr>
+</p:sld>
+</file>
+
+<file path=ppt/slides/slide19.xml><?xml version="1.0" encoding="utf-8"?>
+<p:sld xmlns:a="http://schemas.openxmlformats.org/drawingml/2006/main" xmlns:r="http://schemas.openxmlformats.org/officeDocument/2006/relationships" xmlns:p="http://schemas.openxmlformats.org/presentationml/2006/main">
+  <p:cSld>
+    <p:spTree>
+      <p:nvGrpSpPr>
+        <p:cNvPr id="1" name=""/>
+        <p:cNvGrpSpPr/>
+        <p:nvPr/>
+      </p:nvGrpSpPr>
+      <p:grpSpPr>
+        <a:xfrm>
+          <a:off x="0" y="0"/>
+          <a:ext cx="0" cy="0"/>
+          <a:chOff x="0" y="0"/>
+          <a:chExt cx="0" cy="0"/>
+        </a:xfrm>
+      </p:grpSpPr>
+      <p:sp>
+        <p:nvSpPr>
+          <p:cNvPr id="5" name="Content Placeholder 2">
+            <a:extLst>
+              <a:ext uri="{FF2B5EF4-FFF2-40B4-BE49-F238E27FC236}">
+                <a16:creationId xmlns:a16="http://schemas.microsoft.com/office/drawing/2014/main" id="{54C89203-5005-0B45-9FCF-265149A07EAD}"/>
+              </a:ext>
+            </a:extLst>
+          </p:cNvPr>
+          <p:cNvSpPr txBox="1">
+            <a:spLocks/>
+          </p:cNvSpPr>
+          <p:nvPr/>
+        </p:nvSpPr>
+        <p:spPr>
+          <a:xfrm>
+            <a:off x="675000" y="2401240"/>
+            <a:ext cx="7794000" cy="2731382"/>
+          </a:xfrm>
+          <a:prstGeom prst="rect">
+            <a:avLst/>
+          </a:prstGeom>
+        </p:spPr>
+        <p:txBody>
+          <a:bodyPr vert="horz" lIns="91440" tIns="45720" rIns="91440" bIns="45720" rtlCol="0">
+            <a:normAutofit/>
+          </a:bodyPr>
+          <a:lstStyle>
+            <a:lvl1pPr marL="0" indent="0" algn="l" defTabSz="914354" rtl="0" eaLnBrk="1" latinLnBrk="0" hangingPunct="1">
+              <a:lnSpc>
+                <a:spcPct val="90000"/>
+              </a:lnSpc>
+              <a:spcBef>
+                <a:spcPts val="1000"/>
+              </a:spcBef>
+              <a:buFont typeface="Arial" panose="020B0604020202020204" pitchFamily="34" charset="0"/>
+              <a:buNone/>
+              <a:defRPr sz="2000" kern="3000" baseline="0">
+                <a:solidFill>
+                  <a:schemeClr val="tx1"/>
+                </a:solidFill>
+                <a:latin typeface="Technika-Bold" panose="00000600000000000000" pitchFamily="50" charset="-18"/>
+                <a:ea typeface="+mn-ea"/>
+                <a:cs typeface="+mn-cs"/>
+              </a:defRPr>
+            </a:lvl1pPr>
+            <a:lvl2pPr marL="685766" indent="-228589" algn="l" defTabSz="914354" rtl="0" eaLnBrk="1" latinLnBrk="0" hangingPunct="1">
+              <a:lnSpc>
+                <a:spcPct val="90000"/>
+              </a:lnSpc>
+              <a:spcBef>
+                <a:spcPts val="500"/>
+              </a:spcBef>
+              <a:buFont typeface="Arial" panose="020B0604020202020204" pitchFamily="34" charset="0"/>
+              <a:buChar char="•"/>
+              <a:defRPr sz="2400" kern="1200">
+                <a:solidFill>
+                  <a:schemeClr val="tx1"/>
+                </a:solidFill>
+                <a:latin typeface="Technika" panose="00000600000000000000" pitchFamily="50" charset="-18"/>
+                <a:ea typeface="+mn-ea"/>
+                <a:cs typeface="+mn-cs"/>
+              </a:defRPr>
+            </a:lvl2pPr>
+            <a:lvl3pPr marL="1142942" indent="-228589" algn="l" defTabSz="914354" rtl="0" eaLnBrk="1" latinLnBrk="0" hangingPunct="1">
+              <a:lnSpc>
+                <a:spcPct val="90000"/>
+              </a:lnSpc>
+              <a:spcBef>
+                <a:spcPts val="500"/>
+              </a:spcBef>
+              <a:buFont typeface="Arial" panose="020B0604020202020204" pitchFamily="34" charset="0"/>
+              <a:buChar char="•"/>
+              <a:defRPr sz="2000" kern="1200">
+                <a:solidFill>
+                  <a:schemeClr val="tx1"/>
+                </a:solidFill>
+                <a:latin typeface="Technika" panose="00000600000000000000" pitchFamily="50" charset="-18"/>
+                <a:ea typeface="+mn-ea"/>
+                <a:cs typeface="+mn-cs"/>
+              </a:defRPr>
+            </a:lvl3pPr>
+            <a:lvl4pPr marL="1600120" indent="-228589" algn="l" defTabSz="914354" rtl="0" eaLnBrk="1" latinLnBrk="0" hangingPunct="1">
+              <a:lnSpc>
+                <a:spcPct val="90000"/>
+              </a:lnSpc>
+              <a:spcBef>
+                <a:spcPts val="500"/>
+              </a:spcBef>
+              <a:buFont typeface="Arial" panose="020B0604020202020204" pitchFamily="34" charset="0"/>
+              <a:buChar char="•"/>
+              <a:defRPr sz="1800" kern="1200">
+                <a:solidFill>
+                  <a:schemeClr val="tx1"/>
+                </a:solidFill>
+                <a:latin typeface="Technika" panose="00000600000000000000" pitchFamily="50" charset="-18"/>
+                <a:ea typeface="+mn-ea"/>
+                <a:cs typeface="+mn-cs"/>
+              </a:defRPr>
+            </a:lvl4pPr>
+            <a:lvl5pPr marL="2057298" indent="-228589" algn="l" defTabSz="914354" rtl="0" eaLnBrk="1" latinLnBrk="0" hangingPunct="1">
+              <a:lnSpc>
+                <a:spcPct val="90000"/>
+              </a:lnSpc>
+              <a:spcBef>
+                <a:spcPts val="500"/>
+              </a:spcBef>
+              <a:buFont typeface="Arial" panose="020B0604020202020204" pitchFamily="34" charset="0"/>
+              <a:buChar char="•"/>
+              <a:defRPr sz="1800" kern="1200">
+                <a:solidFill>
+                  <a:schemeClr val="tx1"/>
+                </a:solidFill>
+                <a:latin typeface="Technika" panose="00000600000000000000" pitchFamily="50" charset="-18"/>
+                <a:ea typeface="+mn-ea"/>
+                <a:cs typeface="+mn-cs"/>
+              </a:defRPr>
+            </a:lvl5pPr>
+            <a:lvl6pPr marL="2514474" indent="-228589" algn="l" defTabSz="914354" rtl="0" eaLnBrk="1" latinLnBrk="0" hangingPunct="1">
+              <a:lnSpc>
+                <a:spcPct val="90000"/>
+              </a:lnSpc>
+              <a:spcBef>
+                <a:spcPts val="500"/>
+              </a:spcBef>
+              <a:buFont typeface="Arial" panose="020B0604020202020204" pitchFamily="34" charset="0"/>
+              <a:buChar char="•"/>
+              <a:defRPr sz="1800" kern="1200">
+                <a:solidFill>
+                  <a:schemeClr val="tx1"/>
+                </a:solidFill>
+                <a:latin typeface="+mn-lt"/>
+                <a:ea typeface="+mn-ea"/>
+                <a:cs typeface="+mn-cs"/>
+              </a:defRPr>
+            </a:lvl6pPr>
+            <a:lvl7pPr marL="2971652" indent="-228589" algn="l" defTabSz="914354" rtl="0" eaLnBrk="1" latinLnBrk="0" hangingPunct="1">
+              <a:lnSpc>
+                <a:spcPct val="90000"/>
+              </a:lnSpc>
+              <a:spcBef>
+                <a:spcPts val="500"/>
+              </a:spcBef>
+              <a:buFont typeface="Arial" panose="020B0604020202020204" pitchFamily="34" charset="0"/>
+              <a:buChar char="•"/>
+              <a:defRPr sz="1800" kern="1200">
+                <a:solidFill>
+                  <a:schemeClr val="tx1"/>
+                </a:solidFill>
+                <a:latin typeface="+mn-lt"/>
+                <a:ea typeface="+mn-ea"/>
+                <a:cs typeface="+mn-cs"/>
+              </a:defRPr>
+            </a:lvl7pPr>
+            <a:lvl8pPr marL="3428829" indent="-228589" algn="l" defTabSz="914354" rtl="0" eaLnBrk="1" latinLnBrk="0" hangingPunct="1">
+              <a:lnSpc>
+                <a:spcPct val="90000"/>
+              </a:lnSpc>
+              <a:spcBef>
+                <a:spcPts val="500"/>
+              </a:spcBef>
+              <a:buFont typeface="Arial" panose="020B0604020202020204" pitchFamily="34" charset="0"/>
+              <a:buChar char="•"/>
+              <a:defRPr sz="1800" kern="1200">
+                <a:solidFill>
+                  <a:schemeClr val="tx1"/>
+                </a:solidFill>
+                <a:latin typeface="+mn-lt"/>
+                <a:ea typeface="+mn-ea"/>
+                <a:cs typeface="+mn-cs"/>
+              </a:defRPr>
+            </a:lvl8pPr>
+            <a:lvl9pPr marL="3886006" indent="-228589" algn="l" defTabSz="914354" rtl="0" eaLnBrk="1" latinLnBrk="0" hangingPunct="1">
+              <a:lnSpc>
+                <a:spcPct val="90000"/>
+              </a:lnSpc>
+              <a:spcBef>
+                <a:spcPts val="500"/>
+              </a:spcBef>
+              <a:buFont typeface="Arial" panose="020B0604020202020204" pitchFamily="34" charset="0"/>
+              <a:buChar char="•"/>
+              <a:defRPr sz="1800" kern="1200">
+                <a:solidFill>
+                  <a:schemeClr val="tx1"/>
+                </a:solidFill>
+                <a:latin typeface="+mn-lt"/>
+                <a:ea typeface="+mn-ea"/>
+                <a:cs typeface="+mn-cs"/>
+              </a:defRPr>
+            </a:lvl9pPr>
+          </a:lstStyle>
+          <a:p>
+            <a:pPr algn="ctr"/>
+            <a:r>
+              <a:rPr lang="en-CZ" sz="2800" dirty="0">
+                <a:latin typeface="Times New Roman" panose="02020603050405020304" pitchFamily="18" charset="0"/>
+                <a:cs typeface="Times New Roman" panose="02020603050405020304" pitchFamily="18" charset="0"/>
+              </a:rPr>
+              <a:t>Společně</a:t>
+            </a:r>
+          </a:p>
+          <a:p>
+            <a:pPr algn="ctr"/>
+            <a:r>
+              <a:rPr lang="en-CZ" sz="2800" dirty="0">
+                <a:latin typeface="Times New Roman" panose="02020603050405020304" pitchFamily="18" charset="0"/>
+                <a:cs typeface="Times New Roman" panose="02020603050405020304" pitchFamily="18" charset="0"/>
+              </a:rPr>
+              <a:t>Celý tým</a:t>
+            </a:r>
+          </a:p>
+          <a:p>
+            <a:pPr algn="ctr"/>
+            <a:r>
+              <a:rPr lang="en-CZ" sz="2800" dirty="0">
+                <a:latin typeface="Times New Roman" panose="02020603050405020304" pitchFamily="18" charset="0"/>
+                <a:cs typeface="Times New Roman" panose="02020603050405020304" pitchFamily="18" charset="0"/>
+              </a:rPr>
+              <a:t>Pracovní prostředí</a:t>
+            </a:r>
+          </a:p>
+          <a:p>
+            <a:pPr algn="ctr"/>
+            <a:r>
+              <a:rPr lang="en-CZ" sz="2800" dirty="0">
+                <a:latin typeface="Times New Roman" panose="02020603050405020304" pitchFamily="18" charset="0"/>
+                <a:cs typeface="Times New Roman" panose="02020603050405020304" pitchFamily="18" charset="0"/>
+              </a:rPr>
+              <a:t>Energized work</a:t>
+            </a:r>
+          </a:p>
+          <a:p>
+            <a:pPr algn="ctr"/>
+            <a:r>
+              <a:rPr lang="en-CZ" sz="2800" dirty="0">
+                <a:solidFill>
+                  <a:srgbClr val="0065BD"/>
+                </a:solidFill>
+                <a:latin typeface="Times New Roman" panose="02020603050405020304" pitchFamily="18" charset="0"/>
+                <a:cs typeface="Times New Roman" panose="02020603050405020304" pitchFamily="18" charset="0"/>
+              </a:rPr>
+              <a:t>Párové programování</a:t>
+            </a:r>
+          </a:p>
+        </p:txBody>
+      </p:sp>
+      <p:sp>
+        <p:nvSpPr>
+          <p:cNvPr id="7" name="Title 1">
+            <a:extLst>
+              <a:ext uri="{FF2B5EF4-FFF2-40B4-BE49-F238E27FC236}">
+                <a16:creationId xmlns:a16="http://schemas.microsoft.com/office/drawing/2014/main" id="{778F5AB8-30D0-2943-8A43-A6E04205B88F}"/>
+              </a:ext>
+            </a:extLst>
+          </p:cNvPr>
+          <p:cNvSpPr txBox="1">
+            <a:spLocks/>
+          </p:cNvSpPr>
+          <p:nvPr/>
+        </p:nvSpPr>
+        <p:spPr>
+          <a:xfrm>
+            <a:off x="8469000" y="19878"/>
+            <a:ext cx="907827" cy="544775"/>
+          </a:xfrm>
+          <a:prstGeom prst="rect">
+            <a:avLst/>
+          </a:prstGeom>
+        </p:spPr>
+        <p:txBody>
+          <a:bodyPr vert="horz" lIns="91440" tIns="45720" rIns="91440" bIns="45720" rtlCol="0" anchor="t">
+            <a:normAutofit/>
+          </a:bodyPr>
+          <a:lstStyle>
+            <a:lvl1pPr algn="l" defTabSz="914354" rtl="0" eaLnBrk="1" latinLnBrk="0" hangingPunct="1">
+              <a:lnSpc>
+                <a:spcPct val="90000"/>
+              </a:lnSpc>
+              <a:spcBef>
+                <a:spcPct val="0"/>
+              </a:spcBef>
+              <a:buNone/>
+              <a:defRPr sz="2800" kern="2800" baseline="0">
+                <a:solidFill>
+                  <a:schemeClr val="tx1"/>
+                </a:solidFill>
+                <a:latin typeface="Technika-Bold" panose="00000600000000000000" pitchFamily="50" charset="-18"/>
+                <a:ea typeface="+mj-ea"/>
+                <a:cs typeface="+mj-cs"/>
+              </a:defRPr>
+            </a:lvl1pPr>
+          </a:lstStyle>
+          <a:p>
+            <a:r>
+              <a:rPr lang="en-CZ"/>
+              <a:t>XP</a:t>
+            </a:r>
+            <a:endParaRPr lang="en-CZ" dirty="0"/>
+          </a:p>
+        </p:txBody>
+      </p:sp>
+      <p:sp>
+        <p:nvSpPr>
+          <p:cNvPr id="10" name="TextBox 9">
+            <a:extLst>
+              <a:ext uri="{FF2B5EF4-FFF2-40B4-BE49-F238E27FC236}">
+                <a16:creationId xmlns:a16="http://schemas.microsoft.com/office/drawing/2014/main" id="{76A37AB8-AA4D-164B-A47F-A164B0BA7158}"/>
+              </a:ext>
+            </a:extLst>
+          </p:cNvPr>
+          <p:cNvSpPr txBox="1"/>
+          <p:nvPr/>
+        </p:nvSpPr>
+        <p:spPr>
+          <a:xfrm>
+            <a:off x="0" y="1540089"/>
+            <a:ext cx="9144000" cy="523220"/>
+          </a:xfrm>
+          <a:prstGeom prst="rect">
+            <a:avLst/>
+          </a:prstGeom>
+          <a:noFill/>
+        </p:spPr>
+        <p:txBody>
+          <a:bodyPr wrap="square" rtlCol="0">
+            <a:spAutoFit/>
+          </a:bodyPr>
+          <a:lstStyle/>
+          <a:p>
+            <a:pPr algn="ctr"/>
+            <a:r>
+              <a:rPr lang="en-CZ" sz="2800" dirty="0">
+                <a:solidFill>
+                  <a:srgbClr val="FF0000"/>
+                </a:solidFill>
+                <a:latin typeface="+mj-lt"/>
+                <a:cs typeface="Times New Roman" panose="02020603050405020304" pitchFamily="18" charset="0"/>
+              </a:rPr>
+              <a:t>Činnosti</a:t>
+            </a:r>
+            <a:endParaRPr lang="en-CZ" sz="2800" dirty="0">
+              <a:latin typeface="+mj-lt"/>
+            </a:endParaRPr>
+          </a:p>
+        </p:txBody>
+      </p:sp>
+    </p:spTree>
+    <p:extLst>
+      <p:ext uri="{BB962C8B-B14F-4D97-AF65-F5344CB8AC3E}">
         <p14:creationId xmlns:p14="http://schemas.microsoft.com/office/powerpoint/2010/main" val="4231226366"/>
       </p:ext>
     </p:extLst>
@@ -4515,7 +4862,470 @@
 </p:sld>
 </file>
 
-<file path=ppt/slides/slide19.xml><?xml version="1.0" encoding="utf-8"?>
+<file path=ppt/slides/slide2.xml><?xml version="1.0" encoding="utf-8"?>
+<p:sld xmlns:a="http://schemas.openxmlformats.org/drawingml/2006/main" xmlns:r="http://schemas.openxmlformats.org/officeDocument/2006/relationships" xmlns:p="http://schemas.openxmlformats.org/presentationml/2006/main">
+  <p:cSld>
+    <p:spTree>
+      <p:nvGrpSpPr>
+        <p:cNvPr id="1" name=""/>
+        <p:cNvGrpSpPr/>
+        <p:nvPr/>
+      </p:nvGrpSpPr>
+      <p:grpSpPr>
+        <a:xfrm>
+          <a:off x="0" y="0"/>
+          <a:ext cx="0" cy="0"/>
+          <a:chOff x="0" y="0"/>
+          <a:chExt cx="0" cy="0"/>
+        </a:xfrm>
+      </p:grpSpPr>
+      <p:sp>
+        <p:nvSpPr>
+          <p:cNvPr id="6" name="Content Placeholder 2">
+            <a:extLst>
+              <a:ext uri="{FF2B5EF4-FFF2-40B4-BE49-F238E27FC236}">
+                <a16:creationId xmlns:a16="http://schemas.microsoft.com/office/drawing/2014/main" id="{0564734D-A18E-854D-A37D-1E66E63CEBA2}"/>
+              </a:ext>
+            </a:extLst>
+          </p:cNvPr>
+          <p:cNvSpPr txBox="1">
+            <a:spLocks/>
+          </p:cNvSpPr>
+          <p:nvPr/>
+        </p:nvSpPr>
+        <p:spPr>
+          <a:xfrm>
+            <a:off x="-457200" y="3429000"/>
+            <a:ext cx="10058400" cy="1481070"/>
+          </a:xfrm>
+          <a:prstGeom prst="rect">
+            <a:avLst/>
+          </a:prstGeom>
+        </p:spPr>
+        <p:txBody>
+          <a:bodyPr vert="horz" lIns="91440" tIns="45720" rIns="91440" bIns="45720" rtlCol="0">
+            <a:normAutofit/>
+          </a:bodyPr>
+          <a:lstStyle>
+            <a:lvl1pPr marL="0" indent="0" algn="l" defTabSz="914354" rtl="0" eaLnBrk="1" latinLnBrk="0" hangingPunct="1">
+              <a:lnSpc>
+                <a:spcPct val="90000"/>
+              </a:lnSpc>
+              <a:spcBef>
+                <a:spcPts val="1000"/>
+              </a:spcBef>
+              <a:buFont typeface="Arial" panose="020B0604020202020204" pitchFamily="34" charset="0"/>
+              <a:buNone/>
+              <a:defRPr sz="2000" kern="3000" baseline="0">
+                <a:solidFill>
+                  <a:schemeClr val="tx1"/>
+                </a:solidFill>
+                <a:latin typeface="Technika-Bold" panose="00000600000000000000" pitchFamily="50" charset="-18"/>
+                <a:ea typeface="+mn-ea"/>
+                <a:cs typeface="+mn-cs"/>
+              </a:defRPr>
+            </a:lvl1pPr>
+            <a:lvl2pPr marL="685766" indent="-228589" algn="l" defTabSz="914354" rtl="0" eaLnBrk="1" latinLnBrk="0" hangingPunct="1">
+              <a:lnSpc>
+                <a:spcPct val="90000"/>
+              </a:lnSpc>
+              <a:spcBef>
+                <a:spcPts val="500"/>
+              </a:spcBef>
+              <a:buFont typeface="Arial" panose="020B0604020202020204" pitchFamily="34" charset="0"/>
+              <a:buChar char="•"/>
+              <a:defRPr sz="2400" kern="1200">
+                <a:solidFill>
+                  <a:schemeClr val="tx1"/>
+                </a:solidFill>
+                <a:latin typeface="Technika" panose="00000600000000000000" pitchFamily="50" charset="-18"/>
+                <a:ea typeface="+mn-ea"/>
+                <a:cs typeface="+mn-cs"/>
+              </a:defRPr>
+            </a:lvl2pPr>
+            <a:lvl3pPr marL="1142942" indent="-228589" algn="l" defTabSz="914354" rtl="0" eaLnBrk="1" latinLnBrk="0" hangingPunct="1">
+              <a:lnSpc>
+                <a:spcPct val="90000"/>
+              </a:lnSpc>
+              <a:spcBef>
+                <a:spcPts val="500"/>
+              </a:spcBef>
+              <a:buFont typeface="Arial" panose="020B0604020202020204" pitchFamily="34" charset="0"/>
+              <a:buChar char="•"/>
+              <a:defRPr sz="2000" kern="1200">
+                <a:solidFill>
+                  <a:schemeClr val="tx1"/>
+                </a:solidFill>
+                <a:latin typeface="Technika" panose="00000600000000000000" pitchFamily="50" charset="-18"/>
+                <a:ea typeface="+mn-ea"/>
+                <a:cs typeface="+mn-cs"/>
+              </a:defRPr>
+            </a:lvl3pPr>
+            <a:lvl4pPr marL="1600120" indent="-228589" algn="l" defTabSz="914354" rtl="0" eaLnBrk="1" latinLnBrk="0" hangingPunct="1">
+              <a:lnSpc>
+                <a:spcPct val="90000"/>
+              </a:lnSpc>
+              <a:spcBef>
+                <a:spcPts val="500"/>
+              </a:spcBef>
+              <a:buFont typeface="Arial" panose="020B0604020202020204" pitchFamily="34" charset="0"/>
+              <a:buChar char="•"/>
+              <a:defRPr sz="1800" kern="1200">
+                <a:solidFill>
+                  <a:schemeClr val="tx1"/>
+                </a:solidFill>
+                <a:latin typeface="Technika" panose="00000600000000000000" pitchFamily="50" charset="-18"/>
+                <a:ea typeface="+mn-ea"/>
+                <a:cs typeface="+mn-cs"/>
+              </a:defRPr>
+            </a:lvl4pPr>
+            <a:lvl5pPr marL="2057298" indent="-228589" algn="l" defTabSz="914354" rtl="0" eaLnBrk="1" latinLnBrk="0" hangingPunct="1">
+              <a:lnSpc>
+                <a:spcPct val="90000"/>
+              </a:lnSpc>
+              <a:spcBef>
+                <a:spcPts val="500"/>
+              </a:spcBef>
+              <a:buFont typeface="Arial" panose="020B0604020202020204" pitchFamily="34" charset="0"/>
+              <a:buChar char="•"/>
+              <a:defRPr sz="1800" kern="1200">
+                <a:solidFill>
+                  <a:schemeClr val="tx1"/>
+                </a:solidFill>
+                <a:latin typeface="Technika" panose="00000600000000000000" pitchFamily="50" charset="-18"/>
+                <a:ea typeface="+mn-ea"/>
+                <a:cs typeface="+mn-cs"/>
+              </a:defRPr>
+            </a:lvl5pPr>
+            <a:lvl6pPr marL="2514474" indent="-228589" algn="l" defTabSz="914354" rtl="0" eaLnBrk="1" latinLnBrk="0" hangingPunct="1">
+              <a:lnSpc>
+                <a:spcPct val="90000"/>
+              </a:lnSpc>
+              <a:spcBef>
+                <a:spcPts val="500"/>
+              </a:spcBef>
+              <a:buFont typeface="Arial" panose="020B0604020202020204" pitchFamily="34" charset="0"/>
+              <a:buChar char="•"/>
+              <a:defRPr sz="1800" kern="1200">
+                <a:solidFill>
+                  <a:schemeClr val="tx1"/>
+                </a:solidFill>
+                <a:latin typeface="+mn-lt"/>
+                <a:ea typeface="+mn-ea"/>
+                <a:cs typeface="+mn-cs"/>
+              </a:defRPr>
+            </a:lvl6pPr>
+            <a:lvl7pPr marL="2971652" indent="-228589" algn="l" defTabSz="914354" rtl="0" eaLnBrk="1" latinLnBrk="0" hangingPunct="1">
+              <a:lnSpc>
+                <a:spcPct val="90000"/>
+              </a:lnSpc>
+              <a:spcBef>
+                <a:spcPts val="500"/>
+              </a:spcBef>
+              <a:buFont typeface="Arial" panose="020B0604020202020204" pitchFamily="34" charset="0"/>
+              <a:buChar char="•"/>
+              <a:defRPr sz="1800" kern="1200">
+                <a:solidFill>
+                  <a:schemeClr val="tx1"/>
+                </a:solidFill>
+                <a:latin typeface="+mn-lt"/>
+                <a:ea typeface="+mn-ea"/>
+                <a:cs typeface="+mn-cs"/>
+              </a:defRPr>
+            </a:lvl7pPr>
+            <a:lvl8pPr marL="3428829" indent="-228589" algn="l" defTabSz="914354" rtl="0" eaLnBrk="1" latinLnBrk="0" hangingPunct="1">
+              <a:lnSpc>
+                <a:spcPct val="90000"/>
+              </a:lnSpc>
+              <a:spcBef>
+                <a:spcPts val="500"/>
+              </a:spcBef>
+              <a:buFont typeface="Arial" panose="020B0604020202020204" pitchFamily="34" charset="0"/>
+              <a:buChar char="•"/>
+              <a:defRPr sz="1800" kern="1200">
+                <a:solidFill>
+                  <a:schemeClr val="tx1"/>
+                </a:solidFill>
+                <a:latin typeface="+mn-lt"/>
+                <a:ea typeface="+mn-ea"/>
+                <a:cs typeface="+mn-cs"/>
+              </a:defRPr>
+            </a:lvl8pPr>
+            <a:lvl9pPr marL="3886006" indent="-228589" algn="l" defTabSz="914354" rtl="0" eaLnBrk="1" latinLnBrk="0" hangingPunct="1">
+              <a:lnSpc>
+                <a:spcPct val="90000"/>
+              </a:lnSpc>
+              <a:spcBef>
+                <a:spcPts val="500"/>
+              </a:spcBef>
+              <a:buFont typeface="Arial" panose="020B0604020202020204" pitchFamily="34" charset="0"/>
+              <a:buChar char="•"/>
+              <a:defRPr sz="1800" kern="1200">
+                <a:solidFill>
+                  <a:schemeClr val="tx1"/>
+                </a:solidFill>
+                <a:latin typeface="+mn-lt"/>
+                <a:ea typeface="+mn-ea"/>
+                <a:cs typeface="+mn-cs"/>
+              </a:defRPr>
+            </a:lvl9pPr>
+          </a:lstStyle>
+          <a:p>
+            <a:pPr algn="ctr"/>
+            <a:r>
+              <a:rPr lang="cs-CZ" sz="3200" dirty="0"/>
+              <a:t>poznámky k dispozici</a:t>
+            </a:r>
+            <a:br>
+              <a:rPr lang="cs-CZ" sz="3200" dirty="0"/>
+            </a:br>
+            <a:r>
+              <a:rPr lang="cs-CZ" sz="3200" dirty="0">
+                <a:solidFill>
+                  <a:srgbClr val="0065BD"/>
+                </a:solidFill>
+              </a:rPr>
+              <a:t>ON-LINE</a:t>
+            </a:r>
+            <a:endParaRPr lang="en-CZ" sz="3200" dirty="0">
+              <a:solidFill>
+                <a:srgbClr val="0065BD"/>
+              </a:solidFill>
+            </a:endParaRPr>
+          </a:p>
+        </p:txBody>
+      </p:sp>
+      <p:sp>
+        <p:nvSpPr>
+          <p:cNvPr id="7" name="Content Placeholder 2">
+            <a:extLst>
+              <a:ext uri="{FF2B5EF4-FFF2-40B4-BE49-F238E27FC236}">
+                <a16:creationId xmlns:a16="http://schemas.microsoft.com/office/drawing/2014/main" id="{464DA0DE-8400-2C4E-A32C-9A45FE207807}"/>
+              </a:ext>
+            </a:extLst>
+          </p:cNvPr>
+          <p:cNvSpPr txBox="1">
+            <a:spLocks/>
+          </p:cNvSpPr>
+          <p:nvPr/>
+        </p:nvSpPr>
+        <p:spPr>
+          <a:xfrm>
+            <a:off x="-457200" y="2688465"/>
+            <a:ext cx="10058400" cy="1481070"/>
+          </a:xfrm>
+          <a:prstGeom prst="rect">
+            <a:avLst/>
+          </a:prstGeom>
+        </p:spPr>
+        <p:txBody>
+          <a:bodyPr vert="horz" lIns="91440" tIns="45720" rIns="91440" bIns="45720" rtlCol="0">
+            <a:normAutofit/>
+          </a:bodyPr>
+          <a:lstStyle>
+            <a:lvl1pPr marL="0" indent="0" algn="l" defTabSz="914354" rtl="0" eaLnBrk="1" latinLnBrk="0" hangingPunct="1">
+              <a:lnSpc>
+                <a:spcPct val="90000"/>
+              </a:lnSpc>
+              <a:spcBef>
+                <a:spcPts val="1000"/>
+              </a:spcBef>
+              <a:buFont typeface="Arial" panose="020B0604020202020204" pitchFamily="34" charset="0"/>
+              <a:buNone/>
+              <a:defRPr sz="2000" kern="3000" baseline="0">
+                <a:solidFill>
+                  <a:schemeClr val="tx1"/>
+                </a:solidFill>
+                <a:latin typeface="Technika-Bold" panose="00000600000000000000" pitchFamily="50" charset="-18"/>
+                <a:ea typeface="+mn-ea"/>
+                <a:cs typeface="+mn-cs"/>
+              </a:defRPr>
+            </a:lvl1pPr>
+            <a:lvl2pPr marL="685766" indent="-228589" algn="l" defTabSz="914354" rtl="0" eaLnBrk="1" latinLnBrk="0" hangingPunct="1">
+              <a:lnSpc>
+                <a:spcPct val="90000"/>
+              </a:lnSpc>
+              <a:spcBef>
+                <a:spcPts val="500"/>
+              </a:spcBef>
+              <a:buFont typeface="Arial" panose="020B0604020202020204" pitchFamily="34" charset="0"/>
+              <a:buChar char="•"/>
+              <a:defRPr sz="2400" kern="1200">
+                <a:solidFill>
+                  <a:schemeClr val="tx1"/>
+                </a:solidFill>
+                <a:latin typeface="Technika" panose="00000600000000000000" pitchFamily="50" charset="-18"/>
+                <a:ea typeface="+mn-ea"/>
+                <a:cs typeface="+mn-cs"/>
+              </a:defRPr>
+            </a:lvl2pPr>
+            <a:lvl3pPr marL="1142942" indent="-228589" algn="l" defTabSz="914354" rtl="0" eaLnBrk="1" latinLnBrk="0" hangingPunct="1">
+              <a:lnSpc>
+                <a:spcPct val="90000"/>
+              </a:lnSpc>
+              <a:spcBef>
+                <a:spcPts val="500"/>
+              </a:spcBef>
+              <a:buFont typeface="Arial" panose="020B0604020202020204" pitchFamily="34" charset="0"/>
+              <a:buChar char="•"/>
+              <a:defRPr sz="2000" kern="1200">
+                <a:solidFill>
+                  <a:schemeClr val="tx1"/>
+                </a:solidFill>
+                <a:latin typeface="Technika" panose="00000600000000000000" pitchFamily="50" charset="-18"/>
+                <a:ea typeface="+mn-ea"/>
+                <a:cs typeface="+mn-cs"/>
+              </a:defRPr>
+            </a:lvl3pPr>
+            <a:lvl4pPr marL="1600120" indent="-228589" algn="l" defTabSz="914354" rtl="0" eaLnBrk="1" latinLnBrk="0" hangingPunct="1">
+              <a:lnSpc>
+                <a:spcPct val="90000"/>
+              </a:lnSpc>
+              <a:spcBef>
+                <a:spcPts val="500"/>
+              </a:spcBef>
+              <a:buFont typeface="Arial" panose="020B0604020202020204" pitchFamily="34" charset="0"/>
+              <a:buChar char="•"/>
+              <a:defRPr sz="1800" kern="1200">
+                <a:solidFill>
+                  <a:schemeClr val="tx1"/>
+                </a:solidFill>
+                <a:latin typeface="Technika" panose="00000600000000000000" pitchFamily="50" charset="-18"/>
+                <a:ea typeface="+mn-ea"/>
+                <a:cs typeface="+mn-cs"/>
+              </a:defRPr>
+            </a:lvl4pPr>
+            <a:lvl5pPr marL="2057298" indent="-228589" algn="l" defTabSz="914354" rtl="0" eaLnBrk="1" latinLnBrk="0" hangingPunct="1">
+              <a:lnSpc>
+                <a:spcPct val="90000"/>
+              </a:lnSpc>
+              <a:spcBef>
+                <a:spcPts val="500"/>
+              </a:spcBef>
+              <a:buFont typeface="Arial" panose="020B0604020202020204" pitchFamily="34" charset="0"/>
+              <a:buChar char="•"/>
+              <a:defRPr sz="1800" kern="1200">
+                <a:solidFill>
+                  <a:schemeClr val="tx1"/>
+                </a:solidFill>
+                <a:latin typeface="Technika" panose="00000600000000000000" pitchFamily="50" charset="-18"/>
+                <a:ea typeface="+mn-ea"/>
+                <a:cs typeface="+mn-cs"/>
+              </a:defRPr>
+            </a:lvl5pPr>
+            <a:lvl6pPr marL="2514474" indent="-228589" algn="l" defTabSz="914354" rtl="0" eaLnBrk="1" latinLnBrk="0" hangingPunct="1">
+              <a:lnSpc>
+                <a:spcPct val="90000"/>
+              </a:lnSpc>
+              <a:spcBef>
+                <a:spcPts val="500"/>
+              </a:spcBef>
+              <a:buFont typeface="Arial" panose="020B0604020202020204" pitchFamily="34" charset="0"/>
+              <a:buChar char="•"/>
+              <a:defRPr sz="1800" kern="1200">
+                <a:solidFill>
+                  <a:schemeClr val="tx1"/>
+                </a:solidFill>
+                <a:latin typeface="+mn-lt"/>
+                <a:ea typeface="+mn-ea"/>
+                <a:cs typeface="+mn-cs"/>
+              </a:defRPr>
+            </a:lvl6pPr>
+            <a:lvl7pPr marL="2971652" indent="-228589" algn="l" defTabSz="914354" rtl="0" eaLnBrk="1" latinLnBrk="0" hangingPunct="1">
+              <a:lnSpc>
+                <a:spcPct val="90000"/>
+              </a:lnSpc>
+              <a:spcBef>
+                <a:spcPts val="500"/>
+              </a:spcBef>
+              <a:buFont typeface="Arial" panose="020B0604020202020204" pitchFamily="34" charset="0"/>
+              <a:buChar char="•"/>
+              <a:defRPr sz="1800" kern="1200">
+                <a:solidFill>
+                  <a:schemeClr val="tx1"/>
+                </a:solidFill>
+                <a:latin typeface="+mn-lt"/>
+                <a:ea typeface="+mn-ea"/>
+                <a:cs typeface="+mn-cs"/>
+              </a:defRPr>
+            </a:lvl7pPr>
+            <a:lvl8pPr marL="3428829" indent="-228589" algn="l" defTabSz="914354" rtl="0" eaLnBrk="1" latinLnBrk="0" hangingPunct="1">
+              <a:lnSpc>
+                <a:spcPct val="90000"/>
+              </a:lnSpc>
+              <a:spcBef>
+                <a:spcPts val="500"/>
+              </a:spcBef>
+              <a:buFont typeface="Arial" panose="020B0604020202020204" pitchFamily="34" charset="0"/>
+              <a:buChar char="•"/>
+              <a:defRPr sz="1800" kern="1200">
+                <a:solidFill>
+                  <a:schemeClr val="tx1"/>
+                </a:solidFill>
+                <a:latin typeface="+mn-lt"/>
+                <a:ea typeface="+mn-ea"/>
+                <a:cs typeface="+mn-cs"/>
+              </a:defRPr>
+            </a:lvl8pPr>
+            <a:lvl9pPr marL="3886006" indent="-228589" algn="l" defTabSz="914354" rtl="0" eaLnBrk="1" latinLnBrk="0" hangingPunct="1">
+              <a:lnSpc>
+                <a:spcPct val="90000"/>
+              </a:lnSpc>
+              <a:spcBef>
+                <a:spcPts val="500"/>
+              </a:spcBef>
+              <a:buFont typeface="Arial" panose="020B0604020202020204" pitchFamily="34" charset="0"/>
+              <a:buChar char="•"/>
+              <a:defRPr sz="1800" kern="1200">
+                <a:solidFill>
+                  <a:schemeClr val="tx1"/>
+                </a:solidFill>
+                <a:latin typeface="+mn-lt"/>
+                <a:ea typeface="+mn-ea"/>
+                <a:cs typeface="+mn-cs"/>
+              </a:defRPr>
+            </a:lvl9pPr>
+          </a:lstStyle>
+          <a:p>
+            <a:pPr algn="ctr"/>
+            <a:r>
+              <a:rPr lang="cs-CZ" sz="4400" dirty="0" err="1">
+                <a:solidFill>
+                  <a:srgbClr val="0065BD"/>
+                </a:solidFill>
+              </a:rPr>
+              <a:t>ptzk.cz</a:t>
+            </a:r>
+            <a:r>
+              <a:rPr lang="cs-CZ" sz="4400" dirty="0"/>
+              <a:t>/</a:t>
+            </a:r>
+            <a:r>
+              <a:rPr lang="cs-CZ" sz="4400" dirty="0" err="1"/>
+              <a:t>tpr</a:t>
+            </a:r>
+            <a:endParaRPr lang="en-CZ" sz="4400" dirty="0">
+              <a:solidFill>
+                <a:srgbClr val="0065BD"/>
+              </a:solidFill>
+            </a:endParaRPr>
+          </a:p>
+        </p:txBody>
+      </p:sp>
+    </p:spTree>
+    <p:extLst>
+      <p:ext uri="{BB962C8B-B14F-4D97-AF65-F5344CB8AC3E}">
+        <p14:creationId xmlns:p14="http://schemas.microsoft.com/office/powerpoint/2010/main" val="762814251"/>
+      </p:ext>
+    </p:extLst>
+  </p:cSld>
+  <p:clrMapOvr>
+    <a:masterClrMapping/>
+  </p:clrMapOvr>
+</p:sld>
+</file>
+
+<file path=ppt/slides/slide20.xml><?xml version="1.0" encoding="utf-8"?>
 <p:sld xmlns:a="http://schemas.openxmlformats.org/drawingml/2006/main" xmlns:r="http://schemas.openxmlformats.org/officeDocument/2006/relationships" xmlns:p="http://schemas.openxmlformats.org/presentationml/2006/main">
   <p:cSld>
     <p:spTree>
@@ -4901,136 +5711,7 @@
 </p:sld>
 </file>
 
-<file path=ppt/slides/slide2.xml><?xml version="1.0" encoding="utf-8"?>
-<p:sld xmlns:a="http://schemas.openxmlformats.org/drawingml/2006/main" xmlns:r="http://schemas.openxmlformats.org/officeDocument/2006/relationships" xmlns:p="http://schemas.openxmlformats.org/presentationml/2006/main">
-  <p:cSld>
-    <p:spTree>
-      <p:nvGrpSpPr>
-        <p:cNvPr id="1" name=""/>
-        <p:cNvGrpSpPr/>
-        <p:nvPr/>
-      </p:nvGrpSpPr>
-      <p:grpSpPr>
-        <a:xfrm>
-          <a:off x="0" y="0"/>
-          <a:ext cx="0" cy="0"/>
-          <a:chOff x="0" y="0"/>
-          <a:chExt cx="0" cy="0"/>
-        </a:xfrm>
-      </p:grpSpPr>
-      <p:sp>
-        <p:nvSpPr>
-          <p:cNvPr id="2" name="Title 1">
-            <a:extLst>
-              <a:ext uri="{FF2B5EF4-FFF2-40B4-BE49-F238E27FC236}">
-                <a16:creationId xmlns:a16="http://schemas.microsoft.com/office/drawing/2014/main" id="{19CD5ED9-112E-C549-AE13-7BCA5E9C02E6}"/>
-              </a:ext>
-            </a:extLst>
-          </p:cNvPr>
-          <p:cNvSpPr>
-            <a:spLocks noGrp="1"/>
-          </p:cNvSpPr>
-          <p:nvPr>
-            <p:ph type="ctrTitle"/>
-          </p:nvPr>
-        </p:nvSpPr>
-        <p:spPr>
-          <a:xfrm>
-            <a:off x="1" y="2477071"/>
-            <a:ext cx="9144000" cy="1230227"/>
-          </a:xfrm>
-        </p:spPr>
-        <p:txBody>
-          <a:bodyPr>
-            <a:normAutofit/>
-          </a:bodyPr>
-          <a:lstStyle/>
-          <a:p>
-            <a:pPr algn="ctr"/>
-            <a:r>
-              <a:rPr lang="en-CZ" dirty="0">
-                <a:latin typeface="+mj-lt"/>
-                <a:ea typeface="Verdana" panose="020B0604030504040204" pitchFamily="34" charset="0"/>
-                <a:cs typeface="Verdana" panose="020B0604030504040204" pitchFamily="34" charset="0"/>
-              </a:rPr>
-              <a:t>Extreme programming</a:t>
-            </a:r>
-          </a:p>
-        </p:txBody>
-      </p:sp>
-      <p:sp>
-        <p:nvSpPr>
-          <p:cNvPr id="4" name="Title 1">
-            <a:extLst>
-              <a:ext uri="{FF2B5EF4-FFF2-40B4-BE49-F238E27FC236}">
-                <a16:creationId xmlns:a16="http://schemas.microsoft.com/office/drawing/2014/main" id="{286F586B-7296-CC4D-ADE0-96F48083DD72}"/>
-              </a:ext>
-            </a:extLst>
-          </p:cNvPr>
-          <p:cNvSpPr txBox="1">
-            <a:spLocks/>
-          </p:cNvSpPr>
-          <p:nvPr/>
-        </p:nvSpPr>
-        <p:spPr>
-          <a:xfrm>
-            <a:off x="0" y="3309732"/>
-            <a:ext cx="9143999" cy="1230227"/>
-          </a:xfrm>
-          <a:prstGeom prst="rect">
-            <a:avLst/>
-          </a:prstGeom>
-        </p:spPr>
-        <p:txBody>
-          <a:bodyPr vert="horz" lIns="91440" tIns="45720" rIns="91440" bIns="45720" rtlCol="0" anchor="t">
-            <a:normAutofit/>
-          </a:bodyPr>
-          <a:lstStyle>
-            <a:lvl1pPr algn="l" defTabSz="914354" rtl="0" eaLnBrk="1" latinLnBrk="0" hangingPunct="1">
-              <a:lnSpc>
-                <a:spcPct val="90000"/>
-              </a:lnSpc>
-              <a:spcBef>
-                <a:spcPct val="0"/>
-              </a:spcBef>
-              <a:buNone/>
-              <a:defRPr lang="cs-CZ" sz="4800" b="1" i="0" u="none" strike="noStrike" kern="4800" baseline="0" smtClean="0">
-                <a:solidFill>
-                  <a:schemeClr val="tx1"/>
-                </a:solidFill>
-                <a:latin typeface="Technika-Bold" panose="00000600000000000000" pitchFamily="50" charset="-18"/>
-                <a:ea typeface="+mj-ea"/>
-                <a:cs typeface="+mj-cs"/>
-              </a:defRPr>
-            </a:lvl1pPr>
-          </a:lstStyle>
-          <a:p>
-            <a:pPr algn="ctr"/>
-            <a:r>
-              <a:rPr lang="en-CZ" dirty="0">
-                <a:latin typeface="+mj-lt"/>
-                <a:ea typeface="Verdana" panose="020B0604030504040204" pitchFamily="34" charset="0"/>
-                <a:cs typeface="Verdana" panose="020B0604030504040204" pitchFamily="34" charset="0"/>
-              </a:rPr>
-              <a:t>XP</a:t>
-            </a:r>
-          </a:p>
-        </p:txBody>
-      </p:sp>
-    </p:spTree>
-    <p:extLst>
-      <p:ext uri="{BB962C8B-B14F-4D97-AF65-F5344CB8AC3E}">
-        <p14:creationId xmlns:p14="http://schemas.microsoft.com/office/powerpoint/2010/main" val="2493974639"/>
-      </p:ext>
-    </p:extLst>
-  </p:cSld>
-  <p:clrMapOvr>
-    <a:masterClrMapping/>
-  </p:clrMapOvr>
-</p:sld>
-</file>
-
-<file path=ppt/slides/slide20.xml><?xml version="1.0" encoding="utf-8"?>
+<file path=ppt/slides/slide21.xml><?xml version="1.0" encoding="utf-8"?>
 <p:sld xmlns:a="http://schemas.openxmlformats.org/drawingml/2006/main" xmlns:r="http://schemas.openxmlformats.org/officeDocument/2006/relationships" xmlns:p="http://schemas.openxmlformats.org/presentationml/2006/main">
   <p:cSld>
     <p:spTree>
@@ -5417,412 +6098,6 @@
     <p:extLst>
       <p:ext uri="{BB962C8B-B14F-4D97-AF65-F5344CB8AC3E}">
         <p14:creationId xmlns:p14="http://schemas.microsoft.com/office/powerpoint/2010/main" val="1557516288"/>
-      </p:ext>
-    </p:extLst>
-  </p:cSld>
-  <p:clrMapOvr>
-    <a:masterClrMapping/>
-  </p:clrMapOvr>
-</p:sld>
-</file>
-
-<file path=ppt/slides/slide21.xml><?xml version="1.0" encoding="utf-8"?>
-<p:sld xmlns:a="http://schemas.openxmlformats.org/drawingml/2006/main" xmlns:r="http://schemas.openxmlformats.org/officeDocument/2006/relationships" xmlns:p="http://schemas.openxmlformats.org/presentationml/2006/main">
-  <p:cSld>
-    <p:spTree>
-      <p:nvGrpSpPr>
-        <p:cNvPr id="1" name=""/>
-        <p:cNvGrpSpPr/>
-        <p:nvPr/>
-      </p:nvGrpSpPr>
-      <p:grpSpPr>
-        <a:xfrm>
-          <a:off x="0" y="0"/>
-          <a:ext cx="0" cy="0"/>
-          <a:chOff x="0" y="0"/>
-          <a:chExt cx="0" cy="0"/>
-        </a:xfrm>
-      </p:grpSpPr>
-      <p:sp>
-        <p:nvSpPr>
-          <p:cNvPr id="5" name="Content Placeholder 2">
-            <a:extLst>
-              <a:ext uri="{FF2B5EF4-FFF2-40B4-BE49-F238E27FC236}">
-                <a16:creationId xmlns:a16="http://schemas.microsoft.com/office/drawing/2014/main" id="{54C89203-5005-0B45-9FCF-265149A07EAD}"/>
-              </a:ext>
-            </a:extLst>
-          </p:cNvPr>
-          <p:cNvSpPr txBox="1">
-            <a:spLocks/>
-          </p:cNvSpPr>
-          <p:nvPr/>
-        </p:nvSpPr>
-        <p:spPr>
-          <a:xfrm>
-            <a:off x="675000" y="2401239"/>
-            <a:ext cx="7794000" cy="4238099"/>
-          </a:xfrm>
-          <a:prstGeom prst="rect">
-            <a:avLst/>
-          </a:prstGeom>
-        </p:spPr>
-        <p:txBody>
-          <a:bodyPr vert="horz" lIns="91440" tIns="45720" rIns="91440" bIns="45720" rtlCol="0">
-            <a:normAutofit/>
-          </a:bodyPr>
-          <a:lstStyle>
-            <a:lvl1pPr marL="0" indent="0" algn="l" defTabSz="914354" rtl="0" eaLnBrk="1" latinLnBrk="0" hangingPunct="1">
-              <a:lnSpc>
-                <a:spcPct val="90000"/>
-              </a:lnSpc>
-              <a:spcBef>
-                <a:spcPts val="1000"/>
-              </a:spcBef>
-              <a:buFont typeface="Arial" panose="020B0604020202020204" pitchFamily="34" charset="0"/>
-              <a:buNone/>
-              <a:defRPr sz="2000" kern="3000" baseline="0">
-                <a:solidFill>
-                  <a:schemeClr val="tx1"/>
-                </a:solidFill>
-                <a:latin typeface="Technika-Bold" panose="00000600000000000000" pitchFamily="50" charset="-18"/>
-                <a:ea typeface="+mn-ea"/>
-                <a:cs typeface="+mn-cs"/>
-              </a:defRPr>
-            </a:lvl1pPr>
-            <a:lvl2pPr marL="685766" indent="-228589" algn="l" defTabSz="914354" rtl="0" eaLnBrk="1" latinLnBrk="0" hangingPunct="1">
-              <a:lnSpc>
-                <a:spcPct val="90000"/>
-              </a:lnSpc>
-              <a:spcBef>
-                <a:spcPts val="500"/>
-              </a:spcBef>
-              <a:buFont typeface="Arial" panose="020B0604020202020204" pitchFamily="34" charset="0"/>
-              <a:buChar char="•"/>
-              <a:defRPr sz="2400" kern="1200">
-                <a:solidFill>
-                  <a:schemeClr val="tx1"/>
-                </a:solidFill>
-                <a:latin typeface="Technika" panose="00000600000000000000" pitchFamily="50" charset="-18"/>
-                <a:ea typeface="+mn-ea"/>
-                <a:cs typeface="+mn-cs"/>
-              </a:defRPr>
-            </a:lvl2pPr>
-            <a:lvl3pPr marL="1142942" indent="-228589" algn="l" defTabSz="914354" rtl="0" eaLnBrk="1" latinLnBrk="0" hangingPunct="1">
-              <a:lnSpc>
-                <a:spcPct val="90000"/>
-              </a:lnSpc>
-              <a:spcBef>
-                <a:spcPts val="500"/>
-              </a:spcBef>
-              <a:buFont typeface="Arial" panose="020B0604020202020204" pitchFamily="34" charset="0"/>
-              <a:buChar char="•"/>
-              <a:defRPr sz="2000" kern="1200">
-                <a:solidFill>
-                  <a:schemeClr val="tx1"/>
-                </a:solidFill>
-                <a:latin typeface="Technika" panose="00000600000000000000" pitchFamily="50" charset="-18"/>
-                <a:ea typeface="+mn-ea"/>
-                <a:cs typeface="+mn-cs"/>
-              </a:defRPr>
-            </a:lvl3pPr>
-            <a:lvl4pPr marL="1600120" indent="-228589" algn="l" defTabSz="914354" rtl="0" eaLnBrk="1" latinLnBrk="0" hangingPunct="1">
-              <a:lnSpc>
-                <a:spcPct val="90000"/>
-              </a:lnSpc>
-              <a:spcBef>
-                <a:spcPts val="500"/>
-              </a:spcBef>
-              <a:buFont typeface="Arial" panose="020B0604020202020204" pitchFamily="34" charset="0"/>
-              <a:buChar char="•"/>
-              <a:defRPr sz="1800" kern="1200">
-                <a:solidFill>
-                  <a:schemeClr val="tx1"/>
-                </a:solidFill>
-                <a:latin typeface="Technika" panose="00000600000000000000" pitchFamily="50" charset="-18"/>
-                <a:ea typeface="+mn-ea"/>
-                <a:cs typeface="+mn-cs"/>
-              </a:defRPr>
-            </a:lvl4pPr>
-            <a:lvl5pPr marL="2057298" indent="-228589" algn="l" defTabSz="914354" rtl="0" eaLnBrk="1" latinLnBrk="0" hangingPunct="1">
-              <a:lnSpc>
-                <a:spcPct val="90000"/>
-              </a:lnSpc>
-              <a:spcBef>
-                <a:spcPts val="500"/>
-              </a:spcBef>
-              <a:buFont typeface="Arial" panose="020B0604020202020204" pitchFamily="34" charset="0"/>
-              <a:buChar char="•"/>
-              <a:defRPr sz="1800" kern="1200">
-                <a:solidFill>
-                  <a:schemeClr val="tx1"/>
-                </a:solidFill>
-                <a:latin typeface="Technika" panose="00000600000000000000" pitchFamily="50" charset="-18"/>
-                <a:ea typeface="+mn-ea"/>
-                <a:cs typeface="+mn-cs"/>
-              </a:defRPr>
-            </a:lvl5pPr>
-            <a:lvl6pPr marL="2514474" indent="-228589" algn="l" defTabSz="914354" rtl="0" eaLnBrk="1" latinLnBrk="0" hangingPunct="1">
-              <a:lnSpc>
-                <a:spcPct val="90000"/>
-              </a:lnSpc>
-              <a:spcBef>
-                <a:spcPts val="500"/>
-              </a:spcBef>
-              <a:buFont typeface="Arial" panose="020B0604020202020204" pitchFamily="34" charset="0"/>
-              <a:buChar char="•"/>
-              <a:defRPr sz="1800" kern="1200">
-                <a:solidFill>
-                  <a:schemeClr val="tx1"/>
-                </a:solidFill>
-                <a:latin typeface="+mn-lt"/>
-                <a:ea typeface="+mn-ea"/>
-                <a:cs typeface="+mn-cs"/>
-              </a:defRPr>
-            </a:lvl6pPr>
-            <a:lvl7pPr marL="2971652" indent="-228589" algn="l" defTabSz="914354" rtl="0" eaLnBrk="1" latinLnBrk="0" hangingPunct="1">
-              <a:lnSpc>
-                <a:spcPct val="90000"/>
-              </a:lnSpc>
-              <a:spcBef>
-                <a:spcPts val="500"/>
-              </a:spcBef>
-              <a:buFont typeface="Arial" panose="020B0604020202020204" pitchFamily="34" charset="0"/>
-              <a:buChar char="•"/>
-              <a:defRPr sz="1800" kern="1200">
-                <a:solidFill>
-                  <a:schemeClr val="tx1"/>
-                </a:solidFill>
-                <a:latin typeface="+mn-lt"/>
-                <a:ea typeface="+mn-ea"/>
-                <a:cs typeface="+mn-cs"/>
-              </a:defRPr>
-            </a:lvl7pPr>
-            <a:lvl8pPr marL="3428829" indent="-228589" algn="l" defTabSz="914354" rtl="0" eaLnBrk="1" latinLnBrk="0" hangingPunct="1">
-              <a:lnSpc>
-                <a:spcPct val="90000"/>
-              </a:lnSpc>
-              <a:spcBef>
-                <a:spcPts val="500"/>
-              </a:spcBef>
-              <a:buFont typeface="Arial" panose="020B0604020202020204" pitchFamily="34" charset="0"/>
-              <a:buChar char="•"/>
-              <a:defRPr sz="1800" kern="1200">
-                <a:solidFill>
-                  <a:schemeClr val="tx1"/>
-                </a:solidFill>
-                <a:latin typeface="+mn-lt"/>
-                <a:ea typeface="+mn-ea"/>
-                <a:cs typeface="+mn-cs"/>
-              </a:defRPr>
-            </a:lvl8pPr>
-            <a:lvl9pPr marL="3886006" indent="-228589" algn="l" defTabSz="914354" rtl="0" eaLnBrk="1" latinLnBrk="0" hangingPunct="1">
-              <a:lnSpc>
-                <a:spcPct val="90000"/>
-              </a:lnSpc>
-              <a:spcBef>
-                <a:spcPts val="500"/>
-              </a:spcBef>
-              <a:buFont typeface="Arial" panose="020B0604020202020204" pitchFamily="34" charset="0"/>
-              <a:buChar char="•"/>
-              <a:defRPr sz="1800" kern="1200">
-                <a:solidFill>
-                  <a:schemeClr val="tx1"/>
-                </a:solidFill>
-                <a:latin typeface="+mn-lt"/>
-                <a:ea typeface="+mn-ea"/>
-                <a:cs typeface="+mn-cs"/>
-              </a:defRPr>
-            </a:lvl9pPr>
-          </a:lstStyle>
-          <a:p>
-            <a:pPr algn="ctr"/>
-            <a:r>
-              <a:rPr lang="en-CZ" sz="2400" dirty="0">
-                <a:latin typeface="Times New Roman" panose="02020603050405020304" pitchFamily="18" charset="0"/>
-                <a:cs typeface="Times New Roman" panose="02020603050405020304" pitchFamily="18" charset="0"/>
-              </a:rPr>
-              <a:t>Společně</a:t>
-            </a:r>
-          </a:p>
-          <a:p>
-            <a:pPr algn="ctr"/>
-            <a:r>
-              <a:rPr lang="en-CZ" sz="2400" dirty="0">
-                <a:latin typeface="Times New Roman" panose="02020603050405020304" pitchFamily="18" charset="0"/>
-                <a:cs typeface="Times New Roman" panose="02020603050405020304" pitchFamily="18" charset="0"/>
-              </a:rPr>
-              <a:t>Celý tým</a:t>
-            </a:r>
-          </a:p>
-          <a:p>
-            <a:pPr algn="ctr"/>
-            <a:r>
-              <a:rPr lang="en-CZ" sz="2400" dirty="0">
-                <a:latin typeface="Times New Roman" panose="02020603050405020304" pitchFamily="18" charset="0"/>
-                <a:cs typeface="Times New Roman" panose="02020603050405020304" pitchFamily="18" charset="0"/>
-              </a:rPr>
-              <a:t>Pracovní prostředí</a:t>
-            </a:r>
-          </a:p>
-          <a:p>
-            <a:pPr algn="ctr"/>
-            <a:r>
-              <a:rPr lang="en-CZ" sz="2400" dirty="0">
-                <a:latin typeface="Times New Roman" panose="02020603050405020304" pitchFamily="18" charset="0"/>
-                <a:cs typeface="Times New Roman" panose="02020603050405020304" pitchFamily="18" charset="0"/>
-              </a:rPr>
-              <a:t>Energized work</a:t>
-            </a:r>
-          </a:p>
-          <a:p>
-            <a:pPr algn="ctr"/>
-            <a:r>
-              <a:rPr lang="en-CZ" sz="2400" dirty="0">
-                <a:latin typeface="Times New Roman" panose="02020603050405020304" pitchFamily="18" charset="0"/>
-                <a:cs typeface="Times New Roman" panose="02020603050405020304" pitchFamily="18" charset="0"/>
-              </a:rPr>
-              <a:t>Párové programování</a:t>
-            </a:r>
-          </a:p>
-          <a:p>
-            <a:pPr algn="ctr"/>
-            <a:r>
-              <a:rPr lang="en-CZ" sz="2400" dirty="0">
-                <a:latin typeface="Times New Roman" panose="02020603050405020304" pitchFamily="18" charset="0"/>
-                <a:cs typeface="Times New Roman" panose="02020603050405020304" pitchFamily="18" charset="0"/>
-              </a:rPr>
-              <a:t>Příběhy</a:t>
-            </a:r>
-          </a:p>
-          <a:p>
-            <a:pPr algn="ctr"/>
-            <a:r>
-              <a:rPr lang="en-CZ" sz="2400" dirty="0">
-                <a:latin typeface="Times New Roman" panose="02020603050405020304" pitchFamily="18" charset="0"/>
-                <a:cs typeface="Times New Roman" panose="02020603050405020304" pitchFamily="18" charset="0"/>
-              </a:rPr>
-              <a:t>Týdenní cyklus</a:t>
-            </a:r>
-          </a:p>
-          <a:p>
-            <a:pPr algn="ctr"/>
-            <a:r>
-              <a:rPr lang="en-CZ" sz="2400" dirty="0">
-                <a:solidFill>
-                  <a:srgbClr val="0065BD"/>
-                </a:solidFill>
-                <a:latin typeface="Times New Roman" panose="02020603050405020304" pitchFamily="18" charset="0"/>
-                <a:cs typeface="Times New Roman" panose="02020603050405020304" pitchFamily="18" charset="0"/>
-              </a:rPr>
-              <a:t>Kvartální cyklus</a:t>
-            </a:r>
-          </a:p>
-        </p:txBody>
-      </p:sp>
-      <p:sp>
-        <p:nvSpPr>
-          <p:cNvPr id="7" name="Title 1">
-            <a:extLst>
-              <a:ext uri="{FF2B5EF4-FFF2-40B4-BE49-F238E27FC236}">
-                <a16:creationId xmlns:a16="http://schemas.microsoft.com/office/drawing/2014/main" id="{778F5AB8-30D0-2943-8A43-A6E04205B88F}"/>
-              </a:ext>
-            </a:extLst>
-          </p:cNvPr>
-          <p:cNvSpPr txBox="1">
-            <a:spLocks/>
-          </p:cNvSpPr>
-          <p:nvPr/>
-        </p:nvSpPr>
-        <p:spPr>
-          <a:xfrm>
-            <a:off x="8469000" y="19878"/>
-            <a:ext cx="907827" cy="544775"/>
-          </a:xfrm>
-          <a:prstGeom prst="rect">
-            <a:avLst/>
-          </a:prstGeom>
-        </p:spPr>
-        <p:txBody>
-          <a:bodyPr vert="horz" lIns="91440" tIns="45720" rIns="91440" bIns="45720" rtlCol="0" anchor="t">
-            <a:normAutofit/>
-          </a:bodyPr>
-          <a:lstStyle>
-            <a:lvl1pPr algn="l" defTabSz="914354" rtl="0" eaLnBrk="1" latinLnBrk="0" hangingPunct="1">
-              <a:lnSpc>
-                <a:spcPct val="90000"/>
-              </a:lnSpc>
-              <a:spcBef>
-                <a:spcPct val="0"/>
-              </a:spcBef>
-              <a:buNone/>
-              <a:defRPr sz="2800" kern="2800" baseline="0">
-                <a:solidFill>
-                  <a:schemeClr val="tx1"/>
-                </a:solidFill>
-                <a:latin typeface="Technika-Bold" panose="00000600000000000000" pitchFamily="50" charset="-18"/>
-                <a:ea typeface="+mj-ea"/>
-                <a:cs typeface="+mj-cs"/>
-              </a:defRPr>
-            </a:lvl1pPr>
-          </a:lstStyle>
-          <a:p>
-            <a:r>
-              <a:rPr lang="en-CZ"/>
-              <a:t>XP</a:t>
-            </a:r>
-            <a:endParaRPr lang="en-CZ" dirty="0"/>
-          </a:p>
-        </p:txBody>
-      </p:sp>
-      <p:sp>
-        <p:nvSpPr>
-          <p:cNvPr id="10" name="TextBox 9">
-            <a:extLst>
-              <a:ext uri="{FF2B5EF4-FFF2-40B4-BE49-F238E27FC236}">
-                <a16:creationId xmlns:a16="http://schemas.microsoft.com/office/drawing/2014/main" id="{76A37AB8-AA4D-164B-A47F-A164B0BA7158}"/>
-              </a:ext>
-            </a:extLst>
-          </p:cNvPr>
-          <p:cNvSpPr txBox="1"/>
-          <p:nvPr/>
-        </p:nvSpPr>
-        <p:spPr>
-          <a:xfrm>
-            <a:off x="0" y="1540089"/>
-            <a:ext cx="9144000" cy="523220"/>
-          </a:xfrm>
-          <a:prstGeom prst="rect">
-            <a:avLst/>
-          </a:prstGeom>
-          <a:noFill/>
-        </p:spPr>
-        <p:txBody>
-          <a:bodyPr wrap="square" rtlCol="0">
-            <a:spAutoFit/>
-          </a:bodyPr>
-          <a:lstStyle/>
-          <a:p>
-            <a:pPr algn="ctr"/>
-            <a:r>
-              <a:rPr lang="en-CZ" sz="2800" dirty="0">
-                <a:solidFill>
-                  <a:srgbClr val="FF0000"/>
-                </a:solidFill>
-                <a:latin typeface="+mj-lt"/>
-                <a:cs typeface="Times New Roman" panose="02020603050405020304" pitchFamily="18" charset="0"/>
-              </a:rPr>
-              <a:t>Činnosti</a:t>
-            </a:r>
-            <a:endParaRPr lang="en-CZ" sz="2800" dirty="0">
-              <a:latin typeface="+mj-lt"/>
-            </a:endParaRPr>
-          </a:p>
-        </p:txBody>
-      </p:sp>
-    </p:spTree>
-    <p:extLst>
-      <p:ext uri="{BB962C8B-B14F-4D97-AF65-F5344CB8AC3E}">
-        <p14:creationId xmlns:p14="http://schemas.microsoft.com/office/powerpoint/2010/main" val="886416079"/>
       </p:ext>
     </p:extLst>
   </p:cSld>
@@ -6114,23 +6389,13 @@
             <a:pPr algn="ctr"/>
             <a:r>
               <a:rPr lang="en-CZ" sz="2400" dirty="0">
+                <a:solidFill>
+                  <a:srgbClr val="0065BD"/>
+                </a:solidFill>
                 <a:latin typeface="Times New Roman" panose="02020603050405020304" pitchFamily="18" charset="0"/>
                 <a:cs typeface="Times New Roman" panose="02020603050405020304" pitchFamily="18" charset="0"/>
               </a:rPr>
               <a:t>Kvartální cyklus</a:t>
-            </a:r>
-          </a:p>
-          <a:p>
-            <a:pPr algn="ctr"/>
-            <a:r>
-              <a:rPr lang="en-CZ" sz="2400" dirty="0">
-                <a:solidFill>
-                  <a:srgbClr val="0065BD"/>
-                </a:solidFill>
-                <a:latin typeface="Times New Roman" panose="02020603050405020304" pitchFamily="18" charset="0"/>
-                <a:cs typeface="Times New Roman" panose="02020603050405020304" pitchFamily="18" charset="0"/>
-              </a:rPr>
-              <a:t>Uvolněnost</a:t>
             </a:r>
           </a:p>
         </p:txBody>
@@ -6238,7 +6503,7 @@
     </p:spTree>
     <p:extLst>
       <p:ext uri="{BB962C8B-B14F-4D97-AF65-F5344CB8AC3E}">
-        <p14:creationId xmlns:p14="http://schemas.microsoft.com/office/powerpoint/2010/main" val="2205093517"/>
+        <p14:creationId xmlns:p14="http://schemas.microsoft.com/office/powerpoint/2010/main" val="886416079"/>
       </p:ext>
     </p:extLst>
   </p:cSld>
@@ -6281,8 +6546,8 @@
         </p:nvSpPr>
         <p:spPr>
           <a:xfrm>
-            <a:off x="0" y="2401239"/>
-            <a:ext cx="4930669" cy="4238099"/>
+            <a:off x="675000" y="2401239"/>
+            <a:ext cx="7794000" cy="4238099"/>
           </a:xfrm>
           <a:prstGeom prst="rect">
             <a:avLst/>
@@ -6540,6 +6805,9 @@
             <a:pPr algn="ctr"/>
             <a:r>
               <a:rPr lang="en-CZ" sz="2400" dirty="0">
+                <a:solidFill>
+                  <a:srgbClr val="0065BD"/>
+                </a:solidFill>
                 <a:latin typeface="Times New Roman" panose="02020603050405020304" pitchFamily="18" charset="0"/>
                 <a:cs typeface="Times New Roman" panose="02020603050405020304" pitchFamily="18" charset="0"/>
               </a:rPr>
@@ -6648,216 +6916,10 @@
           </a:p>
         </p:txBody>
       </p:sp>
-      <p:sp>
-        <p:nvSpPr>
-          <p:cNvPr id="9" name="Content Placeholder 2">
-            <a:extLst>
-              <a:ext uri="{FF2B5EF4-FFF2-40B4-BE49-F238E27FC236}">
-                <a16:creationId xmlns:a16="http://schemas.microsoft.com/office/drawing/2014/main" id="{D0123F34-CE9C-6E46-86F9-37A8A6949595}"/>
-              </a:ext>
-            </a:extLst>
-          </p:cNvPr>
-          <p:cNvSpPr txBox="1">
-            <a:spLocks/>
-          </p:cNvSpPr>
-          <p:nvPr/>
-        </p:nvSpPr>
-        <p:spPr>
-          <a:xfrm>
-            <a:off x="4213331" y="2401239"/>
-            <a:ext cx="4930669" cy="4238099"/>
-          </a:xfrm>
-          <a:prstGeom prst="rect">
-            <a:avLst/>
-          </a:prstGeom>
-        </p:spPr>
-        <p:txBody>
-          <a:bodyPr vert="horz" lIns="91440" tIns="45720" rIns="91440" bIns="45720" rtlCol="0">
-            <a:normAutofit/>
-          </a:bodyPr>
-          <a:lstStyle>
-            <a:lvl1pPr marL="0" indent="0" algn="l" defTabSz="914354" rtl="0" eaLnBrk="1" latinLnBrk="0" hangingPunct="1">
-              <a:lnSpc>
-                <a:spcPct val="90000"/>
-              </a:lnSpc>
-              <a:spcBef>
-                <a:spcPts val="1000"/>
-              </a:spcBef>
-              <a:buFont typeface="Arial" panose="020B0604020202020204" pitchFamily="34" charset="0"/>
-              <a:buNone/>
-              <a:defRPr sz="2000" kern="3000" baseline="0">
-                <a:solidFill>
-                  <a:schemeClr val="tx1"/>
-                </a:solidFill>
-                <a:latin typeface="Technika-Bold" panose="00000600000000000000" pitchFamily="50" charset="-18"/>
-                <a:ea typeface="+mn-ea"/>
-                <a:cs typeface="+mn-cs"/>
-              </a:defRPr>
-            </a:lvl1pPr>
-            <a:lvl2pPr marL="685766" indent="-228589" algn="l" defTabSz="914354" rtl="0" eaLnBrk="1" latinLnBrk="0" hangingPunct="1">
-              <a:lnSpc>
-                <a:spcPct val="90000"/>
-              </a:lnSpc>
-              <a:spcBef>
-                <a:spcPts val="500"/>
-              </a:spcBef>
-              <a:buFont typeface="Arial" panose="020B0604020202020204" pitchFamily="34" charset="0"/>
-              <a:buChar char="•"/>
-              <a:defRPr sz="2400" kern="1200">
-                <a:solidFill>
-                  <a:schemeClr val="tx1"/>
-                </a:solidFill>
-                <a:latin typeface="Technika" panose="00000600000000000000" pitchFamily="50" charset="-18"/>
-                <a:ea typeface="+mn-ea"/>
-                <a:cs typeface="+mn-cs"/>
-              </a:defRPr>
-            </a:lvl2pPr>
-            <a:lvl3pPr marL="1142942" indent="-228589" algn="l" defTabSz="914354" rtl="0" eaLnBrk="1" latinLnBrk="0" hangingPunct="1">
-              <a:lnSpc>
-                <a:spcPct val="90000"/>
-              </a:lnSpc>
-              <a:spcBef>
-                <a:spcPts val="500"/>
-              </a:spcBef>
-              <a:buFont typeface="Arial" panose="020B0604020202020204" pitchFamily="34" charset="0"/>
-              <a:buChar char="•"/>
-              <a:defRPr sz="2000" kern="1200">
-                <a:solidFill>
-                  <a:schemeClr val="tx1"/>
-                </a:solidFill>
-                <a:latin typeface="Technika" panose="00000600000000000000" pitchFamily="50" charset="-18"/>
-                <a:ea typeface="+mn-ea"/>
-                <a:cs typeface="+mn-cs"/>
-              </a:defRPr>
-            </a:lvl3pPr>
-            <a:lvl4pPr marL="1600120" indent="-228589" algn="l" defTabSz="914354" rtl="0" eaLnBrk="1" latinLnBrk="0" hangingPunct="1">
-              <a:lnSpc>
-                <a:spcPct val="90000"/>
-              </a:lnSpc>
-              <a:spcBef>
-                <a:spcPts val="500"/>
-              </a:spcBef>
-              <a:buFont typeface="Arial" panose="020B0604020202020204" pitchFamily="34" charset="0"/>
-              <a:buChar char="•"/>
-              <a:defRPr sz="1800" kern="1200">
-                <a:solidFill>
-                  <a:schemeClr val="tx1"/>
-                </a:solidFill>
-                <a:latin typeface="Technika" panose="00000600000000000000" pitchFamily="50" charset="-18"/>
-                <a:ea typeface="+mn-ea"/>
-                <a:cs typeface="+mn-cs"/>
-              </a:defRPr>
-            </a:lvl4pPr>
-            <a:lvl5pPr marL="2057298" indent="-228589" algn="l" defTabSz="914354" rtl="0" eaLnBrk="1" latinLnBrk="0" hangingPunct="1">
-              <a:lnSpc>
-                <a:spcPct val="90000"/>
-              </a:lnSpc>
-              <a:spcBef>
-                <a:spcPts val="500"/>
-              </a:spcBef>
-              <a:buFont typeface="Arial" panose="020B0604020202020204" pitchFamily="34" charset="0"/>
-              <a:buChar char="•"/>
-              <a:defRPr sz="1800" kern="1200">
-                <a:solidFill>
-                  <a:schemeClr val="tx1"/>
-                </a:solidFill>
-                <a:latin typeface="Technika" panose="00000600000000000000" pitchFamily="50" charset="-18"/>
-                <a:ea typeface="+mn-ea"/>
-                <a:cs typeface="+mn-cs"/>
-              </a:defRPr>
-            </a:lvl5pPr>
-            <a:lvl6pPr marL="2514474" indent="-228589" algn="l" defTabSz="914354" rtl="0" eaLnBrk="1" latinLnBrk="0" hangingPunct="1">
-              <a:lnSpc>
-                <a:spcPct val="90000"/>
-              </a:lnSpc>
-              <a:spcBef>
-                <a:spcPts val="500"/>
-              </a:spcBef>
-              <a:buFont typeface="Arial" panose="020B0604020202020204" pitchFamily="34" charset="0"/>
-              <a:buChar char="•"/>
-              <a:defRPr sz="1800" kern="1200">
-                <a:solidFill>
-                  <a:schemeClr val="tx1"/>
-                </a:solidFill>
-                <a:latin typeface="+mn-lt"/>
-                <a:ea typeface="+mn-ea"/>
-                <a:cs typeface="+mn-cs"/>
-              </a:defRPr>
-            </a:lvl6pPr>
-            <a:lvl7pPr marL="2971652" indent="-228589" algn="l" defTabSz="914354" rtl="0" eaLnBrk="1" latinLnBrk="0" hangingPunct="1">
-              <a:lnSpc>
-                <a:spcPct val="90000"/>
-              </a:lnSpc>
-              <a:spcBef>
-                <a:spcPts val="500"/>
-              </a:spcBef>
-              <a:buFont typeface="Arial" panose="020B0604020202020204" pitchFamily="34" charset="0"/>
-              <a:buChar char="•"/>
-              <a:defRPr sz="1800" kern="1200">
-                <a:solidFill>
-                  <a:schemeClr val="tx1"/>
-                </a:solidFill>
-                <a:latin typeface="+mn-lt"/>
-                <a:ea typeface="+mn-ea"/>
-                <a:cs typeface="+mn-cs"/>
-              </a:defRPr>
-            </a:lvl7pPr>
-            <a:lvl8pPr marL="3428829" indent="-228589" algn="l" defTabSz="914354" rtl="0" eaLnBrk="1" latinLnBrk="0" hangingPunct="1">
-              <a:lnSpc>
-                <a:spcPct val="90000"/>
-              </a:lnSpc>
-              <a:spcBef>
-                <a:spcPts val="500"/>
-              </a:spcBef>
-              <a:buFont typeface="Arial" panose="020B0604020202020204" pitchFamily="34" charset="0"/>
-              <a:buChar char="•"/>
-              <a:defRPr sz="1800" kern="1200">
-                <a:solidFill>
-                  <a:schemeClr val="tx1"/>
-                </a:solidFill>
-                <a:latin typeface="+mn-lt"/>
-                <a:ea typeface="+mn-ea"/>
-                <a:cs typeface="+mn-cs"/>
-              </a:defRPr>
-            </a:lvl8pPr>
-            <a:lvl9pPr marL="3886006" indent="-228589" algn="l" defTabSz="914354" rtl="0" eaLnBrk="1" latinLnBrk="0" hangingPunct="1">
-              <a:lnSpc>
-                <a:spcPct val="90000"/>
-              </a:lnSpc>
-              <a:spcBef>
-                <a:spcPts val="500"/>
-              </a:spcBef>
-              <a:buFont typeface="Arial" panose="020B0604020202020204" pitchFamily="34" charset="0"/>
-              <a:buChar char="•"/>
-              <a:defRPr sz="1800" kern="1200">
-                <a:solidFill>
-                  <a:schemeClr val="tx1"/>
-                </a:solidFill>
-                <a:latin typeface="+mn-lt"/>
-                <a:ea typeface="+mn-ea"/>
-                <a:cs typeface="+mn-cs"/>
-              </a:defRPr>
-            </a:lvl9pPr>
-          </a:lstStyle>
-          <a:p>
-            <a:pPr algn="ctr"/>
-            <a:r>
-              <a:rPr lang="en-CZ" sz="2400" dirty="0">
-                <a:solidFill>
-                  <a:srgbClr val="0065BD"/>
-                </a:solidFill>
-                <a:latin typeface="Times New Roman" panose="02020603050405020304" pitchFamily="18" charset="0"/>
-                <a:cs typeface="Times New Roman" panose="02020603050405020304" pitchFamily="18" charset="0"/>
-              </a:rPr>
-              <a:t>Ten minute build</a:t>
-            </a:r>
-          </a:p>
-        </p:txBody>
-      </p:sp>
     </p:spTree>
     <p:extLst>
       <p:ext uri="{BB962C8B-B14F-4D97-AF65-F5344CB8AC3E}">
-        <p14:creationId xmlns:p14="http://schemas.microsoft.com/office/powerpoint/2010/main" val="2704786699"/>
+        <p14:creationId xmlns:p14="http://schemas.microsoft.com/office/powerpoint/2010/main" val="2205093517"/>
       </p:ext>
     </p:extLst>
   </p:cSld>
@@ -7462,41 +7524,21 @@
             <a:pPr algn="ctr"/>
             <a:r>
               <a:rPr lang="en-CZ" sz="2400" dirty="0">
+                <a:solidFill>
+                  <a:srgbClr val="0065BD"/>
+                </a:solidFill>
                 <a:latin typeface="Times New Roman" panose="02020603050405020304" pitchFamily="18" charset="0"/>
                 <a:cs typeface="Times New Roman" panose="02020603050405020304" pitchFamily="18" charset="0"/>
               </a:rPr>
               <a:t>Ten minute build</a:t>
             </a:r>
-          </a:p>
-          <a:p>
-            <a:pPr algn="ctr"/>
-            <a:r>
-              <a:rPr lang="en-CZ" sz="2400" dirty="0">
-                <a:solidFill>
-                  <a:srgbClr val="0065BD"/>
-                </a:solidFill>
-                <a:latin typeface="Times New Roman" panose="02020603050405020304" pitchFamily="18" charset="0"/>
-                <a:cs typeface="Times New Roman" panose="02020603050405020304" pitchFamily="18" charset="0"/>
-              </a:rPr>
-              <a:t>Průběžná integrace</a:t>
-            </a:r>
-          </a:p>
-          <a:p>
-            <a:pPr algn="ctr"/>
-            <a:endParaRPr lang="en-CZ" sz="2400" dirty="0">
-              <a:solidFill>
-                <a:srgbClr val="0065BD"/>
-              </a:solidFill>
-              <a:latin typeface="Times New Roman" panose="02020603050405020304" pitchFamily="18" charset="0"/>
-              <a:cs typeface="Times New Roman" panose="02020603050405020304" pitchFamily="18" charset="0"/>
-            </a:endParaRPr>
           </a:p>
         </p:txBody>
       </p:sp>
     </p:spTree>
     <p:extLst>
       <p:ext uri="{BB962C8B-B14F-4D97-AF65-F5344CB8AC3E}">
-        <p14:creationId xmlns:p14="http://schemas.microsoft.com/office/powerpoint/2010/main" val="3590698850"/>
+        <p14:creationId xmlns:p14="http://schemas.microsoft.com/office/powerpoint/2010/main" val="2704786699"/>
       </p:ext>
     </p:extLst>
   </p:cSld>
@@ -8111,23 +8153,13 @@
             <a:pPr algn="ctr"/>
             <a:r>
               <a:rPr lang="en-CZ" sz="2400" dirty="0">
+                <a:solidFill>
+                  <a:srgbClr val="0065BD"/>
+                </a:solidFill>
                 <a:latin typeface="Times New Roman" panose="02020603050405020304" pitchFamily="18" charset="0"/>
                 <a:cs typeface="Times New Roman" panose="02020603050405020304" pitchFamily="18" charset="0"/>
               </a:rPr>
               <a:t>Průběžná integrace</a:t>
-            </a:r>
-          </a:p>
-          <a:p>
-            <a:pPr algn="ctr"/>
-            <a:r>
-              <a:rPr lang="en-CZ" sz="2400" dirty="0">
-                <a:solidFill>
-                  <a:srgbClr val="0065BD"/>
-                </a:solidFill>
-                <a:latin typeface="Times New Roman" panose="02020603050405020304" pitchFamily="18" charset="0"/>
-                <a:cs typeface="Times New Roman" panose="02020603050405020304" pitchFamily="18" charset="0"/>
-              </a:rPr>
-              <a:t>Test-First programming</a:t>
             </a:r>
           </a:p>
           <a:p>
@@ -8145,7 +8177,7 @@
     </p:spTree>
     <p:extLst>
       <p:ext uri="{BB962C8B-B14F-4D97-AF65-F5344CB8AC3E}">
-        <p14:creationId xmlns:p14="http://schemas.microsoft.com/office/powerpoint/2010/main" val="518998316"/>
+        <p14:creationId xmlns:p14="http://schemas.microsoft.com/office/powerpoint/2010/main" val="3590698850"/>
       </p:ext>
     </p:extLst>
   </p:cSld>
@@ -8770,23 +8802,13 @@
             <a:pPr algn="ctr"/>
             <a:r>
               <a:rPr lang="en-CZ" sz="2400" dirty="0">
+                <a:solidFill>
+                  <a:srgbClr val="0065BD"/>
+                </a:solidFill>
                 <a:latin typeface="Times New Roman" panose="02020603050405020304" pitchFamily="18" charset="0"/>
                 <a:cs typeface="Times New Roman" panose="02020603050405020304" pitchFamily="18" charset="0"/>
               </a:rPr>
               <a:t>Test-First programming</a:t>
-            </a:r>
-          </a:p>
-          <a:p>
-            <a:pPr algn="ctr"/>
-            <a:r>
-              <a:rPr lang="en-CZ" sz="2400" dirty="0">
-                <a:solidFill>
-                  <a:srgbClr val="0065BD"/>
-                </a:solidFill>
-                <a:latin typeface="Times New Roman" panose="02020603050405020304" pitchFamily="18" charset="0"/>
-                <a:cs typeface="Times New Roman" panose="02020603050405020304" pitchFamily="18" charset="0"/>
-              </a:rPr>
-              <a:t>Incremental design</a:t>
             </a:r>
           </a:p>
           <a:p>
@@ -8804,7 +8826,7 @@
     </p:spTree>
     <p:extLst>
       <p:ext uri="{BB962C8B-B14F-4D97-AF65-F5344CB8AC3E}">
-        <p14:creationId xmlns:p14="http://schemas.microsoft.com/office/powerpoint/2010/main" val="4101561836"/>
+        <p14:creationId xmlns:p14="http://schemas.microsoft.com/office/powerpoint/2010/main" val="518998316"/>
       </p:ext>
     </p:extLst>
   </p:cSld>
@@ -8831,6 +8853,289 @@
           <a:chExt cx="0" cy="0"/>
         </a:xfrm>
       </p:grpSpPr>
+      <p:sp>
+        <p:nvSpPr>
+          <p:cNvPr id="5" name="Content Placeholder 2">
+            <a:extLst>
+              <a:ext uri="{FF2B5EF4-FFF2-40B4-BE49-F238E27FC236}">
+                <a16:creationId xmlns:a16="http://schemas.microsoft.com/office/drawing/2014/main" id="{54C89203-5005-0B45-9FCF-265149A07EAD}"/>
+              </a:ext>
+            </a:extLst>
+          </p:cNvPr>
+          <p:cNvSpPr txBox="1">
+            <a:spLocks/>
+          </p:cNvSpPr>
+          <p:nvPr/>
+        </p:nvSpPr>
+        <p:spPr>
+          <a:xfrm>
+            <a:off x="0" y="2401239"/>
+            <a:ext cx="4930669" cy="4238099"/>
+          </a:xfrm>
+          <a:prstGeom prst="rect">
+            <a:avLst/>
+          </a:prstGeom>
+        </p:spPr>
+        <p:txBody>
+          <a:bodyPr vert="horz" lIns="91440" tIns="45720" rIns="91440" bIns="45720" rtlCol="0">
+            <a:normAutofit/>
+          </a:bodyPr>
+          <a:lstStyle>
+            <a:lvl1pPr marL="0" indent="0" algn="l" defTabSz="914354" rtl="0" eaLnBrk="1" latinLnBrk="0" hangingPunct="1">
+              <a:lnSpc>
+                <a:spcPct val="90000"/>
+              </a:lnSpc>
+              <a:spcBef>
+                <a:spcPts val="1000"/>
+              </a:spcBef>
+              <a:buFont typeface="Arial" panose="020B0604020202020204" pitchFamily="34" charset="0"/>
+              <a:buNone/>
+              <a:defRPr sz="2000" kern="3000" baseline="0">
+                <a:solidFill>
+                  <a:schemeClr val="tx1"/>
+                </a:solidFill>
+                <a:latin typeface="Technika-Bold" panose="00000600000000000000" pitchFamily="50" charset="-18"/>
+                <a:ea typeface="+mn-ea"/>
+                <a:cs typeface="+mn-cs"/>
+              </a:defRPr>
+            </a:lvl1pPr>
+            <a:lvl2pPr marL="685766" indent="-228589" algn="l" defTabSz="914354" rtl="0" eaLnBrk="1" latinLnBrk="0" hangingPunct="1">
+              <a:lnSpc>
+                <a:spcPct val="90000"/>
+              </a:lnSpc>
+              <a:spcBef>
+                <a:spcPts val="500"/>
+              </a:spcBef>
+              <a:buFont typeface="Arial" panose="020B0604020202020204" pitchFamily="34" charset="0"/>
+              <a:buChar char="•"/>
+              <a:defRPr sz="2400" kern="1200">
+                <a:solidFill>
+                  <a:schemeClr val="tx1"/>
+                </a:solidFill>
+                <a:latin typeface="Technika" panose="00000600000000000000" pitchFamily="50" charset="-18"/>
+                <a:ea typeface="+mn-ea"/>
+                <a:cs typeface="+mn-cs"/>
+              </a:defRPr>
+            </a:lvl2pPr>
+            <a:lvl3pPr marL="1142942" indent="-228589" algn="l" defTabSz="914354" rtl="0" eaLnBrk="1" latinLnBrk="0" hangingPunct="1">
+              <a:lnSpc>
+                <a:spcPct val="90000"/>
+              </a:lnSpc>
+              <a:spcBef>
+                <a:spcPts val="500"/>
+              </a:spcBef>
+              <a:buFont typeface="Arial" panose="020B0604020202020204" pitchFamily="34" charset="0"/>
+              <a:buChar char="•"/>
+              <a:defRPr sz="2000" kern="1200">
+                <a:solidFill>
+                  <a:schemeClr val="tx1"/>
+                </a:solidFill>
+                <a:latin typeface="Technika" panose="00000600000000000000" pitchFamily="50" charset="-18"/>
+                <a:ea typeface="+mn-ea"/>
+                <a:cs typeface="+mn-cs"/>
+              </a:defRPr>
+            </a:lvl3pPr>
+            <a:lvl4pPr marL="1600120" indent="-228589" algn="l" defTabSz="914354" rtl="0" eaLnBrk="1" latinLnBrk="0" hangingPunct="1">
+              <a:lnSpc>
+                <a:spcPct val="90000"/>
+              </a:lnSpc>
+              <a:spcBef>
+                <a:spcPts val="500"/>
+              </a:spcBef>
+              <a:buFont typeface="Arial" panose="020B0604020202020204" pitchFamily="34" charset="0"/>
+              <a:buChar char="•"/>
+              <a:defRPr sz="1800" kern="1200">
+                <a:solidFill>
+                  <a:schemeClr val="tx1"/>
+                </a:solidFill>
+                <a:latin typeface="Technika" panose="00000600000000000000" pitchFamily="50" charset="-18"/>
+                <a:ea typeface="+mn-ea"/>
+                <a:cs typeface="+mn-cs"/>
+              </a:defRPr>
+            </a:lvl4pPr>
+            <a:lvl5pPr marL="2057298" indent="-228589" algn="l" defTabSz="914354" rtl="0" eaLnBrk="1" latinLnBrk="0" hangingPunct="1">
+              <a:lnSpc>
+                <a:spcPct val="90000"/>
+              </a:lnSpc>
+              <a:spcBef>
+                <a:spcPts val="500"/>
+              </a:spcBef>
+              <a:buFont typeface="Arial" panose="020B0604020202020204" pitchFamily="34" charset="0"/>
+              <a:buChar char="•"/>
+              <a:defRPr sz="1800" kern="1200">
+                <a:solidFill>
+                  <a:schemeClr val="tx1"/>
+                </a:solidFill>
+                <a:latin typeface="Technika" panose="00000600000000000000" pitchFamily="50" charset="-18"/>
+                <a:ea typeface="+mn-ea"/>
+                <a:cs typeface="+mn-cs"/>
+              </a:defRPr>
+            </a:lvl5pPr>
+            <a:lvl6pPr marL="2514474" indent="-228589" algn="l" defTabSz="914354" rtl="0" eaLnBrk="1" latinLnBrk="0" hangingPunct="1">
+              <a:lnSpc>
+                <a:spcPct val="90000"/>
+              </a:lnSpc>
+              <a:spcBef>
+                <a:spcPts val="500"/>
+              </a:spcBef>
+              <a:buFont typeface="Arial" panose="020B0604020202020204" pitchFamily="34" charset="0"/>
+              <a:buChar char="•"/>
+              <a:defRPr sz="1800" kern="1200">
+                <a:solidFill>
+                  <a:schemeClr val="tx1"/>
+                </a:solidFill>
+                <a:latin typeface="+mn-lt"/>
+                <a:ea typeface="+mn-ea"/>
+                <a:cs typeface="+mn-cs"/>
+              </a:defRPr>
+            </a:lvl6pPr>
+            <a:lvl7pPr marL="2971652" indent="-228589" algn="l" defTabSz="914354" rtl="0" eaLnBrk="1" latinLnBrk="0" hangingPunct="1">
+              <a:lnSpc>
+                <a:spcPct val="90000"/>
+              </a:lnSpc>
+              <a:spcBef>
+                <a:spcPts val="500"/>
+              </a:spcBef>
+              <a:buFont typeface="Arial" panose="020B0604020202020204" pitchFamily="34" charset="0"/>
+              <a:buChar char="•"/>
+              <a:defRPr sz="1800" kern="1200">
+                <a:solidFill>
+                  <a:schemeClr val="tx1"/>
+                </a:solidFill>
+                <a:latin typeface="+mn-lt"/>
+                <a:ea typeface="+mn-ea"/>
+                <a:cs typeface="+mn-cs"/>
+              </a:defRPr>
+            </a:lvl7pPr>
+            <a:lvl8pPr marL="3428829" indent="-228589" algn="l" defTabSz="914354" rtl="0" eaLnBrk="1" latinLnBrk="0" hangingPunct="1">
+              <a:lnSpc>
+                <a:spcPct val="90000"/>
+              </a:lnSpc>
+              <a:spcBef>
+                <a:spcPts val="500"/>
+              </a:spcBef>
+              <a:buFont typeface="Arial" panose="020B0604020202020204" pitchFamily="34" charset="0"/>
+              <a:buChar char="•"/>
+              <a:defRPr sz="1800" kern="1200">
+                <a:solidFill>
+                  <a:schemeClr val="tx1"/>
+                </a:solidFill>
+                <a:latin typeface="+mn-lt"/>
+                <a:ea typeface="+mn-ea"/>
+                <a:cs typeface="+mn-cs"/>
+              </a:defRPr>
+            </a:lvl8pPr>
+            <a:lvl9pPr marL="3886006" indent="-228589" algn="l" defTabSz="914354" rtl="0" eaLnBrk="1" latinLnBrk="0" hangingPunct="1">
+              <a:lnSpc>
+                <a:spcPct val="90000"/>
+              </a:lnSpc>
+              <a:spcBef>
+                <a:spcPts val="500"/>
+              </a:spcBef>
+              <a:buFont typeface="Arial" panose="020B0604020202020204" pitchFamily="34" charset="0"/>
+              <a:buChar char="•"/>
+              <a:defRPr sz="1800" kern="1200">
+                <a:solidFill>
+                  <a:schemeClr val="tx1"/>
+                </a:solidFill>
+                <a:latin typeface="+mn-lt"/>
+                <a:ea typeface="+mn-ea"/>
+                <a:cs typeface="+mn-cs"/>
+              </a:defRPr>
+            </a:lvl9pPr>
+          </a:lstStyle>
+          <a:p>
+            <a:pPr algn="ctr"/>
+            <a:r>
+              <a:rPr lang="en-CZ" sz="2400" dirty="0">
+                <a:latin typeface="Times New Roman" panose="02020603050405020304" pitchFamily="18" charset="0"/>
+                <a:cs typeface="Times New Roman" panose="02020603050405020304" pitchFamily="18" charset="0"/>
+              </a:rPr>
+              <a:t>Společně</a:t>
+            </a:r>
+          </a:p>
+          <a:p>
+            <a:pPr algn="ctr"/>
+            <a:r>
+              <a:rPr lang="en-CZ" sz="2400" dirty="0">
+                <a:latin typeface="Times New Roman" panose="02020603050405020304" pitchFamily="18" charset="0"/>
+                <a:cs typeface="Times New Roman" panose="02020603050405020304" pitchFamily="18" charset="0"/>
+              </a:rPr>
+              <a:t>Celý tým</a:t>
+            </a:r>
+          </a:p>
+          <a:p>
+            <a:pPr algn="ctr"/>
+            <a:r>
+              <a:rPr lang="en-CZ" sz="2400" dirty="0">
+                <a:latin typeface="Times New Roman" panose="02020603050405020304" pitchFamily="18" charset="0"/>
+                <a:cs typeface="Times New Roman" panose="02020603050405020304" pitchFamily="18" charset="0"/>
+              </a:rPr>
+              <a:t>Pracovní prostředí</a:t>
+            </a:r>
+          </a:p>
+          <a:p>
+            <a:pPr algn="ctr"/>
+            <a:r>
+              <a:rPr lang="en-CZ" sz="2400" dirty="0">
+                <a:latin typeface="Times New Roman" panose="02020603050405020304" pitchFamily="18" charset="0"/>
+                <a:cs typeface="Times New Roman" panose="02020603050405020304" pitchFamily="18" charset="0"/>
+              </a:rPr>
+              <a:t>Energized work</a:t>
+            </a:r>
+          </a:p>
+          <a:p>
+            <a:pPr algn="ctr"/>
+            <a:r>
+              <a:rPr lang="en-CZ" sz="2400" dirty="0">
+                <a:latin typeface="Times New Roman" panose="02020603050405020304" pitchFamily="18" charset="0"/>
+                <a:cs typeface="Times New Roman" panose="02020603050405020304" pitchFamily="18" charset="0"/>
+              </a:rPr>
+              <a:t>Párové programování</a:t>
+            </a:r>
+          </a:p>
+          <a:p>
+            <a:pPr algn="ctr"/>
+            <a:r>
+              <a:rPr lang="en-CZ" sz="2400" dirty="0">
+                <a:latin typeface="Times New Roman" panose="02020603050405020304" pitchFamily="18" charset="0"/>
+                <a:cs typeface="Times New Roman" panose="02020603050405020304" pitchFamily="18" charset="0"/>
+              </a:rPr>
+              <a:t>Příběhy</a:t>
+            </a:r>
+          </a:p>
+          <a:p>
+            <a:pPr algn="ctr"/>
+            <a:r>
+              <a:rPr lang="en-CZ" sz="2400" dirty="0">
+                <a:latin typeface="Times New Roman" panose="02020603050405020304" pitchFamily="18" charset="0"/>
+                <a:cs typeface="Times New Roman" panose="02020603050405020304" pitchFamily="18" charset="0"/>
+              </a:rPr>
+              <a:t>Týdenní cyklus</a:t>
+            </a:r>
+          </a:p>
+          <a:p>
+            <a:pPr algn="ctr"/>
+            <a:r>
+              <a:rPr lang="en-CZ" sz="2400" dirty="0">
+                <a:latin typeface="Times New Roman" panose="02020603050405020304" pitchFamily="18" charset="0"/>
+                <a:cs typeface="Times New Roman" panose="02020603050405020304" pitchFamily="18" charset="0"/>
+              </a:rPr>
+              <a:t>Kvartální cyklus</a:t>
+            </a:r>
+          </a:p>
+          <a:p>
+            <a:pPr algn="ctr"/>
+            <a:r>
+              <a:rPr lang="en-CZ" sz="2400" dirty="0">
+                <a:latin typeface="Times New Roman" panose="02020603050405020304" pitchFamily="18" charset="0"/>
+                <a:cs typeface="Times New Roman" panose="02020603050405020304" pitchFamily="18" charset="0"/>
+              </a:rPr>
+              <a:t>Uvolněnost</a:t>
+            </a:r>
+          </a:p>
+        </p:txBody>
+      </p:sp>
       <p:sp>
         <p:nvSpPr>
           <p:cNvPr id="7" name="Title 1">
@@ -8923,10 +9228,256 @@
                 <a:latin typeface="+mj-lt"/>
                 <a:cs typeface="Times New Roman" panose="02020603050405020304" pitchFamily="18" charset="0"/>
               </a:rPr>
-              <a:t>Role</a:t>
+              <a:t>Činnosti</a:t>
             </a:r>
             <a:endParaRPr lang="en-CZ" sz="2800" dirty="0">
               <a:latin typeface="+mj-lt"/>
+            </a:endParaRPr>
+          </a:p>
+        </p:txBody>
+      </p:sp>
+      <p:sp>
+        <p:nvSpPr>
+          <p:cNvPr id="9" name="Content Placeholder 2">
+            <a:extLst>
+              <a:ext uri="{FF2B5EF4-FFF2-40B4-BE49-F238E27FC236}">
+                <a16:creationId xmlns:a16="http://schemas.microsoft.com/office/drawing/2014/main" id="{D0123F34-CE9C-6E46-86F9-37A8A6949595}"/>
+              </a:ext>
+            </a:extLst>
+          </p:cNvPr>
+          <p:cNvSpPr txBox="1">
+            <a:spLocks/>
+          </p:cNvSpPr>
+          <p:nvPr/>
+        </p:nvSpPr>
+        <p:spPr>
+          <a:xfrm>
+            <a:off x="4213331" y="2401239"/>
+            <a:ext cx="4930669" cy="4238099"/>
+          </a:xfrm>
+          <a:prstGeom prst="rect">
+            <a:avLst/>
+          </a:prstGeom>
+        </p:spPr>
+        <p:txBody>
+          <a:bodyPr vert="horz" lIns="91440" tIns="45720" rIns="91440" bIns="45720" rtlCol="0">
+            <a:normAutofit/>
+          </a:bodyPr>
+          <a:lstStyle>
+            <a:lvl1pPr marL="0" indent="0" algn="l" defTabSz="914354" rtl="0" eaLnBrk="1" latinLnBrk="0" hangingPunct="1">
+              <a:lnSpc>
+                <a:spcPct val="90000"/>
+              </a:lnSpc>
+              <a:spcBef>
+                <a:spcPts val="1000"/>
+              </a:spcBef>
+              <a:buFont typeface="Arial" panose="020B0604020202020204" pitchFamily="34" charset="0"/>
+              <a:buNone/>
+              <a:defRPr sz="2000" kern="3000" baseline="0">
+                <a:solidFill>
+                  <a:schemeClr val="tx1"/>
+                </a:solidFill>
+                <a:latin typeface="Technika-Bold" panose="00000600000000000000" pitchFamily="50" charset="-18"/>
+                <a:ea typeface="+mn-ea"/>
+                <a:cs typeface="+mn-cs"/>
+              </a:defRPr>
+            </a:lvl1pPr>
+            <a:lvl2pPr marL="685766" indent="-228589" algn="l" defTabSz="914354" rtl="0" eaLnBrk="1" latinLnBrk="0" hangingPunct="1">
+              <a:lnSpc>
+                <a:spcPct val="90000"/>
+              </a:lnSpc>
+              <a:spcBef>
+                <a:spcPts val="500"/>
+              </a:spcBef>
+              <a:buFont typeface="Arial" panose="020B0604020202020204" pitchFamily="34" charset="0"/>
+              <a:buChar char="•"/>
+              <a:defRPr sz="2400" kern="1200">
+                <a:solidFill>
+                  <a:schemeClr val="tx1"/>
+                </a:solidFill>
+                <a:latin typeface="Technika" panose="00000600000000000000" pitchFamily="50" charset="-18"/>
+                <a:ea typeface="+mn-ea"/>
+                <a:cs typeface="+mn-cs"/>
+              </a:defRPr>
+            </a:lvl2pPr>
+            <a:lvl3pPr marL="1142942" indent="-228589" algn="l" defTabSz="914354" rtl="0" eaLnBrk="1" latinLnBrk="0" hangingPunct="1">
+              <a:lnSpc>
+                <a:spcPct val="90000"/>
+              </a:lnSpc>
+              <a:spcBef>
+                <a:spcPts val="500"/>
+              </a:spcBef>
+              <a:buFont typeface="Arial" panose="020B0604020202020204" pitchFamily="34" charset="0"/>
+              <a:buChar char="•"/>
+              <a:defRPr sz="2000" kern="1200">
+                <a:solidFill>
+                  <a:schemeClr val="tx1"/>
+                </a:solidFill>
+                <a:latin typeface="Technika" panose="00000600000000000000" pitchFamily="50" charset="-18"/>
+                <a:ea typeface="+mn-ea"/>
+                <a:cs typeface="+mn-cs"/>
+              </a:defRPr>
+            </a:lvl3pPr>
+            <a:lvl4pPr marL="1600120" indent="-228589" algn="l" defTabSz="914354" rtl="0" eaLnBrk="1" latinLnBrk="0" hangingPunct="1">
+              <a:lnSpc>
+                <a:spcPct val="90000"/>
+              </a:lnSpc>
+              <a:spcBef>
+                <a:spcPts val="500"/>
+              </a:spcBef>
+              <a:buFont typeface="Arial" panose="020B0604020202020204" pitchFamily="34" charset="0"/>
+              <a:buChar char="•"/>
+              <a:defRPr sz="1800" kern="1200">
+                <a:solidFill>
+                  <a:schemeClr val="tx1"/>
+                </a:solidFill>
+                <a:latin typeface="Technika" panose="00000600000000000000" pitchFamily="50" charset="-18"/>
+                <a:ea typeface="+mn-ea"/>
+                <a:cs typeface="+mn-cs"/>
+              </a:defRPr>
+            </a:lvl4pPr>
+            <a:lvl5pPr marL="2057298" indent="-228589" algn="l" defTabSz="914354" rtl="0" eaLnBrk="1" latinLnBrk="0" hangingPunct="1">
+              <a:lnSpc>
+                <a:spcPct val="90000"/>
+              </a:lnSpc>
+              <a:spcBef>
+                <a:spcPts val="500"/>
+              </a:spcBef>
+              <a:buFont typeface="Arial" panose="020B0604020202020204" pitchFamily="34" charset="0"/>
+              <a:buChar char="•"/>
+              <a:defRPr sz="1800" kern="1200">
+                <a:solidFill>
+                  <a:schemeClr val="tx1"/>
+                </a:solidFill>
+                <a:latin typeface="Technika" panose="00000600000000000000" pitchFamily="50" charset="-18"/>
+                <a:ea typeface="+mn-ea"/>
+                <a:cs typeface="+mn-cs"/>
+              </a:defRPr>
+            </a:lvl5pPr>
+            <a:lvl6pPr marL="2514474" indent="-228589" algn="l" defTabSz="914354" rtl="0" eaLnBrk="1" latinLnBrk="0" hangingPunct="1">
+              <a:lnSpc>
+                <a:spcPct val="90000"/>
+              </a:lnSpc>
+              <a:spcBef>
+                <a:spcPts val="500"/>
+              </a:spcBef>
+              <a:buFont typeface="Arial" panose="020B0604020202020204" pitchFamily="34" charset="0"/>
+              <a:buChar char="•"/>
+              <a:defRPr sz="1800" kern="1200">
+                <a:solidFill>
+                  <a:schemeClr val="tx1"/>
+                </a:solidFill>
+                <a:latin typeface="+mn-lt"/>
+                <a:ea typeface="+mn-ea"/>
+                <a:cs typeface="+mn-cs"/>
+              </a:defRPr>
+            </a:lvl6pPr>
+            <a:lvl7pPr marL="2971652" indent="-228589" algn="l" defTabSz="914354" rtl="0" eaLnBrk="1" latinLnBrk="0" hangingPunct="1">
+              <a:lnSpc>
+                <a:spcPct val="90000"/>
+              </a:lnSpc>
+              <a:spcBef>
+                <a:spcPts val="500"/>
+              </a:spcBef>
+              <a:buFont typeface="Arial" panose="020B0604020202020204" pitchFamily="34" charset="0"/>
+              <a:buChar char="•"/>
+              <a:defRPr sz="1800" kern="1200">
+                <a:solidFill>
+                  <a:schemeClr val="tx1"/>
+                </a:solidFill>
+                <a:latin typeface="+mn-lt"/>
+                <a:ea typeface="+mn-ea"/>
+                <a:cs typeface="+mn-cs"/>
+              </a:defRPr>
+            </a:lvl7pPr>
+            <a:lvl8pPr marL="3428829" indent="-228589" algn="l" defTabSz="914354" rtl="0" eaLnBrk="1" latinLnBrk="0" hangingPunct="1">
+              <a:lnSpc>
+                <a:spcPct val="90000"/>
+              </a:lnSpc>
+              <a:spcBef>
+                <a:spcPts val="500"/>
+              </a:spcBef>
+              <a:buFont typeface="Arial" panose="020B0604020202020204" pitchFamily="34" charset="0"/>
+              <a:buChar char="•"/>
+              <a:defRPr sz="1800" kern="1200">
+                <a:solidFill>
+                  <a:schemeClr val="tx1"/>
+                </a:solidFill>
+                <a:latin typeface="+mn-lt"/>
+                <a:ea typeface="+mn-ea"/>
+                <a:cs typeface="+mn-cs"/>
+              </a:defRPr>
+            </a:lvl8pPr>
+            <a:lvl9pPr marL="3886006" indent="-228589" algn="l" defTabSz="914354" rtl="0" eaLnBrk="1" latinLnBrk="0" hangingPunct="1">
+              <a:lnSpc>
+                <a:spcPct val="90000"/>
+              </a:lnSpc>
+              <a:spcBef>
+                <a:spcPts val="500"/>
+              </a:spcBef>
+              <a:buFont typeface="Arial" panose="020B0604020202020204" pitchFamily="34" charset="0"/>
+              <a:buChar char="•"/>
+              <a:defRPr sz="1800" kern="1200">
+                <a:solidFill>
+                  <a:schemeClr val="tx1"/>
+                </a:solidFill>
+                <a:latin typeface="+mn-lt"/>
+                <a:ea typeface="+mn-ea"/>
+                <a:cs typeface="+mn-cs"/>
+              </a:defRPr>
+            </a:lvl9pPr>
+          </a:lstStyle>
+          <a:p>
+            <a:pPr algn="ctr"/>
+            <a:r>
+              <a:rPr lang="en-CZ" sz="2400" dirty="0">
+                <a:latin typeface="Times New Roman" panose="02020603050405020304" pitchFamily="18" charset="0"/>
+                <a:cs typeface="Times New Roman" panose="02020603050405020304" pitchFamily="18" charset="0"/>
+              </a:rPr>
+              <a:t>Ten minute build</a:t>
+            </a:r>
+          </a:p>
+          <a:p>
+            <a:pPr algn="ctr"/>
+            <a:r>
+              <a:rPr lang="en-CZ" sz="2400" dirty="0">
+                <a:latin typeface="Times New Roman" panose="02020603050405020304" pitchFamily="18" charset="0"/>
+                <a:cs typeface="Times New Roman" panose="02020603050405020304" pitchFamily="18" charset="0"/>
+              </a:rPr>
+              <a:t>Průběžná integrace</a:t>
+            </a:r>
+          </a:p>
+          <a:p>
+            <a:pPr algn="ctr"/>
+            <a:r>
+              <a:rPr lang="en-CZ" sz="2400" dirty="0">
+                <a:latin typeface="Times New Roman" panose="02020603050405020304" pitchFamily="18" charset="0"/>
+                <a:cs typeface="Times New Roman" panose="02020603050405020304" pitchFamily="18" charset="0"/>
+              </a:rPr>
+              <a:t>Test-First programming</a:t>
+            </a:r>
+          </a:p>
+          <a:p>
+            <a:pPr algn="ctr"/>
+            <a:r>
+              <a:rPr lang="en-CZ" sz="2400" dirty="0">
+                <a:solidFill>
+                  <a:srgbClr val="0065BD"/>
+                </a:solidFill>
+                <a:latin typeface="Times New Roman" panose="02020603050405020304" pitchFamily="18" charset="0"/>
+                <a:cs typeface="Times New Roman" panose="02020603050405020304" pitchFamily="18" charset="0"/>
+              </a:rPr>
+              <a:t>Incremental design</a:t>
+            </a:r>
+          </a:p>
+          <a:p>
+            <a:pPr algn="ctr"/>
+            <a:endParaRPr lang="en-CZ" sz="2400" dirty="0">
+              <a:solidFill>
+                <a:srgbClr val="0065BD"/>
+              </a:solidFill>
+              <a:latin typeface="Times New Roman" panose="02020603050405020304" pitchFamily="18" charset="0"/>
+              <a:cs typeface="Times New Roman" panose="02020603050405020304" pitchFamily="18" charset="0"/>
             </a:endParaRPr>
           </a:p>
         </p:txBody>
@@ -8934,7 +9485,7 @@
     </p:spTree>
     <p:extLst>
       <p:ext uri="{BB962C8B-B14F-4D97-AF65-F5344CB8AC3E}">
-        <p14:creationId xmlns:p14="http://schemas.microsoft.com/office/powerpoint/2010/main" val="1114756896"/>
+        <p14:creationId xmlns:p14="http://schemas.microsoft.com/office/powerpoint/2010/main" val="4101561836"/>
       </p:ext>
     </p:extLst>
   </p:cSld>
@@ -9061,216 +9612,10 @@
           </a:p>
         </p:txBody>
       </p:sp>
-      <p:sp>
-        <p:nvSpPr>
-          <p:cNvPr id="6" name="Content Placeholder 2">
-            <a:extLst>
-              <a:ext uri="{FF2B5EF4-FFF2-40B4-BE49-F238E27FC236}">
-                <a16:creationId xmlns:a16="http://schemas.microsoft.com/office/drawing/2014/main" id="{1167AAF0-3F87-4C4E-8628-E168637FE451}"/>
-              </a:ext>
-            </a:extLst>
-          </p:cNvPr>
-          <p:cNvSpPr txBox="1">
-            <a:spLocks/>
-          </p:cNvSpPr>
-          <p:nvPr/>
-        </p:nvSpPr>
-        <p:spPr>
-          <a:xfrm>
-            <a:off x="675000" y="2401239"/>
-            <a:ext cx="7794000" cy="4238099"/>
-          </a:xfrm>
-          <a:prstGeom prst="rect">
-            <a:avLst/>
-          </a:prstGeom>
-        </p:spPr>
-        <p:txBody>
-          <a:bodyPr vert="horz" lIns="91440" tIns="45720" rIns="91440" bIns="45720" rtlCol="0">
-            <a:normAutofit/>
-          </a:bodyPr>
-          <a:lstStyle>
-            <a:lvl1pPr marL="0" indent="0" algn="l" defTabSz="914354" rtl="0" eaLnBrk="1" latinLnBrk="0" hangingPunct="1">
-              <a:lnSpc>
-                <a:spcPct val="90000"/>
-              </a:lnSpc>
-              <a:spcBef>
-                <a:spcPts val="1000"/>
-              </a:spcBef>
-              <a:buFont typeface="Arial" panose="020B0604020202020204" pitchFamily="34" charset="0"/>
-              <a:buNone/>
-              <a:defRPr sz="2000" kern="3000" baseline="0">
-                <a:solidFill>
-                  <a:schemeClr val="tx1"/>
-                </a:solidFill>
-                <a:latin typeface="Technika-Bold" panose="00000600000000000000" pitchFamily="50" charset="-18"/>
-                <a:ea typeface="+mn-ea"/>
-                <a:cs typeface="+mn-cs"/>
-              </a:defRPr>
-            </a:lvl1pPr>
-            <a:lvl2pPr marL="685766" indent="-228589" algn="l" defTabSz="914354" rtl="0" eaLnBrk="1" latinLnBrk="0" hangingPunct="1">
-              <a:lnSpc>
-                <a:spcPct val="90000"/>
-              </a:lnSpc>
-              <a:spcBef>
-                <a:spcPts val="500"/>
-              </a:spcBef>
-              <a:buFont typeface="Arial" panose="020B0604020202020204" pitchFamily="34" charset="0"/>
-              <a:buChar char="•"/>
-              <a:defRPr sz="2400" kern="1200">
-                <a:solidFill>
-                  <a:schemeClr val="tx1"/>
-                </a:solidFill>
-                <a:latin typeface="Technika" panose="00000600000000000000" pitchFamily="50" charset="-18"/>
-                <a:ea typeface="+mn-ea"/>
-                <a:cs typeface="+mn-cs"/>
-              </a:defRPr>
-            </a:lvl2pPr>
-            <a:lvl3pPr marL="1142942" indent="-228589" algn="l" defTabSz="914354" rtl="0" eaLnBrk="1" latinLnBrk="0" hangingPunct="1">
-              <a:lnSpc>
-                <a:spcPct val="90000"/>
-              </a:lnSpc>
-              <a:spcBef>
-                <a:spcPts val="500"/>
-              </a:spcBef>
-              <a:buFont typeface="Arial" panose="020B0604020202020204" pitchFamily="34" charset="0"/>
-              <a:buChar char="•"/>
-              <a:defRPr sz="2000" kern="1200">
-                <a:solidFill>
-                  <a:schemeClr val="tx1"/>
-                </a:solidFill>
-                <a:latin typeface="Technika" panose="00000600000000000000" pitchFamily="50" charset="-18"/>
-                <a:ea typeface="+mn-ea"/>
-                <a:cs typeface="+mn-cs"/>
-              </a:defRPr>
-            </a:lvl3pPr>
-            <a:lvl4pPr marL="1600120" indent="-228589" algn="l" defTabSz="914354" rtl="0" eaLnBrk="1" latinLnBrk="0" hangingPunct="1">
-              <a:lnSpc>
-                <a:spcPct val="90000"/>
-              </a:lnSpc>
-              <a:spcBef>
-                <a:spcPts val="500"/>
-              </a:spcBef>
-              <a:buFont typeface="Arial" panose="020B0604020202020204" pitchFamily="34" charset="0"/>
-              <a:buChar char="•"/>
-              <a:defRPr sz="1800" kern="1200">
-                <a:solidFill>
-                  <a:schemeClr val="tx1"/>
-                </a:solidFill>
-                <a:latin typeface="Technika" panose="00000600000000000000" pitchFamily="50" charset="-18"/>
-                <a:ea typeface="+mn-ea"/>
-                <a:cs typeface="+mn-cs"/>
-              </a:defRPr>
-            </a:lvl4pPr>
-            <a:lvl5pPr marL="2057298" indent="-228589" algn="l" defTabSz="914354" rtl="0" eaLnBrk="1" latinLnBrk="0" hangingPunct="1">
-              <a:lnSpc>
-                <a:spcPct val="90000"/>
-              </a:lnSpc>
-              <a:spcBef>
-                <a:spcPts val="500"/>
-              </a:spcBef>
-              <a:buFont typeface="Arial" panose="020B0604020202020204" pitchFamily="34" charset="0"/>
-              <a:buChar char="•"/>
-              <a:defRPr sz="1800" kern="1200">
-                <a:solidFill>
-                  <a:schemeClr val="tx1"/>
-                </a:solidFill>
-                <a:latin typeface="Technika" panose="00000600000000000000" pitchFamily="50" charset="-18"/>
-                <a:ea typeface="+mn-ea"/>
-                <a:cs typeface="+mn-cs"/>
-              </a:defRPr>
-            </a:lvl5pPr>
-            <a:lvl6pPr marL="2514474" indent="-228589" algn="l" defTabSz="914354" rtl="0" eaLnBrk="1" latinLnBrk="0" hangingPunct="1">
-              <a:lnSpc>
-                <a:spcPct val="90000"/>
-              </a:lnSpc>
-              <a:spcBef>
-                <a:spcPts val="500"/>
-              </a:spcBef>
-              <a:buFont typeface="Arial" panose="020B0604020202020204" pitchFamily="34" charset="0"/>
-              <a:buChar char="•"/>
-              <a:defRPr sz="1800" kern="1200">
-                <a:solidFill>
-                  <a:schemeClr val="tx1"/>
-                </a:solidFill>
-                <a:latin typeface="+mn-lt"/>
-                <a:ea typeface="+mn-ea"/>
-                <a:cs typeface="+mn-cs"/>
-              </a:defRPr>
-            </a:lvl6pPr>
-            <a:lvl7pPr marL="2971652" indent="-228589" algn="l" defTabSz="914354" rtl="0" eaLnBrk="1" latinLnBrk="0" hangingPunct="1">
-              <a:lnSpc>
-                <a:spcPct val="90000"/>
-              </a:lnSpc>
-              <a:spcBef>
-                <a:spcPts val="500"/>
-              </a:spcBef>
-              <a:buFont typeface="Arial" panose="020B0604020202020204" pitchFamily="34" charset="0"/>
-              <a:buChar char="•"/>
-              <a:defRPr sz="1800" kern="1200">
-                <a:solidFill>
-                  <a:schemeClr val="tx1"/>
-                </a:solidFill>
-                <a:latin typeface="+mn-lt"/>
-                <a:ea typeface="+mn-ea"/>
-                <a:cs typeface="+mn-cs"/>
-              </a:defRPr>
-            </a:lvl7pPr>
-            <a:lvl8pPr marL="3428829" indent="-228589" algn="l" defTabSz="914354" rtl="0" eaLnBrk="1" latinLnBrk="0" hangingPunct="1">
-              <a:lnSpc>
-                <a:spcPct val="90000"/>
-              </a:lnSpc>
-              <a:spcBef>
-                <a:spcPts val="500"/>
-              </a:spcBef>
-              <a:buFont typeface="Arial" panose="020B0604020202020204" pitchFamily="34" charset="0"/>
-              <a:buChar char="•"/>
-              <a:defRPr sz="1800" kern="1200">
-                <a:solidFill>
-                  <a:schemeClr val="tx1"/>
-                </a:solidFill>
-                <a:latin typeface="+mn-lt"/>
-                <a:ea typeface="+mn-ea"/>
-                <a:cs typeface="+mn-cs"/>
-              </a:defRPr>
-            </a:lvl8pPr>
-            <a:lvl9pPr marL="3886006" indent="-228589" algn="l" defTabSz="914354" rtl="0" eaLnBrk="1" latinLnBrk="0" hangingPunct="1">
-              <a:lnSpc>
-                <a:spcPct val="90000"/>
-              </a:lnSpc>
-              <a:spcBef>
-                <a:spcPts val="500"/>
-              </a:spcBef>
-              <a:buFont typeface="Arial" panose="020B0604020202020204" pitchFamily="34" charset="0"/>
-              <a:buChar char="•"/>
-              <a:defRPr sz="1800" kern="1200">
-                <a:solidFill>
-                  <a:schemeClr val="tx1"/>
-                </a:solidFill>
-                <a:latin typeface="+mn-lt"/>
-                <a:ea typeface="+mn-ea"/>
-                <a:cs typeface="+mn-cs"/>
-              </a:defRPr>
-            </a:lvl9pPr>
-          </a:lstStyle>
-          <a:p>
-            <a:pPr algn="ctr"/>
-            <a:r>
-              <a:rPr lang="en-CZ" sz="2400" dirty="0">
-                <a:solidFill>
-                  <a:srgbClr val="0065BD"/>
-                </a:solidFill>
-                <a:latin typeface="Times New Roman" panose="02020603050405020304" pitchFamily="18" charset="0"/>
-                <a:cs typeface="Times New Roman" panose="02020603050405020304" pitchFamily="18" charset="0"/>
-              </a:rPr>
-              <a:t>Zákazník</a:t>
-            </a:r>
-          </a:p>
-        </p:txBody>
-      </p:sp>
     </p:spTree>
     <p:extLst>
       <p:ext uri="{BB962C8B-B14F-4D97-AF65-F5344CB8AC3E}">
-        <p14:creationId xmlns:p14="http://schemas.microsoft.com/office/powerpoint/2010/main" val="2618144331"/>
+        <p14:creationId xmlns:p14="http://schemas.microsoft.com/office/powerpoint/2010/main" val="1114756896"/>
       </p:ext>
     </p:extLst>
   </p:cSld>
@@ -9592,23 +9937,13 @@
             <a:pPr algn="ctr"/>
             <a:r>
               <a:rPr lang="en-CZ" sz="2400" dirty="0">
+                <a:solidFill>
+                  <a:srgbClr val="0065BD"/>
+                </a:solidFill>
                 <a:latin typeface="Times New Roman" panose="02020603050405020304" pitchFamily="18" charset="0"/>
                 <a:cs typeface="Times New Roman" panose="02020603050405020304" pitchFamily="18" charset="0"/>
               </a:rPr>
               <a:t>Zákazník</a:t>
-            </a:r>
-          </a:p>
-          <a:p>
-            <a:pPr algn="ctr"/>
-            <a:r>
-              <a:rPr lang="en-CZ" sz="2400" dirty="0">
-                <a:solidFill>
-                  <a:srgbClr val="0065BD"/>
-                </a:solidFill>
-                <a:latin typeface="Times New Roman" panose="02020603050405020304" pitchFamily="18" charset="0"/>
-                <a:cs typeface="Times New Roman" panose="02020603050405020304" pitchFamily="18" charset="0"/>
-              </a:rPr>
-              <a:t>Vývojář</a:t>
             </a:r>
           </a:p>
         </p:txBody>
@@ -9616,7 +9951,7 @@
     </p:spTree>
     <p:extLst>
       <p:ext uri="{BB962C8B-B14F-4D97-AF65-F5344CB8AC3E}">
-        <p14:creationId xmlns:p14="http://schemas.microsoft.com/office/powerpoint/2010/main" val="3428025484"/>
+        <p14:creationId xmlns:p14="http://schemas.microsoft.com/office/powerpoint/2010/main" val="2618144331"/>
       </p:ext>
     </p:extLst>
   </p:cSld>
@@ -9645,10 +9980,50 @@
       </p:grpSpPr>
       <p:sp>
         <p:nvSpPr>
-          <p:cNvPr id="6" name="Content Placeholder 2">
+          <p:cNvPr id="2" name="Title 1">
             <a:extLst>
               <a:ext uri="{FF2B5EF4-FFF2-40B4-BE49-F238E27FC236}">
-                <a16:creationId xmlns:a16="http://schemas.microsoft.com/office/drawing/2014/main" id="{BD3E62B6-B26A-6043-8F92-2A838E5BE81A}"/>
+                <a16:creationId xmlns:a16="http://schemas.microsoft.com/office/drawing/2014/main" id="{19CD5ED9-112E-C549-AE13-7BCA5E9C02E6}"/>
+              </a:ext>
+            </a:extLst>
+          </p:cNvPr>
+          <p:cNvSpPr>
+            <a:spLocks noGrp="1"/>
+          </p:cNvSpPr>
+          <p:nvPr>
+            <p:ph type="ctrTitle"/>
+          </p:nvPr>
+        </p:nvSpPr>
+        <p:spPr>
+          <a:xfrm>
+            <a:off x="1" y="2477071"/>
+            <a:ext cx="9144000" cy="1230227"/>
+          </a:xfrm>
+        </p:spPr>
+        <p:txBody>
+          <a:bodyPr>
+            <a:normAutofit/>
+          </a:bodyPr>
+          <a:lstStyle/>
+          <a:p>
+            <a:pPr algn="ctr"/>
+            <a:r>
+              <a:rPr lang="en-CZ" dirty="0">
+                <a:latin typeface="+mj-lt"/>
+                <a:ea typeface="Verdana" panose="020B0604030504040204" pitchFamily="34" charset="0"/>
+                <a:cs typeface="Verdana" panose="020B0604030504040204" pitchFamily="34" charset="0"/>
+              </a:rPr>
+              <a:t>Extreme programming</a:t>
+            </a:r>
+          </a:p>
+        </p:txBody>
+      </p:sp>
+      <p:sp>
+        <p:nvSpPr>
+          <p:cNvPr id="4" name="Title 1">
+            <a:extLst>
+              <a:ext uri="{FF2B5EF4-FFF2-40B4-BE49-F238E27FC236}">
+                <a16:creationId xmlns:a16="http://schemas.microsoft.com/office/drawing/2014/main" id="{286F586B-7296-CC4D-ADE0-96F48083DD72}"/>
               </a:ext>
             </a:extLst>
           </p:cNvPr>
@@ -9659,203 +10034,53 @@
         </p:nvSpPr>
         <p:spPr>
           <a:xfrm>
-            <a:off x="64394" y="1877096"/>
-            <a:ext cx="9015211" cy="3103808"/>
+            <a:off x="0" y="3309732"/>
+            <a:ext cx="9143999" cy="1230227"/>
           </a:xfrm>
           <a:prstGeom prst="rect">
             <a:avLst/>
           </a:prstGeom>
         </p:spPr>
         <p:txBody>
-          <a:bodyPr vert="horz" lIns="91440" tIns="45720" rIns="91440" bIns="45720" rtlCol="0">
-            <a:normAutofit fontScale="92500" lnSpcReduction="10000"/>
+          <a:bodyPr vert="horz" lIns="91440" tIns="45720" rIns="91440" bIns="45720" rtlCol="0" anchor="t">
+            <a:normAutofit/>
           </a:bodyPr>
           <a:lstStyle>
-            <a:lvl1pPr marL="0" indent="0" algn="l" defTabSz="914354" rtl="0" eaLnBrk="1" latinLnBrk="0" hangingPunct="1">
-              <a:lnSpc>
-                <a:spcPct val="90000"/>
-              </a:lnSpc>
-              <a:spcBef>
-                <a:spcPts val="1000"/>
-              </a:spcBef>
-              <a:buFont typeface="Arial" panose="020B0604020202020204" pitchFamily="34" charset="0"/>
+            <a:lvl1pPr algn="l" defTabSz="914354" rtl="0" eaLnBrk="1" latinLnBrk="0" hangingPunct="1">
+              <a:lnSpc>
+                <a:spcPct val="90000"/>
+              </a:lnSpc>
+              <a:spcBef>
+                <a:spcPct val="0"/>
+              </a:spcBef>
               <a:buNone/>
-              <a:defRPr sz="2000" kern="3000" baseline="0">
+              <a:defRPr lang="cs-CZ" sz="4800" b="1" i="0" u="none" strike="noStrike" kern="4800" baseline="0" smtClean="0">
                 <a:solidFill>
                   <a:schemeClr val="tx1"/>
                 </a:solidFill>
                 <a:latin typeface="Technika-Bold" panose="00000600000000000000" pitchFamily="50" charset="-18"/>
-                <a:ea typeface="+mn-ea"/>
-                <a:cs typeface="+mn-cs"/>
+                <a:ea typeface="+mj-ea"/>
+                <a:cs typeface="+mj-cs"/>
               </a:defRPr>
             </a:lvl1pPr>
-            <a:lvl2pPr marL="685766" indent="-228589" algn="l" defTabSz="914354" rtl="0" eaLnBrk="1" latinLnBrk="0" hangingPunct="1">
-              <a:lnSpc>
-                <a:spcPct val="90000"/>
-              </a:lnSpc>
-              <a:spcBef>
-                <a:spcPts val="500"/>
-              </a:spcBef>
-              <a:buFont typeface="Arial" panose="020B0604020202020204" pitchFamily="34" charset="0"/>
-              <a:buChar char="•"/>
-              <a:defRPr sz="2400" kern="1200">
-                <a:solidFill>
-                  <a:schemeClr val="tx1"/>
-                </a:solidFill>
-                <a:latin typeface="Technika" panose="00000600000000000000" pitchFamily="50" charset="-18"/>
-                <a:ea typeface="+mn-ea"/>
-                <a:cs typeface="+mn-cs"/>
-              </a:defRPr>
-            </a:lvl2pPr>
-            <a:lvl3pPr marL="1142942" indent="-228589" algn="l" defTabSz="914354" rtl="0" eaLnBrk="1" latinLnBrk="0" hangingPunct="1">
-              <a:lnSpc>
-                <a:spcPct val="90000"/>
-              </a:lnSpc>
-              <a:spcBef>
-                <a:spcPts val="500"/>
-              </a:spcBef>
-              <a:buFont typeface="Arial" panose="020B0604020202020204" pitchFamily="34" charset="0"/>
-              <a:buChar char="•"/>
-              <a:defRPr sz="2000" kern="1200">
-                <a:solidFill>
-                  <a:schemeClr val="tx1"/>
-                </a:solidFill>
-                <a:latin typeface="Technika" panose="00000600000000000000" pitchFamily="50" charset="-18"/>
-                <a:ea typeface="+mn-ea"/>
-                <a:cs typeface="+mn-cs"/>
-              </a:defRPr>
-            </a:lvl3pPr>
-            <a:lvl4pPr marL="1600120" indent="-228589" algn="l" defTabSz="914354" rtl="0" eaLnBrk="1" latinLnBrk="0" hangingPunct="1">
-              <a:lnSpc>
-                <a:spcPct val="90000"/>
-              </a:lnSpc>
-              <a:spcBef>
-                <a:spcPts val="500"/>
-              </a:spcBef>
-              <a:buFont typeface="Arial" panose="020B0604020202020204" pitchFamily="34" charset="0"/>
-              <a:buChar char="•"/>
-              <a:defRPr sz="1800" kern="1200">
-                <a:solidFill>
-                  <a:schemeClr val="tx1"/>
-                </a:solidFill>
-                <a:latin typeface="Technika" panose="00000600000000000000" pitchFamily="50" charset="-18"/>
-                <a:ea typeface="+mn-ea"/>
-                <a:cs typeface="+mn-cs"/>
-              </a:defRPr>
-            </a:lvl4pPr>
-            <a:lvl5pPr marL="2057298" indent="-228589" algn="l" defTabSz="914354" rtl="0" eaLnBrk="1" latinLnBrk="0" hangingPunct="1">
-              <a:lnSpc>
-                <a:spcPct val="90000"/>
-              </a:lnSpc>
-              <a:spcBef>
-                <a:spcPts val="500"/>
-              </a:spcBef>
-              <a:buFont typeface="Arial" panose="020B0604020202020204" pitchFamily="34" charset="0"/>
-              <a:buChar char="•"/>
-              <a:defRPr sz="1800" kern="1200">
-                <a:solidFill>
-                  <a:schemeClr val="tx1"/>
-                </a:solidFill>
-                <a:latin typeface="Technika" panose="00000600000000000000" pitchFamily="50" charset="-18"/>
-                <a:ea typeface="+mn-ea"/>
-                <a:cs typeface="+mn-cs"/>
-              </a:defRPr>
-            </a:lvl5pPr>
-            <a:lvl6pPr marL="2514474" indent="-228589" algn="l" defTabSz="914354" rtl="0" eaLnBrk="1" latinLnBrk="0" hangingPunct="1">
-              <a:lnSpc>
-                <a:spcPct val="90000"/>
-              </a:lnSpc>
-              <a:spcBef>
-                <a:spcPts val="500"/>
-              </a:spcBef>
-              <a:buFont typeface="Arial" panose="020B0604020202020204" pitchFamily="34" charset="0"/>
-              <a:buChar char="•"/>
-              <a:defRPr sz="1800" kern="1200">
-                <a:solidFill>
-                  <a:schemeClr val="tx1"/>
-                </a:solidFill>
-                <a:latin typeface="+mn-lt"/>
-                <a:ea typeface="+mn-ea"/>
-                <a:cs typeface="+mn-cs"/>
-              </a:defRPr>
-            </a:lvl6pPr>
-            <a:lvl7pPr marL="2971652" indent="-228589" algn="l" defTabSz="914354" rtl="0" eaLnBrk="1" latinLnBrk="0" hangingPunct="1">
-              <a:lnSpc>
-                <a:spcPct val="90000"/>
-              </a:lnSpc>
-              <a:spcBef>
-                <a:spcPts val="500"/>
-              </a:spcBef>
-              <a:buFont typeface="Arial" panose="020B0604020202020204" pitchFamily="34" charset="0"/>
-              <a:buChar char="•"/>
-              <a:defRPr sz="1800" kern="1200">
-                <a:solidFill>
-                  <a:schemeClr val="tx1"/>
-                </a:solidFill>
-                <a:latin typeface="+mn-lt"/>
-                <a:ea typeface="+mn-ea"/>
-                <a:cs typeface="+mn-cs"/>
-              </a:defRPr>
-            </a:lvl7pPr>
-            <a:lvl8pPr marL="3428829" indent="-228589" algn="l" defTabSz="914354" rtl="0" eaLnBrk="1" latinLnBrk="0" hangingPunct="1">
-              <a:lnSpc>
-                <a:spcPct val="90000"/>
-              </a:lnSpc>
-              <a:spcBef>
-                <a:spcPts val="500"/>
-              </a:spcBef>
-              <a:buFont typeface="Arial" panose="020B0604020202020204" pitchFamily="34" charset="0"/>
-              <a:buChar char="•"/>
-              <a:defRPr sz="1800" kern="1200">
-                <a:solidFill>
-                  <a:schemeClr val="tx1"/>
-                </a:solidFill>
-                <a:latin typeface="+mn-lt"/>
-                <a:ea typeface="+mn-ea"/>
-                <a:cs typeface="+mn-cs"/>
-              </a:defRPr>
-            </a:lvl8pPr>
-            <a:lvl9pPr marL="3886006" indent="-228589" algn="l" defTabSz="914354" rtl="0" eaLnBrk="1" latinLnBrk="0" hangingPunct="1">
-              <a:lnSpc>
-                <a:spcPct val="90000"/>
-              </a:lnSpc>
-              <a:spcBef>
-                <a:spcPts val="500"/>
-              </a:spcBef>
-              <a:buFont typeface="Arial" panose="020B0604020202020204" pitchFamily="34" charset="0"/>
-              <a:buChar char="•"/>
-              <a:defRPr sz="1800" kern="1200">
-                <a:solidFill>
-                  <a:schemeClr val="tx1"/>
-                </a:solidFill>
-                <a:latin typeface="+mn-lt"/>
-                <a:ea typeface="+mn-ea"/>
-                <a:cs typeface="+mn-cs"/>
-              </a:defRPr>
-            </a:lvl9pPr>
           </a:lstStyle>
           <a:p>
             <a:pPr algn="ctr"/>
             <a:r>
-              <a:rPr lang="cs-CZ" sz="25700" dirty="0">
-                <a:solidFill>
-                  <a:srgbClr val="0065BD"/>
-                </a:solidFill>
-              </a:rPr>
-              <a:t>?</a:t>
-            </a:r>
-            <a:endParaRPr lang="en-CZ" sz="25700" dirty="0">
-              <a:solidFill>
-                <a:srgbClr val="0065BD"/>
-              </a:solidFill>
-            </a:endParaRPr>
+              <a:rPr lang="en-CZ" dirty="0">
+                <a:latin typeface="+mj-lt"/>
+                <a:ea typeface="Verdana" panose="020B0604030504040204" pitchFamily="34" charset="0"/>
+                <a:cs typeface="Verdana" panose="020B0604030504040204" pitchFamily="34" charset="0"/>
+              </a:rPr>
+              <a:t>XP</a:t>
+            </a:r>
           </a:p>
         </p:txBody>
       </p:sp>
     </p:spTree>
     <p:extLst>
       <p:ext uri="{BB962C8B-B14F-4D97-AF65-F5344CB8AC3E}">
-        <p14:creationId xmlns:p14="http://schemas.microsoft.com/office/powerpoint/2010/main" val="2061237893"/>
+        <p14:creationId xmlns:p14="http://schemas.microsoft.com/office/powerpoint/2010/main" val="2493974639"/>
       </p:ext>
     </p:extLst>
   </p:cSld>
@@ -10187,23 +10412,13 @@
             <a:pPr algn="ctr"/>
             <a:r>
               <a:rPr lang="en-CZ" sz="2400" dirty="0">
+                <a:solidFill>
+                  <a:srgbClr val="0065BD"/>
+                </a:solidFill>
                 <a:latin typeface="Times New Roman" panose="02020603050405020304" pitchFamily="18" charset="0"/>
                 <a:cs typeface="Times New Roman" panose="02020603050405020304" pitchFamily="18" charset="0"/>
               </a:rPr>
               <a:t>Vývojář</a:t>
-            </a:r>
-          </a:p>
-          <a:p>
-            <a:pPr algn="ctr"/>
-            <a:r>
-              <a:rPr lang="en-CZ" sz="2400" dirty="0">
-                <a:solidFill>
-                  <a:srgbClr val="0065BD"/>
-                </a:solidFill>
-                <a:latin typeface="Times New Roman" panose="02020603050405020304" pitchFamily="18" charset="0"/>
-                <a:cs typeface="Times New Roman" panose="02020603050405020304" pitchFamily="18" charset="0"/>
-              </a:rPr>
-              <a:t>The Tracker</a:t>
             </a:r>
           </a:p>
         </p:txBody>
@@ -10211,7 +10426,7 @@
     </p:spTree>
     <p:extLst>
       <p:ext uri="{BB962C8B-B14F-4D97-AF65-F5344CB8AC3E}">
-        <p14:creationId xmlns:p14="http://schemas.microsoft.com/office/powerpoint/2010/main" val="3030067815"/>
+        <p14:creationId xmlns:p14="http://schemas.microsoft.com/office/powerpoint/2010/main" val="3428025484"/>
       </p:ext>
     </p:extLst>
   </p:cSld>
@@ -10553,23 +10768,13 @@
             <a:pPr algn="ctr"/>
             <a:r>
               <a:rPr lang="en-CZ" sz="2400" dirty="0">
+                <a:solidFill>
+                  <a:srgbClr val="0065BD"/>
+                </a:solidFill>
                 <a:latin typeface="Times New Roman" panose="02020603050405020304" pitchFamily="18" charset="0"/>
                 <a:cs typeface="Times New Roman" panose="02020603050405020304" pitchFamily="18" charset="0"/>
               </a:rPr>
               <a:t>The Tracker</a:t>
-            </a:r>
-          </a:p>
-          <a:p>
-            <a:pPr algn="ctr"/>
-            <a:r>
-              <a:rPr lang="en-CZ" sz="2400" dirty="0">
-                <a:solidFill>
-                  <a:srgbClr val="0065BD"/>
-                </a:solidFill>
-                <a:latin typeface="Times New Roman" panose="02020603050405020304" pitchFamily="18" charset="0"/>
-                <a:cs typeface="Times New Roman" panose="02020603050405020304" pitchFamily="18" charset="0"/>
-              </a:rPr>
-              <a:t>The Coach</a:t>
             </a:r>
           </a:p>
         </p:txBody>
@@ -10577,7 +10782,7 @@
     </p:spTree>
     <p:extLst>
       <p:ext uri="{BB962C8B-B14F-4D97-AF65-F5344CB8AC3E}">
-        <p14:creationId xmlns:p14="http://schemas.microsoft.com/office/powerpoint/2010/main" val="599465595"/>
+        <p14:creationId xmlns:p14="http://schemas.microsoft.com/office/powerpoint/2010/main" val="3030067815"/>
       </p:ext>
     </p:extLst>
   </p:cSld>
@@ -10661,6 +10866,372 @@
       </p:sp>
       <p:sp>
         <p:nvSpPr>
+          <p:cNvPr id="10" name="TextBox 9">
+            <a:extLst>
+              <a:ext uri="{FF2B5EF4-FFF2-40B4-BE49-F238E27FC236}">
+                <a16:creationId xmlns:a16="http://schemas.microsoft.com/office/drawing/2014/main" id="{76A37AB8-AA4D-164B-A47F-A164B0BA7158}"/>
+              </a:ext>
+            </a:extLst>
+          </p:cNvPr>
+          <p:cNvSpPr txBox="1"/>
+          <p:nvPr/>
+        </p:nvSpPr>
+        <p:spPr>
+          <a:xfrm>
+            <a:off x="0" y="1540089"/>
+            <a:ext cx="9144000" cy="523220"/>
+          </a:xfrm>
+          <a:prstGeom prst="rect">
+            <a:avLst/>
+          </a:prstGeom>
+          <a:noFill/>
+        </p:spPr>
+        <p:txBody>
+          <a:bodyPr wrap="square" rtlCol="0">
+            <a:spAutoFit/>
+          </a:bodyPr>
+          <a:lstStyle/>
+          <a:p>
+            <a:pPr algn="ctr"/>
+            <a:r>
+              <a:rPr lang="en-CZ" sz="2800" dirty="0">
+                <a:solidFill>
+                  <a:srgbClr val="FF0000"/>
+                </a:solidFill>
+                <a:latin typeface="+mj-lt"/>
+                <a:cs typeface="Times New Roman" panose="02020603050405020304" pitchFamily="18" charset="0"/>
+              </a:rPr>
+              <a:t>Role</a:t>
+            </a:r>
+            <a:endParaRPr lang="en-CZ" sz="2800" dirty="0">
+              <a:latin typeface="+mj-lt"/>
+            </a:endParaRPr>
+          </a:p>
+        </p:txBody>
+      </p:sp>
+      <p:sp>
+        <p:nvSpPr>
+          <p:cNvPr id="6" name="Content Placeholder 2">
+            <a:extLst>
+              <a:ext uri="{FF2B5EF4-FFF2-40B4-BE49-F238E27FC236}">
+                <a16:creationId xmlns:a16="http://schemas.microsoft.com/office/drawing/2014/main" id="{1167AAF0-3F87-4C4E-8628-E168637FE451}"/>
+              </a:ext>
+            </a:extLst>
+          </p:cNvPr>
+          <p:cNvSpPr txBox="1">
+            <a:spLocks/>
+          </p:cNvSpPr>
+          <p:nvPr/>
+        </p:nvSpPr>
+        <p:spPr>
+          <a:xfrm>
+            <a:off x="675000" y="2401239"/>
+            <a:ext cx="7794000" cy="4238099"/>
+          </a:xfrm>
+          <a:prstGeom prst="rect">
+            <a:avLst/>
+          </a:prstGeom>
+        </p:spPr>
+        <p:txBody>
+          <a:bodyPr vert="horz" lIns="91440" tIns="45720" rIns="91440" bIns="45720" rtlCol="0">
+            <a:normAutofit/>
+          </a:bodyPr>
+          <a:lstStyle>
+            <a:lvl1pPr marL="0" indent="0" algn="l" defTabSz="914354" rtl="0" eaLnBrk="1" latinLnBrk="0" hangingPunct="1">
+              <a:lnSpc>
+                <a:spcPct val="90000"/>
+              </a:lnSpc>
+              <a:spcBef>
+                <a:spcPts val="1000"/>
+              </a:spcBef>
+              <a:buFont typeface="Arial" panose="020B0604020202020204" pitchFamily="34" charset="0"/>
+              <a:buNone/>
+              <a:defRPr sz="2000" kern="3000" baseline="0">
+                <a:solidFill>
+                  <a:schemeClr val="tx1"/>
+                </a:solidFill>
+                <a:latin typeface="Technika-Bold" panose="00000600000000000000" pitchFamily="50" charset="-18"/>
+                <a:ea typeface="+mn-ea"/>
+                <a:cs typeface="+mn-cs"/>
+              </a:defRPr>
+            </a:lvl1pPr>
+            <a:lvl2pPr marL="685766" indent="-228589" algn="l" defTabSz="914354" rtl="0" eaLnBrk="1" latinLnBrk="0" hangingPunct="1">
+              <a:lnSpc>
+                <a:spcPct val="90000"/>
+              </a:lnSpc>
+              <a:spcBef>
+                <a:spcPts val="500"/>
+              </a:spcBef>
+              <a:buFont typeface="Arial" panose="020B0604020202020204" pitchFamily="34" charset="0"/>
+              <a:buChar char="•"/>
+              <a:defRPr sz="2400" kern="1200">
+                <a:solidFill>
+                  <a:schemeClr val="tx1"/>
+                </a:solidFill>
+                <a:latin typeface="Technika" panose="00000600000000000000" pitchFamily="50" charset="-18"/>
+                <a:ea typeface="+mn-ea"/>
+                <a:cs typeface="+mn-cs"/>
+              </a:defRPr>
+            </a:lvl2pPr>
+            <a:lvl3pPr marL="1142942" indent="-228589" algn="l" defTabSz="914354" rtl="0" eaLnBrk="1" latinLnBrk="0" hangingPunct="1">
+              <a:lnSpc>
+                <a:spcPct val="90000"/>
+              </a:lnSpc>
+              <a:spcBef>
+                <a:spcPts val="500"/>
+              </a:spcBef>
+              <a:buFont typeface="Arial" panose="020B0604020202020204" pitchFamily="34" charset="0"/>
+              <a:buChar char="•"/>
+              <a:defRPr sz="2000" kern="1200">
+                <a:solidFill>
+                  <a:schemeClr val="tx1"/>
+                </a:solidFill>
+                <a:latin typeface="Technika" panose="00000600000000000000" pitchFamily="50" charset="-18"/>
+                <a:ea typeface="+mn-ea"/>
+                <a:cs typeface="+mn-cs"/>
+              </a:defRPr>
+            </a:lvl3pPr>
+            <a:lvl4pPr marL="1600120" indent="-228589" algn="l" defTabSz="914354" rtl="0" eaLnBrk="1" latinLnBrk="0" hangingPunct="1">
+              <a:lnSpc>
+                <a:spcPct val="90000"/>
+              </a:lnSpc>
+              <a:spcBef>
+                <a:spcPts val="500"/>
+              </a:spcBef>
+              <a:buFont typeface="Arial" panose="020B0604020202020204" pitchFamily="34" charset="0"/>
+              <a:buChar char="•"/>
+              <a:defRPr sz="1800" kern="1200">
+                <a:solidFill>
+                  <a:schemeClr val="tx1"/>
+                </a:solidFill>
+                <a:latin typeface="Technika" panose="00000600000000000000" pitchFamily="50" charset="-18"/>
+                <a:ea typeface="+mn-ea"/>
+                <a:cs typeface="+mn-cs"/>
+              </a:defRPr>
+            </a:lvl4pPr>
+            <a:lvl5pPr marL="2057298" indent="-228589" algn="l" defTabSz="914354" rtl="0" eaLnBrk="1" latinLnBrk="0" hangingPunct="1">
+              <a:lnSpc>
+                <a:spcPct val="90000"/>
+              </a:lnSpc>
+              <a:spcBef>
+                <a:spcPts val="500"/>
+              </a:spcBef>
+              <a:buFont typeface="Arial" panose="020B0604020202020204" pitchFamily="34" charset="0"/>
+              <a:buChar char="•"/>
+              <a:defRPr sz="1800" kern="1200">
+                <a:solidFill>
+                  <a:schemeClr val="tx1"/>
+                </a:solidFill>
+                <a:latin typeface="Technika" panose="00000600000000000000" pitchFamily="50" charset="-18"/>
+                <a:ea typeface="+mn-ea"/>
+                <a:cs typeface="+mn-cs"/>
+              </a:defRPr>
+            </a:lvl5pPr>
+            <a:lvl6pPr marL="2514474" indent="-228589" algn="l" defTabSz="914354" rtl="0" eaLnBrk="1" latinLnBrk="0" hangingPunct="1">
+              <a:lnSpc>
+                <a:spcPct val="90000"/>
+              </a:lnSpc>
+              <a:spcBef>
+                <a:spcPts val="500"/>
+              </a:spcBef>
+              <a:buFont typeface="Arial" panose="020B0604020202020204" pitchFamily="34" charset="0"/>
+              <a:buChar char="•"/>
+              <a:defRPr sz="1800" kern="1200">
+                <a:solidFill>
+                  <a:schemeClr val="tx1"/>
+                </a:solidFill>
+                <a:latin typeface="+mn-lt"/>
+                <a:ea typeface="+mn-ea"/>
+                <a:cs typeface="+mn-cs"/>
+              </a:defRPr>
+            </a:lvl6pPr>
+            <a:lvl7pPr marL="2971652" indent="-228589" algn="l" defTabSz="914354" rtl="0" eaLnBrk="1" latinLnBrk="0" hangingPunct="1">
+              <a:lnSpc>
+                <a:spcPct val="90000"/>
+              </a:lnSpc>
+              <a:spcBef>
+                <a:spcPts val="500"/>
+              </a:spcBef>
+              <a:buFont typeface="Arial" panose="020B0604020202020204" pitchFamily="34" charset="0"/>
+              <a:buChar char="•"/>
+              <a:defRPr sz="1800" kern="1200">
+                <a:solidFill>
+                  <a:schemeClr val="tx1"/>
+                </a:solidFill>
+                <a:latin typeface="+mn-lt"/>
+                <a:ea typeface="+mn-ea"/>
+                <a:cs typeface="+mn-cs"/>
+              </a:defRPr>
+            </a:lvl7pPr>
+            <a:lvl8pPr marL="3428829" indent="-228589" algn="l" defTabSz="914354" rtl="0" eaLnBrk="1" latinLnBrk="0" hangingPunct="1">
+              <a:lnSpc>
+                <a:spcPct val="90000"/>
+              </a:lnSpc>
+              <a:spcBef>
+                <a:spcPts val="500"/>
+              </a:spcBef>
+              <a:buFont typeface="Arial" panose="020B0604020202020204" pitchFamily="34" charset="0"/>
+              <a:buChar char="•"/>
+              <a:defRPr sz="1800" kern="1200">
+                <a:solidFill>
+                  <a:schemeClr val="tx1"/>
+                </a:solidFill>
+                <a:latin typeface="+mn-lt"/>
+                <a:ea typeface="+mn-ea"/>
+                <a:cs typeface="+mn-cs"/>
+              </a:defRPr>
+            </a:lvl8pPr>
+            <a:lvl9pPr marL="3886006" indent="-228589" algn="l" defTabSz="914354" rtl="0" eaLnBrk="1" latinLnBrk="0" hangingPunct="1">
+              <a:lnSpc>
+                <a:spcPct val="90000"/>
+              </a:lnSpc>
+              <a:spcBef>
+                <a:spcPts val="500"/>
+              </a:spcBef>
+              <a:buFont typeface="Arial" panose="020B0604020202020204" pitchFamily="34" charset="0"/>
+              <a:buChar char="•"/>
+              <a:defRPr sz="1800" kern="1200">
+                <a:solidFill>
+                  <a:schemeClr val="tx1"/>
+                </a:solidFill>
+                <a:latin typeface="+mn-lt"/>
+                <a:ea typeface="+mn-ea"/>
+                <a:cs typeface="+mn-cs"/>
+              </a:defRPr>
+            </a:lvl9pPr>
+          </a:lstStyle>
+          <a:p>
+            <a:pPr algn="ctr"/>
+            <a:r>
+              <a:rPr lang="en-CZ" sz="2400" dirty="0">
+                <a:latin typeface="Times New Roman" panose="02020603050405020304" pitchFamily="18" charset="0"/>
+                <a:cs typeface="Times New Roman" panose="02020603050405020304" pitchFamily="18" charset="0"/>
+              </a:rPr>
+              <a:t>Zákazník</a:t>
+            </a:r>
+          </a:p>
+          <a:p>
+            <a:pPr algn="ctr"/>
+            <a:r>
+              <a:rPr lang="en-CZ" sz="2400" dirty="0">
+                <a:latin typeface="Times New Roman" panose="02020603050405020304" pitchFamily="18" charset="0"/>
+                <a:cs typeface="Times New Roman" panose="02020603050405020304" pitchFamily="18" charset="0"/>
+              </a:rPr>
+              <a:t>Vývojář</a:t>
+            </a:r>
+          </a:p>
+          <a:p>
+            <a:pPr algn="ctr"/>
+            <a:r>
+              <a:rPr lang="en-CZ" sz="2400" dirty="0">
+                <a:latin typeface="Times New Roman" panose="02020603050405020304" pitchFamily="18" charset="0"/>
+                <a:cs typeface="Times New Roman" panose="02020603050405020304" pitchFamily="18" charset="0"/>
+              </a:rPr>
+              <a:t>The Tracker</a:t>
+            </a:r>
+          </a:p>
+          <a:p>
+            <a:pPr algn="ctr"/>
+            <a:r>
+              <a:rPr lang="en-CZ" sz="2400" dirty="0">
+                <a:solidFill>
+                  <a:srgbClr val="0065BD"/>
+                </a:solidFill>
+                <a:latin typeface="Times New Roman" panose="02020603050405020304" pitchFamily="18" charset="0"/>
+                <a:cs typeface="Times New Roman" panose="02020603050405020304" pitchFamily="18" charset="0"/>
+              </a:rPr>
+              <a:t>The Coach</a:t>
+            </a:r>
+          </a:p>
+        </p:txBody>
+      </p:sp>
+    </p:spTree>
+    <p:extLst>
+      <p:ext uri="{BB962C8B-B14F-4D97-AF65-F5344CB8AC3E}">
+        <p14:creationId xmlns:p14="http://schemas.microsoft.com/office/powerpoint/2010/main" val="599465595"/>
+      </p:ext>
+    </p:extLst>
+  </p:cSld>
+  <p:clrMapOvr>
+    <a:masterClrMapping/>
+  </p:clrMapOvr>
+</p:sld>
+</file>
+
+<file path=ppt/slides/slide33.xml><?xml version="1.0" encoding="utf-8"?>
+<p:sld xmlns:a="http://schemas.openxmlformats.org/drawingml/2006/main" xmlns:r="http://schemas.openxmlformats.org/officeDocument/2006/relationships" xmlns:p="http://schemas.openxmlformats.org/presentationml/2006/main">
+  <p:cSld>
+    <p:spTree>
+      <p:nvGrpSpPr>
+        <p:cNvPr id="1" name=""/>
+        <p:cNvGrpSpPr/>
+        <p:nvPr/>
+      </p:nvGrpSpPr>
+      <p:grpSpPr>
+        <a:xfrm>
+          <a:off x="0" y="0"/>
+          <a:ext cx="0" cy="0"/>
+          <a:chOff x="0" y="0"/>
+          <a:chExt cx="0" cy="0"/>
+        </a:xfrm>
+      </p:grpSpPr>
+      <p:sp>
+        <p:nvSpPr>
+          <p:cNvPr id="7" name="Title 1">
+            <a:extLst>
+              <a:ext uri="{FF2B5EF4-FFF2-40B4-BE49-F238E27FC236}">
+                <a16:creationId xmlns:a16="http://schemas.microsoft.com/office/drawing/2014/main" id="{778F5AB8-30D0-2943-8A43-A6E04205B88F}"/>
+              </a:ext>
+            </a:extLst>
+          </p:cNvPr>
+          <p:cNvSpPr txBox="1">
+            <a:spLocks/>
+          </p:cNvSpPr>
+          <p:nvPr/>
+        </p:nvSpPr>
+        <p:spPr>
+          <a:xfrm>
+            <a:off x="8469000" y="19878"/>
+            <a:ext cx="907827" cy="544775"/>
+          </a:xfrm>
+          <a:prstGeom prst="rect">
+            <a:avLst/>
+          </a:prstGeom>
+        </p:spPr>
+        <p:txBody>
+          <a:bodyPr vert="horz" lIns="91440" tIns="45720" rIns="91440" bIns="45720" rtlCol="0" anchor="t">
+            <a:normAutofit/>
+          </a:bodyPr>
+          <a:lstStyle>
+            <a:lvl1pPr algn="l" defTabSz="914354" rtl="0" eaLnBrk="1" latinLnBrk="0" hangingPunct="1">
+              <a:lnSpc>
+                <a:spcPct val="90000"/>
+              </a:lnSpc>
+              <a:spcBef>
+                <a:spcPct val="0"/>
+              </a:spcBef>
+              <a:buNone/>
+              <a:defRPr sz="2800" kern="2800" baseline="0">
+                <a:solidFill>
+                  <a:schemeClr val="tx1"/>
+                </a:solidFill>
+                <a:latin typeface="Technika-Bold" panose="00000600000000000000" pitchFamily="50" charset="-18"/>
+                <a:ea typeface="+mj-ea"/>
+                <a:cs typeface="+mj-cs"/>
+              </a:defRPr>
+            </a:lvl1pPr>
+          </a:lstStyle>
+          <a:p>
+            <a:r>
+              <a:rPr lang="en-CZ"/>
+              <a:t>XP</a:t>
+            </a:r>
+            <a:endParaRPr lang="en-CZ" dirty="0"/>
+          </a:p>
+        </p:txBody>
+      </p:sp>
+      <p:sp>
+        <p:nvSpPr>
           <p:cNvPr id="6" name="Content Placeholder 2">
             <a:extLst>
               <a:ext uri="{FF2B5EF4-FFF2-40B4-BE49-F238E27FC236}">
@@ -10988,7 +11559,7 @@
 </p:sld>
 </file>
 
-<file path=ppt/slides/slide33.xml><?xml version="1.0" encoding="utf-8"?>
+<file path=ppt/slides/slide34.xml><?xml version="1.0" encoding="utf-8"?>
 <p:sld xmlns:a="http://schemas.openxmlformats.org/drawingml/2006/main" xmlns:r="http://schemas.openxmlformats.org/officeDocument/2006/relationships" xmlns:p="http://schemas.openxmlformats.org/presentationml/2006/main">
   <p:cSld>
     <p:spTree>
@@ -11117,7 +11688,7 @@
 </p:sld>
 </file>
 
-<file path=ppt/slides/slide34.xml><?xml version="1.0" encoding="utf-8"?>
+<file path=ppt/slides/slide35.xml><?xml version="1.0" encoding="utf-8"?>
 <p:sld xmlns:a="http://schemas.openxmlformats.org/drawingml/2006/main" xmlns:r="http://schemas.openxmlformats.org/officeDocument/2006/relationships" xmlns:p="http://schemas.openxmlformats.org/presentationml/2006/main">
   <p:cSld>
     <p:spTree>
@@ -11347,341 +11918,6 @@
     <p:extLst>
       <p:ext uri="{BB962C8B-B14F-4D97-AF65-F5344CB8AC3E}">
         <p14:creationId xmlns:p14="http://schemas.microsoft.com/office/powerpoint/2010/main" val="272459669"/>
-      </p:ext>
-    </p:extLst>
-  </p:cSld>
-  <p:clrMapOvr>
-    <a:masterClrMapping/>
-  </p:clrMapOvr>
-</p:sld>
-</file>
-
-<file path=ppt/slides/slide35.xml><?xml version="1.0" encoding="utf-8"?>
-<p:sld xmlns:a="http://schemas.openxmlformats.org/drawingml/2006/main" xmlns:r="http://schemas.openxmlformats.org/officeDocument/2006/relationships" xmlns:p="http://schemas.openxmlformats.org/presentationml/2006/main">
-  <p:cSld>
-    <p:spTree>
-      <p:nvGrpSpPr>
-        <p:cNvPr id="1" name=""/>
-        <p:cNvGrpSpPr/>
-        <p:nvPr/>
-      </p:nvGrpSpPr>
-      <p:grpSpPr>
-        <a:xfrm>
-          <a:off x="0" y="0"/>
-          <a:ext cx="0" cy="0"/>
-          <a:chOff x="0" y="0"/>
-          <a:chExt cx="0" cy="0"/>
-        </a:xfrm>
-      </p:grpSpPr>
-      <p:sp>
-        <p:nvSpPr>
-          <p:cNvPr id="7" name="Title 1">
-            <a:extLst>
-              <a:ext uri="{FF2B5EF4-FFF2-40B4-BE49-F238E27FC236}">
-                <a16:creationId xmlns:a16="http://schemas.microsoft.com/office/drawing/2014/main" id="{778F5AB8-30D0-2943-8A43-A6E04205B88F}"/>
-              </a:ext>
-            </a:extLst>
-          </p:cNvPr>
-          <p:cNvSpPr txBox="1">
-            <a:spLocks/>
-          </p:cNvSpPr>
-          <p:nvPr/>
-        </p:nvSpPr>
-        <p:spPr>
-          <a:xfrm>
-            <a:off x="8469000" y="19878"/>
-            <a:ext cx="907827" cy="544775"/>
-          </a:xfrm>
-          <a:prstGeom prst="rect">
-            <a:avLst/>
-          </a:prstGeom>
-        </p:spPr>
-        <p:txBody>
-          <a:bodyPr vert="horz" lIns="91440" tIns="45720" rIns="91440" bIns="45720" rtlCol="0" anchor="t">
-            <a:normAutofit/>
-          </a:bodyPr>
-          <a:lstStyle>
-            <a:lvl1pPr algn="l" defTabSz="914354" rtl="0" eaLnBrk="1" latinLnBrk="0" hangingPunct="1">
-              <a:lnSpc>
-                <a:spcPct val="90000"/>
-              </a:lnSpc>
-              <a:spcBef>
-                <a:spcPct val="0"/>
-              </a:spcBef>
-              <a:buNone/>
-              <a:defRPr sz="2800" kern="2800" baseline="0">
-                <a:solidFill>
-                  <a:schemeClr val="tx1"/>
-                </a:solidFill>
-                <a:latin typeface="Technika-Bold" panose="00000600000000000000" pitchFamily="50" charset="-18"/>
-                <a:ea typeface="+mj-ea"/>
-                <a:cs typeface="+mj-cs"/>
-              </a:defRPr>
-            </a:lvl1pPr>
-          </a:lstStyle>
-          <a:p>
-            <a:r>
-              <a:rPr lang="en-CZ" dirty="0"/>
-              <a:t>XM</a:t>
-            </a:r>
-          </a:p>
-        </p:txBody>
-      </p:sp>
-      <p:sp>
-        <p:nvSpPr>
-          <p:cNvPr id="5" name="TextBox 4">
-            <a:extLst>
-              <a:ext uri="{FF2B5EF4-FFF2-40B4-BE49-F238E27FC236}">
-                <a16:creationId xmlns:a16="http://schemas.microsoft.com/office/drawing/2014/main" id="{0B97D00E-39C2-D145-A631-DBA36E45E7E1}"/>
-              </a:ext>
-            </a:extLst>
-          </p:cNvPr>
-          <p:cNvSpPr txBox="1"/>
-          <p:nvPr/>
-        </p:nvSpPr>
-        <p:spPr>
-          <a:xfrm>
-            <a:off x="0" y="1221336"/>
-            <a:ext cx="9144000" cy="523220"/>
-          </a:xfrm>
-          <a:prstGeom prst="rect">
-            <a:avLst/>
-          </a:prstGeom>
-          <a:noFill/>
-        </p:spPr>
-        <p:txBody>
-          <a:bodyPr wrap="square" rtlCol="0">
-            <a:spAutoFit/>
-          </a:bodyPr>
-          <a:lstStyle/>
-          <a:p>
-            <a:pPr algn="ctr"/>
-            <a:r>
-              <a:rPr lang="en-CZ" sz="2800" dirty="0">
-                <a:solidFill>
-                  <a:srgbClr val="FF0000"/>
-                </a:solidFill>
-                <a:latin typeface="+mj-lt"/>
-                <a:cs typeface="Times New Roman" panose="02020603050405020304" pitchFamily="18" charset="0"/>
-              </a:rPr>
-              <a:t>XM</a:t>
-            </a:r>
-            <a:endParaRPr lang="en-CZ" sz="2800" dirty="0">
-              <a:latin typeface="+mj-lt"/>
-            </a:endParaRPr>
-          </a:p>
-        </p:txBody>
-      </p:sp>
-      <p:sp>
-        <p:nvSpPr>
-          <p:cNvPr id="8" name="Content Placeholder 2">
-            <a:extLst>
-              <a:ext uri="{FF2B5EF4-FFF2-40B4-BE49-F238E27FC236}">
-                <a16:creationId xmlns:a16="http://schemas.microsoft.com/office/drawing/2014/main" id="{1DE13750-9F62-BD48-9589-CF29E926F7C9}"/>
-              </a:ext>
-            </a:extLst>
-          </p:cNvPr>
-          <p:cNvSpPr txBox="1">
-            <a:spLocks/>
-          </p:cNvSpPr>
-          <p:nvPr/>
-        </p:nvSpPr>
-        <p:spPr>
-          <a:xfrm>
-            <a:off x="675000" y="1924161"/>
-            <a:ext cx="7794000" cy="4774813"/>
-          </a:xfrm>
-          <a:prstGeom prst="rect">
-            <a:avLst/>
-          </a:prstGeom>
-        </p:spPr>
-        <p:txBody>
-          <a:bodyPr vert="horz" lIns="91440" tIns="45720" rIns="91440" bIns="45720" rtlCol="0">
-            <a:normAutofit/>
-          </a:bodyPr>
-          <a:lstStyle>
-            <a:lvl1pPr marL="0" indent="0" algn="l" defTabSz="914354" rtl="0" eaLnBrk="1" latinLnBrk="0" hangingPunct="1">
-              <a:lnSpc>
-                <a:spcPct val="90000"/>
-              </a:lnSpc>
-              <a:spcBef>
-                <a:spcPts val="1000"/>
-              </a:spcBef>
-              <a:buFont typeface="Arial" panose="020B0604020202020204" pitchFamily="34" charset="0"/>
-              <a:buNone/>
-              <a:defRPr sz="2000" kern="3000" baseline="0">
-                <a:solidFill>
-                  <a:schemeClr val="tx1"/>
-                </a:solidFill>
-                <a:latin typeface="Technika-Bold" panose="00000600000000000000" pitchFamily="50" charset="-18"/>
-                <a:ea typeface="+mn-ea"/>
-                <a:cs typeface="+mn-cs"/>
-              </a:defRPr>
-            </a:lvl1pPr>
-            <a:lvl2pPr marL="685766" indent="-228589" algn="l" defTabSz="914354" rtl="0" eaLnBrk="1" latinLnBrk="0" hangingPunct="1">
-              <a:lnSpc>
-                <a:spcPct val="90000"/>
-              </a:lnSpc>
-              <a:spcBef>
-                <a:spcPts val="500"/>
-              </a:spcBef>
-              <a:buFont typeface="Arial" panose="020B0604020202020204" pitchFamily="34" charset="0"/>
-              <a:buChar char="•"/>
-              <a:defRPr sz="2400" kern="1200">
-                <a:solidFill>
-                  <a:schemeClr val="tx1"/>
-                </a:solidFill>
-                <a:latin typeface="Technika" panose="00000600000000000000" pitchFamily="50" charset="-18"/>
-                <a:ea typeface="+mn-ea"/>
-                <a:cs typeface="+mn-cs"/>
-              </a:defRPr>
-            </a:lvl2pPr>
-            <a:lvl3pPr marL="1142942" indent="-228589" algn="l" defTabSz="914354" rtl="0" eaLnBrk="1" latinLnBrk="0" hangingPunct="1">
-              <a:lnSpc>
-                <a:spcPct val="90000"/>
-              </a:lnSpc>
-              <a:spcBef>
-                <a:spcPts val="500"/>
-              </a:spcBef>
-              <a:buFont typeface="Arial" panose="020B0604020202020204" pitchFamily="34" charset="0"/>
-              <a:buChar char="•"/>
-              <a:defRPr sz="2000" kern="1200">
-                <a:solidFill>
-                  <a:schemeClr val="tx1"/>
-                </a:solidFill>
-                <a:latin typeface="Technika" panose="00000600000000000000" pitchFamily="50" charset="-18"/>
-                <a:ea typeface="+mn-ea"/>
-                <a:cs typeface="+mn-cs"/>
-              </a:defRPr>
-            </a:lvl3pPr>
-            <a:lvl4pPr marL="1600120" indent="-228589" algn="l" defTabSz="914354" rtl="0" eaLnBrk="1" latinLnBrk="0" hangingPunct="1">
-              <a:lnSpc>
-                <a:spcPct val="90000"/>
-              </a:lnSpc>
-              <a:spcBef>
-                <a:spcPts val="500"/>
-              </a:spcBef>
-              <a:buFont typeface="Arial" panose="020B0604020202020204" pitchFamily="34" charset="0"/>
-              <a:buChar char="•"/>
-              <a:defRPr sz="1800" kern="1200">
-                <a:solidFill>
-                  <a:schemeClr val="tx1"/>
-                </a:solidFill>
-                <a:latin typeface="Technika" panose="00000600000000000000" pitchFamily="50" charset="-18"/>
-                <a:ea typeface="+mn-ea"/>
-                <a:cs typeface="+mn-cs"/>
-              </a:defRPr>
-            </a:lvl4pPr>
-            <a:lvl5pPr marL="2057298" indent="-228589" algn="l" defTabSz="914354" rtl="0" eaLnBrk="1" latinLnBrk="0" hangingPunct="1">
-              <a:lnSpc>
-                <a:spcPct val="90000"/>
-              </a:lnSpc>
-              <a:spcBef>
-                <a:spcPts val="500"/>
-              </a:spcBef>
-              <a:buFont typeface="Arial" panose="020B0604020202020204" pitchFamily="34" charset="0"/>
-              <a:buChar char="•"/>
-              <a:defRPr sz="1800" kern="1200">
-                <a:solidFill>
-                  <a:schemeClr val="tx1"/>
-                </a:solidFill>
-                <a:latin typeface="Technika" panose="00000600000000000000" pitchFamily="50" charset="-18"/>
-                <a:ea typeface="+mn-ea"/>
-                <a:cs typeface="+mn-cs"/>
-              </a:defRPr>
-            </a:lvl5pPr>
-            <a:lvl6pPr marL="2514474" indent="-228589" algn="l" defTabSz="914354" rtl="0" eaLnBrk="1" latinLnBrk="0" hangingPunct="1">
-              <a:lnSpc>
-                <a:spcPct val="90000"/>
-              </a:lnSpc>
-              <a:spcBef>
-                <a:spcPts val="500"/>
-              </a:spcBef>
-              <a:buFont typeface="Arial" panose="020B0604020202020204" pitchFamily="34" charset="0"/>
-              <a:buChar char="•"/>
-              <a:defRPr sz="1800" kern="1200">
-                <a:solidFill>
-                  <a:schemeClr val="tx1"/>
-                </a:solidFill>
-                <a:latin typeface="+mn-lt"/>
-                <a:ea typeface="+mn-ea"/>
-                <a:cs typeface="+mn-cs"/>
-              </a:defRPr>
-            </a:lvl6pPr>
-            <a:lvl7pPr marL="2971652" indent="-228589" algn="l" defTabSz="914354" rtl="0" eaLnBrk="1" latinLnBrk="0" hangingPunct="1">
-              <a:lnSpc>
-                <a:spcPct val="90000"/>
-              </a:lnSpc>
-              <a:spcBef>
-                <a:spcPts val="500"/>
-              </a:spcBef>
-              <a:buFont typeface="Arial" panose="020B0604020202020204" pitchFamily="34" charset="0"/>
-              <a:buChar char="•"/>
-              <a:defRPr sz="1800" kern="1200">
-                <a:solidFill>
-                  <a:schemeClr val="tx1"/>
-                </a:solidFill>
-                <a:latin typeface="+mn-lt"/>
-                <a:ea typeface="+mn-ea"/>
-                <a:cs typeface="+mn-cs"/>
-              </a:defRPr>
-            </a:lvl7pPr>
-            <a:lvl8pPr marL="3428829" indent="-228589" algn="l" defTabSz="914354" rtl="0" eaLnBrk="1" latinLnBrk="0" hangingPunct="1">
-              <a:lnSpc>
-                <a:spcPct val="90000"/>
-              </a:lnSpc>
-              <a:spcBef>
-                <a:spcPts val="500"/>
-              </a:spcBef>
-              <a:buFont typeface="Arial" panose="020B0604020202020204" pitchFamily="34" charset="0"/>
-              <a:buChar char="•"/>
-              <a:defRPr sz="1800" kern="1200">
-                <a:solidFill>
-                  <a:schemeClr val="tx1"/>
-                </a:solidFill>
-                <a:latin typeface="+mn-lt"/>
-                <a:ea typeface="+mn-ea"/>
-                <a:cs typeface="+mn-cs"/>
-              </a:defRPr>
-            </a:lvl8pPr>
-            <a:lvl9pPr marL="3886006" indent="-228589" algn="l" defTabSz="914354" rtl="0" eaLnBrk="1" latinLnBrk="0" hangingPunct="1">
-              <a:lnSpc>
-                <a:spcPct val="90000"/>
-              </a:lnSpc>
-              <a:spcBef>
-                <a:spcPts val="500"/>
-              </a:spcBef>
-              <a:buFont typeface="Arial" panose="020B0604020202020204" pitchFamily="34" charset="0"/>
-              <a:buChar char="•"/>
-              <a:defRPr sz="1800" kern="1200">
-                <a:solidFill>
-                  <a:schemeClr val="tx1"/>
-                </a:solidFill>
-                <a:latin typeface="+mn-lt"/>
-                <a:ea typeface="+mn-ea"/>
-                <a:cs typeface="+mn-cs"/>
-              </a:defRPr>
-            </a:lvl9pPr>
-          </a:lstStyle>
-          <a:p>
-            <a:pPr algn="ctr"/>
-            <a:r>
-              <a:rPr lang="en-CZ" sz="2400" dirty="0">
-                <a:solidFill>
-                  <a:srgbClr val="0065BD"/>
-                </a:solidFill>
-                <a:latin typeface="Times New Roman" panose="02020603050405020304" pitchFamily="18" charset="0"/>
-                <a:cs typeface="Times New Roman" panose="02020603050405020304" pitchFamily="18" charset="0"/>
-              </a:rPr>
-              <a:t>založen na agility</a:t>
-            </a:r>
-          </a:p>
-        </p:txBody>
-      </p:sp>
-    </p:spTree>
-    <p:extLst>
-      <p:ext uri="{BB962C8B-B14F-4D97-AF65-F5344CB8AC3E}">
-        <p14:creationId xmlns:p14="http://schemas.microsoft.com/office/powerpoint/2010/main" val="2220901875"/>
       </p:ext>
     </p:extLst>
   </p:cSld>
@@ -12002,23 +12238,13 @@
             <a:pPr algn="ctr"/>
             <a:r>
               <a:rPr lang="en-CZ" sz="2400" dirty="0">
+                <a:solidFill>
+                  <a:srgbClr val="0065BD"/>
+                </a:solidFill>
                 <a:latin typeface="Times New Roman" panose="02020603050405020304" pitchFamily="18" charset="0"/>
                 <a:cs typeface="Times New Roman" panose="02020603050405020304" pitchFamily="18" charset="0"/>
               </a:rPr>
               <a:t>založen na agility</a:t>
-            </a:r>
-          </a:p>
-          <a:p>
-            <a:pPr algn="ctr"/>
-            <a:r>
-              <a:rPr lang="en-CZ" sz="2400" dirty="0">
-                <a:solidFill>
-                  <a:srgbClr val="0065BD"/>
-                </a:solidFill>
-                <a:latin typeface="Times New Roman" panose="02020603050405020304" pitchFamily="18" charset="0"/>
-                <a:cs typeface="Times New Roman" panose="02020603050405020304" pitchFamily="18" charset="0"/>
-              </a:rPr>
-              <a:t>přístup agility vytvořen z důvodu problémů ve vývoji SW</a:t>
             </a:r>
           </a:p>
         </p:txBody>
@@ -12026,7 +12252,7 @@
     </p:spTree>
     <p:extLst>
       <p:ext uri="{BB962C8B-B14F-4D97-AF65-F5344CB8AC3E}">
-        <p14:creationId xmlns:p14="http://schemas.microsoft.com/office/powerpoint/2010/main" val="4222871393"/>
+        <p14:creationId xmlns:p14="http://schemas.microsoft.com/office/powerpoint/2010/main" val="2220901875"/>
       </p:ext>
     </p:extLst>
   </p:cSld>
@@ -12357,23 +12583,13 @@
             <a:pPr algn="ctr"/>
             <a:r>
               <a:rPr lang="en-CZ" sz="2400" dirty="0">
+                <a:solidFill>
+                  <a:srgbClr val="0065BD"/>
+                </a:solidFill>
                 <a:latin typeface="Times New Roman" panose="02020603050405020304" pitchFamily="18" charset="0"/>
                 <a:cs typeface="Times New Roman" panose="02020603050405020304" pitchFamily="18" charset="0"/>
               </a:rPr>
               <a:t>přístup agility vytvořen z důvodu problémů ve vývoji SW</a:t>
-            </a:r>
-          </a:p>
-          <a:p>
-            <a:pPr algn="ctr"/>
-            <a:r>
-              <a:rPr lang="en-CZ" sz="2400" dirty="0">
-                <a:solidFill>
-                  <a:srgbClr val="0065BD"/>
-                </a:solidFill>
-                <a:latin typeface="Times New Roman" panose="02020603050405020304" pitchFamily="18" charset="0"/>
-                <a:cs typeface="Times New Roman" panose="02020603050405020304" pitchFamily="18" charset="0"/>
-              </a:rPr>
-              <a:t>iterační princip</a:t>
             </a:r>
           </a:p>
         </p:txBody>
@@ -12381,7 +12597,7 @@
     </p:spTree>
     <p:extLst>
       <p:ext uri="{BB962C8B-B14F-4D97-AF65-F5344CB8AC3E}">
-        <p14:creationId xmlns:p14="http://schemas.microsoft.com/office/powerpoint/2010/main" val="3275247148"/>
+        <p14:creationId xmlns:p14="http://schemas.microsoft.com/office/powerpoint/2010/main" val="4222871393"/>
       </p:ext>
     </p:extLst>
   </p:cSld>
@@ -12722,23 +12938,13 @@
             <a:pPr algn="ctr"/>
             <a:r>
               <a:rPr lang="en-CZ" sz="2400" dirty="0">
+                <a:solidFill>
+                  <a:srgbClr val="0065BD"/>
+                </a:solidFill>
                 <a:latin typeface="Times New Roman" panose="02020603050405020304" pitchFamily="18" charset="0"/>
                 <a:cs typeface="Times New Roman" panose="02020603050405020304" pitchFamily="18" charset="0"/>
               </a:rPr>
               <a:t>iterační princip</a:t>
-            </a:r>
-          </a:p>
-          <a:p>
-            <a:pPr algn="ctr"/>
-            <a:r>
-              <a:rPr lang="en-CZ" sz="2400" dirty="0">
-                <a:solidFill>
-                  <a:srgbClr val="0065BD"/>
-                </a:solidFill>
-                <a:latin typeface="Times New Roman" panose="02020603050405020304" pitchFamily="18" charset="0"/>
-                <a:cs typeface="Times New Roman" panose="02020603050405020304" pitchFamily="18" charset="0"/>
-              </a:rPr>
-              <a:t>vytvoření Manifesto for Agile Software Development</a:t>
             </a:r>
           </a:p>
         </p:txBody>
@@ -12746,7 +12952,7 @@
     </p:spTree>
     <p:extLst>
       <p:ext uri="{BB962C8B-B14F-4D97-AF65-F5344CB8AC3E}">
-        <p14:creationId xmlns:p14="http://schemas.microsoft.com/office/powerpoint/2010/main" val="3745765733"/>
+        <p14:creationId xmlns:p14="http://schemas.microsoft.com/office/powerpoint/2010/main" val="3275247148"/>
       </p:ext>
     </p:extLst>
   </p:cSld>
@@ -13097,23 +13303,13 @@
             <a:pPr algn="ctr"/>
             <a:r>
               <a:rPr lang="en-CZ" sz="2400" dirty="0">
+                <a:solidFill>
+                  <a:srgbClr val="0065BD"/>
+                </a:solidFill>
                 <a:latin typeface="Times New Roman" panose="02020603050405020304" pitchFamily="18" charset="0"/>
                 <a:cs typeface="Times New Roman" panose="02020603050405020304" pitchFamily="18" charset="0"/>
               </a:rPr>
               <a:t>vytvoření Manifesto for Agile Software Development</a:t>
-            </a:r>
-          </a:p>
-          <a:p>
-            <a:pPr algn="ctr"/>
-            <a:r>
-              <a:rPr lang="en-CZ" sz="2400" dirty="0">
-                <a:solidFill>
-                  <a:srgbClr val="0065BD"/>
-                </a:solidFill>
-                <a:latin typeface="Times New Roman" panose="02020603050405020304" pitchFamily="18" charset="0"/>
-                <a:cs typeface="Times New Roman" panose="02020603050405020304" pitchFamily="18" charset="0"/>
-              </a:rPr>
-              <a:t>principy Manifesto přeformulovány ze SW do manufacturing</a:t>
             </a:r>
           </a:p>
         </p:txBody>
@@ -13121,7 +13317,7 @@
     </p:spTree>
     <p:extLst>
       <p:ext uri="{BB962C8B-B14F-4D97-AF65-F5344CB8AC3E}">
-        <p14:creationId xmlns:p14="http://schemas.microsoft.com/office/powerpoint/2010/main" val="1425864915"/>
+        <p14:creationId xmlns:p14="http://schemas.microsoft.com/office/powerpoint/2010/main" val="3745765733"/>
       </p:ext>
     </p:extLst>
   </p:cSld>
@@ -13150,82 +13346,10 @@
       </p:grpSpPr>
       <p:sp>
         <p:nvSpPr>
-          <p:cNvPr id="2" name="Title 1">
+          <p:cNvPr id="6" name="Content Placeholder 2">
             <a:extLst>
               <a:ext uri="{FF2B5EF4-FFF2-40B4-BE49-F238E27FC236}">
-                <a16:creationId xmlns:a16="http://schemas.microsoft.com/office/drawing/2014/main" id="{644D2C65-B9FA-AF49-B08C-A0BD0B0AE714}"/>
-              </a:ext>
-            </a:extLst>
-          </p:cNvPr>
-          <p:cNvSpPr>
-            <a:spLocks noGrp="1"/>
-          </p:cNvSpPr>
-          <p:nvPr>
-            <p:ph type="title"/>
-          </p:nvPr>
-        </p:nvSpPr>
-        <p:spPr>
-          <a:xfrm>
-            <a:off x="8469000" y="19878"/>
-            <a:ext cx="907827" cy="544775"/>
-          </a:xfrm>
-        </p:spPr>
-        <p:txBody>
-          <a:bodyPr/>
-          <a:lstStyle/>
-          <a:p>
-            <a:r>
-              <a:rPr lang="en-CZ" dirty="0"/>
-              <a:t>XP</a:t>
-            </a:r>
-          </a:p>
-        </p:txBody>
-      </p:sp>
-      <p:sp>
-        <p:nvSpPr>
-          <p:cNvPr id="3" name="Content Placeholder 2">
-            <a:extLst>
-              <a:ext uri="{FF2B5EF4-FFF2-40B4-BE49-F238E27FC236}">
-                <a16:creationId xmlns:a16="http://schemas.microsoft.com/office/drawing/2014/main" id="{656E0CCA-7EFF-8742-A7C1-52E61FB37C42}"/>
-              </a:ext>
-            </a:extLst>
-          </p:cNvPr>
-          <p:cNvSpPr>
-            <a:spLocks noGrp="1"/>
-          </p:cNvSpPr>
-          <p:nvPr>
-            <p:ph idx="1"/>
-          </p:nvPr>
-        </p:nvSpPr>
-        <p:spPr>
-          <a:xfrm>
-            <a:off x="675000" y="2683565"/>
-            <a:ext cx="7794000" cy="2385392"/>
-          </a:xfrm>
-        </p:spPr>
-        <p:txBody>
-          <a:bodyPr>
-            <a:normAutofit/>
-          </a:bodyPr>
-          <a:lstStyle/>
-          <a:p>
-            <a:pPr algn="ctr"/>
-            <a:r>
-              <a:rPr lang="en-CZ" sz="2800" dirty="0">
-                <a:latin typeface="Times New Roman" panose="02020603050405020304" pitchFamily="18" charset="0"/>
-                <a:cs typeface="Times New Roman" panose="02020603050405020304" pitchFamily="18" charset="0"/>
-              </a:rPr>
-              <a:t>XP je agilní projektový rámec, který má za cíl vytvářet kvalitní software a dbát na vyšší životní kvalitu/úroveň vývojářského týmu. </a:t>
-            </a:r>
-          </a:p>
-        </p:txBody>
-      </p:sp>
-      <p:sp>
-        <p:nvSpPr>
-          <p:cNvPr id="6" name="Title 1">
-            <a:extLst>
-              <a:ext uri="{FF2B5EF4-FFF2-40B4-BE49-F238E27FC236}">
-                <a16:creationId xmlns:a16="http://schemas.microsoft.com/office/drawing/2014/main" id="{73B3A76B-2DAF-6C48-B1D3-8F3E03E90245}"/>
+                <a16:creationId xmlns:a16="http://schemas.microsoft.com/office/drawing/2014/main" id="{BD3E62B6-B26A-6043-8F92-2A838E5BE81A}"/>
               </a:ext>
             </a:extLst>
           </p:cNvPr>
@@ -13236,87 +13360,194 @@
         </p:nvSpPr>
         <p:spPr>
           <a:xfrm>
-            <a:off x="46330" y="1933381"/>
-            <a:ext cx="9097670" cy="544775"/>
+            <a:off x="64394" y="1877096"/>
+            <a:ext cx="9015211" cy="3103808"/>
           </a:xfrm>
           <a:prstGeom prst="rect">
             <a:avLst/>
           </a:prstGeom>
         </p:spPr>
         <p:txBody>
-          <a:bodyPr vert="horz" lIns="91440" tIns="45720" rIns="91440" bIns="45720" rtlCol="0" anchor="t">
+          <a:bodyPr vert="horz" lIns="91440" tIns="45720" rIns="91440" bIns="45720" rtlCol="0">
             <a:normAutofit fontScale="92500" lnSpcReduction="10000"/>
           </a:bodyPr>
           <a:lstStyle>
-            <a:lvl1pPr algn="l" defTabSz="914354" rtl="0" eaLnBrk="1" latinLnBrk="0" hangingPunct="1">
-              <a:lnSpc>
-                <a:spcPct val="90000"/>
-              </a:lnSpc>
-              <a:spcBef>
-                <a:spcPct val="0"/>
-              </a:spcBef>
+            <a:lvl1pPr marL="0" indent="0" algn="l" defTabSz="914354" rtl="0" eaLnBrk="1" latinLnBrk="0" hangingPunct="1">
+              <a:lnSpc>
+                <a:spcPct val="90000"/>
+              </a:lnSpc>
+              <a:spcBef>
+                <a:spcPts val="1000"/>
+              </a:spcBef>
+              <a:buFont typeface="Arial" panose="020B0604020202020204" pitchFamily="34" charset="0"/>
               <a:buNone/>
-              <a:defRPr sz="2800" kern="2800" baseline="0">
+              <a:defRPr sz="2000" kern="3000" baseline="0">
                 <a:solidFill>
                   <a:schemeClr val="tx1"/>
                 </a:solidFill>
                 <a:latin typeface="Technika-Bold" panose="00000600000000000000" pitchFamily="50" charset="-18"/>
-                <a:ea typeface="+mj-ea"/>
-                <a:cs typeface="+mj-cs"/>
+                <a:ea typeface="+mn-ea"/>
+                <a:cs typeface="+mn-cs"/>
               </a:defRPr>
             </a:lvl1pPr>
+            <a:lvl2pPr marL="685766" indent="-228589" algn="l" defTabSz="914354" rtl="0" eaLnBrk="1" latinLnBrk="0" hangingPunct="1">
+              <a:lnSpc>
+                <a:spcPct val="90000"/>
+              </a:lnSpc>
+              <a:spcBef>
+                <a:spcPts val="500"/>
+              </a:spcBef>
+              <a:buFont typeface="Arial" panose="020B0604020202020204" pitchFamily="34" charset="0"/>
+              <a:buChar char="•"/>
+              <a:defRPr sz="2400" kern="1200">
+                <a:solidFill>
+                  <a:schemeClr val="tx1"/>
+                </a:solidFill>
+                <a:latin typeface="Technika" panose="00000600000000000000" pitchFamily="50" charset="-18"/>
+                <a:ea typeface="+mn-ea"/>
+                <a:cs typeface="+mn-cs"/>
+              </a:defRPr>
+            </a:lvl2pPr>
+            <a:lvl3pPr marL="1142942" indent="-228589" algn="l" defTabSz="914354" rtl="0" eaLnBrk="1" latinLnBrk="0" hangingPunct="1">
+              <a:lnSpc>
+                <a:spcPct val="90000"/>
+              </a:lnSpc>
+              <a:spcBef>
+                <a:spcPts val="500"/>
+              </a:spcBef>
+              <a:buFont typeface="Arial" panose="020B0604020202020204" pitchFamily="34" charset="0"/>
+              <a:buChar char="•"/>
+              <a:defRPr sz="2000" kern="1200">
+                <a:solidFill>
+                  <a:schemeClr val="tx1"/>
+                </a:solidFill>
+                <a:latin typeface="Technika" panose="00000600000000000000" pitchFamily="50" charset="-18"/>
+                <a:ea typeface="+mn-ea"/>
+                <a:cs typeface="+mn-cs"/>
+              </a:defRPr>
+            </a:lvl3pPr>
+            <a:lvl4pPr marL="1600120" indent="-228589" algn="l" defTabSz="914354" rtl="0" eaLnBrk="1" latinLnBrk="0" hangingPunct="1">
+              <a:lnSpc>
+                <a:spcPct val="90000"/>
+              </a:lnSpc>
+              <a:spcBef>
+                <a:spcPts val="500"/>
+              </a:spcBef>
+              <a:buFont typeface="Arial" panose="020B0604020202020204" pitchFamily="34" charset="0"/>
+              <a:buChar char="•"/>
+              <a:defRPr sz="1800" kern="1200">
+                <a:solidFill>
+                  <a:schemeClr val="tx1"/>
+                </a:solidFill>
+                <a:latin typeface="Technika" panose="00000600000000000000" pitchFamily="50" charset="-18"/>
+                <a:ea typeface="+mn-ea"/>
+                <a:cs typeface="+mn-cs"/>
+              </a:defRPr>
+            </a:lvl4pPr>
+            <a:lvl5pPr marL="2057298" indent="-228589" algn="l" defTabSz="914354" rtl="0" eaLnBrk="1" latinLnBrk="0" hangingPunct="1">
+              <a:lnSpc>
+                <a:spcPct val="90000"/>
+              </a:lnSpc>
+              <a:spcBef>
+                <a:spcPts val="500"/>
+              </a:spcBef>
+              <a:buFont typeface="Arial" panose="020B0604020202020204" pitchFamily="34" charset="0"/>
+              <a:buChar char="•"/>
+              <a:defRPr sz="1800" kern="1200">
+                <a:solidFill>
+                  <a:schemeClr val="tx1"/>
+                </a:solidFill>
+                <a:latin typeface="Technika" panose="00000600000000000000" pitchFamily="50" charset="-18"/>
+                <a:ea typeface="+mn-ea"/>
+                <a:cs typeface="+mn-cs"/>
+              </a:defRPr>
+            </a:lvl5pPr>
+            <a:lvl6pPr marL="2514474" indent="-228589" algn="l" defTabSz="914354" rtl="0" eaLnBrk="1" latinLnBrk="0" hangingPunct="1">
+              <a:lnSpc>
+                <a:spcPct val="90000"/>
+              </a:lnSpc>
+              <a:spcBef>
+                <a:spcPts val="500"/>
+              </a:spcBef>
+              <a:buFont typeface="Arial" panose="020B0604020202020204" pitchFamily="34" charset="0"/>
+              <a:buChar char="•"/>
+              <a:defRPr sz="1800" kern="1200">
+                <a:solidFill>
+                  <a:schemeClr val="tx1"/>
+                </a:solidFill>
+                <a:latin typeface="+mn-lt"/>
+                <a:ea typeface="+mn-ea"/>
+                <a:cs typeface="+mn-cs"/>
+              </a:defRPr>
+            </a:lvl6pPr>
+            <a:lvl7pPr marL="2971652" indent="-228589" algn="l" defTabSz="914354" rtl="0" eaLnBrk="1" latinLnBrk="0" hangingPunct="1">
+              <a:lnSpc>
+                <a:spcPct val="90000"/>
+              </a:lnSpc>
+              <a:spcBef>
+                <a:spcPts val="500"/>
+              </a:spcBef>
+              <a:buFont typeface="Arial" panose="020B0604020202020204" pitchFamily="34" charset="0"/>
+              <a:buChar char="•"/>
+              <a:defRPr sz="1800" kern="1200">
+                <a:solidFill>
+                  <a:schemeClr val="tx1"/>
+                </a:solidFill>
+                <a:latin typeface="+mn-lt"/>
+                <a:ea typeface="+mn-ea"/>
+                <a:cs typeface="+mn-cs"/>
+              </a:defRPr>
+            </a:lvl7pPr>
+            <a:lvl8pPr marL="3428829" indent="-228589" algn="l" defTabSz="914354" rtl="0" eaLnBrk="1" latinLnBrk="0" hangingPunct="1">
+              <a:lnSpc>
+                <a:spcPct val="90000"/>
+              </a:lnSpc>
+              <a:spcBef>
+                <a:spcPts val="500"/>
+              </a:spcBef>
+              <a:buFont typeface="Arial" panose="020B0604020202020204" pitchFamily="34" charset="0"/>
+              <a:buChar char="•"/>
+              <a:defRPr sz="1800" kern="1200">
+                <a:solidFill>
+                  <a:schemeClr val="tx1"/>
+                </a:solidFill>
+                <a:latin typeface="+mn-lt"/>
+                <a:ea typeface="+mn-ea"/>
+                <a:cs typeface="+mn-cs"/>
+              </a:defRPr>
+            </a:lvl8pPr>
+            <a:lvl9pPr marL="3886006" indent="-228589" algn="l" defTabSz="914354" rtl="0" eaLnBrk="1" latinLnBrk="0" hangingPunct="1">
+              <a:lnSpc>
+                <a:spcPct val="90000"/>
+              </a:lnSpc>
+              <a:spcBef>
+                <a:spcPts val="500"/>
+              </a:spcBef>
+              <a:buFont typeface="Arial" panose="020B0604020202020204" pitchFamily="34" charset="0"/>
+              <a:buChar char="•"/>
+              <a:defRPr sz="1800" kern="1200">
+                <a:solidFill>
+                  <a:schemeClr val="tx1"/>
+                </a:solidFill>
+                <a:latin typeface="+mn-lt"/>
+                <a:ea typeface="+mn-ea"/>
+                <a:cs typeface="+mn-cs"/>
+              </a:defRPr>
+            </a:lvl9pPr>
           </a:lstStyle>
           <a:p>
             <a:pPr algn="ctr"/>
             <a:r>
-              <a:rPr lang="en-CZ" sz="4000" dirty="0"/>
-              <a:t>Definice</a:t>
-            </a:r>
-          </a:p>
-        </p:txBody>
-      </p:sp>
-      <p:sp>
-        <p:nvSpPr>
-          <p:cNvPr id="7" name="TextBox 6">
-            <a:extLst>
-              <a:ext uri="{FF2B5EF4-FFF2-40B4-BE49-F238E27FC236}">
-                <a16:creationId xmlns:a16="http://schemas.microsoft.com/office/drawing/2014/main" id="{4C685768-4F54-FE41-A077-852471EAB4E1}"/>
-              </a:ext>
-            </a:extLst>
-          </p:cNvPr>
-          <p:cNvSpPr txBox="1"/>
-          <p:nvPr/>
-        </p:nvSpPr>
-        <p:spPr>
-          <a:xfrm>
-            <a:off x="23165" y="6488668"/>
-            <a:ext cx="9097670" cy="369332"/>
-          </a:xfrm>
-          <a:prstGeom prst="rect">
-            <a:avLst/>
-          </a:prstGeom>
-          <a:noFill/>
-        </p:spPr>
-        <p:txBody>
-          <a:bodyPr wrap="square" rtlCol="0">
-            <a:spAutoFit/>
-          </a:bodyPr>
-          <a:lstStyle/>
-          <a:p>
-            <a:pPr algn="ctr"/>
-            <a:r>
-              <a:rPr lang="en-CZ" dirty="0">
-                <a:solidFill>
-                  <a:srgbClr val="9B9B9B"/>
-                </a:solidFill>
-                <a:latin typeface="Times New Roman" panose="02020603050405020304" pitchFamily="18" charset="0"/>
-                <a:cs typeface="Times New Roman" panose="02020603050405020304" pitchFamily="18" charset="0"/>
-              </a:rPr>
-              <a:t>XP je zaměřen přímo na programování.</a:t>
-            </a:r>
-            <a:endParaRPr lang="en-CZ" dirty="0">
+              <a:rPr lang="cs-CZ" sz="25700" dirty="0">
+                <a:solidFill>
+                  <a:srgbClr val="0065BD"/>
+                </a:solidFill>
+              </a:rPr>
+              <a:t>?</a:t>
+            </a:r>
+            <a:endParaRPr lang="en-CZ" sz="25700" dirty="0">
               <a:solidFill>
-                <a:srgbClr val="9B9B9B"/>
+                <a:srgbClr val="0065BD"/>
               </a:solidFill>
             </a:endParaRPr>
           </a:p>
@@ -13325,7 +13556,7 @@
     </p:spTree>
     <p:extLst>
       <p:ext uri="{BB962C8B-B14F-4D97-AF65-F5344CB8AC3E}">
-        <p14:creationId xmlns:p14="http://schemas.microsoft.com/office/powerpoint/2010/main" val="3631176026"/>
+        <p14:creationId xmlns:p14="http://schemas.microsoft.com/office/powerpoint/2010/main" val="2061237893"/>
       </p:ext>
     </p:extLst>
   </p:cSld>
@@ -13686,23 +13917,13 @@
             <a:pPr algn="ctr"/>
             <a:r>
               <a:rPr lang="en-CZ" sz="2400" dirty="0">
+                <a:solidFill>
+                  <a:srgbClr val="0065BD"/>
+                </a:solidFill>
                 <a:latin typeface="Times New Roman" panose="02020603050405020304" pitchFamily="18" charset="0"/>
                 <a:cs typeface="Times New Roman" panose="02020603050405020304" pitchFamily="18" charset="0"/>
               </a:rPr>
               <a:t>principy Manifesto přeformulovány ze SW do manufacturing</a:t>
-            </a:r>
-          </a:p>
-          <a:p>
-            <a:pPr algn="ctr"/>
-            <a:r>
-              <a:rPr lang="en-CZ" sz="2400" dirty="0">
-                <a:solidFill>
-                  <a:srgbClr val="0065BD"/>
-                </a:solidFill>
-                <a:latin typeface="Times New Roman" panose="02020603050405020304" pitchFamily="18" charset="0"/>
-                <a:cs typeface="Times New Roman" panose="02020603050405020304" pitchFamily="18" charset="0"/>
-              </a:rPr>
-              <a:t>základy ze Scrum</a:t>
             </a:r>
           </a:p>
         </p:txBody>
@@ -13710,7 +13931,7 @@
     </p:spTree>
     <p:extLst>
       <p:ext uri="{BB962C8B-B14F-4D97-AF65-F5344CB8AC3E}">
-        <p14:creationId xmlns:p14="http://schemas.microsoft.com/office/powerpoint/2010/main" val="2511102984"/>
+        <p14:creationId xmlns:p14="http://schemas.microsoft.com/office/powerpoint/2010/main" val="1425864915"/>
       </p:ext>
     </p:extLst>
   </p:cSld>
@@ -13828,7 +14049,7 @@
                 <a:latin typeface="+mj-lt"/>
                 <a:cs typeface="Times New Roman" panose="02020603050405020304" pitchFamily="18" charset="0"/>
               </a:rPr>
-              <a:t>Základy ze Scrum</a:t>
+              <a:t>XM</a:t>
             </a:r>
             <a:endParaRPr lang="en-CZ" sz="2800" dirty="0">
               <a:latin typeface="+mj-lt"/>
@@ -14031,13 +14252,63 @@
             <a:pPr algn="ctr"/>
             <a:r>
               <a:rPr lang="en-CZ" sz="2400" dirty="0">
+                <a:latin typeface="Times New Roman" panose="02020603050405020304" pitchFamily="18" charset="0"/>
+                <a:cs typeface="Times New Roman" panose="02020603050405020304" pitchFamily="18" charset="0"/>
+              </a:rPr>
+              <a:t>založen na agility</a:t>
+            </a:r>
+          </a:p>
+          <a:p>
+            <a:pPr algn="ctr"/>
+            <a:r>
+              <a:rPr lang="en-CZ" sz="2400" dirty="0">
+                <a:latin typeface="Times New Roman" panose="02020603050405020304" pitchFamily="18" charset="0"/>
+                <a:cs typeface="Times New Roman" panose="02020603050405020304" pitchFamily="18" charset="0"/>
+              </a:rPr>
+              <a:t>přístup agility vytvořen z důvodu problémů ve vývoji SW</a:t>
+            </a:r>
+          </a:p>
+          <a:p>
+            <a:pPr algn="ctr"/>
+            <a:r>
+              <a:rPr lang="en-CZ" sz="2400" dirty="0">
+                <a:latin typeface="Times New Roman" panose="02020603050405020304" pitchFamily="18" charset="0"/>
+                <a:cs typeface="Times New Roman" panose="02020603050405020304" pitchFamily="18" charset="0"/>
+              </a:rPr>
+              <a:t>iterační princip</a:t>
+            </a:r>
+          </a:p>
+          <a:p>
+            <a:pPr algn="ctr"/>
+            <a:r>
+              <a:rPr lang="en-CZ" sz="2400" dirty="0">
+                <a:latin typeface="Times New Roman" panose="02020603050405020304" pitchFamily="18" charset="0"/>
+                <a:cs typeface="Times New Roman" panose="02020603050405020304" pitchFamily="18" charset="0"/>
+              </a:rPr>
+              <a:t>vytvoření Manifesto for Agile Software Development</a:t>
+            </a:r>
+          </a:p>
+          <a:p>
+            <a:pPr algn="ctr"/>
+            <a:r>
+              <a:rPr lang="en-CZ" sz="2400" dirty="0">
+                <a:latin typeface="Times New Roman" panose="02020603050405020304" pitchFamily="18" charset="0"/>
+                <a:cs typeface="Times New Roman" panose="02020603050405020304" pitchFamily="18" charset="0"/>
+              </a:rPr>
+              <a:t>principy Manifesto přeformulovány ze SW do manufacturing</a:t>
+            </a:r>
+          </a:p>
+          <a:p>
+            <a:pPr algn="ctr"/>
+            <a:r>
+              <a:rPr lang="en-CZ" sz="2400" dirty="0">
                 <a:solidFill>
                   <a:srgbClr val="0065BD"/>
                 </a:solidFill>
                 <a:latin typeface="Times New Roman" panose="02020603050405020304" pitchFamily="18" charset="0"/>
                 <a:cs typeface="Times New Roman" panose="02020603050405020304" pitchFamily="18" charset="0"/>
               </a:rPr>
-              <a:t>Optimizováno pro změnu</a:t>
+              <a:t>základy ze Scrum</a:t>
             </a:r>
           </a:p>
         </p:txBody>
@@ -14045,7 +14316,7 @@
     </p:spTree>
     <p:extLst>
       <p:ext uri="{BB962C8B-B14F-4D97-AF65-F5344CB8AC3E}">
-        <p14:creationId xmlns:p14="http://schemas.microsoft.com/office/powerpoint/2010/main" val="3447380460"/>
+        <p14:creationId xmlns:p14="http://schemas.microsoft.com/office/powerpoint/2010/main" val="2511102984"/>
       </p:ext>
     </p:extLst>
   </p:cSld>
@@ -14366,38 +14637,21 @@
             <a:pPr algn="ctr"/>
             <a:r>
               <a:rPr lang="en-CZ" sz="2400" dirty="0">
+                <a:solidFill>
+                  <a:srgbClr val="0065BD"/>
+                </a:solidFill>
                 <a:latin typeface="Times New Roman" panose="02020603050405020304" pitchFamily="18" charset="0"/>
                 <a:cs typeface="Times New Roman" panose="02020603050405020304" pitchFamily="18" charset="0"/>
               </a:rPr>
               <a:t>Optimizováno pro změnu</a:t>
             </a:r>
-          </a:p>
-          <a:p>
-            <a:pPr algn="ctr"/>
-            <a:r>
-              <a:rPr lang="en-CZ" sz="2400" dirty="0">
-                <a:solidFill>
-                  <a:srgbClr val="0065BD"/>
-                </a:solidFill>
-                <a:latin typeface="Times New Roman" panose="02020603050405020304" pitchFamily="18" charset="0"/>
-                <a:cs typeface="Times New Roman" panose="02020603050405020304" pitchFamily="18" charset="0"/>
-              </a:rPr>
-              <a:t>Objektivně orientované, modulární architektura</a:t>
-            </a:r>
-          </a:p>
-          <a:p>
-            <a:pPr algn="ctr"/>
-            <a:endParaRPr lang="en-CZ" sz="2400" dirty="0">
-              <a:latin typeface="Times New Roman" panose="02020603050405020304" pitchFamily="18" charset="0"/>
-              <a:cs typeface="Times New Roman" panose="02020603050405020304" pitchFamily="18" charset="0"/>
-            </a:endParaRPr>
           </a:p>
         </p:txBody>
       </p:sp>
     </p:spTree>
     <p:extLst>
       <p:ext uri="{BB962C8B-B14F-4D97-AF65-F5344CB8AC3E}">
-        <p14:creationId xmlns:p14="http://schemas.microsoft.com/office/powerpoint/2010/main" val="980812500"/>
+        <p14:creationId xmlns:p14="http://schemas.microsoft.com/office/powerpoint/2010/main" val="3447380460"/>
       </p:ext>
     </p:extLst>
   </p:cSld>
@@ -14728,23 +14982,13 @@
             <a:pPr algn="ctr"/>
             <a:r>
               <a:rPr lang="en-CZ" sz="2400" dirty="0">
+                <a:solidFill>
+                  <a:srgbClr val="0065BD"/>
+                </a:solidFill>
                 <a:latin typeface="Times New Roman" panose="02020603050405020304" pitchFamily="18" charset="0"/>
                 <a:cs typeface="Times New Roman" panose="02020603050405020304" pitchFamily="18" charset="0"/>
               </a:rPr>
               <a:t>Objektivně orientované, modulární architektura</a:t>
-            </a:r>
-          </a:p>
-          <a:p>
-            <a:pPr algn="ctr"/>
-            <a:r>
-              <a:rPr lang="en-CZ" sz="2400" dirty="0">
-                <a:solidFill>
-                  <a:srgbClr val="0065BD"/>
-                </a:solidFill>
-                <a:latin typeface="Times New Roman" panose="02020603050405020304" pitchFamily="18" charset="0"/>
-                <a:cs typeface="Times New Roman" panose="02020603050405020304" pitchFamily="18" charset="0"/>
-              </a:rPr>
-              <a:t>Test Driven Development</a:t>
             </a:r>
           </a:p>
           <a:p>
@@ -14759,7 +15003,7 @@
     </p:spTree>
     <p:extLst>
       <p:ext uri="{BB962C8B-B14F-4D97-AF65-F5344CB8AC3E}">
-        <p14:creationId xmlns:p14="http://schemas.microsoft.com/office/powerpoint/2010/main" val="2262498160"/>
+        <p14:creationId xmlns:p14="http://schemas.microsoft.com/office/powerpoint/2010/main" val="980812500"/>
       </p:ext>
     </p:extLst>
   </p:cSld>
@@ -15100,23 +15344,13 @@
             <a:pPr algn="ctr"/>
             <a:r>
               <a:rPr lang="en-CZ" sz="2400" dirty="0">
+                <a:solidFill>
+                  <a:srgbClr val="0065BD"/>
+                </a:solidFill>
                 <a:latin typeface="Times New Roman" panose="02020603050405020304" pitchFamily="18" charset="0"/>
                 <a:cs typeface="Times New Roman" panose="02020603050405020304" pitchFamily="18" charset="0"/>
               </a:rPr>
               <a:t>Test Driven Development</a:t>
-            </a:r>
-          </a:p>
-          <a:p>
-            <a:pPr algn="ctr"/>
-            <a:r>
-              <a:rPr lang="en-CZ" sz="2400" dirty="0">
-                <a:solidFill>
-                  <a:srgbClr val="0065BD"/>
-                </a:solidFill>
-                <a:latin typeface="Times New Roman" panose="02020603050405020304" pitchFamily="18" charset="0"/>
-                <a:cs typeface="Times New Roman" panose="02020603050405020304" pitchFamily="18" charset="0"/>
-              </a:rPr>
-              <a:t>Contact First Design</a:t>
             </a:r>
           </a:p>
           <a:p>
@@ -15131,7 +15365,7 @@
     </p:spTree>
     <p:extLst>
       <p:ext uri="{BB962C8B-B14F-4D97-AF65-F5344CB8AC3E}">
-        <p14:creationId xmlns:p14="http://schemas.microsoft.com/office/powerpoint/2010/main" val="829010547"/>
+        <p14:creationId xmlns:p14="http://schemas.microsoft.com/office/powerpoint/2010/main" val="2262498160"/>
       </p:ext>
     </p:extLst>
   </p:cSld>
@@ -15482,23 +15716,13 @@
             <a:pPr algn="ctr"/>
             <a:r>
               <a:rPr lang="en-CZ" sz="2400" dirty="0">
+                <a:solidFill>
+                  <a:srgbClr val="0065BD"/>
+                </a:solidFill>
                 <a:latin typeface="Times New Roman" panose="02020603050405020304" pitchFamily="18" charset="0"/>
                 <a:cs typeface="Times New Roman" panose="02020603050405020304" pitchFamily="18" charset="0"/>
               </a:rPr>
               <a:t>Contact First Design</a:t>
-            </a:r>
-          </a:p>
-          <a:p>
-            <a:pPr algn="ctr"/>
-            <a:r>
-              <a:rPr lang="en-CZ" sz="2400" dirty="0">
-                <a:solidFill>
-                  <a:srgbClr val="0065BD"/>
-                </a:solidFill>
-                <a:latin typeface="Times New Roman" panose="02020603050405020304" pitchFamily="18" charset="0"/>
-                <a:cs typeface="Times New Roman" panose="02020603050405020304" pitchFamily="18" charset="0"/>
-              </a:rPr>
-              <a:t>Iterate the Design</a:t>
             </a:r>
           </a:p>
           <a:p>
@@ -15513,7 +15737,7 @@
     </p:spTree>
     <p:extLst>
       <p:ext uri="{BB962C8B-B14F-4D97-AF65-F5344CB8AC3E}">
-        <p14:creationId xmlns:p14="http://schemas.microsoft.com/office/powerpoint/2010/main" val="437437047"/>
+        <p14:creationId xmlns:p14="http://schemas.microsoft.com/office/powerpoint/2010/main" val="829010547"/>
       </p:ext>
     </p:extLst>
   </p:cSld>
@@ -15874,23 +16098,13 @@
             <a:pPr algn="ctr"/>
             <a:r>
               <a:rPr lang="en-CZ" sz="2400" dirty="0">
+                <a:solidFill>
+                  <a:srgbClr val="0065BD"/>
+                </a:solidFill>
                 <a:latin typeface="Times New Roman" panose="02020603050405020304" pitchFamily="18" charset="0"/>
                 <a:cs typeface="Times New Roman" panose="02020603050405020304" pitchFamily="18" charset="0"/>
               </a:rPr>
               <a:t>Iterate the Design</a:t>
-            </a:r>
-          </a:p>
-          <a:p>
-            <a:pPr algn="ctr"/>
-            <a:r>
-              <a:rPr lang="en-CZ" sz="2400" dirty="0">
-                <a:solidFill>
-                  <a:srgbClr val="0065BD"/>
-                </a:solidFill>
-                <a:latin typeface="Times New Roman" panose="02020603050405020304" pitchFamily="18" charset="0"/>
-                <a:cs typeface="Times New Roman" panose="02020603050405020304" pitchFamily="18" charset="0"/>
-              </a:rPr>
-              <a:t>Agile Hardware Design Patterns</a:t>
             </a:r>
           </a:p>
           <a:p>
@@ -15905,7 +16119,7 @@
     </p:spTree>
     <p:extLst>
       <p:ext uri="{BB962C8B-B14F-4D97-AF65-F5344CB8AC3E}">
-        <p14:creationId xmlns:p14="http://schemas.microsoft.com/office/powerpoint/2010/main" val="2965370288"/>
+        <p14:creationId xmlns:p14="http://schemas.microsoft.com/office/powerpoint/2010/main" val="437437047"/>
       </p:ext>
     </p:extLst>
   </p:cSld>
@@ -16276,6 +16490,9 @@
             <a:pPr algn="ctr"/>
             <a:r>
               <a:rPr lang="en-CZ" sz="2400" dirty="0">
+                <a:solidFill>
+                  <a:srgbClr val="0065BD"/>
+                </a:solidFill>
                 <a:latin typeface="Times New Roman" panose="02020603050405020304" pitchFamily="18" charset="0"/>
                 <a:cs typeface="Times New Roman" panose="02020603050405020304" pitchFamily="18" charset="0"/>
               </a:rPr>
@@ -16284,23 +16501,17 @@
           </a:p>
           <a:p>
             <a:pPr algn="ctr"/>
-            <a:r>
-              <a:rPr lang="en-CZ" sz="2400" dirty="0">
-                <a:solidFill>
-                  <a:srgbClr val="0065BD"/>
-                </a:solidFill>
-                <a:latin typeface="Times New Roman" panose="02020603050405020304" pitchFamily="18" charset="0"/>
-                <a:cs typeface="Times New Roman" panose="02020603050405020304" pitchFamily="18" charset="0"/>
-              </a:rPr>
-              <a:t>Continuous Integration Development</a:t>
-            </a:r>
+            <a:endParaRPr lang="en-CZ" sz="2400" dirty="0">
+              <a:latin typeface="Times New Roman" panose="02020603050405020304" pitchFamily="18" charset="0"/>
+              <a:cs typeface="Times New Roman" panose="02020603050405020304" pitchFamily="18" charset="0"/>
+            </a:endParaRPr>
           </a:p>
         </p:txBody>
       </p:sp>
     </p:spTree>
     <p:extLst>
       <p:ext uri="{BB962C8B-B14F-4D97-AF65-F5344CB8AC3E}">
-        <p14:creationId xmlns:p14="http://schemas.microsoft.com/office/powerpoint/2010/main" val="1168832104"/>
+        <p14:creationId xmlns:p14="http://schemas.microsoft.com/office/powerpoint/2010/main" val="2965370288"/>
       </p:ext>
     </p:extLst>
   </p:cSld>
@@ -16681,23 +16892,13 @@
             <a:pPr algn="ctr"/>
             <a:r>
               <a:rPr lang="en-CZ" sz="2400" dirty="0">
+                <a:solidFill>
+                  <a:srgbClr val="0065BD"/>
+                </a:solidFill>
                 <a:latin typeface="Times New Roman" panose="02020603050405020304" pitchFamily="18" charset="0"/>
                 <a:cs typeface="Times New Roman" panose="02020603050405020304" pitchFamily="18" charset="0"/>
               </a:rPr>
               <a:t>Continuous Integration Development</a:t>
-            </a:r>
-          </a:p>
-          <a:p>
-            <a:pPr algn="ctr"/>
-            <a:r>
-              <a:rPr lang="en-CZ" sz="2400" dirty="0">
-                <a:solidFill>
-                  <a:srgbClr val="0065BD"/>
-                </a:solidFill>
-                <a:latin typeface="Times New Roman" panose="02020603050405020304" pitchFamily="18" charset="0"/>
-                <a:cs typeface="Times New Roman" panose="02020603050405020304" pitchFamily="18" charset="0"/>
-              </a:rPr>
-              <a:t>Continuous Deployment Development</a:t>
             </a:r>
           </a:p>
         </p:txBody>
@@ -16705,7 +16906,7 @@
     </p:spTree>
     <p:extLst>
       <p:ext uri="{BB962C8B-B14F-4D97-AF65-F5344CB8AC3E}">
-        <p14:creationId xmlns:p14="http://schemas.microsoft.com/office/powerpoint/2010/main" val="3315965749"/>
+        <p14:creationId xmlns:p14="http://schemas.microsoft.com/office/powerpoint/2010/main" val="1168832104"/>
       </p:ext>
     </p:extLst>
   </p:cSld>
@@ -17096,23 +17297,13 @@
             <a:pPr algn="ctr"/>
             <a:r>
               <a:rPr lang="en-CZ" sz="2400" dirty="0">
+                <a:solidFill>
+                  <a:srgbClr val="0065BD"/>
+                </a:solidFill>
                 <a:latin typeface="Times New Roman" panose="02020603050405020304" pitchFamily="18" charset="0"/>
                 <a:cs typeface="Times New Roman" panose="02020603050405020304" pitchFamily="18" charset="0"/>
               </a:rPr>
               <a:t>Continuous Deployment Development</a:t>
-            </a:r>
-          </a:p>
-          <a:p>
-            <a:pPr algn="ctr"/>
-            <a:r>
-              <a:rPr lang="en-CZ" sz="2400" dirty="0">
-                <a:solidFill>
-                  <a:srgbClr val="0065BD"/>
-                </a:solidFill>
-                <a:latin typeface="Times New Roman" panose="02020603050405020304" pitchFamily="18" charset="0"/>
-                <a:cs typeface="Times New Roman" panose="02020603050405020304" pitchFamily="18" charset="0"/>
-              </a:rPr>
-              <a:t>Scaling Patterns</a:t>
             </a:r>
           </a:p>
         </p:txBody>
@@ -17120,7 +17311,7 @@
     </p:spTree>
     <p:extLst>
       <p:ext uri="{BB962C8B-B14F-4D97-AF65-F5344CB8AC3E}">
-        <p14:creationId xmlns:p14="http://schemas.microsoft.com/office/powerpoint/2010/main" val="174182631"/>
+        <p14:creationId xmlns:p14="http://schemas.microsoft.com/office/powerpoint/2010/main" val="3315965749"/>
       </p:ext>
     </p:extLst>
   </p:cSld>
@@ -17149,10 +17340,82 @@
       </p:grpSpPr>
       <p:sp>
         <p:nvSpPr>
-          <p:cNvPr id="5" name="Content Placeholder 2">
+          <p:cNvPr id="2" name="Title 1">
             <a:extLst>
               <a:ext uri="{FF2B5EF4-FFF2-40B4-BE49-F238E27FC236}">
-                <a16:creationId xmlns:a16="http://schemas.microsoft.com/office/drawing/2014/main" id="{54C89203-5005-0B45-9FCF-265149A07EAD}"/>
+                <a16:creationId xmlns:a16="http://schemas.microsoft.com/office/drawing/2014/main" id="{644D2C65-B9FA-AF49-B08C-A0BD0B0AE714}"/>
+              </a:ext>
+            </a:extLst>
+          </p:cNvPr>
+          <p:cNvSpPr>
+            <a:spLocks noGrp="1"/>
+          </p:cNvSpPr>
+          <p:nvPr>
+            <p:ph type="title"/>
+          </p:nvPr>
+        </p:nvSpPr>
+        <p:spPr>
+          <a:xfrm>
+            <a:off x="8469000" y="19878"/>
+            <a:ext cx="907827" cy="544775"/>
+          </a:xfrm>
+        </p:spPr>
+        <p:txBody>
+          <a:bodyPr/>
+          <a:lstStyle/>
+          <a:p>
+            <a:r>
+              <a:rPr lang="en-CZ" dirty="0"/>
+              <a:t>XP</a:t>
+            </a:r>
+          </a:p>
+        </p:txBody>
+      </p:sp>
+      <p:sp>
+        <p:nvSpPr>
+          <p:cNvPr id="3" name="Content Placeholder 2">
+            <a:extLst>
+              <a:ext uri="{FF2B5EF4-FFF2-40B4-BE49-F238E27FC236}">
+                <a16:creationId xmlns:a16="http://schemas.microsoft.com/office/drawing/2014/main" id="{656E0CCA-7EFF-8742-A7C1-52E61FB37C42}"/>
+              </a:ext>
+            </a:extLst>
+          </p:cNvPr>
+          <p:cNvSpPr>
+            <a:spLocks noGrp="1"/>
+          </p:cNvSpPr>
+          <p:nvPr>
+            <p:ph idx="1"/>
+          </p:nvPr>
+        </p:nvSpPr>
+        <p:spPr>
+          <a:xfrm>
+            <a:off x="675000" y="2683565"/>
+            <a:ext cx="7794000" cy="2385392"/>
+          </a:xfrm>
+        </p:spPr>
+        <p:txBody>
+          <a:bodyPr>
+            <a:normAutofit/>
+          </a:bodyPr>
+          <a:lstStyle/>
+          <a:p>
+            <a:pPr algn="ctr"/>
+            <a:r>
+              <a:rPr lang="en-CZ" sz="2800" dirty="0">
+                <a:latin typeface="Times New Roman" panose="02020603050405020304" pitchFamily="18" charset="0"/>
+                <a:cs typeface="Times New Roman" panose="02020603050405020304" pitchFamily="18" charset="0"/>
+              </a:rPr>
+              <a:t>XP je agilní projektový rámec, který má za cíl vytvářet kvalitní software a dbát na vyšší životní kvalitu/úroveň vývojářského týmu. </a:t>
+            </a:r>
+          </a:p>
+        </p:txBody>
+      </p:sp>
+      <p:sp>
+        <p:nvSpPr>
+          <p:cNvPr id="6" name="Title 1">
+            <a:extLst>
+              <a:ext uri="{FF2B5EF4-FFF2-40B4-BE49-F238E27FC236}">
+                <a16:creationId xmlns:a16="http://schemas.microsoft.com/office/drawing/2014/main" id="{73B3A76B-2DAF-6C48-B1D3-8F3E03E90245}"/>
               </a:ext>
             </a:extLst>
           </p:cNvPr>
@@ -17163,214 +17426,8 @@
         </p:nvSpPr>
         <p:spPr>
           <a:xfrm>
-            <a:off x="675000" y="2401240"/>
-            <a:ext cx="7794000" cy="1027760"/>
-          </a:xfrm>
-          <a:prstGeom prst="rect">
-            <a:avLst/>
-          </a:prstGeom>
-        </p:spPr>
-        <p:txBody>
-          <a:bodyPr vert="horz" lIns="91440" tIns="45720" rIns="91440" bIns="45720" rtlCol="0">
-            <a:normAutofit/>
-          </a:bodyPr>
-          <a:lstStyle>
-            <a:lvl1pPr marL="0" indent="0" algn="l" defTabSz="914354" rtl="0" eaLnBrk="1" latinLnBrk="0" hangingPunct="1">
-              <a:lnSpc>
-                <a:spcPct val="90000"/>
-              </a:lnSpc>
-              <a:spcBef>
-                <a:spcPts val="1000"/>
-              </a:spcBef>
-              <a:buFont typeface="Arial" panose="020B0604020202020204" pitchFamily="34" charset="0"/>
-              <a:buNone/>
-              <a:defRPr sz="2000" kern="3000" baseline="0">
-                <a:solidFill>
-                  <a:schemeClr val="tx1"/>
-                </a:solidFill>
-                <a:latin typeface="Technika-Bold" panose="00000600000000000000" pitchFamily="50" charset="-18"/>
-                <a:ea typeface="+mn-ea"/>
-                <a:cs typeface="+mn-cs"/>
-              </a:defRPr>
-            </a:lvl1pPr>
-            <a:lvl2pPr marL="685766" indent="-228589" algn="l" defTabSz="914354" rtl="0" eaLnBrk="1" latinLnBrk="0" hangingPunct="1">
-              <a:lnSpc>
-                <a:spcPct val="90000"/>
-              </a:lnSpc>
-              <a:spcBef>
-                <a:spcPts val="500"/>
-              </a:spcBef>
-              <a:buFont typeface="Arial" panose="020B0604020202020204" pitchFamily="34" charset="0"/>
-              <a:buChar char="•"/>
-              <a:defRPr sz="2400" kern="1200">
-                <a:solidFill>
-                  <a:schemeClr val="tx1"/>
-                </a:solidFill>
-                <a:latin typeface="Technika" panose="00000600000000000000" pitchFamily="50" charset="-18"/>
-                <a:ea typeface="+mn-ea"/>
-                <a:cs typeface="+mn-cs"/>
-              </a:defRPr>
-            </a:lvl2pPr>
-            <a:lvl3pPr marL="1142942" indent="-228589" algn="l" defTabSz="914354" rtl="0" eaLnBrk="1" latinLnBrk="0" hangingPunct="1">
-              <a:lnSpc>
-                <a:spcPct val="90000"/>
-              </a:lnSpc>
-              <a:spcBef>
-                <a:spcPts val="500"/>
-              </a:spcBef>
-              <a:buFont typeface="Arial" panose="020B0604020202020204" pitchFamily="34" charset="0"/>
-              <a:buChar char="•"/>
-              <a:defRPr sz="2000" kern="1200">
-                <a:solidFill>
-                  <a:schemeClr val="tx1"/>
-                </a:solidFill>
-                <a:latin typeface="Technika" panose="00000600000000000000" pitchFamily="50" charset="-18"/>
-                <a:ea typeface="+mn-ea"/>
-                <a:cs typeface="+mn-cs"/>
-              </a:defRPr>
-            </a:lvl3pPr>
-            <a:lvl4pPr marL="1600120" indent="-228589" algn="l" defTabSz="914354" rtl="0" eaLnBrk="1" latinLnBrk="0" hangingPunct="1">
-              <a:lnSpc>
-                <a:spcPct val="90000"/>
-              </a:lnSpc>
-              <a:spcBef>
-                <a:spcPts val="500"/>
-              </a:spcBef>
-              <a:buFont typeface="Arial" panose="020B0604020202020204" pitchFamily="34" charset="0"/>
-              <a:buChar char="•"/>
-              <a:defRPr sz="1800" kern="1200">
-                <a:solidFill>
-                  <a:schemeClr val="tx1"/>
-                </a:solidFill>
-                <a:latin typeface="Technika" panose="00000600000000000000" pitchFamily="50" charset="-18"/>
-                <a:ea typeface="+mn-ea"/>
-                <a:cs typeface="+mn-cs"/>
-              </a:defRPr>
-            </a:lvl4pPr>
-            <a:lvl5pPr marL="2057298" indent="-228589" algn="l" defTabSz="914354" rtl="0" eaLnBrk="1" latinLnBrk="0" hangingPunct="1">
-              <a:lnSpc>
-                <a:spcPct val="90000"/>
-              </a:lnSpc>
-              <a:spcBef>
-                <a:spcPts val="500"/>
-              </a:spcBef>
-              <a:buFont typeface="Arial" panose="020B0604020202020204" pitchFamily="34" charset="0"/>
-              <a:buChar char="•"/>
-              <a:defRPr sz="1800" kern="1200">
-                <a:solidFill>
-                  <a:schemeClr val="tx1"/>
-                </a:solidFill>
-                <a:latin typeface="Technika" panose="00000600000000000000" pitchFamily="50" charset="-18"/>
-                <a:ea typeface="+mn-ea"/>
-                <a:cs typeface="+mn-cs"/>
-              </a:defRPr>
-            </a:lvl5pPr>
-            <a:lvl6pPr marL="2514474" indent="-228589" algn="l" defTabSz="914354" rtl="0" eaLnBrk="1" latinLnBrk="0" hangingPunct="1">
-              <a:lnSpc>
-                <a:spcPct val="90000"/>
-              </a:lnSpc>
-              <a:spcBef>
-                <a:spcPts val="500"/>
-              </a:spcBef>
-              <a:buFont typeface="Arial" panose="020B0604020202020204" pitchFamily="34" charset="0"/>
-              <a:buChar char="•"/>
-              <a:defRPr sz="1800" kern="1200">
-                <a:solidFill>
-                  <a:schemeClr val="tx1"/>
-                </a:solidFill>
-                <a:latin typeface="+mn-lt"/>
-                <a:ea typeface="+mn-ea"/>
-                <a:cs typeface="+mn-cs"/>
-              </a:defRPr>
-            </a:lvl6pPr>
-            <a:lvl7pPr marL="2971652" indent="-228589" algn="l" defTabSz="914354" rtl="0" eaLnBrk="1" latinLnBrk="0" hangingPunct="1">
-              <a:lnSpc>
-                <a:spcPct val="90000"/>
-              </a:lnSpc>
-              <a:spcBef>
-                <a:spcPts val="500"/>
-              </a:spcBef>
-              <a:buFont typeface="Arial" panose="020B0604020202020204" pitchFamily="34" charset="0"/>
-              <a:buChar char="•"/>
-              <a:defRPr sz="1800" kern="1200">
-                <a:solidFill>
-                  <a:schemeClr val="tx1"/>
-                </a:solidFill>
-                <a:latin typeface="+mn-lt"/>
-                <a:ea typeface="+mn-ea"/>
-                <a:cs typeface="+mn-cs"/>
-              </a:defRPr>
-            </a:lvl7pPr>
-            <a:lvl8pPr marL="3428829" indent="-228589" algn="l" defTabSz="914354" rtl="0" eaLnBrk="1" latinLnBrk="0" hangingPunct="1">
-              <a:lnSpc>
-                <a:spcPct val="90000"/>
-              </a:lnSpc>
-              <a:spcBef>
-                <a:spcPts val="500"/>
-              </a:spcBef>
-              <a:buFont typeface="Arial" panose="020B0604020202020204" pitchFamily="34" charset="0"/>
-              <a:buChar char="•"/>
-              <a:defRPr sz="1800" kern="1200">
-                <a:solidFill>
-                  <a:schemeClr val="tx1"/>
-                </a:solidFill>
-                <a:latin typeface="+mn-lt"/>
-                <a:ea typeface="+mn-ea"/>
-                <a:cs typeface="+mn-cs"/>
-              </a:defRPr>
-            </a:lvl8pPr>
-            <a:lvl9pPr marL="3886006" indent="-228589" algn="l" defTabSz="914354" rtl="0" eaLnBrk="1" latinLnBrk="0" hangingPunct="1">
-              <a:lnSpc>
-                <a:spcPct val="90000"/>
-              </a:lnSpc>
-              <a:spcBef>
-                <a:spcPts val="500"/>
-              </a:spcBef>
-              <a:buFont typeface="Arial" panose="020B0604020202020204" pitchFamily="34" charset="0"/>
-              <a:buChar char="•"/>
-              <a:defRPr sz="1800" kern="1200">
-                <a:solidFill>
-                  <a:schemeClr val="tx1"/>
-                </a:solidFill>
-                <a:latin typeface="+mn-lt"/>
-                <a:ea typeface="+mn-ea"/>
-                <a:cs typeface="+mn-cs"/>
-              </a:defRPr>
-            </a:lvl9pPr>
-          </a:lstStyle>
-          <a:p>
-            <a:pPr algn="ctr"/>
-            <a:r>
-              <a:rPr lang="en-CZ" sz="2800" dirty="0">
-                <a:solidFill>
-                  <a:srgbClr val="0065BD"/>
-                </a:solidFill>
-                <a:latin typeface="Times New Roman" panose="02020603050405020304" pitchFamily="18" charset="0"/>
-                <a:cs typeface="Times New Roman" panose="02020603050405020304" pitchFamily="18" charset="0"/>
-              </a:rPr>
-              <a:t>je velmi zaměřený na software development a proto jej nelze jako celek často použít</a:t>
-            </a:r>
-          </a:p>
-        </p:txBody>
-      </p:sp>
-      <p:sp>
-        <p:nvSpPr>
-          <p:cNvPr id="7" name="Title 1">
-            <a:extLst>
-              <a:ext uri="{FF2B5EF4-FFF2-40B4-BE49-F238E27FC236}">
-                <a16:creationId xmlns:a16="http://schemas.microsoft.com/office/drawing/2014/main" id="{778F5AB8-30D0-2943-8A43-A6E04205B88F}"/>
-              </a:ext>
-            </a:extLst>
-          </p:cNvPr>
-          <p:cNvSpPr txBox="1">
-            <a:spLocks/>
-          </p:cNvSpPr>
-          <p:nvPr/>
-        </p:nvSpPr>
-        <p:spPr>
-          <a:xfrm>
-            <a:off x="8469000" y="19878"/>
-            <a:ext cx="907827" cy="544775"/>
+            <a:off x="46330" y="1933381"/>
+            <a:ext cx="9097670" cy="544775"/>
           </a:xfrm>
           <a:prstGeom prst="rect">
             <a:avLst/>
@@ -17378,7 +17435,7 @@
         </p:spPr>
         <p:txBody>
           <a:bodyPr vert="horz" lIns="91440" tIns="45720" rIns="91440" bIns="45720" rtlCol="0" anchor="t">
-            <a:normAutofit/>
+            <a:normAutofit fontScale="92500" lnSpcReduction="10000"/>
           </a:bodyPr>
           <a:lstStyle>
             <a:lvl1pPr algn="l" defTabSz="914354" rtl="0" eaLnBrk="1" latinLnBrk="0" hangingPunct="1">
@@ -17400,20 +17457,20 @@
             </a:lvl1pPr>
           </a:lstStyle>
           <a:p>
-            <a:r>
-              <a:rPr lang="en-CZ"/>
-              <a:t>XP</a:t>
-            </a:r>
-            <a:endParaRPr lang="en-CZ" dirty="0"/>
+            <a:pPr algn="ctr"/>
+            <a:r>
+              <a:rPr lang="en-CZ" sz="4000" dirty="0"/>
+              <a:t>Definice</a:t>
+            </a:r>
           </a:p>
         </p:txBody>
       </p:sp>
       <p:sp>
         <p:nvSpPr>
-          <p:cNvPr id="10" name="TextBox 9">
+          <p:cNvPr id="7" name="TextBox 6">
             <a:extLst>
               <a:ext uri="{FF2B5EF4-FFF2-40B4-BE49-F238E27FC236}">
-                <a16:creationId xmlns:a16="http://schemas.microsoft.com/office/drawing/2014/main" id="{76A37AB8-AA4D-164B-A47F-A164B0BA7158}"/>
+                <a16:creationId xmlns:a16="http://schemas.microsoft.com/office/drawing/2014/main" id="{4C685768-4F54-FE41-A077-852471EAB4E1}"/>
               </a:ext>
             </a:extLst>
           </p:cNvPr>
@@ -17422,8 +17479,8 @@
         </p:nvSpPr>
         <p:spPr>
           <a:xfrm>
-            <a:off x="0" y="1540089"/>
-            <a:ext cx="9144000" cy="523220"/>
+            <a:off x="23165" y="6488668"/>
+            <a:ext cx="9097670" cy="369332"/>
           </a:xfrm>
           <a:prstGeom prst="rect">
             <a:avLst/>
@@ -17438,17 +17495,19 @@
           <a:p>
             <a:pPr algn="ctr"/>
             <a:r>
-              <a:rPr lang="en-CZ" sz="2800" dirty="0">
-                <a:solidFill>
-                  <a:srgbClr val="FF0000"/>
-                </a:solidFill>
-                <a:latin typeface="+mj-lt"/>
-                <a:cs typeface="Times New Roman" panose="02020603050405020304" pitchFamily="18" charset="0"/>
-              </a:rPr>
-              <a:t>DŮLEŽITÉ POZNÁMKY</a:t>
-            </a:r>
-            <a:endParaRPr lang="en-CZ" sz="2800" dirty="0">
-              <a:latin typeface="+mj-lt"/>
+              <a:rPr lang="en-CZ" dirty="0">
+                <a:solidFill>
+                  <a:srgbClr val="9B9B9B"/>
+                </a:solidFill>
+                <a:latin typeface="Times New Roman" panose="02020603050405020304" pitchFamily="18" charset="0"/>
+                <a:cs typeface="Times New Roman" panose="02020603050405020304" pitchFamily="18" charset="0"/>
+              </a:rPr>
+              <a:t>XP je zaměřen přímo na programování.</a:t>
+            </a:r>
+            <a:endParaRPr lang="en-CZ" dirty="0">
+              <a:solidFill>
+                <a:srgbClr val="9B9B9B"/>
+              </a:solidFill>
             </a:endParaRPr>
           </a:p>
         </p:txBody>
@@ -17456,7 +17515,7 @@
     </p:spTree>
     <p:extLst>
       <p:ext uri="{BB962C8B-B14F-4D97-AF65-F5344CB8AC3E}">
-        <p14:creationId xmlns:p14="http://schemas.microsoft.com/office/powerpoint/2010/main" val="2329324938"/>
+        <p14:creationId xmlns:p14="http://schemas.microsoft.com/office/powerpoint/2010/main" val="3631176026"/>
       </p:ext>
     </p:extLst>
   </p:cSld>
@@ -17857,23 +17916,13 @@
             <a:pPr algn="ctr"/>
             <a:r>
               <a:rPr lang="en-CZ" sz="2400" dirty="0">
+                <a:solidFill>
+                  <a:srgbClr val="0065BD"/>
+                </a:solidFill>
                 <a:latin typeface="Times New Roman" panose="02020603050405020304" pitchFamily="18" charset="0"/>
                 <a:cs typeface="Times New Roman" panose="02020603050405020304" pitchFamily="18" charset="0"/>
               </a:rPr>
               <a:t>Scaling Patterns</a:t>
-            </a:r>
-          </a:p>
-          <a:p>
-            <a:pPr algn="ctr"/>
-            <a:r>
-              <a:rPr lang="en-CZ" sz="2400" dirty="0">
-                <a:solidFill>
-                  <a:srgbClr val="0065BD"/>
-                </a:solidFill>
-                <a:latin typeface="Times New Roman" panose="02020603050405020304" pitchFamily="18" charset="0"/>
-                <a:cs typeface="Times New Roman" panose="02020603050405020304" pitchFamily="18" charset="0"/>
-              </a:rPr>
-              <a:t>Partner Patterns</a:t>
             </a:r>
           </a:p>
         </p:txBody>
@@ -17881,7 +17930,7 @@
     </p:spTree>
     <p:extLst>
       <p:ext uri="{BB962C8B-B14F-4D97-AF65-F5344CB8AC3E}">
-        <p14:creationId xmlns:p14="http://schemas.microsoft.com/office/powerpoint/2010/main" val="3905668839"/>
+        <p14:creationId xmlns:p14="http://schemas.microsoft.com/office/powerpoint/2010/main" val="174182631"/>
       </p:ext>
     </p:extLst>
   </p:cSld>
@@ -17964,6 +18013,431 @@
       </p:sp>
       <p:sp>
         <p:nvSpPr>
+          <p:cNvPr id="5" name="TextBox 4">
+            <a:extLst>
+              <a:ext uri="{FF2B5EF4-FFF2-40B4-BE49-F238E27FC236}">
+                <a16:creationId xmlns:a16="http://schemas.microsoft.com/office/drawing/2014/main" id="{0B97D00E-39C2-D145-A631-DBA36E45E7E1}"/>
+              </a:ext>
+            </a:extLst>
+          </p:cNvPr>
+          <p:cNvSpPr txBox="1"/>
+          <p:nvPr/>
+        </p:nvSpPr>
+        <p:spPr>
+          <a:xfrm>
+            <a:off x="0" y="1221336"/>
+            <a:ext cx="9144000" cy="523220"/>
+          </a:xfrm>
+          <a:prstGeom prst="rect">
+            <a:avLst/>
+          </a:prstGeom>
+          <a:noFill/>
+        </p:spPr>
+        <p:txBody>
+          <a:bodyPr wrap="square" rtlCol="0">
+            <a:spAutoFit/>
+          </a:bodyPr>
+          <a:lstStyle/>
+          <a:p>
+            <a:pPr algn="ctr"/>
+            <a:r>
+              <a:rPr lang="en-CZ" sz="2800" dirty="0">
+                <a:solidFill>
+                  <a:srgbClr val="FF0000"/>
+                </a:solidFill>
+                <a:latin typeface="+mj-lt"/>
+                <a:cs typeface="Times New Roman" panose="02020603050405020304" pitchFamily="18" charset="0"/>
+              </a:rPr>
+              <a:t>Základy ze Scrum</a:t>
+            </a:r>
+            <a:endParaRPr lang="en-CZ" sz="2800" dirty="0">
+              <a:latin typeface="+mj-lt"/>
+            </a:endParaRPr>
+          </a:p>
+        </p:txBody>
+      </p:sp>
+      <p:sp>
+        <p:nvSpPr>
+          <p:cNvPr id="8" name="Content Placeholder 2">
+            <a:extLst>
+              <a:ext uri="{FF2B5EF4-FFF2-40B4-BE49-F238E27FC236}">
+                <a16:creationId xmlns:a16="http://schemas.microsoft.com/office/drawing/2014/main" id="{1DE13750-9F62-BD48-9589-CF29E926F7C9}"/>
+              </a:ext>
+            </a:extLst>
+          </p:cNvPr>
+          <p:cNvSpPr txBox="1">
+            <a:spLocks/>
+          </p:cNvSpPr>
+          <p:nvPr/>
+        </p:nvSpPr>
+        <p:spPr>
+          <a:xfrm>
+            <a:off x="675000" y="1924161"/>
+            <a:ext cx="7794000" cy="4774813"/>
+          </a:xfrm>
+          <a:prstGeom prst="rect">
+            <a:avLst/>
+          </a:prstGeom>
+        </p:spPr>
+        <p:txBody>
+          <a:bodyPr vert="horz" lIns="91440" tIns="45720" rIns="91440" bIns="45720" rtlCol="0">
+            <a:normAutofit/>
+          </a:bodyPr>
+          <a:lstStyle>
+            <a:lvl1pPr marL="0" indent="0" algn="l" defTabSz="914354" rtl="0" eaLnBrk="1" latinLnBrk="0" hangingPunct="1">
+              <a:lnSpc>
+                <a:spcPct val="90000"/>
+              </a:lnSpc>
+              <a:spcBef>
+                <a:spcPts val="1000"/>
+              </a:spcBef>
+              <a:buFont typeface="Arial" panose="020B0604020202020204" pitchFamily="34" charset="0"/>
+              <a:buNone/>
+              <a:defRPr sz="2000" kern="3000" baseline="0">
+                <a:solidFill>
+                  <a:schemeClr val="tx1"/>
+                </a:solidFill>
+                <a:latin typeface="Technika-Bold" panose="00000600000000000000" pitchFamily="50" charset="-18"/>
+                <a:ea typeface="+mn-ea"/>
+                <a:cs typeface="+mn-cs"/>
+              </a:defRPr>
+            </a:lvl1pPr>
+            <a:lvl2pPr marL="685766" indent="-228589" algn="l" defTabSz="914354" rtl="0" eaLnBrk="1" latinLnBrk="0" hangingPunct="1">
+              <a:lnSpc>
+                <a:spcPct val="90000"/>
+              </a:lnSpc>
+              <a:spcBef>
+                <a:spcPts val="500"/>
+              </a:spcBef>
+              <a:buFont typeface="Arial" panose="020B0604020202020204" pitchFamily="34" charset="0"/>
+              <a:buChar char="•"/>
+              <a:defRPr sz="2400" kern="1200">
+                <a:solidFill>
+                  <a:schemeClr val="tx1"/>
+                </a:solidFill>
+                <a:latin typeface="Technika" panose="00000600000000000000" pitchFamily="50" charset="-18"/>
+                <a:ea typeface="+mn-ea"/>
+                <a:cs typeface="+mn-cs"/>
+              </a:defRPr>
+            </a:lvl2pPr>
+            <a:lvl3pPr marL="1142942" indent="-228589" algn="l" defTabSz="914354" rtl="0" eaLnBrk="1" latinLnBrk="0" hangingPunct="1">
+              <a:lnSpc>
+                <a:spcPct val="90000"/>
+              </a:lnSpc>
+              <a:spcBef>
+                <a:spcPts val="500"/>
+              </a:spcBef>
+              <a:buFont typeface="Arial" panose="020B0604020202020204" pitchFamily="34" charset="0"/>
+              <a:buChar char="•"/>
+              <a:defRPr sz="2000" kern="1200">
+                <a:solidFill>
+                  <a:schemeClr val="tx1"/>
+                </a:solidFill>
+                <a:latin typeface="Technika" panose="00000600000000000000" pitchFamily="50" charset="-18"/>
+                <a:ea typeface="+mn-ea"/>
+                <a:cs typeface="+mn-cs"/>
+              </a:defRPr>
+            </a:lvl3pPr>
+            <a:lvl4pPr marL="1600120" indent="-228589" algn="l" defTabSz="914354" rtl="0" eaLnBrk="1" latinLnBrk="0" hangingPunct="1">
+              <a:lnSpc>
+                <a:spcPct val="90000"/>
+              </a:lnSpc>
+              <a:spcBef>
+                <a:spcPts val="500"/>
+              </a:spcBef>
+              <a:buFont typeface="Arial" panose="020B0604020202020204" pitchFamily="34" charset="0"/>
+              <a:buChar char="•"/>
+              <a:defRPr sz="1800" kern="1200">
+                <a:solidFill>
+                  <a:schemeClr val="tx1"/>
+                </a:solidFill>
+                <a:latin typeface="Technika" panose="00000600000000000000" pitchFamily="50" charset="-18"/>
+                <a:ea typeface="+mn-ea"/>
+                <a:cs typeface="+mn-cs"/>
+              </a:defRPr>
+            </a:lvl4pPr>
+            <a:lvl5pPr marL="2057298" indent="-228589" algn="l" defTabSz="914354" rtl="0" eaLnBrk="1" latinLnBrk="0" hangingPunct="1">
+              <a:lnSpc>
+                <a:spcPct val="90000"/>
+              </a:lnSpc>
+              <a:spcBef>
+                <a:spcPts val="500"/>
+              </a:spcBef>
+              <a:buFont typeface="Arial" panose="020B0604020202020204" pitchFamily="34" charset="0"/>
+              <a:buChar char="•"/>
+              <a:defRPr sz="1800" kern="1200">
+                <a:solidFill>
+                  <a:schemeClr val="tx1"/>
+                </a:solidFill>
+                <a:latin typeface="Technika" panose="00000600000000000000" pitchFamily="50" charset="-18"/>
+                <a:ea typeface="+mn-ea"/>
+                <a:cs typeface="+mn-cs"/>
+              </a:defRPr>
+            </a:lvl5pPr>
+            <a:lvl6pPr marL="2514474" indent="-228589" algn="l" defTabSz="914354" rtl="0" eaLnBrk="1" latinLnBrk="0" hangingPunct="1">
+              <a:lnSpc>
+                <a:spcPct val="90000"/>
+              </a:lnSpc>
+              <a:spcBef>
+                <a:spcPts val="500"/>
+              </a:spcBef>
+              <a:buFont typeface="Arial" panose="020B0604020202020204" pitchFamily="34" charset="0"/>
+              <a:buChar char="•"/>
+              <a:defRPr sz="1800" kern="1200">
+                <a:solidFill>
+                  <a:schemeClr val="tx1"/>
+                </a:solidFill>
+                <a:latin typeface="+mn-lt"/>
+                <a:ea typeface="+mn-ea"/>
+                <a:cs typeface="+mn-cs"/>
+              </a:defRPr>
+            </a:lvl6pPr>
+            <a:lvl7pPr marL="2971652" indent="-228589" algn="l" defTabSz="914354" rtl="0" eaLnBrk="1" latinLnBrk="0" hangingPunct="1">
+              <a:lnSpc>
+                <a:spcPct val="90000"/>
+              </a:lnSpc>
+              <a:spcBef>
+                <a:spcPts val="500"/>
+              </a:spcBef>
+              <a:buFont typeface="Arial" panose="020B0604020202020204" pitchFamily="34" charset="0"/>
+              <a:buChar char="•"/>
+              <a:defRPr sz="1800" kern="1200">
+                <a:solidFill>
+                  <a:schemeClr val="tx1"/>
+                </a:solidFill>
+                <a:latin typeface="+mn-lt"/>
+                <a:ea typeface="+mn-ea"/>
+                <a:cs typeface="+mn-cs"/>
+              </a:defRPr>
+            </a:lvl7pPr>
+            <a:lvl8pPr marL="3428829" indent="-228589" algn="l" defTabSz="914354" rtl="0" eaLnBrk="1" latinLnBrk="0" hangingPunct="1">
+              <a:lnSpc>
+                <a:spcPct val="90000"/>
+              </a:lnSpc>
+              <a:spcBef>
+                <a:spcPts val="500"/>
+              </a:spcBef>
+              <a:buFont typeface="Arial" panose="020B0604020202020204" pitchFamily="34" charset="0"/>
+              <a:buChar char="•"/>
+              <a:defRPr sz="1800" kern="1200">
+                <a:solidFill>
+                  <a:schemeClr val="tx1"/>
+                </a:solidFill>
+                <a:latin typeface="+mn-lt"/>
+                <a:ea typeface="+mn-ea"/>
+                <a:cs typeface="+mn-cs"/>
+              </a:defRPr>
+            </a:lvl8pPr>
+            <a:lvl9pPr marL="3886006" indent="-228589" algn="l" defTabSz="914354" rtl="0" eaLnBrk="1" latinLnBrk="0" hangingPunct="1">
+              <a:lnSpc>
+                <a:spcPct val="90000"/>
+              </a:lnSpc>
+              <a:spcBef>
+                <a:spcPts val="500"/>
+              </a:spcBef>
+              <a:buFont typeface="Arial" panose="020B0604020202020204" pitchFamily="34" charset="0"/>
+              <a:buChar char="•"/>
+              <a:defRPr sz="1800" kern="1200">
+                <a:solidFill>
+                  <a:schemeClr val="tx1"/>
+                </a:solidFill>
+                <a:latin typeface="+mn-lt"/>
+                <a:ea typeface="+mn-ea"/>
+                <a:cs typeface="+mn-cs"/>
+              </a:defRPr>
+            </a:lvl9pPr>
+          </a:lstStyle>
+          <a:p>
+            <a:pPr algn="ctr"/>
+            <a:r>
+              <a:rPr lang="en-CZ" sz="2400" dirty="0">
+                <a:latin typeface="Times New Roman" panose="02020603050405020304" pitchFamily="18" charset="0"/>
+                <a:cs typeface="Times New Roman" panose="02020603050405020304" pitchFamily="18" charset="0"/>
+              </a:rPr>
+              <a:t>Optimizováno pro změnu</a:t>
+            </a:r>
+          </a:p>
+          <a:p>
+            <a:pPr algn="ctr"/>
+            <a:r>
+              <a:rPr lang="en-CZ" sz="2400" dirty="0">
+                <a:latin typeface="Times New Roman" panose="02020603050405020304" pitchFamily="18" charset="0"/>
+                <a:cs typeface="Times New Roman" panose="02020603050405020304" pitchFamily="18" charset="0"/>
+              </a:rPr>
+              <a:t>Objektivně orientované, modulární architektura</a:t>
+            </a:r>
+          </a:p>
+          <a:p>
+            <a:pPr algn="ctr"/>
+            <a:r>
+              <a:rPr lang="en-CZ" sz="2400" dirty="0">
+                <a:latin typeface="Times New Roman" panose="02020603050405020304" pitchFamily="18" charset="0"/>
+                <a:cs typeface="Times New Roman" panose="02020603050405020304" pitchFamily="18" charset="0"/>
+              </a:rPr>
+              <a:t>Test Driven Development</a:t>
+            </a:r>
+          </a:p>
+          <a:p>
+            <a:pPr algn="ctr"/>
+            <a:r>
+              <a:rPr lang="en-CZ" sz="2400" dirty="0">
+                <a:latin typeface="Times New Roman" panose="02020603050405020304" pitchFamily="18" charset="0"/>
+                <a:cs typeface="Times New Roman" panose="02020603050405020304" pitchFamily="18" charset="0"/>
+              </a:rPr>
+              <a:t>Contact First Design</a:t>
+            </a:r>
+          </a:p>
+          <a:p>
+            <a:pPr algn="ctr"/>
+            <a:r>
+              <a:rPr lang="en-CZ" sz="2400" dirty="0">
+                <a:latin typeface="Times New Roman" panose="02020603050405020304" pitchFamily="18" charset="0"/>
+                <a:cs typeface="Times New Roman" panose="02020603050405020304" pitchFamily="18" charset="0"/>
+              </a:rPr>
+              <a:t>Iterate the Design</a:t>
+            </a:r>
+          </a:p>
+          <a:p>
+            <a:pPr algn="ctr"/>
+            <a:r>
+              <a:rPr lang="en-CZ" sz="2400" dirty="0">
+                <a:latin typeface="Times New Roman" panose="02020603050405020304" pitchFamily="18" charset="0"/>
+                <a:cs typeface="Times New Roman" panose="02020603050405020304" pitchFamily="18" charset="0"/>
+              </a:rPr>
+              <a:t>Agile Hardware Design Patterns</a:t>
+            </a:r>
+          </a:p>
+          <a:p>
+            <a:pPr algn="ctr"/>
+            <a:r>
+              <a:rPr lang="en-CZ" sz="2400" dirty="0">
+                <a:latin typeface="Times New Roman" panose="02020603050405020304" pitchFamily="18" charset="0"/>
+                <a:cs typeface="Times New Roman" panose="02020603050405020304" pitchFamily="18" charset="0"/>
+              </a:rPr>
+              <a:t>Continuous Integration Development</a:t>
+            </a:r>
+          </a:p>
+          <a:p>
+            <a:pPr algn="ctr"/>
+            <a:r>
+              <a:rPr lang="en-CZ" sz="2400" dirty="0">
+                <a:latin typeface="Times New Roman" panose="02020603050405020304" pitchFamily="18" charset="0"/>
+                <a:cs typeface="Times New Roman" panose="02020603050405020304" pitchFamily="18" charset="0"/>
+              </a:rPr>
+              <a:t>Continuous Deployment Development</a:t>
+            </a:r>
+          </a:p>
+          <a:p>
+            <a:pPr algn="ctr"/>
+            <a:r>
+              <a:rPr lang="en-CZ" sz="2400" dirty="0">
+                <a:latin typeface="Times New Roman" panose="02020603050405020304" pitchFamily="18" charset="0"/>
+                <a:cs typeface="Times New Roman" panose="02020603050405020304" pitchFamily="18" charset="0"/>
+              </a:rPr>
+              <a:t>Scaling Patterns</a:t>
+            </a:r>
+          </a:p>
+          <a:p>
+            <a:pPr algn="ctr"/>
+            <a:r>
+              <a:rPr lang="en-CZ" sz="2400" dirty="0">
+                <a:solidFill>
+                  <a:srgbClr val="0065BD"/>
+                </a:solidFill>
+                <a:latin typeface="Times New Roman" panose="02020603050405020304" pitchFamily="18" charset="0"/>
+                <a:cs typeface="Times New Roman" panose="02020603050405020304" pitchFamily="18" charset="0"/>
+              </a:rPr>
+              <a:t>Partner Patterns</a:t>
+            </a:r>
+          </a:p>
+        </p:txBody>
+      </p:sp>
+    </p:spTree>
+    <p:extLst>
+      <p:ext uri="{BB962C8B-B14F-4D97-AF65-F5344CB8AC3E}">
+        <p14:creationId xmlns:p14="http://schemas.microsoft.com/office/powerpoint/2010/main" val="3905668839"/>
+      </p:ext>
+    </p:extLst>
+  </p:cSld>
+  <p:clrMapOvr>
+    <a:masterClrMapping/>
+  </p:clrMapOvr>
+</p:sld>
+</file>
+
+<file path=ppt/slides/slide52.xml><?xml version="1.0" encoding="utf-8"?>
+<p:sld xmlns:a="http://schemas.openxmlformats.org/drawingml/2006/main" xmlns:r="http://schemas.openxmlformats.org/officeDocument/2006/relationships" xmlns:p="http://schemas.openxmlformats.org/presentationml/2006/main">
+  <p:cSld>
+    <p:spTree>
+      <p:nvGrpSpPr>
+        <p:cNvPr id="1" name=""/>
+        <p:cNvGrpSpPr/>
+        <p:nvPr/>
+      </p:nvGrpSpPr>
+      <p:grpSpPr>
+        <a:xfrm>
+          <a:off x="0" y="0"/>
+          <a:ext cx="0" cy="0"/>
+          <a:chOff x="0" y="0"/>
+          <a:chExt cx="0" cy="0"/>
+        </a:xfrm>
+      </p:grpSpPr>
+      <p:sp>
+        <p:nvSpPr>
+          <p:cNvPr id="7" name="Title 1">
+            <a:extLst>
+              <a:ext uri="{FF2B5EF4-FFF2-40B4-BE49-F238E27FC236}">
+                <a16:creationId xmlns:a16="http://schemas.microsoft.com/office/drawing/2014/main" id="{778F5AB8-30D0-2943-8A43-A6E04205B88F}"/>
+              </a:ext>
+            </a:extLst>
+          </p:cNvPr>
+          <p:cNvSpPr txBox="1">
+            <a:spLocks/>
+          </p:cNvSpPr>
+          <p:nvPr/>
+        </p:nvSpPr>
+        <p:spPr>
+          <a:xfrm>
+            <a:off x="8469000" y="19878"/>
+            <a:ext cx="907827" cy="544775"/>
+          </a:xfrm>
+          <a:prstGeom prst="rect">
+            <a:avLst/>
+          </a:prstGeom>
+        </p:spPr>
+        <p:txBody>
+          <a:bodyPr vert="horz" lIns="91440" tIns="45720" rIns="91440" bIns="45720" rtlCol="0" anchor="t">
+            <a:normAutofit/>
+          </a:bodyPr>
+          <a:lstStyle>
+            <a:lvl1pPr algn="l" defTabSz="914354" rtl="0" eaLnBrk="1" latinLnBrk="0" hangingPunct="1">
+              <a:lnSpc>
+                <a:spcPct val="90000"/>
+              </a:lnSpc>
+              <a:spcBef>
+                <a:spcPct val="0"/>
+              </a:spcBef>
+              <a:buNone/>
+              <a:defRPr sz="2800" kern="2800" baseline="0">
+                <a:solidFill>
+                  <a:schemeClr val="tx1"/>
+                </a:solidFill>
+                <a:latin typeface="Technika-Bold" panose="00000600000000000000" pitchFamily="50" charset="-18"/>
+                <a:ea typeface="+mj-ea"/>
+                <a:cs typeface="+mj-cs"/>
+              </a:defRPr>
+            </a:lvl1pPr>
+          </a:lstStyle>
+          <a:p>
+            <a:r>
+              <a:rPr lang="en-CZ" dirty="0"/>
+              <a:t>XM</a:t>
+            </a:r>
+          </a:p>
+        </p:txBody>
+      </p:sp>
+      <p:sp>
+        <p:nvSpPr>
           <p:cNvPr id="6" name="Content Placeholder 2">
             <a:extLst>
               <a:ext uri="{FF2B5EF4-FFF2-40B4-BE49-F238E27FC236}">
@@ -18266,7 +18740,7 @@
 </p:sld>
 </file>
 
-<file path=ppt/slides/slide52.xml><?xml version="1.0" encoding="utf-8"?>
+<file path=ppt/slides/slide53.xml><?xml version="1.0" encoding="utf-8"?>
 <p:sld xmlns:a="http://schemas.openxmlformats.org/drawingml/2006/main" xmlns:r="http://schemas.openxmlformats.org/officeDocument/2006/relationships" xmlns:p="http://schemas.openxmlformats.org/presentationml/2006/main">
   <p:cSld>
     <p:spTree>
@@ -18596,7 +19070,7 @@
         <p:spPr>
           <a:xfrm>
             <a:off x="675000" y="2401240"/>
-            <a:ext cx="7794000" cy="2731382"/>
+            <a:ext cx="7794000" cy="1027760"/>
           </a:xfrm>
           <a:prstGeom prst="rect">
             <a:avLst/>
@@ -18774,23 +19248,13 @@
             <a:pPr algn="ctr"/>
             <a:r>
               <a:rPr lang="en-CZ" sz="2800" dirty="0">
+                <a:solidFill>
+                  <a:srgbClr val="0065BD"/>
+                </a:solidFill>
                 <a:latin typeface="Times New Roman" panose="02020603050405020304" pitchFamily="18" charset="0"/>
                 <a:cs typeface="Times New Roman" panose="02020603050405020304" pitchFamily="18" charset="0"/>
               </a:rPr>
               <a:t>je velmi zaměřený na software development a proto jej nelze jako celek často použít</a:t>
-            </a:r>
-          </a:p>
-          <a:p>
-            <a:pPr algn="ctr"/>
-            <a:r>
-              <a:rPr lang="en-CZ" sz="2800" dirty="0">
-                <a:solidFill>
-                  <a:srgbClr val="0065BD"/>
-                </a:solidFill>
-                <a:latin typeface="Times New Roman" panose="02020603050405020304" pitchFamily="18" charset="0"/>
-                <a:cs typeface="Times New Roman" panose="02020603050405020304" pitchFamily="18" charset="0"/>
-              </a:rPr>
-              <a:t>je však výhodné aplikovat jeho části</a:t>
             </a:r>
           </a:p>
         </p:txBody>
@@ -18898,7 +19362,7 @@
     </p:spTree>
     <p:extLst>
       <p:ext uri="{BB962C8B-B14F-4D97-AF65-F5344CB8AC3E}">
-        <p14:creationId xmlns:p14="http://schemas.microsoft.com/office/powerpoint/2010/main" val="254882901"/>
+        <p14:creationId xmlns:p14="http://schemas.microsoft.com/office/powerpoint/2010/main" val="2329324938"/>
       </p:ext>
     </p:extLst>
   </p:cSld>
@@ -19130,23 +19594,13 @@
             <a:pPr algn="ctr"/>
             <a:r>
               <a:rPr lang="en-CZ" sz="2800" dirty="0">
+                <a:solidFill>
+                  <a:srgbClr val="0065BD"/>
+                </a:solidFill>
                 <a:latin typeface="Times New Roman" panose="02020603050405020304" pitchFamily="18" charset="0"/>
                 <a:cs typeface="Times New Roman" panose="02020603050405020304" pitchFamily="18" charset="0"/>
               </a:rPr>
               <a:t>je však výhodné aplikovat jeho části</a:t>
-            </a:r>
-          </a:p>
-          <a:p>
-            <a:pPr algn="ctr"/>
-            <a:r>
-              <a:rPr lang="en-CZ" sz="2800" dirty="0">
-                <a:solidFill>
-                  <a:srgbClr val="0065BD"/>
-                </a:solidFill>
-                <a:latin typeface="Times New Roman" panose="02020603050405020304" pitchFamily="18" charset="0"/>
-                <a:cs typeface="Times New Roman" panose="02020603050405020304" pitchFamily="18" charset="0"/>
-              </a:rPr>
-              <a:t>zakládá se na hodnotách a činnostech</a:t>
             </a:r>
           </a:p>
         </p:txBody>
@@ -19254,7 +19708,7 @@
     </p:spTree>
     <p:extLst>
       <p:ext uri="{BB962C8B-B14F-4D97-AF65-F5344CB8AC3E}">
-        <p14:creationId xmlns:p14="http://schemas.microsoft.com/office/powerpoint/2010/main" val="3188816619"/>
+        <p14:creationId xmlns:p14="http://schemas.microsoft.com/office/powerpoint/2010/main" val="254882901"/>
       </p:ext>
     </p:extLst>
   </p:cSld>
@@ -19476,13 +19930,33 @@
             <a:pPr algn="ctr"/>
             <a:r>
               <a:rPr lang="en-CZ" sz="2800" dirty="0">
+                <a:latin typeface="Times New Roman" panose="02020603050405020304" pitchFamily="18" charset="0"/>
+                <a:cs typeface="Times New Roman" panose="02020603050405020304" pitchFamily="18" charset="0"/>
+              </a:rPr>
+              <a:t>je velmi zaměřený na software development a proto jej nelze jako celek často použít</a:t>
+            </a:r>
+          </a:p>
+          <a:p>
+            <a:pPr algn="ctr"/>
+            <a:r>
+              <a:rPr lang="en-CZ" sz="2800" dirty="0">
+                <a:latin typeface="Times New Roman" panose="02020603050405020304" pitchFamily="18" charset="0"/>
+                <a:cs typeface="Times New Roman" panose="02020603050405020304" pitchFamily="18" charset="0"/>
+              </a:rPr>
+              <a:t>je však výhodné aplikovat jeho části</a:t>
+            </a:r>
+          </a:p>
+          <a:p>
+            <a:pPr algn="ctr"/>
+            <a:r>
+              <a:rPr lang="en-CZ" sz="2800" dirty="0">
                 <a:solidFill>
                   <a:srgbClr val="0065BD"/>
                 </a:solidFill>
                 <a:latin typeface="Times New Roman" panose="02020603050405020304" pitchFamily="18" charset="0"/>
                 <a:cs typeface="Times New Roman" panose="02020603050405020304" pitchFamily="18" charset="0"/>
               </a:rPr>
-              <a:t>Komunikace</a:t>
+              <a:t>zakládá se na hodnotách a činnostech</a:t>
             </a:r>
           </a:p>
         </p:txBody>
@@ -19579,7 +20053,7 @@
                 <a:latin typeface="+mj-lt"/>
                 <a:cs typeface="Times New Roman" panose="02020603050405020304" pitchFamily="18" charset="0"/>
               </a:rPr>
-              <a:t>Hodnoty</a:t>
+              <a:t>DŮLEŽITÉ POZNÁMKY</a:t>
             </a:r>
             <a:endParaRPr lang="en-CZ" sz="2800" dirty="0">
               <a:latin typeface="+mj-lt"/>
@@ -19590,7 +20064,7 @@
     </p:spTree>
     <p:extLst>
       <p:ext uri="{BB962C8B-B14F-4D97-AF65-F5344CB8AC3E}">
-        <p14:creationId xmlns:p14="http://schemas.microsoft.com/office/powerpoint/2010/main" val="1900342324"/>
+        <p14:creationId xmlns:p14="http://schemas.microsoft.com/office/powerpoint/2010/main" val="3188816619"/>
       </p:ext>
     </p:extLst>
   </p:cSld>
@@ -19812,23 +20286,13 @@
             <a:pPr algn="ctr"/>
             <a:r>
               <a:rPr lang="en-CZ" sz="2800" dirty="0">
+                <a:solidFill>
+                  <a:srgbClr val="0065BD"/>
+                </a:solidFill>
                 <a:latin typeface="Times New Roman" panose="02020603050405020304" pitchFamily="18" charset="0"/>
                 <a:cs typeface="Times New Roman" panose="02020603050405020304" pitchFamily="18" charset="0"/>
               </a:rPr>
               <a:t>Komunikace</a:t>
-            </a:r>
-          </a:p>
-          <a:p>
-            <a:pPr algn="ctr"/>
-            <a:r>
-              <a:rPr lang="en-CZ" sz="2800" dirty="0">
-                <a:solidFill>
-                  <a:srgbClr val="0065BD"/>
-                </a:solidFill>
-                <a:latin typeface="Times New Roman" panose="02020603050405020304" pitchFamily="18" charset="0"/>
-                <a:cs typeface="Times New Roman" panose="02020603050405020304" pitchFamily="18" charset="0"/>
-              </a:rPr>
-              <a:t>Jednoduchost</a:t>
             </a:r>
           </a:p>
         </p:txBody>
@@ -19936,7 +20400,7 @@
     </p:spTree>
     <p:extLst>
       <p:ext uri="{BB962C8B-B14F-4D97-AF65-F5344CB8AC3E}">
-        <p14:creationId xmlns:p14="http://schemas.microsoft.com/office/powerpoint/2010/main" val="2466066742"/>
+        <p14:creationId xmlns:p14="http://schemas.microsoft.com/office/powerpoint/2010/main" val="1900342324"/>
       </p:ext>
     </p:extLst>
   </p:cSld>

--- a/source/files/prezentace_sem.pptx
+++ b/source/files/prezentace_sem.pptx
@@ -46,33 +46,27 @@
     <p:sldId id="305" r:id="rId40"/>
     <p:sldId id="306" r:id="rId41"/>
     <p:sldId id="307" r:id="rId42"/>
-    <p:sldId id="301" r:id="rId43"/>
-    <p:sldId id="299" r:id="rId44"/>
-    <p:sldId id="291" r:id="rId45"/>
-    <p:sldId id="292" r:id="rId46"/>
-    <p:sldId id="293" r:id="rId47"/>
-    <p:sldId id="294" r:id="rId48"/>
-    <p:sldId id="295" r:id="rId49"/>
-    <p:sldId id="296" r:id="rId50"/>
-    <p:sldId id="297" r:id="rId51"/>
-    <p:sldId id="298" r:id="rId52"/>
-    <p:sldId id="290" r:id="rId53"/>
-    <p:sldId id="308" r:id="rId54"/>
+    <p:sldId id="311" r:id="rId43"/>
+    <p:sldId id="312" r:id="rId44"/>
+    <p:sldId id="298" r:id="rId45"/>
+    <p:sldId id="310" r:id="rId46"/>
+    <p:sldId id="290" r:id="rId47"/>
+    <p:sldId id="308" r:id="rId48"/>
   </p:sldIdLst>
   <p:sldSz cx="9144000" cy="6858000" type="screen4x3"/>
   <p:notesSz cx="6858000" cy="9144000"/>
   <p:embeddedFontLst>
     <p:embeddedFont>
       <p:font typeface="Technika" pitchFamily="2" charset="77"/>
-      <p:regular r:id="rId55"/>
-      <p:bold r:id="rId56"/>
-      <p:italic r:id="rId57"/>
-      <p:boldItalic r:id="rId58"/>
+      <p:regular r:id="rId49"/>
+      <p:bold r:id="rId50"/>
+      <p:italic r:id="rId51"/>
+      <p:boldItalic r:id="rId52"/>
     </p:embeddedFont>
     <p:embeddedFont>
       <p:font typeface="Technika-Bold" pitchFamily="2" charset="77"/>
-      <p:regular r:id="rId59"/>
-      <p:bold r:id="rId60"/>
+      <p:regular r:id="rId53"/>
+      <p:bold r:id="rId54"/>
     </p:embeddedFont>
   </p:embeddedFontLst>
   <p:defaultTextStyle>
@@ -11960,7 +11954,7 @@
         </p:nvSpPr>
         <p:spPr>
           <a:xfrm>
-            <a:off x="8469000" y="19878"/>
+            <a:off x="8393844" y="19878"/>
             <a:ext cx="907827" cy="544775"/>
           </a:xfrm>
           <a:prstGeom prst="rect">
@@ -12295,7 +12289,7 @@
         </p:nvSpPr>
         <p:spPr>
           <a:xfrm>
-            <a:off x="8469000" y="19878"/>
+            <a:off x="8393844" y="19878"/>
             <a:ext cx="907827" cy="544775"/>
           </a:xfrm>
           <a:prstGeom prst="rect">
@@ -12640,7 +12634,7 @@
         </p:nvSpPr>
         <p:spPr>
           <a:xfrm>
-            <a:off x="8469000" y="19878"/>
+            <a:off x="8393844" y="19878"/>
             <a:ext cx="907827" cy="544775"/>
           </a:xfrm>
           <a:prstGeom prst="rect">
@@ -12995,7 +12989,7 @@
         </p:nvSpPr>
         <p:spPr>
           <a:xfrm>
-            <a:off x="8469000" y="19878"/>
+            <a:off x="8393844" y="19878"/>
             <a:ext cx="907827" cy="544775"/>
           </a:xfrm>
           <a:prstGeom prst="rect">
@@ -13599,7 +13593,7 @@
         </p:nvSpPr>
         <p:spPr>
           <a:xfrm>
-            <a:off x="8469000" y="19878"/>
+            <a:off x="8393844" y="19878"/>
             <a:ext cx="907827" cy="544775"/>
           </a:xfrm>
           <a:prstGeom prst="rect">
@@ -13974,7 +13968,7 @@
         </p:nvSpPr>
         <p:spPr>
           <a:xfrm>
-            <a:off x="8469000" y="19878"/>
+            <a:off x="8393844" y="19878"/>
             <a:ext cx="907827" cy="544775"/>
           </a:xfrm>
           <a:prstGeom prst="rect">
@@ -14359,7 +14353,7 @@
         </p:nvSpPr>
         <p:spPr>
           <a:xfrm>
-            <a:off x="8469000" y="19878"/>
+            <a:off x="8393844" y="19878"/>
             <a:ext cx="907827" cy="544775"/>
           </a:xfrm>
           <a:prstGeom prst="rect">
@@ -14434,7 +14428,7 @@
                 <a:latin typeface="+mj-lt"/>
                 <a:cs typeface="Times New Roman" panose="02020603050405020304" pitchFamily="18" charset="0"/>
               </a:rPr>
-              <a:t>Základy ze Scrum</a:t>
+              <a:t>Upravené principy</a:t>
             </a:r>
             <a:endParaRPr lang="en-CZ" sz="2800" dirty="0">
               <a:latin typeface="+mj-lt"/>
@@ -14458,8 +14452,8 @@
         </p:nvSpPr>
         <p:spPr>
           <a:xfrm>
-            <a:off x="675000" y="1924161"/>
-            <a:ext cx="7794000" cy="4774813"/>
+            <a:off x="675000" y="1932445"/>
+            <a:ext cx="7794000" cy="5093567"/>
           </a:xfrm>
           <a:prstGeom prst="rect">
             <a:avLst/>
@@ -14634,16 +14628,993 @@
             </a:lvl9pPr>
           </a:lstStyle>
           <a:p>
-            <a:pPr algn="ctr"/>
-            <a:r>
-              <a:rPr lang="en-CZ" sz="2400" dirty="0">
-                <a:solidFill>
-                  <a:srgbClr val="0065BD"/>
-                </a:solidFill>
-                <a:latin typeface="Times New Roman" panose="02020603050405020304" pitchFamily="18" charset="0"/>
-                <a:cs typeface="Times New Roman" panose="02020603050405020304" pitchFamily="18" charset="0"/>
-              </a:rPr>
-              <a:t>Optimizováno pro změnu</a:t>
+            <a:r>
+              <a:rPr lang="en-GB" dirty="0" err="1">
+                <a:latin typeface="Times New Roman" panose="02020603050405020304" pitchFamily="18" charset="0"/>
+                <a:cs typeface="Times New Roman" panose="02020603050405020304" pitchFamily="18" charset="0"/>
+              </a:rPr>
+              <a:t>Naší</a:t>
+            </a:r>
+            <a:r>
+              <a:rPr lang="en-GB" dirty="0">
+                <a:latin typeface="Times New Roman" panose="02020603050405020304" pitchFamily="18" charset="0"/>
+                <a:cs typeface="Times New Roman" panose="02020603050405020304" pitchFamily="18" charset="0"/>
+              </a:rPr>
+              <a:t> </a:t>
+            </a:r>
+            <a:r>
+              <a:rPr lang="en-GB" dirty="0" err="1">
+                <a:latin typeface="Times New Roman" panose="02020603050405020304" pitchFamily="18" charset="0"/>
+                <a:cs typeface="Times New Roman" panose="02020603050405020304" pitchFamily="18" charset="0"/>
+              </a:rPr>
+              <a:t>nejvyšší</a:t>
+            </a:r>
+            <a:r>
+              <a:rPr lang="en-GB" dirty="0">
+                <a:latin typeface="Times New Roman" panose="02020603050405020304" pitchFamily="18" charset="0"/>
+                <a:cs typeface="Times New Roman" panose="02020603050405020304" pitchFamily="18" charset="0"/>
+              </a:rPr>
+              <a:t> </a:t>
+            </a:r>
+            <a:r>
+              <a:rPr lang="en-GB" dirty="0" err="1">
+                <a:latin typeface="Times New Roman" panose="02020603050405020304" pitchFamily="18" charset="0"/>
+                <a:cs typeface="Times New Roman" panose="02020603050405020304" pitchFamily="18" charset="0"/>
+              </a:rPr>
+              <a:t>prioritou</a:t>
+            </a:r>
+            <a:r>
+              <a:rPr lang="en-GB" dirty="0">
+                <a:latin typeface="Times New Roman" panose="02020603050405020304" pitchFamily="18" charset="0"/>
+                <a:cs typeface="Times New Roman" panose="02020603050405020304" pitchFamily="18" charset="0"/>
+              </a:rPr>
+              <a:t> je </a:t>
+            </a:r>
+            <a:r>
+              <a:rPr lang="en-GB" dirty="0" err="1">
+                <a:latin typeface="Times New Roman" panose="02020603050405020304" pitchFamily="18" charset="0"/>
+                <a:cs typeface="Times New Roman" panose="02020603050405020304" pitchFamily="18" charset="0"/>
+              </a:rPr>
+              <a:t>uspokojení</a:t>
+            </a:r>
+            <a:r>
+              <a:rPr lang="en-GB" dirty="0">
+                <a:latin typeface="Times New Roman" panose="02020603050405020304" pitchFamily="18" charset="0"/>
+                <a:cs typeface="Times New Roman" panose="02020603050405020304" pitchFamily="18" charset="0"/>
+              </a:rPr>
+              <a:t> </a:t>
+            </a:r>
+            <a:r>
+              <a:rPr lang="en-GB" dirty="0" err="1">
+                <a:latin typeface="Times New Roman" panose="02020603050405020304" pitchFamily="18" charset="0"/>
+                <a:cs typeface="Times New Roman" panose="02020603050405020304" pitchFamily="18" charset="0"/>
+              </a:rPr>
+              <a:t>zákazníka</a:t>
+            </a:r>
+            <a:r>
+              <a:rPr lang="en-GB" dirty="0">
+                <a:latin typeface="Times New Roman" panose="02020603050405020304" pitchFamily="18" charset="0"/>
+                <a:cs typeface="Times New Roman" panose="02020603050405020304" pitchFamily="18" charset="0"/>
+              </a:rPr>
+              <a:t> </a:t>
+            </a:r>
+            <a:r>
+              <a:rPr lang="en-GB" dirty="0" err="1">
+                <a:latin typeface="Times New Roman" panose="02020603050405020304" pitchFamily="18" charset="0"/>
+                <a:cs typeface="Times New Roman" panose="02020603050405020304" pitchFamily="18" charset="0"/>
+              </a:rPr>
+              <a:t>pomocí</a:t>
+            </a:r>
+            <a:r>
+              <a:rPr lang="en-GB" dirty="0">
+                <a:latin typeface="Times New Roman" panose="02020603050405020304" pitchFamily="18" charset="0"/>
+                <a:cs typeface="Times New Roman" panose="02020603050405020304" pitchFamily="18" charset="0"/>
+              </a:rPr>
+              <a:t> </a:t>
+            </a:r>
+            <a:r>
+              <a:rPr lang="en-GB" dirty="0" err="1">
+                <a:latin typeface="Times New Roman" panose="02020603050405020304" pitchFamily="18" charset="0"/>
+                <a:cs typeface="Times New Roman" panose="02020603050405020304" pitchFamily="18" charset="0"/>
+              </a:rPr>
+              <a:t>včasného</a:t>
+            </a:r>
+            <a:r>
+              <a:rPr lang="en-GB" dirty="0">
+                <a:latin typeface="Times New Roman" panose="02020603050405020304" pitchFamily="18" charset="0"/>
+                <a:cs typeface="Times New Roman" panose="02020603050405020304" pitchFamily="18" charset="0"/>
+              </a:rPr>
+              <a:t> a </a:t>
+            </a:r>
+            <a:r>
+              <a:rPr lang="en-GB" dirty="0" err="1">
+                <a:latin typeface="Times New Roman" panose="02020603050405020304" pitchFamily="18" charset="0"/>
+                <a:cs typeface="Times New Roman" panose="02020603050405020304" pitchFamily="18" charset="0"/>
+              </a:rPr>
+              <a:t>kvalitního</a:t>
+            </a:r>
+            <a:r>
+              <a:rPr lang="en-GB" dirty="0">
+                <a:latin typeface="Times New Roman" panose="02020603050405020304" pitchFamily="18" charset="0"/>
+                <a:cs typeface="Times New Roman" panose="02020603050405020304" pitchFamily="18" charset="0"/>
+              </a:rPr>
+              <a:t> </a:t>
+            </a:r>
+            <a:r>
+              <a:rPr lang="en-GB" dirty="0" err="1">
+                <a:latin typeface="Times New Roman" panose="02020603050405020304" pitchFamily="18" charset="0"/>
+                <a:cs typeface="Times New Roman" panose="02020603050405020304" pitchFamily="18" charset="0"/>
+              </a:rPr>
+              <a:t>dodání</a:t>
+            </a:r>
+            <a:r>
+              <a:rPr lang="en-GB" dirty="0">
+                <a:latin typeface="Times New Roman" panose="02020603050405020304" pitchFamily="18" charset="0"/>
+                <a:cs typeface="Times New Roman" panose="02020603050405020304" pitchFamily="18" charset="0"/>
+              </a:rPr>
+              <a:t> </a:t>
+            </a:r>
+            <a:r>
+              <a:rPr lang="en-GB" dirty="0" err="1">
+                <a:latin typeface="Times New Roman" panose="02020603050405020304" pitchFamily="18" charset="0"/>
+                <a:cs typeface="Times New Roman" panose="02020603050405020304" pitchFamily="18" charset="0"/>
+              </a:rPr>
+              <a:t>hodnotného</a:t>
+            </a:r>
+            <a:r>
+              <a:rPr lang="en-GB" dirty="0">
+                <a:latin typeface="Times New Roman" panose="02020603050405020304" pitchFamily="18" charset="0"/>
+                <a:cs typeface="Times New Roman" panose="02020603050405020304" pitchFamily="18" charset="0"/>
+              </a:rPr>
+              <a:t> </a:t>
+            </a:r>
+            <a:r>
+              <a:rPr lang="en-GB" dirty="0" err="1">
+                <a:latin typeface="Times New Roman" panose="02020603050405020304" pitchFamily="18" charset="0"/>
+                <a:cs typeface="Times New Roman" panose="02020603050405020304" pitchFamily="18" charset="0"/>
+              </a:rPr>
+              <a:t>produktu</a:t>
+            </a:r>
+            <a:r>
+              <a:rPr lang="en-GB" dirty="0">
+                <a:latin typeface="Times New Roman" panose="02020603050405020304" pitchFamily="18" charset="0"/>
+                <a:cs typeface="Times New Roman" panose="02020603050405020304" pitchFamily="18" charset="0"/>
+              </a:rPr>
+              <a:t>.</a:t>
+            </a:r>
+          </a:p>
+          <a:p>
+            <a:r>
+              <a:rPr lang="en-GB" dirty="0" err="1">
+                <a:latin typeface="Times New Roman" panose="02020603050405020304" pitchFamily="18" charset="0"/>
+                <a:cs typeface="Times New Roman" panose="02020603050405020304" pitchFamily="18" charset="0"/>
+              </a:rPr>
+              <a:t>Změny</a:t>
+            </a:r>
+            <a:r>
+              <a:rPr lang="en-GB" dirty="0">
+                <a:latin typeface="Times New Roman" panose="02020603050405020304" pitchFamily="18" charset="0"/>
+                <a:cs typeface="Times New Roman" panose="02020603050405020304" pitchFamily="18" charset="0"/>
+              </a:rPr>
+              <a:t> </a:t>
+            </a:r>
+            <a:r>
+              <a:rPr lang="en-GB" dirty="0" err="1">
+                <a:latin typeface="Times New Roman" panose="02020603050405020304" pitchFamily="18" charset="0"/>
+                <a:cs typeface="Times New Roman" panose="02020603050405020304" pitchFamily="18" charset="0"/>
+              </a:rPr>
+              <a:t>požadavků</a:t>
+            </a:r>
+            <a:r>
+              <a:rPr lang="en-GB" dirty="0">
+                <a:latin typeface="Times New Roman" panose="02020603050405020304" pitchFamily="18" charset="0"/>
+                <a:cs typeface="Times New Roman" panose="02020603050405020304" pitchFamily="18" charset="0"/>
+              </a:rPr>
+              <a:t> </a:t>
+            </a:r>
+            <a:r>
+              <a:rPr lang="en-GB" dirty="0" err="1">
+                <a:latin typeface="Times New Roman" panose="02020603050405020304" pitchFamily="18" charset="0"/>
+                <a:cs typeface="Times New Roman" panose="02020603050405020304" pitchFamily="18" charset="0"/>
+              </a:rPr>
+              <a:t>jsou</a:t>
+            </a:r>
+            <a:r>
+              <a:rPr lang="en-GB" dirty="0">
+                <a:latin typeface="Times New Roman" panose="02020603050405020304" pitchFamily="18" charset="0"/>
+                <a:cs typeface="Times New Roman" panose="02020603050405020304" pitchFamily="18" charset="0"/>
+              </a:rPr>
+              <a:t> </a:t>
+            </a:r>
+            <a:r>
+              <a:rPr lang="en-GB" dirty="0" err="1">
+                <a:latin typeface="Times New Roman" panose="02020603050405020304" pitchFamily="18" charset="0"/>
+                <a:cs typeface="Times New Roman" panose="02020603050405020304" pitchFamily="18" charset="0"/>
+              </a:rPr>
+              <a:t>možné</a:t>
+            </a:r>
+            <a:r>
+              <a:rPr lang="en-GB" dirty="0">
+                <a:latin typeface="Times New Roman" panose="02020603050405020304" pitchFamily="18" charset="0"/>
+                <a:cs typeface="Times New Roman" panose="02020603050405020304" pitchFamily="18" charset="0"/>
+              </a:rPr>
+              <a:t> </a:t>
+            </a:r>
+            <a:r>
+              <a:rPr lang="en-GB" dirty="0" err="1">
+                <a:latin typeface="Times New Roman" panose="02020603050405020304" pitchFamily="18" charset="0"/>
+                <a:cs typeface="Times New Roman" panose="02020603050405020304" pitchFamily="18" charset="0"/>
+              </a:rPr>
+              <a:t>i</a:t>
+            </a:r>
+            <a:r>
+              <a:rPr lang="en-GB" dirty="0">
+                <a:latin typeface="Times New Roman" panose="02020603050405020304" pitchFamily="18" charset="0"/>
+                <a:cs typeface="Times New Roman" panose="02020603050405020304" pitchFamily="18" charset="0"/>
+              </a:rPr>
+              <a:t> v </a:t>
+            </a:r>
+            <a:r>
+              <a:rPr lang="en-GB" dirty="0" err="1">
+                <a:latin typeface="Times New Roman" panose="02020603050405020304" pitchFamily="18" charset="0"/>
+                <a:cs typeface="Times New Roman" panose="02020603050405020304" pitchFamily="18" charset="0"/>
+              </a:rPr>
+              <a:t>pokročilém</a:t>
+            </a:r>
+            <a:r>
+              <a:rPr lang="en-GB" dirty="0">
+                <a:latin typeface="Times New Roman" panose="02020603050405020304" pitchFamily="18" charset="0"/>
+                <a:cs typeface="Times New Roman" panose="02020603050405020304" pitchFamily="18" charset="0"/>
+              </a:rPr>
+              <a:t> </a:t>
+            </a:r>
+            <a:r>
+              <a:rPr lang="en-GB" dirty="0" err="1">
+                <a:latin typeface="Times New Roman" panose="02020603050405020304" pitchFamily="18" charset="0"/>
+                <a:cs typeface="Times New Roman" panose="02020603050405020304" pitchFamily="18" charset="0"/>
+              </a:rPr>
+              <a:t>stádiu</a:t>
+            </a:r>
+            <a:r>
+              <a:rPr lang="en-GB" dirty="0">
+                <a:latin typeface="Times New Roman" panose="02020603050405020304" pitchFamily="18" charset="0"/>
+                <a:cs typeface="Times New Roman" panose="02020603050405020304" pitchFamily="18" charset="0"/>
+              </a:rPr>
+              <a:t> </a:t>
+            </a:r>
+            <a:r>
+              <a:rPr lang="en-GB" dirty="0" err="1">
+                <a:latin typeface="Times New Roman" panose="02020603050405020304" pitchFamily="18" charset="0"/>
+                <a:cs typeface="Times New Roman" panose="02020603050405020304" pitchFamily="18" charset="0"/>
+              </a:rPr>
+              <a:t>vývoje</a:t>
+            </a:r>
+            <a:r>
+              <a:rPr lang="en-GB" dirty="0">
+                <a:latin typeface="Times New Roman" panose="02020603050405020304" pitchFamily="18" charset="0"/>
+                <a:cs typeface="Times New Roman" panose="02020603050405020304" pitchFamily="18" charset="0"/>
+              </a:rPr>
+              <a:t>. </a:t>
+            </a:r>
+            <a:r>
+              <a:rPr lang="en-GB" dirty="0" err="1">
+                <a:latin typeface="Times New Roman" panose="02020603050405020304" pitchFamily="18" charset="0"/>
+                <a:cs typeface="Times New Roman" panose="02020603050405020304" pitchFamily="18" charset="0"/>
+              </a:rPr>
+              <a:t>Díky</a:t>
+            </a:r>
+            <a:r>
+              <a:rPr lang="en-GB" dirty="0">
+                <a:latin typeface="Times New Roman" panose="02020603050405020304" pitchFamily="18" charset="0"/>
+                <a:cs typeface="Times New Roman" panose="02020603050405020304" pitchFamily="18" charset="0"/>
+              </a:rPr>
+              <a:t> </a:t>
+            </a:r>
+            <a:r>
+              <a:rPr lang="en-GB" dirty="0" err="1">
+                <a:latin typeface="Times New Roman" panose="02020603050405020304" pitchFamily="18" charset="0"/>
+                <a:cs typeface="Times New Roman" panose="02020603050405020304" pitchFamily="18" charset="0"/>
+              </a:rPr>
+              <a:t>těmto</a:t>
+            </a:r>
+            <a:r>
+              <a:rPr lang="en-GB" dirty="0">
+                <a:latin typeface="Times New Roman" panose="02020603050405020304" pitchFamily="18" charset="0"/>
+                <a:cs typeface="Times New Roman" panose="02020603050405020304" pitchFamily="18" charset="0"/>
+              </a:rPr>
+              <a:t> </a:t>
+            </a:r>
+            <a:r>
+              <a:rPr lang="en-GB" dirty="0" err="1">
+                <a:latin typeface="Times New Roman" panose="02020603050405020304" pitchFamily="18" charset="0"/>
+                <a:cs typeface="Times New Roman" panose="02020603050405020304" pitchFamily="18" charset="0"/>
+              </a:rPr>
+              <a:t>změnám</a:t>
+            </a:r>
+            <a:r>
+              <a:rPr lang="en-GB" dirty="0">
+                <a:latin typeface="Times New Roman" panose="02020603050405020304" pitchFamily="18" charset="0"/>
+                <a:cs typeface="Times New Roman" panose="02020603050405020304" pitchFamily="18" charset="0"/>
+              </a:rPr>
+              <a:t> se </a:t>
+            </a:r>
+            <a:r>
+              <a:rPr lang="en-GB" dirty="0" err="1">
+                <a:latin typeface="Times New Roman" panose="02020603050405020304" pitchFamily="18" charset="0"/>
+                <a:cs typeface="Times New Roman" panose="02020603050405020304" pitchFamily="18" charset="0"/>
+              </a:rPr>
+              <a:t>vylepšuje</a:t>
+            </a:r>
+            <a:r>
+              <a:rPr lang="en-GB" dirty="0">
+                <a:latin typeface="Times New Roman" panose="02020603050405020304" pitchFamily="18" charset="0"/>
+                <a:cs typeface="Times New Roman" panose="02020603050405020304" pitchFamily="18" charset="0"/>
+              </a:rPr>
+              <a:t> </a:t>
+            </a:r>
+            <a:r>
+              <a:rPr lang="en-GB" dirty="0" err="1">
+                <a:latin typeface="Times New Roman" panose="02020603050405020304" pitchFamily="18" charset="0"/>
+                <a:cs typeface="Times New Roman" panose="02020603050405020304" pitchFamily="18" charset="0"/>
+              </a:rPr>
+              <a:t>pozice</a:t>
+            </a:r>
+            <a:r>
+              <a:rPr lang="en-GB" dirty="0">
+                <a:latin typeface="Times New Roman" panose="02020603050405020304" pitchFamily="18" charset="0"/>
+                <a:cs typeface="Times New Roman" panose="02020603050405020304" pitchFamily="18" charset="0"/>
+              </a:rPr>
+              <a:t> </a:t>
+            </a:r>
+            <a:r>
+              <a:rPr lang="en-GB" dirty="0" err="1">
+                <a:latin typeface="Times New Roman" panose="02020603050405020304" pitchFamily="18" charset="0"/>
+                <a:cs typeface="Times New Roman" panose="02020603050405020304" pitchFamily="18" charset="0"/>
+              </a:rPr>
+              <a:t>zákazníka</a:t>
+            </a:r>
+            <a:r>
+              <a:rPr lang="en-GB" dirty="0">
+                <a:latin typeface="Times New Roman" panose="02020603050405020304" pitchFamily="18" charset="0"/>
+                <a:cs typeface="Times New Roman" panose="02020603050405020304" pitchFamily="18" charset="0"/>
+              </a:rPr>
+              <a:t> a </a:t>
+            </a:r>
+            <a:r>
+              <a:rPr lang="en-GB" dirty="0" err="1">
+                <a:latin typeface="Times New Roman" panose="02020603050405020304" pitchFamily="18" charset="0"/>
+                <a:cs typeface="Times New Roman" panose="02020603050405020304" pitchFamily="18" charset="0"/>
+              </a:rPr>
+              <a:t>jeho</a:t>
+            </a:r>
+            <a:r>
+              <a:rPr lang="en-GB" dirty="0">
+                <a:latin typeface="Times New Roman" panose="02020603050405020304" pitchFamily="18" charset="0"/>
+                <a:cs typeface="Times New Roman" panose="02020603050405020304" pitchFamily="18" charset="0"/>
+              </a:rPr>
+              <a:t> </a:t>
+            </a:r>
+            <a:r>
+              <a:rPr lang="en-GB" dirty="0" err="1">
+                <a:latin typeface="Times New Roman" panose="02020603050405020304" pitchFamily="18" charset="0"/>
+                <a:cs typeface="Times New Roman" panose="02020603050405020304" pitchFamily="18" charset="0"/>
+              </a:rPr>
+              <a:t>výhoda</a:t>
+            </a:r>
+            <a:r>
+              <a:rPr lang="en-GB" dirty="0">
+                <a:latin typeface="Times New Roman" panose="02020603050405020304" pitchFamily="18" charset="0"/>
+                <a:cs typeface="Times New Roman" panose="02020603050405020304" pitchFamily="18" charset="0"/>
+              </a:rPr>
+              <a:t> </a:t>
+            </a:r>
+            <a:r>
+              <a:rPr lang="en-GB" dirty="0" err="1">
+                <a:latin typeface="Times New Roman" panose="02020603050405020304" pitchFamily="18" charset="0"/>
+                <a:cs typeface="Times New Roman" panose="02020603050405020304" pitchFamily="18" charset="0"/>
+              </a:rPr>
+              <a:t>na</a:t>
+            </a:r>
+            <a:r>
+              <a:rPr lang="en-GB" dirty="0">
+                <a:latin typeface="Times New Roman" panose="02020603050405020304" pitchFamily="18" charset="0"/>
+                <a:cs typeface="Times New Roman" panose="02020603050405020304" pitchFamily="18" charset="0"/>
+              </a:rPr>
+              <a:t> </a:t>
+            </a:r>
+            <a:r>
+              <a:rPr lang="en-GB" dirty="0" err="1">
+                <a:latin typeface="Times New Roman" panose="02020603050405020304" pitchFamily="18" charset="0"/>
+                <a:cs typeface="Times New Roman" panose="02020603050405020304" pitchFamily="18" charset="0"/>
+              </a:rPr>
+              <a:t>trhu</a:t>
+            </a:r>
+            <a:r>
+              <a:rPr lang="en-GB" dirty="0">
+                <a:latin typeface="Times New Roman" panose="02020603050405020304" pitchFamily="18" charset="0"/>
+                <a:cs typeface="Times New Roman" panose="02020603050405020304" pitchFamily="18" charset="0"/>
+              </a:rPr>
+              <a:t>.</a:t>
+            </a:r>
+          </a:p>
+          <a:p>
+            <a:r>
+              <a:rPr lang="en-GB" dirty="0" err="1">
+                <a:latin typeface="Times New Roman" panose="02020603050405020304" pitchFamily="18" charset="0"/>
+                <a:cs typeface="Times New Roman" panose="02020603050405020304" pitchFamily="18" charset="0"/>
+              </a:rPr>
+              <a:t>Často</a:t>
+            </a:r>
+            <a:r>
+              <a:rPr lang="en-GB" dirty="0">
+                <a:latin typeface="Times New Roman" panose="02020603050405020304" pitchFamily="18" charset="0"/>
+                <a:cs typeface="Times New Roman" panose="02020603050405020304" pitchFamily="18" charset="0"/>
+              </a:rPr>
+              <a:t> </a:t>
+            </a:r>
+            <a:r>
+              <a:rPr lang="en-GB" dirty="0" err="1">
+                <a:latin typeface="Times New Roman" panose="02020603050405020304" pitchFamily="18" charset="0"/>
+                <a:cs typeface="Times New Roman" panose="02020603050405020304" pitchFamily="18" charset="0"/>
+              </a:rPr>
+              <a:t>dodávejte</a:t>
+            </a:r>
+            <a:r>
+              <a:rPr lang="en-GB" dirty="0">
+                <a:latin typeface="Times New Roman" panose="02020603050405020304" pitchFamily="18" charset="0"/>
+                <a:cs typeface="Times New Roman" panose="02020603050405020304" pitchFamily="18" charset="0"/>
+              </a:rPr>
+              <a:t> </a:t>
+            </a:r>
+            <a:r>
+              <a:rPr lang="en-GB" dirty="0" err="1">
+                <a:latin typeface="Times New Roman" panose="02020603050405020304" pitchFamily="18" charset="0"/>
+                <a:cs typeface="Times New Roman" panose="02020603050405020304" pitchFamily="18" charset="0"/>
+              </a:rPr>
+              <a:t>potřebné</a:t>
+            </a:r>
+            <a:r>
+              <a:rPr lang="en-GB" dirty="0">
+                <a:latin typeface="Times New Roman" panose="02020603050405020304" pitchFamily="18" charset="0"/>
+                <a:cs typeface="Times New Roman" panose="02020603050405020304" pitchFamily="18" charset="0"/>
+              </a:rPr>
+              <a:t> </a:t>
+            </a:r>
+            <a:r>
+              <a:rPr lang="en-GB" dirty="0" err="1">
+                <a:latin typeface="Times New Roman" panose="02020603050405020304" pitchFamily="18" charset="0"/>
+                <a:cs typeface="Times New Roman" panose="02020603050405020304" pitchFamily="18" charset="0"/>
+              </a:rPr>
+              <a:t>funkční</a:t>
+            </a:r>
+            <a:r>
+              <a:rPr lang="en-GB" dirty="0">
+                <a:latin typeface="Times New Roman" panose="02020603050405020304" pitchFamily="18" charset="0"/>
+                <a:cs typeface="Times New Roman" panose="02020603050405020304" pitchFamily="18" charset="0"/>
+              </a:rPr>
+              <a:t> </a:t>
+            </a:r>
+            <a:r>
+              <a:rPr lang="en-GB" dirty="0" err="1">
+                <a:latin typeface="Times New Roman" panose="02020603050405020304" pitchFamily="18" charset="0"/>
+                <a:cs typeface="Times New Roman" panose="02020603050405020304" pitchFamily="18" charset="0"/>
+              </a:rPr>
+              <a:t>moduly</a:t>
+            </a:r>
+            <a:r>
+              <a:rPr lang="en-GB" dirty="0">
+                <a:latin typeface="Times New Roman" panose="02020603050405020304" pitchFamily="18" charset="0"/>
+                <a:cs typeface="Times New Roman" panose="02020603050405020304" pitchFamily="18" charset="0"/>
+              </a:rPr>
+              <a:t> </a:t>
+            </a:r>
+            <a:r>
+              <a:rPr lang="en-GB" dirty="0" err="1">
+                <a:latin typeface="Times New Roman" panose="02020603050405020304" pitchFamily="18" charset="0"/>
+                <a:cs typeface="Times New Roman" panose="02020603050405020304" pitchFamily="18" charset="0"/>
+              </a:rPr>
+              <a:t>nebo</a:t>
+            </a:r>
+            <a:r>
+              <a:rPr lang="en-GB" dirty="0">
+                <a:latin typeface="Times New Roman" panose="02020603050405020304" pitchFamily="18" charset="0"/>
+                <a:cs typeface="Times New Roman" panose="02020603050405020304" pitchFamily="18" charset="0"/>
+              </a:rPr>
+              <a:t> </a:t>
+            </a:r>
+            <a:r>
+              <a:rPr lang="en-GB" dirty="0" err="1">
+                <a:latin typeface="Times New Roman" panose="02020603050405020304" pitchFamily="18" charset="0"/>
+                <a:cs typeface="Times New Roman" panose="02020603050405020304" pitchFamily="18" charset="0"/>
+              </a:rPr>
+              <a:t>prototypy</a:t>
+            </a:r>
+            <a:r>
+              <a:rPr lang="en-GB" dirty="0">
+                <a:latin typeface="Times New Roman" panose="02020603050405020304" pitchFamily="18" charset="0"/>
+                <a:cs typeface="Times New Roman" panose="02020603050405020304" pitchFamily="18" charset="0"/>
+              </a:rPr>
+              <a:t>. </a:t>
+            </a:r>
+            <a:r>
+              <a:rPr lang="en-GB" dirty="0" err="1">
+                <a:latin typeface="Times New Roman" panose="02020603050405020304" pitchFamily="18" charset="0"/>
+                <a:cs typeface="Times New Roman" panose="02020603050405020304" pitchFamily="18" charset="0"/>
+              </a:rPr>
+              <a:t>Často</a:t>
+            </a:r>
+            <a:r>
+              <a:rPr lang="en-GB" dirty="0">
+                <a:latin typeface="Times New Roman" panose="02020603050405020304" pitchFamily="18" charset="0"/>
+                <a:cs typeface="Times New Roman" panose="02020603050405020304" pitchFamily="18" charset="0"/>
+              </a:rPr>
+              <a:t> v </a:t>
+            </a:r>
+            <a:r>
+              <a:rPr lang="en-GB" dirty="0" err="1">
+                <a:latin typeface="Times New Roman" panose="02020603050405020304" pitchFamily="18" charset="0"/>
+                <a:cs typeface="Times New Roman" panose="02020603050405020304" pitchFamily="18" charset="0"/>
+              </a:rPr>
+              <a:t>rámci</a:t>
+            </a:r>
+            <a:r>
+              <a:rPr lang="en-GB" dirty="0">
+                <a:latin typeface="Times New Roman" panose="02020603050405020304" pitchFamily="18" charset="0"/>
+                <a:cs typeface="Times New Roman" panose="02020603050405020304" pitchFamily="18" charset="0"/>
+              </a:rPr>
+              <a:t> </a:t>
+            </a:r>
+            <a:r>
+              <a:rPr lang="en-GB" dirty="0" err="1">
+                <a:latin typeface="Times New Roman" panose="02020603050405020304" pitchFamily="18" charset="0"/>
+                <a:cs typeface="Times New Roman" panose="02020603050405020304" pitchFamily="18" charset="0"/>
+              </a:rPr>
+              <a:t>měsíců</a:t>
+            </a:r>
+            <a:r>
+              <a:rPr lang="en-GB" dirty="0">
+                <a:latin typeface="Times New Roman" panose="02020603050405020304" pitchFamily="18" charset="0"/>
+                <a:cs typeface="Times New Roman" panose="02020603050405020304" pitchFamily="18" charset="0"/>
+              </a:rPr>
+              <a:t> </a:t>
+            </a:r>
+            <a:r>
+              <a:rPr lang="en-GB" dirty="0" err="1">
+                <a:latin typeface="Times New Roman" panose="02020603050405020304" pitchFamily="18" charset="0"/>
+                <a:cs typeface="Times New Roman" panose="02020603050405020304" pitchFamily="18" charset="0"/>
+              </a:rPr>
+              <a:t>nebo</a:t>
+            </a:r>
+            <a:r>
+              <a:rPr lang="en-GB" dirty="0">
+                <a:latin typeface="Times New Roman" panose="02020603050405020304" pitchFamily="18" charset="0"/>
+                <a:cs typeface="Times New Roman" panose="02020603050405020304" pitchFamily="18" charset="0"/>
+              </a:rPr>
+              <a:t> </a:t>
+            </a:r>
+            <a:r>
+              <a:rPr lang="en-GB" dirty="0" err="1">
+                <a:latin typeface="Times New Roman" panose="02020603050405020304" pitchFamily="18" charset="0"/>
+                <a:cs typeface="Times New Roman" panose="02020603050405020304" pitchFamily="18" charset="0"/>
+              </a:rPr>
+              <a:t>týdnů</a:t>
+            </a:r>
+            <a:r>
+              <a:rPr lang="en-GB" dirty="0">
+                <a:latin typeface="Times New Roman" panose="02020603050405020304" pitchFamily="18" charset="0"/>
+                <a:cs typeface="Times New Roman" panose="02020603050405020304" pitchFamily="18" charset="0"/>
+              </a:rPr>
+              <a:t>. </a:t>
+            </a:r>
+            <a:r>
+              <a:rPr lang="en-GB" dirty="0" err="1">
+                <a:latin typeface="Times New Roman" panose="02020603050405020304" pitchFamily="18" charset="0"/>
+                <a:cs typeface="Times New Roman" panose="02020603050405020304" pitchFamily="18" charset="0"/>
+              </a:rPr>
+              <a:t>Preferujte</a:t>
+            </a:r>
+            <a:r>
+              <a:rPr lang="en-GB" dirty="0">
+                <a:latin typeface="Times New Roman" panose="02020603050405020304" pitchFamily="18" charset="0"/>
+                <a:cs typeface="Times New Roman" panose="02020603050405020304" pitchFamily="18" charset="0"/>
+              </a:rPr>
+              <a:t> </a:t>
+            </a:r>
+            <a:r>
+              <a:rPr lang="en-GB" dirty="0" err="1">
+                <a:latin typeface="Times New Roman" panose="02020603050405020304" pitchFamily="18" charset="0"/>
+                <a:cs typeface="Times New Roman" panose="02020603050405020304" pitchFamily="18" charset="0"/>
+              </a:rPr>
+              <a:t>však</a:t>
+            </a:r>
+            <a:r>
+              <a:rPr lang="en-GB" dirty="0">
+                <a:latin typeface="Times New Roman" panose="02020603050405020304" pitchFamily="18" charset="0"/>
+                <a:cs typeface="Times New Roman" panose="02020603050405020304" pitchFamily="18" charset="0"/>
+              </a:rPr>
+              <a:t> </a:t>
+            </a:r>
+            <a:r>
+              <a:rPr lang="en-GB" dirty="0" err="1">
+                <a:latin typeface="Times New Roman" panose="02020603050405020304" pitchFamily="18" charset="0"/>
+                <a:cs typeface="Times New Roman" panose="02020603050405020304" pitchFamily="18" charset="0"/>
+              </a:rPr>
+              <a:t>kratší</a:t>
+            </a:r>
+            <a:r>
+              <a:rPr lang="en-GB" dirty="0">
+                <a:latin typeface="Times New Roman" panose="02020603050405020304" pitchFamily="18" charset="0"/>
+                <a:cs typeface="Times New Roman" panose="02020603050405020304" pitchFamily="18" charset="0"/>
+              </a:rPr>
+              <a:t> </a:t>
+            </a:r>
+            <a:r>
+              <a:rPr lang="en-GB" dirty="0" err="1">
+                <a:latin typeface="Times New Roman" panose="02020603050405020304" pitchFamily="18" charset="0"/>
+                <a:cs typeface="Times New Roman" panose="02020603050405020304" pitchFamily="18" charset="0"/>
+              </a:rPr>
+              <a:t>rozestupy</a:t>
+            </a:r>
+            <a:r>
+              <a:rPr lang="en-GB" dirty="0">
+                <a:latin typeface="Times New Roman" panose="02020603050405020304" pitchFamily="18" charset="0"/>
+                <a:cs typeface="Times New Roman" panose="02020603050405020304" pitchFamily="18" charset="0"/>
+              </a:rPr>
+              <a:t> </a:t>
+            </a:r>
+            <a:r>
+              <a:rPr lang="en-GB" dirty="0" err="1">
+                <a:latin typeface="Times New Roman" panose="02020603050405020304" pitchFamily="18" charset="0"/>
+                <a:cs typeface="Times New Roman" panose="02020603050405020304" pitchFamily="18" charset="0"/>
+              </a:rPr>
+              <a:t>mezi</a:t>
+            </a:r>
+            <a:r>
+              <a:rPr lang="en-GB" dirty="0">
+                <a:latin typeface="Times New Roman" panose="02020603050405020304" pitchFamily="18" charset="0"/>
+                <a:cs typeface="Times New Roman" panose="02020603050405020304" pitchFamily="18" charset="0"/>
+              </a:rPr>
+              <a:t> </a:t>
+            </a:r>
+            <a:r>
+              <a:rPr lang="en-GB" dirty="0" err="1">
+                <a:latin typeface="Times New Roman" panose="02020603050405020304" pitchFamily="18" charset="0"/>
+                <a:cs typeface="Times New Roman" panose="02020603050405020304" pitchFamily="18" charset="0"/>
+              </a:rPr>
+              <a:t>prototypy</a:t>
+            </a:r>
+            <a:r>
+              <a:rPr lang="en-GB" dirty="0">
+                <a:latin typeface="Times New Roman" panose="02020603050405020304" pitchFamily="18" charset="0"/>
+                <a:cs typeface="Times New Roman" panose="02020603050405020304" pitchFamily="18" charset="0"/>
+              </a:rPr>
+              <a:t>.</a:t>
+            </a:r>
+          </a:p>
+          <a:p>
+            <a:r>
+              <a:rPr lang="en-GB" dirty="0" err="1">
+                <a:latin typeface="Times New Roman" panose="02020603050405020304" pitchFamily="18" charset="0"/>
+                <a:cs typeface="Times New Roman" panose="02020603050405020304" pitchFamily="18" charset="0"/>
+              </a:rPr>
+              <a:t>Lidé</a:t>
+            </a:r>
+            <a:r>
+              <a:rPr lang="en-GB" dirty="0">
+                <a:latin typeface="Times New Roman" panose="02020603050405020304" pitchFamily="18" charset="0"/>
+                <a:cs typeface="Times New Roman" panose="02020603050405020304" pitchFamily="18" charset="0"/>
+              </a:rPr>
+              <a:t> z business </a:t>
+            </a:r>
+            <a:r>
+              <a:rPr lang="en-GB" dirty="0" err="1">
+                <a:latin typeface="Times New Roman" panose="02020603050405020304" pitchFamily="18" charset="0"/>
+                <a:cs typeface="Times New Roman" panose="02020603050405020304" pitchFamily="18" charset="0"/>
+              </a:rPr>
+              <a:t>oddělení</a:t>
+            </a:r>
+            <a:r>
+              <a:rPr lang="en-GB" dirty="0">
+                <a:latin typeface="Times New Roman" panose="02020603050405020304" pitchFamily="18" charset="0"/>
+                <a:cs typeface="Times New Roman" panose="02020603050405020304" pitchFamily="18" charset="0"/>
+              </a:rPr>
+              <a:t> a </a:t>
+            </a:r>
+            <a:r>
+              <a:rPr lang="en-GB" dirty="0" err="1">
+                <a:latin typeface="Times New Roman" panose="02020603050405020304" pitchFamily="18" charset="0"/>
+                <a:cs typeface="Times New Roman" panose="02020603050405020304" pitchFamily="18" charset="0"/>
+              </a:rPr>
+              <a:t>vývojáři</a:t>
+            </a:r>
+            <a:r>
+              <a:rPr lang="en-GB" dirty="0">
+                <a:latin typeface="Times New Roman" panose="02020603050405020304" pitchFamily="18" charset="0"/>
+                <a:cs typeface="Times New Roman" panose="02020603050405020304" pitchFamily="18" charset="0"/>
+              </a:rPr>
+              <a:t> </a:t>
+            </a:r>
+            <a:r>
+              <a:rPr lang="en-GB" dirty="0" err="1">
+                <a:latin typeface="Times New Roman" panose="02020603050405020304" pitchFamily="18" charset="0"/>
+                <a:cs typeface="Times New Roman" panose="02020603050405020304" pitchFamily="18" charset="0"/>
+              </a:rPr>
+              <a:t>musí</a:t>
+            </a:r>
+            <a:r>
+              <a:rPr lang="en-GB" dirty="0">
+                <a:latin typeface="Times New Roman" panose="02020603050405020304" pitchFamily="18" charset="0"/>
+                <a:cs typeface="Times New Roman" panose="02020603050405020304" pitchFamily="18" charset="0"/>
+              </a:rPr>
+              <a:t> </a:t>
+            </a:r>
+            <a:r>
+              <a:rPr lang="en-GB" dirty="0" err="1">
+                <a:latin typeface="Times New Roman" panose="02020603050405020304" pitchFamily="18" charset="0"/>
+                <a:cs typeface="Times New Roman" panose="02020603050405020304" pitchFamily="18" charset="0"/>
+              </a:rPr>
+              <a:t>pracovat</a:t>
+            </a:r>
+            <a:r>
+              <a:rPr lang="en-GB" dirty="0">
+                <a:latin typeface="Times New Roman" panose="02020603050405020304" pitchFamily="18" charset="0"/>
+                <a:cs typeface="Times New Roman" panose="02020603050405020304" pitchFamily="18" charset="0"/>
+              </a:rPr>
+              <a:t> </a:t>
+            </a:r>
+            <a:r>
+              <a:rPr lang="en-GB" dirty="0" err="1">
+                <a:latin typeface="Times New Roman" panose="02020603050405020304" pitchFamily="18" charset="0"/>
+                <a:cs typeface="Times New Roman" panose="02020603050405020304" pitchFamily="18" charset="0"/>
+              </a:rPr>
+              <a:t>společně</a:t>
+            </a:r>
+            <a:r>
+              <a:rPr lang="en-GB" dirty="0">
+                <a:latin typeface="Times New Roman" panose="02020603050405020304" pitchFamily="18" charset="0"/>
+                <a:cs typeface="Times New Roman" panose="02020603050405020304" pitchFamily="18" charset="0"/>
+              </a:rPr>
+              <a:t>. </a:t>
+            </a:r>
+            <a:r>
+              <a:rPr lang="en-GB" dirty="0" err="1">
+                <a:latin typeface="Times New Roman" panose="02020603050405020304" pitchFamily="18" charset="0"/>
+                <a:cs typeface="Times New Roman" panose="02020603050405020304" pitchFamily="18" charset="0"/>
+              </a:rPr>
+              <a:t>Nejlépe</a:t>
+            </a:r>
+            <a:r>
+              <a:rPr lang="en-GB" dirty="0">
+                <a:latin typeface="Times New Roman" panose="02020603050405020304" pitchFamily="18" charset="0"/>
+                <a:cs typeface="Times New Roman" panose="02020603050405020304" pitchFamily="18" charset="0"/>
+              </a:rPr>
+              <a:t> </a:t>
+            </a:r>
+            <a:r>
+              <a:rPr lang="en-GB" dirty="0" err="1">
+                <a:latin typeface="Times New Roman" panose="02020603050405020304" pitchFamily="18" charset="0"/>
+                <a:cs typeface="Times New Roman" panose="02020603050405020304" pitchFamily="18" charset="0"/>
+              </a:rPr>
+              <a:t>denně</a:t>
+            </a:r>
+            <a:r>
+              <a:rPr lang="en-GB" dirty="0">
+                <a:latin typeface="Times New Roman" panose="02020603050405020304" pitchFamily="18" charset="0"/>
+                <a:cs typeface="Times New Roman" panose="02020603050405020304" pitchFamily="18" charset="0"/>
+              </a:rPr>
+              <a:t>.</a:t>
+            </a:r>
+          </a:p>
+          <a:p>
+            <a:r>
+              <a:rPr lang="en-GB" dirty="0" err="1">
+                <a:latin typeface="Times New Roman" panose="02020603050405020304" pitchFamily="18" charset="0"/>
+                <a:cs typeface="Times New Roman" panose="02020603050405020304" pitchFamily="18" charset="0"/>
+              </a:rPr>
+              <a:t>Vytvářejte</a:t>
+            </a:r>
+            <a:r>
+              <a:rPr lang="en-GB" dirty="0">
+                <a:latin typeface="Times New Roman" panose="02020603050405020304" pitchFamily="18" charset="0"/>
+                <a:cs typeface="Times New Roman" panose="02020603050405020304" pitchFamily="18" charset="0"/>
+              </a:rPr>
+              <a:t> </a:t>
+            </a:r>
+            <a:r>
+              <a:rPr lang="en-GB" dirty="0" err="1">
+                <a:latin typeface="Times New Roman" panose="02020603050405020304" pitchFamily="18" charset="0"/>
+                <a:cs typeface="Times New Roman" panose="02020603050405020304" pitchFamily="18" charset="0"/>
+              </a:rPr>
+              <a:t>projekty</a:t>
+            </a:r>
+            <a:r>
+              <a:rPr lang="en-GB" dirty="0">
+                <a:latin typeface="Times New Roman" panose="02020603050405020304" pitchFamily="18" charset="0"/>
+                <a:cs typeface="Times New Roman" panose="02020603050405020304" pitchFamily="18" charset="0"/>
+              </a:rPr>
+              <a:t> s </a:t>
+            </a:r>
+            <a:r>
+              <a:rPr lang="en-GB" dirty="0" err="1">
+                <a:latin typeface="Times New Roman" panose="02020603050405020304" pitchFamily="18" charset="0"/>
+                <a:cs typeface="Times New Roman" panose="02020603050405020304" pitchFamily="18" charset="0"/>
+              </a:rPr>
+              <a:t>motivovanými</a:t>
+            </a:r>
+            <a:r>
+              <a:rPr lang="en-GB" dirty="0">
+                <a:latin typeface="Times New Roman" panose="02020603050405020304" pitchFamily="18" charset="0"/>
+                <a:cs typeface="Times New Roman" panose="02020603050405020304" pitchFamily="18" charset="0"/>
+              </a:rPr>
+              <a:t> </a:t>
+            </a:r>
+            <a:r>
+              <a:rPr lang="en-GB" dirty="0" err="1">
+                <a:latin typeface="Times New Roman" panose="02020603050405020304" pitchFamily="18" charset="0"/>
+                <a:cs typeface="Times New Roman" panose="02020603050405020304" pitchFamily="18" charset="0"/>
+              </a:rPr>
+              <a:t>účastníky</a:t>
+            </a:r>
+            <a:r>
+              <a:rPr lang="en-GB" dirty="0">
+                <a:latin typeface="Times New Roman" panose="02020603050405020304" pitchFamily="18" charset="0"/>
+                <a:cs typeface="Times New Roman" panose="02020603050405020304" pitchFamily="18" charset="0"/>
+              </a:rPr>
+              <a:t>. </a:t>
+            </a:r>
+            <a:r>
+              <a:rPr lang="en-GB" dirty="0" err="1">
+                <a:latin typeface="Times New Roman" panose="02020603050405020304" pitchFamily="18" charset="0"/>
+                <a:cs typeface="Times New Roman" panose="02020603050405020304" pitchFamily="18" charset="0"/>
+              </a:rPr>
+              <a:t>Dejte</a:t>
+            </a:r>
+            <a:r>
+              <a:rPr lang="en-GB" dirty="0">
+                <a:latin typeface="Times New Roman" panose="02020603050405020304" pitchFamily="18" charset="0"/>
+                <a:cs typeface="Times New Roman" panose="02020603050405020304" pitchFamily="18" charset="0"/>
+              </a:rPr>
+              <a:t> </a:t>
+            </a:r>
+            <a:r>
+              <a:rPr lang="en-GB" dirty="0" err="1">
+                <a:latin typeface="Times New Roman" panose="02020603050405020304" pitchFamily="18" charset="0"/>
+                <a:cs typeface="Times New Roman" panose="02020603050405020304" pitchFamily="18" charset="0"/>
+              </a:rPr>
+              <a:t>jim</a:t>
+            </a:r>
+            <a:r>
+              <a:rPr lang="en-GB" dirty="0">
+                <a:latin typeface="Times New Roman" panose="02020603050405020304" pitchFamily="18" charset="0"/>
+                <a:cs typeface="Times New Roman" panose="02020603050405020304" pitchFamily="18" charset="0"/>
+              </a:rPr>
+              <a:t> </a:t>
+            </a:r>
+            <a:r>
+              <a:rPr lang="en-GB" dirty="0" err="1">
+                <a:latin typeface="Times New Roman" panose="02020603050405020304" pitchFamily="18" charset="0"/>
+                <a:cs typeface="Times New Roman" panose="02020603050405020304" pitchFamily="18" charset="0"/>
+              </a:rPr>
+              <a:t>prostor</a:t>
+            </a:r>
+            <a:r>
+              <a:rPr lang="en-GB" dirty="0">
+                <a:latin typeface="Times New Roman" panose="02020603050405020304" pitchFamily="18" charset="0"/>
+                <a:cs typeface="Times New Roman" panose="02020603050405020304" pitchFamily="18" charset="0"/>
+              </a:rPr>
+              <a:t> a </a:t>
+            </a:r>
+            <a:r>
+              <a:rPr lang="en-GB" dirty="0" err="1">
+                <a:latin typeface="Times New Roman" panose="02020603050405020304" pitchFamily="18" charset="0"/>
+                <a:cs typeface="Times New Roman" panose="02020603050405020304" pitchFamily="18" charset="0"/>
+              </a:rPr>
+              <a:t>podporujte</a:t>
+            </a:r>
+            <a:r>
+              <a:rPr lang="en-GB" dirty="0">
+                <a:latin typeface="Times New Roman" panose="02020603050405020304" pitchFamily="18" charset="0"/>
+                <a:cs typeface="Times New Roman" panose="02020603050405020304" pitchFamily="18" charset="0"/>
+              </a:rPr>
+              <a:t> je. </a:t>
+            </a:r>
+            <a:r>
+              <a:rPr lang="en-GB" dirty="0" err="1">
+                <a:latin typeface="Times New Roman" panose="02020603050405020304" pitchFamily="18" charset="0"/>
+                <a:cs typeface="Times New Roman" panose="02020603050405020304" pitchFamily="18" charset="0"/>
+              </a:rPr>
+              <a:t>Také</a:t>
+            </a:r>
+            <a:r>
+              <a:rPr lang="en-GB" dirty="0">
+                <a:latin typeface="Times New Roman" panose="02020603050405020304" pitchFamily="18" charset="0"/>
+                <a:cs typeface="Times New Roman" panose="02020603050405020304" pitchFamily="18" charset="0"/>
+              </a:rPr>
+              <a:t> </a:t>
+            </a:r>
+            <a:r>
+              <a:rPr lang="en-GB" dirty="0" err="1">
+                <a:latin typeface="Times New Roman" panose="02020603050405020304" pitchFamily="18" charset="0"/>
+                <a:cs typeface="Times New Roman" panose="02020603050405020304" pitchFamily="18" charset="0"/>
+              </a:rPr>
+              <a:t>jim</a:t>
+            </a:r>
+            <a:r>
+              <a:rPr lang="en-GB" dirty="0">
+                <a:latin typeface="Times New Roman" panose="02020603050405020304" pitchFamily="18" charset="0"/>
+                <a:cs typeface="Times New Roman" panose="02020603050405020304" pitchFamily="18" charset="0"/>
+              </a:rPr>
+              <a:t> </a:t>
+            </a:r>
+            <a:r>
+              <a:rPr lang="en-GB" dirty="0" err="1">
+                <a:latin typeface="Times New Roman" panose="02020603050405020304" pitchFamily="18" charset="0"/>
+                <a:cs typeface="Times New Roman" panose="02020603050405020304" pitchFamily="18" charset="0"/>
+              </a:rPr>
+              <a:t>věřte</a:t>
+            </a:r>
+            <a:r>
+              <a:rPr lang="en-GB" dirty="0">
+                <a:latin typeface="Times New Roman" panose="02020603050405020304" pitchFamily="18" charset="0"/>
+                <a:cs typeface="Times New Roman" panose="02020603050405020304" pitchFamily="18" charset="0"/>
+              </a:rPr>
+              <a:t>, </a:t>
+            </a:r>
+            <a:r>
+              <a:rPr lang="en-GB" dirty="0" err="1">
+                <a:latin typeface="Times New Roman" panose="02020603050405020304" pitchFamily="18" charset="0"/>
+                <a:cs typeface="Times New Roman" panose="02020603050405020304" pitchFamily="18" charset="0"/>
+              </a:rPr>
+              <a:t>že</a:t>
+            </a:r>
+            <a:r>
+              <a:rPr lang="en-GB" dirty="0">
+                <a:latin typeface="Times New Roman" panose="02020603050405020304" pitchFamily="18" charset="0"/>
+                <a:cs typeface="Times New Roman" panose="02020603050405020304" pitchFamily="18" charset="0"/>
+              </a:rPr>
+              <a:t> </a:t>
+            </a:r>
+            <a:r>
+              <a:rPr lang="en-GB" dirty="0" err="1">
+                <a:latin typeface="Times New Roman" panose="02020603050405020304" pitchFamily="18" charset="0"/>
+                <a:cs typeface="Times New Roman" panose="02020603050405020304" pitchFamily="18" charset="0"/>
+              </a:rPr>
+              <a:t>opravdu</a:t>
+            </a:r>
+            <a:r>
+              <a:rPr lang="en-GB" dirty="0">
+                <a:latin typeface="Times New Roman" panose="02020603050405020304" pitchFamily="18" charset="0"/>
+                <a:cs typeface="Times New Roman" panose="02020603050405020304" pitchFamily="18" charset="0"/>
+              </a:rPr>
+              <a:t> </a:t>
+            </a:r>
+            <a:r>
+              <a:rPr lang="en-GB" dirty="0" err="1">
+                <a:latin typeface="Times New Roman" panose="02020603050405020304" pitchFamily="18" charset="0"/>
+                <a:cs typeface="Times New Roman" panose="02020603050405020304" pitchFamily="18" charset="0"/>
+              </a:rPr>
+              <a:t>práci</a:t>
+            </a:r>
+            <a:r>
+              <a:rPr lang="en-GB" dirty="0">
+                <a:latin typeface="Times New Roman" panose="02020603050405020304" pitchFamily="18" charset="0"/>
+                <a:cs typeface="Times New Roman" panose="02020603050405020304" pitchFamily="18" charset="0"/>
+              </a:rPr>
+              <a:t> </a:t>
+            </a:r>
+            <a:r>
+              <a:rPr lang="en-GB" dirty="0" err="1">
+                <a:latin typeface="Times New Roman" panose="02020603050405020304" pitchFamily="18" charset="0"/>
+                <a:cs typeface="Times New Roman" panose="02020603050405020304" pitchFamily="18" charset="0"/>
+              </a:rPr>
+              <a:t>udělají</a:t>
+            </a:r>
+            <a:r>
+              <a:rPr lang="en-GB" dirty="0">
+                <a:latin typeface="Times New Roman" panose="02020603050405020304" pitchFamily="18" charset="0"/>
+                <a:cs typeface="Times New Roman" panose="02020603050405020304" pitchFamily="18" charset="0"/>
+              </a:rPr>
+              <a:t>.</a:t>
             </a:r>
           </a:p>
         </p:txBody>
@@ -14651,7 +15622,7 @@
     </p:spTree>
     <p:extLst>
       <p:ext uri="{BB962C8B-B14F-4D97-AF65-F5344CB8AC3E}">
-        <p14:creationId xmlns:p14="http://schemas.microsoft.com/office/powerpoint/2010/main" val="3447380460"/>
+        <p14:creationId xmlns:p14="http://schemas.microsoft.com/office/powerpoint/2010/main" val="1060011988"/>
       </p:ext>
     </p:extLst>
   </p:cSld>
@@ -14694,7 +15665,7 @@
         </p:nvSpPr>
         <p:spPr>
           <a:xfrm>
-            <a:off x="8469000" y="19878"/>
+            <a:off x="8393844" y="19878"/>
             <a:ext cx="907827" cy="544775"/>
           </a:xfrm>
           <a:prstGeom prst="rect">
@@ -14769,7 +15740,7 @@
                 <a:latin typeface="+mj-lt"/>
                 <a:cs typeface="Times New Roman" panose="02020603050405020304" pitchFamily="18" charset="0"/>
               </a:rPr>
-              <a:t>Základy ze Scrum</a:t>
+              <a:t>Upravené principy</a:t>
             </a:r>
             <a:endParaRPr lang="en-CZ" sz="2800" dirty="0">
               <a:latin typeface="+mj-lt"/>
@@ -14793,8 +15764,8 @@
         </p:nvSpPr>
         <p:spPr>
           <a:xfrm>
-            <a:off x="675000" y="1924161"/>
-            <a:ext cx="7794000" cy="4774813"/>
+            <a:off x="675000" y="1880605"/>
+            <a:ext cx="7794000" cy="5093567"/>
           </a:xfrm>
           <a:prstGeom prst="rect">
             <a:avLst/>
@@ -14969,41 +15940,1075 @@
             </a:lvl9pPr>
           </a:lstStyle>
           <a:p>
-            <a:pPr algn="ctr"/>
-            <a:r>
-              <a:rPr lang="en-CZ" sz="2400" dirty="0">
-                <a:latin typeface="Times New Roman" panose="02020603050405020304" pitchFamily="18" charset="0"/>
-                <a:cs typeface="Times New Roman" panose="02020603050405020304" pitchFamily="18" charset="0"/>
-              </a:rPr>
-              <a:t>Optimizováno pro změnu</a:t>
-            </a:r>
-          </a:p>
-          <a:p>
-            <a:pPr algn="ctr"/>
-            <a:r>
-              <a:rPr lang="en-CZ" sz="2400" dirty="0">
-                <a:solidFill>
-                  <a:srgbClr val="0065BD"/>
-                </a:solidFill>
-                <a:latin typeface="Times New Roman" panose="02020603050405020304" pitchFamily="18" charset="0"/>
-                <a:cs typeface="Times New Roman" panose="02020603050405020304" pitchFamily="18" charset="0"/>
-              </a:rPr>
-              <a:t>Objektivně orientované, modulární architektura</a:t>
-            </a:r>
-          </a:p>
-          <a:p>
-            <a:pPr algn="ctr"/>
-            <a:endParaRPr lang="en-CZ" sz="2400" dirty="0">
-              <a:latin typeface="Times New Roman" panose="02020603050405020304" pitchFamily="18" charset="0"/>
-              <a:cs typeface="Times New Roman" panose="02020603050405020304" pitchFamily="18" charset="0"/>
-            </a:endParaRPr>
+            <a:r>
+              <a:rPr lang="en-GB" dirty="0" err="1">
+                <a:latin typeface="Times New Roman" panose="02020603050405020304" pitchFamily="18" charset="0"/>
+                <a:cs typeface="Times New Roman" panose="02020603050405020304" pitchFamily="18" charset="0"/>
+              </a:rPr>
+              <a:t>Nejlepší</a:t>
+            </a:r>
+            <a:r>
+              <a:rPr lang="en-GB" dirty="0">
+                <a:latin typeface="Times New Roman" panose="02020603050405020304" pitchFamily="18" charset="0"/>
+                <a:cs typeface="Times New Roman" panose="02020603050405020304" pitchFamily="18" charset="0"/>
+              </a:rPr>
+              <a:t> </a:t>
+            </a:r>
+            <a:r>
+              <a:rPr lang="en-GB" dirty="0" err="1">
+                <a:latin typeface="Times New Roman" panose="02020603050405020304" pitchFamily="18" charset="0"/>
+                <a:cs typeface="Times New Roman" panose="02020603050405020304" pitchFamily="18" charset="0"/>
+              </a:rPr>
+              <a:t>způsob</a:t>
+            </a:r>
+            <a:r>
+              <a:rPr lang="en-GB" dirty="0">
+                <a:latin typeface="Times New Roman" panose="02020603050405020304" pitchFamily="18" charset="0"/>
+                <a:cs typeface="Times New Roman" panose="02020603050405020304" pitchFamily="18" charset="0"/>
+              </a:rPr>
+              <a:t> </a:t>
+            </a:r>
+            <a:r>
+              <a:rPr lang="en-GB" dirty="0" err="1">
+                <a:latin typeface="Times New Roman" panose="02020603050405020304" pitchFamily="18" charset="0"/>
+                <a:cs typeface="Times New Roman" panose="02020603050405020304" pitchFamily="18" charset="0"/>
+              </a:rPr>
+              <a:t>komunikace</a:t>
+            </a:r>
+            <a:r>
+              <a:rPr lang="en-GB" dirty="0">
+                <a:latin typeface="Times New Roman" panose="02020603050405020304" pitchFamily="18" charset="0"/>
+                <a:cs typeface="Times New Roman" panose="02020603050405020304" pitchFamily="18" charset="0"/>
+              </a:rPr>
+              <a:t> je </a:t>
+            </a:r>
+            <a:r>
+              <a:rPr lang="en-GB" dirty="0" err="1">
+                <a:latin typeface="Times New Roman" panose="02020603050405020304" pitchFamily="18" charset="0"/>
+                <a:cs typeface="Times New Roman" panose="02020603050405020304" pitchFamily="18" charset="0"/>
+              </a:rPr>
+              <a:t>mezi</a:t>
+            </a:r>
+            <a:r>
+              <a:rPr lang="en-GB" dirty="0">
+                <a:latin typeface="Times New Roman" panose="02020603050405020304" pitchFamily="18" charset="0"/>
+                <a:cs typeface="Times New Roman" panose="02020603050405020304" pitchFamily="18" charset="0"/>
+              </a:rPr>
+              <a:t> </a:t>
+            </a:r>
+            <a:r>
+              <a:rPr lang="en-GB" dirty="0" err="1">
+                <a:latin typeface="Times New Roman" panose="02020603050405020304" pitchFamily="18" charset="0"/>
+                <a:cs typeface="Times New Roman" panose="02020603050405020304" pitchFamily="18" charset="0"/>
+              </a:rPr>
+              <a:t>očima</a:t>
+            </a:r>
+            <a:r>
+              <a:rPr lang="en-GB" dirty="0">
+                <a:latin typeface="Times New Roman" panose="02020603050405020304" pitchFamily="18" charset="0"/>
+                <a:cs typeface="Times New Roman" panose="02020603050405020304" pitchFamily="18" charset="0"/>
+              </a:rPr>
+              <a:t>.</a:t>
+            </a:r>
+          </a:p>
+          <a:p>
+            <a:r>
+              <a:rPr lang="en-GB" dirty="0" err="1">
+                <a:latin typeface="Times New Roman" panose="02020603050405020304" pitchFamily="18" charset="0"/>
+                <a:cs typeface="Times New Roman" panose="02020603050405020304" pitchFamily="18" charset="0"/>
+              </a:rPr>
+              <a:t>Fungující</a:t>
+            </a:r>
+            <a:r>
+              <a:rPr lang="en-GB" dirty="0">
+                <a:latin typeface="Times New Roman" panose="02020603050405020304" pitchFamily="18" charset="0"/>
+                <a:cs typeface="Times New Roman" panose="02020603050405020304" pitchFamily="18" charset="0"/>
+              </a:rPr>
+              <a:t> </a:t>
+            </a:r>
+            <a:r>
+              <a:rPr lang="en-GB" dirty="0" err="1">
+                <a:latin typeface="Times New Roman" panose="02020603050405020304" pitchFamily="18" charset="0"/>
+                <a:cs typeface="Times New Roman" panose="02020603050405020304" pitchFamily="18" charset="0"/>
+              </a:rPr>
+              <a:t>produkt</a:t>
+            </a:r>
+            <a:r>
+              <a:rPr lang="en-GB" dirty="0">
+                <a:latin typeface="Times New Roman" panose="02020603050405020304" pitchFamily="18" charset="0"/>
+                <a:cs typeface="Times New Roman" panose="02020603050405020304" pitchFamily="18" charset="0"/>
+              </a:rPr>
+              <a:t> je </a:t>
+            </a:r>
+            <a:r>
+              <a:rPr lang="en-GB" dirty="0" err="1">
+                <a:latin typeface="Times New Roman" panose="02020603050405020304" pitchFamily="18" charset="0"/>
+                <a:cs typeface="Times New Roman" panose="02020603050405020304" pitchFamily="18" charset="0"/>
+              </a:rPr>
+              <a:t>hlavní</a:t>
+            </a:r>
+            <a:r>
+              <a:rPr lang="en-GB" dirty="0">
+                <a:latin typeface="Times New Roman" panose="02020603050405020304" pitchFamily="18" charset="0"/>
+                <a:cs typeface="Times New Roman" panose="02020603050405020304" pitchFamily="18" charset="0"/>
+              </a:rPr>
+              <a:t> </a:t>
+            </a:r>
+            <a:r>
+              <a:rPr lang="en-GB" dirty="0" err="1">
+                <a:latin typeface="Times New Roman" panose="02020603050405020304" pitchFamily="18" charset="0"/>
+                <a:cs typeface="Times New Roman" panose="02020603050405020304" pitchFamily="18" charset="0"/>
+              </a:rPr>
+              <a:t>metrika</a:t>
+            </a:r>
+            <a:r>
+              <a:rPr lang="en-GB" dirty="0">
+                <a:latin typeface="Times New Roman" panose="02020603050405020304" pitchFamily="18" charset="0"/>
+                <a:cs typeface="Times New Roman" panose="02020603050405020304" pitchFamily="18" charset="0"/>
+              </a:rPr>
+              <a:t> </a:t>
+            </a:r>
+            <a:r>
+              <a:rPr lang="en-GB" dirty="0" err="1">
+                <a:latin typeface="Times New Roman" panose="02020603050405020304" pitchFamily="18" charset="0"/>
+                <a:cs typeface="Times New Roman" panose="02020603050405020304" pitchFamily="18" charset="0"/>
+              </a:rPr>
+              <a:t>postupu</a:t>
+            </a:r>
+            <a:r>
+              <a:rPr lang="en-GB" dirty="0">
+                <a:latin typeface="Times New Roman" panose="02020603050405020304" pitchFamily="18" charset="0"/>
+                <a:cs typeface="Times New Roman" panose="02020603050405020304" pitchFamily="18" charset="0"/>
+              </a:rPr>
+              <a:t> - </a:t>
+            </a:r>
+            <a:r>
+              <a:rPr lang="en-GB" dirty="0" err="1">
+                <a:latin typeface="Times New Roman" panose="02020603050405020304" pitchFamily="18" charset="0"/>
+                <a:cs typeface="Times New Roman" panose="02020603050405020304" pitchFamily="18" charset="0"/>
+              </a:rPr>
+              <a:t>progressu</a:t>
+            </a:r>
+            <a:r>
+              <a:rPr lang="en-GB" dirty="0">
+                <a:latin typeface="Times New Roman" panose="02020603050405020304" pitchFamily="18" charset="0"/>
+                <a:cs typeface="Times New Roman" panose="02020603050405020304" pitchFamily="18" charset="0"/>
+              </a:rPr>
+              <a:t>.</a:t>
+            </a:r>
+          </a:p>
+          <a:p>
+            <a:r>
+              <a:rPr lang="en-GB" dirty="0" err="1">
+                <a:latin typeface="Times New Roman" panose="02020603050405020304" pitchFamily="18" charset="0"/>
+                <a:cs typeface="Times New Roman" panose="02020603050405020304" pitchFamily="18" charset="0"/>
+              </a:rPr>
+              <a:t>Agilní</a:t>
+            </a:r>
+            <a:r>
+              <a:rPr lang="en-GB" dirty="0">
+                <a:latin typeface="Times New Roman" panose="02020603050405020304" pitchFamily="18" charset="0"/>
+                <a:cs typeface="Times New Roman" panose="02020603050405020304" pitchFamily="18" charset="0"/>
+              </a:rPr>
+              <a:t> </a:t>
+            </a:r>
+            <a:r>
+              <a:rPr lang="en-GB" dirty="0" err="1">
+                <a:latin typeface="Times New Roman" panose="02020603050405020304" pitchFamily="18" charset="0"/>
+                <a:cs typeface="Times New Roman" panose="02020603050405020304" pitchFamily="18" charset="0"/>
+              </a:rPr>
+              <a:t>proces</a:t>
+            </a:r>
+            <a:r>
+              <a:rPr lang="en-GB" dirty="0">
+                <a:latin typeface="Times New Roman" panose="02020603050405020304" pitchFamily="18" charset="0"/>
+                <a:cs typeface="Times New Roman" panose="02020603050405020304" pitchFamily="18" charset="0"/>
+              </a:rPr>
+              <a:t> </a:t>
+            </a:r>
+            <a:r>
+              <a:rPr lang="en-GB" dirty="0" err="1">
+                <a:latin typeface="Times New Roman" panose="02020603050405020304" pitchFamily="18" charset="0"/>
+                <a:cs typeface="Times New Roman" panose="02020603050405020304" pitchFamily="18" charset="0"/>
+              </a:rPr>
+              <a:t>vyzdvihává</a:t>
+            </a:r>
+            <a:r>
+              <a:rPr lang="en-GB" dirty="0">
+                <a:latin typeface="Times New Roman" panose="02020603050405020304" pitchFamily="18" charset="0"/>
+                <a:cs typeface="Times New Roman" panose="02020603050405020304" pitchFamily="18" charset="0"/>
+              </a:rPr>
+              <a:t> </a:t>
+            </a:r>
+            <a:r>
+              <a:rPr lang="en-GB" dirty="0" err="1">
+                <a:latin typeface="Times New Roman" panose="02020603050405020304" pitchFamily="18" charset="0"/>
+                <a:cs typeface="Times New Roman" panose="02020603050405020304" pitchFamily="18" charset="0"/>
+              </a:rPr>
+              <a:t>neustálý</a:t>
+            </a:r>
+            <a:r>
+              <a:rPr lang="en-GB" dirty="0">
+                <a:latin typeface="Times New Roman" panose="02020603050405020304" pitchFamily="18" charset="0"/>
+                <a:cs typeface="Times New Roman" panose="02020603050405020304" pitchFamily="18" charset="0"/>
+              </a:rPr>
+              <a:t> </a:t>
+            </a:r>
+            <a:r>
+              <a:rPr lang="en-GB" dirty="0" err="1">
+                <a:latin typeface="Times New Roman" panose="02020603050405020304" pitchFamily="18" charset="0"/>
+                <a:cs typeface="Times New Roman" panose="02020603050405020304" pitchFamily="18" charset="0"/>
+              </a:rPr>
+              <a:t>vývoj</a:t>
+            </a:r>
+            <a:r>
+              <a:rPr lang="en-GB" dirty="0">
+                <a:latin typeface="Times New Roman" panose="02020603050405020304" pitchFamily="18" charset="0"/>
+                <a:cs typeface="Times New Roman" panose="02020603050405020304" pitchFamily="18" charset="0"/>
+              </a:rPr>
+              <a:t>. </a:t>
+            </a:r>
+            <a:r>
+              <a:rPr lang="en-GB" dirty="0" err="1">
+                <a:latin typeface="Times New Roman" panose="02020603050405020304" pitchFamily="18" charset="0"/>
+                <a:cs typeface="Times New Roman" panose="02020603050405020304" pitchFamily="18" charset="0"/>
+              </a:rPr>
+              <a:t>Sponzoři</a:t>
+            </a:r>
+            <a:r>
+              <a:rPr lang="en-GB" dirty="0">
+                <a:latin typeface="Times New Roman" panose="02020603050405020304" pitchFamily="18" charset="0"/>
+                <a:cs typeface="Times New Roman" panose="02020603050405020304" pitchFamily="18" charset="0"/>
+              </a:rPr>
+              <a:t> - </a:t>
+            </a:r>
+            <a:r>
+              <a:rPr lang="en-GB" dirty="0" err="1">
+                <a:latin typeface="Times New Roman" panose="02020603050405020304" pitchFamily="18" charset="0"/>
+                <a:cs typeface="Times New Roman" panose="02020603050405020304" pitchFamily="18" charset="0"/>
+              </a:rPr>
+              <a:t>investoři</a:t>
+            </a:r>
+            <a:r>
+              <a:rPr lang="en-GB" dirty="0">
+                <a:latin typeface="Times New Roman" panose="02020603050405020304" pitchFamily="18" charset="0"/>
+                <a:cs typeface="Times New Roman" panose="02020603050405020304" pitchFamily="18" charset="0"/>
+              </a:rPr>
+              <a:t>, </a:t>
+            </a:r>
+            <a:r>
+              <a:rPr lang="en-GB" dirty="0" err="1">
+                <a:latin typeface="Times New Roman" panose="02020603050405020304" pitchFamily="18" charset="0"/>
+                <a:cs typeface="Times New Roman" panose="02020603050405020304" pitchFamily="18" charset="0"/>
+              </a:rPr>
+              <a:t>vývojáři</a:t>
+            </a:r>
+            <a:r>
+              <a:rPr lang="en-GB" dirty="0">
+                <a:latin typeface="Times New Roman" panose="02020603050405020304" pitchFamily="18" charset="0"/>
+                <a:cs typeface="Times New Roman" panose="02020603050405020304" pitchFamily="18" charset="0"/>
+              </a:rPr>
+              <a:t> a </a:t>
+            </a:r>
+            <a:r>
+              <a:rPr lang="en-GB" dirty="0" err="1">
+                <a:latin typeface="Times New Roman" panose="02020603050405020304" pitchFamily="18" charset="0"/>
+                <a:cs typeface="Times New Roman" panose="02020603050405020304" pitchFamily="18" charset="0"/>
+              </a:rPr>
+              <a:t>uživatelé</a:t>
+            </a:r>
+            <a:r>
+              <a:rPr lang="en-GB" dirty="0">
+                <a:latin typeface="Times New Roman" panose="02020603050405020304" pitchFamily="18" charset="0"/>
+                <a:cs typeface="Times New Roman" panose="02020603050405020304" pitchFamily="18" charset="0"/>
+              </a:rPr>
+              <a:t> by </a:t>
+            </a:r>
+            <a:r>
+              <a:rPr lang="en-GB" dirty="0" err="1">
+                <a:latin typeface="Times New Roman" panose="02020603050405020304" pitchFamily="18" charset="0"/>
+                <a:cs typeface="Times New Roman" panose="02020603050405020304" pitchFamily="18" charset="0"/>
+              </a:rPr>
+              <a:t>jejich</a:t>
+            </a:r>
+            <a:r>
+              <a:rPr lang="en-GB" dirty="0">
+                <a:latin typeface="Times New Roman" panose="02020603050405020304" pitchFamily="18" charset="0"/>
+                <a:cs typeface="Times New Roman" panose="02020603050405020304" pitchFamily="18" charset="0"/>
+              </a:rPr>
+              <a:t> </a:t>
+            </a:r>
+            <a:r>
+              <a:rPr lang="en-GB" dirty="0" err="1">
+                <a:latin typeface="Times New Roman" panose="02020603050405020304" pitchFamily="18" charset="0"/>
+                <a:cs typeface="Times New Roman" panose="02020603050405020304" pitchFamily="18" charset="0"/>
+              </a:rPr>
+              <a:t>zapálení</a:t>
+            </a:r>
+            <a:r>
+              <a:rPr lang="en-GB" dirty="0">
+                <a:latin typeface="Times New Roman" panose="02020603050405020304" pitchFamily="18" charset="0"/>
+                <a:cs typeface="Times New Roman" panose="02020603050405020304" pitchFamily="18" charset="0"/>
+              </a:rPr>
+              <a:t> </a:t>
+            </a:r>
+            <a:r>
+              <a:rPr lang="en-GB" dirty="0" err="1">
+                <a:latin typeface="Times New Roman" panose="02020603050405020304" pitchFamily="18" charset="0"/>
+                <a:cs typeface="Times New Roman" panose="02020603050405020304" pitchFamily="18" charset="0"/>
+              </a:rPr>
+              <a:t>měli</a:t>
+            </a:r>
+            <a:r>
+              <a:rPr lang="en-GB" dirty="0">
+                <a:latin typeface="Times New Roman" panose="02020603050405020304" pitchFamily="18" charset="0"/>
+                <a:cs typeface="Times New Roman" panose="02020603050405020304" pitchFamily="18" charset="0"/>
+              </a:rPr>
+              <a:t> </a:t>
+            </a:r>
+            <a:r>
+              <a:rPr lang="en-GB" dirty="0" err="1">
+                <a:latin typeface="Times New Roman" panose="02020603050405020304" pitchFamily="18" charset="0"/>
+                <a:cs typeface="Times New Roman" panose="02020603050405020304" pitchFamily="18" charset="0"/>
+              </a:rPr>
+              <a:t>udržet</a:t>
+            </a:r>
+            <a:r>
+              <a:rPr lang="en-GB" dirty="0">
+                <a:latin typeface="Times New Roman" panose="02020603050405020304" pitchFamily="18" charset="0"/>
+                <a:cs typeface="Times New Roman" panose="02020603050405020304" pitchFamily="18" charset="0"/>
+              </a:rPr>
+              <a:t> do </a:t>
+            </a:r>
+            <a:r>
+              <a:rPr lang="en-GB" dirty="0" err="1">
+                <a:latin typeface="Times New Roman" panose="02020603050405020304" pitchFamily="18" charset="0"/>
+                <a:cs typeface="Times New Roman" panose="02020603050405020304" pitchFamily="18" charset="0"/>
+              </a:rPr>
+              <a:t>nekonečna</a:t>
+            </a:r>
+            <a:r>
+              <a:rPr lang="en-GB" dirty="0">
+                <a:latin typeface="Times New Roman" panose="02020603050405020304" pitchFamily="18" charset="0"/>
+                <a:cs typeface="Times New Roman" panose="02020603050405020304" pitchFamily="18" charset="0"/>
+              </a:rPr>
+              <a:t>.</a:t>
+            </a:r>
+          </a:p>
+          <a:p>
+            <a:r>
+              <a:rPr lang="en-GB" dirty="0">
+                <a:latin typeface="Times New Roman" panose="02020603050405020304" pitchFamily="18" charset="0"/>
+                <a:cs typeface="Times New Roman" panose="02020603050405020304" pitchFamily="18" charset="0"/>
+              </a:rPr>
+              <a:t>Je </a:t>
+            </a:r>
+            <a:r>
+              <a:rPr lang="en-GB" dirty="0" err="1">
+                <a:latin typeface="Times New Roman" panose="02020603050405020304" pitchFamily="18" charset="0"/>
+                <a:cs typeface="Times New Roman" panose="02020603050405020304" pitchFamily="18" charset="0"/>
+              </a:rPr>
+              <a:t>třeba</a:t>
+            </a:r>
+            <a:r>
+              <a:rPr lang="en-GB" dirty="0">
+                <a:latin typeface="Times New Roman" panose="02020603050405020304" pitchFamily="18" charset="0"/>
+                <a:cs typeface="Times New Roman" panose="02020603050405020304" pitchFamily="18" charset="0"/>
+              </a:rPr>
+              <a:t> </a:t>
+            </a:r>
+            <a:r>
+              <a:rPr lang="en-GB" dirty="0" err="1">
+                <a:latin typeface="Times New Roman" panose="02020603050405020304" pitchFamily="18" charset="0"/>
+                <a:cs typeface="Times New Roman" panose="02020603050405020304" pitchFamily="18" charset="0"/>
+              </a:rPr>
+              <a:t>udržovat</a:t>
+            </a:r>
+            <a:r>
+              <a:rPr lang="en-GB" dirty="0">
+                <a:latin typeface="Times New Roman" panose="02020603050405020304" pitchFamily="18" charset="0"/>
+                <a:cs typeface="Times New Roman" panose="02020603050405020304" pitchFamily="18" charset="0"/>
+              </a:rPr>
+              <a:t> </a:t>
+            </a:r>
+            <a:r>
+              <a:rPr lang="en-GB" dirty="0" err="1">
+                <a:latin typeface="Times New Roman" panose="02020603050405020304" pitchFamily="18" charset="0"/>
+                <a:cs typeface="Times New Roman" panose="02020603050405020304" pitchFamily="18" charset="0"/>
+              </a:rPr>
+              <a:t>neustálou</a:t>
+            </a:r>
+            <a:r>
+              <a:rPr lang="en-GB" dirty="0">
+                <a:latin typeface="Times New Roman" panose="02020603050405020304" pitchFamily="18" charset="0"/>
+                <a:cs typeface="Times New Roman" panose="02020603050405020304" pitchFamily="18" charset="0"/>
+              </a:rPr>
+              <a:t> </a:t>
+            </a:r>
+            <a:r>
+              <a:rPr lang="en-GB" dirty="0" err="1">
+                <a:latin typeface="Times New Roman" panose="02020603050405020304" pitchFamily="18" charset="0"/>
+                <a:cs typeface="Times New Roman" panose="02020603050405020304" pitchFamily="18" charset="0"/>
+              </a:rPr>
+              <a:t>pozornost</a:t>
+            </a:r>
+            <a:r>
+              <a:rPr lang="en-GB" dirty="0">
+                <a:latin typeface="Times New Roman" panose="02020603050405020304" pitchFamily="18" charset="0"/>
+                <a:cs typeface="Times New Roman" panose="02020603050405020304" pitchFamily="18" charset="0"/>
+              </a:rPr>
+              <a:t> </a:t>
+            </a:r>
+            <a:r>
+              <a:rPr lang="en-GB" dirty="0" err="1">
+                <a:latin typeface="Times New Roman" panose="02020603050405020304" pitchFamily="18" charset="0"/>
+                <a:cs typeface="Times New Roman" panose="02020603050405020304" pitchFamily="18" charset="0"/>
+              </a:rPr>
+              <a:t>vůči</a:t>
+            </a:r>
+            <a:r>
+              <a:rPr lang="en-GB" dirty="0">
+                <a:latin typeface="Times New Roman" panose="02020603050405020304" pitchFamily="18" charset="0"/>
+                <a:cs typeface="Times New Roman" panose="02020603050405020304" pitchFamily="18" charset="0"/>
+              </a:rPr>
+              <a:t> </a:t>
+            </a:r>
+            <a:r>
+              <a:rPr lang="en-GB" dirty="0" err="1">
+                <a:latin typeface="Times New Roman" panose="02020603050405020304" pitchFamily="18" charset="0"/>
+                <a:cs typeface="Times New Roman" panose="02020603050405020304" pitchFamily="18" charset="0"/>
+              </a:rPr>
+              <a:t>technické</a:t>
+            </a:r>
+            <a:r>
+              <a:rPr lang="en-GB" dirty="0">
+                <a:latin typeface="Times New Roman" panose="02020603050405020304" pitchFamily="18" charset="0"/>
+                <a:cs typeface="Times New Roman" panose="02020603050405020304" pitchFamily="18" charset="0"/>
+              </a:rPr>
+              <a:t> </a:t>
+            </a:r>
+            <a:r>
+              <a:rPr lang="en-GB" dirty="0" err="1">
+                <a:latin typeface="Times New Roman" panose="02020603050405020304" pitchFamily="18" charset="0"/>
+                <a:cs typeface="Times New Roman" panose="02020603050405020304" pitchFamily="18" charset="0"/>
+              </a:rPr>
+              <a:t>dokonalosti</a:t>
+            </a:r>
+            <a:r>
+              <a:rPr lang="en-GB" dirty="0">
+                <a:latin typeface="Times New Roman" panose="02020603050405020304" pitchFamily="18" charset="0"/>
+                <a:cs typeface="Times New Roman" panose="02020603050405020304" pitchFamily="18" charset="0"/>
+              </a:rPr>
+              <a:t>. </a:t>
+            </a:r>
+            <a:r>
+              <a:rPr lang="en-GB" dirty="0" err="1">
+                <a:latin typeface="Times New Roman" panose="02020603050405020304" pitchFamily="18" charset="0"/>
+                <a:cs typeface="Times New Roman" panose="02020603050405020304" pitchFamily="18" charset="0"/>
+              </a:rPr>
+              <a:t>Dobrý</a:t>
+            </a:r>
+            <a:r>
+              <a:rPr lang="en-GB" dirty="0">
+                <a:latin typeface="Times New Roman" panose="02020603050405020304" pitchFamily="18" charset="0"/>
+                <a:cs typeface="Times New Roman" panose="02020603050405020304" pitchFamily="18" charset="0"/>
+              </a:rPr>
+              <a:t> design </a:t>
+            </a:r>
+            <a:r>
+              <a:rPr lang="en-GB" dirty="0" err="1">
+                <a:latin typeface="Times New Roman" panose="02020603050405020304" pitchFamily="18" charset="0"/>
+                <a:cs typeface="Times New Roman" panose="02020603050405020304" pitchFamily="18" charset="0"/>
+              </a:rPr>
+              <a:t>napomáhá</a:t>
+            </a:r>
+            <a:r>
+              <a:rPr lang="en-GB" dirty="0">
+                <a:latin typeface="Times New Roman" panose="02020603050405020304" pitchFamily="18" charset="0"/>
+                <a:cs typeface="Times New Roman" panose="02020603050405020304" pitchFamily="18" charset="0"/>
+              </a:rPr>
+              <a:t> </a:t>
+            </a:r>
+            <a:r>
+              <a:rPr lang="en-GB" dirty="0" err="1">
+                <a:latin typeface="Times New Roman" panose="02020603050405020304" pitchFamily="18" charset="0"/>
+                <a:cs typeface="Times New Roman" panose="02020603050405020304" pitchFamily="18" charset="0"/>
+              </a:rPr>
+              <a:t>vylepšení</a:t>
+            </a:r>
+            <a:r>
+              <a:rPr lang="en-GB" dirty="0">
+                <a:latin typeface="Times New Roman" panose="02020603050405020304" pitchFamily="18" charset="0"/>
+                <a:cs typeface="Times New Roman" panose="02020603050405020304" pitchFamily="18" charset="0"/>
+              </a:rPr>
+              <a:t> </a:t>
+            </a:r>
+            <a:r>
+              <a:rPr lang="en-GB" dirty="0" err="1">
+                <a:latin typeface="Times New Roman" panose="02020603050405020304" pitchFamily="18" charset="0"/>
+                <a:cs typeface="Times New Roman" panose="02020603050405020304" pitchFamily="18" charset="0"/>
+              </a:rPr>
+              <a:t>hybnosti</a:t>
+            </a:r>
+            <a:r>
+              <a:rPr lang="en-GB" dirty="0">
+                <a:latin typeface="Times New Roman" panose="02020603050405020304" pitchFamily="18" charset="0"/>
+                <a:cs typeface="Times New Roman" panose="02020603050405020304" pitchFamily="18" charset="0"/>
+              </a:rPr>
+              <a:t> </a:t>
+            </a:r>
+            <a:r>
+              <a:rPr lang="en-GB" dirty="0" err="1">
+                <a:latin typeface="Times New Roman" panose="02020603050405020304" pitchFamily="18" charset="0"/>
+                <a:cs typeface="Times New Roman" panose="02020603050405020304" pitchFamily="18" charset="0"/>
+              </a:rPr>
+              <a:t>projektu</a:t>
+            </a:r>
+            <a:r>
+              <a:rPr lang="en-GB" dirty="0">
+                <a:latin typeface="Times New Roman" panose="02020603050405020304" pitchFamily="18" charset="0"/>
+                <a:cs typeface="Times New Roman" panose="02020603050405020304" pitchFamily="18" charset="0"/>
+              </a:rPr>
+              <a:t> - </a:t>
+            </a:r>
+            <a:r>
+              <a:rPr lang="en-GB" dirty="0" err="1">
+                <a:latin typeface="Times New Roman" panose="02020603050405020304" pitchFamily="18" charset="0"/>
+                <a:cs typeface="Times New Roman" panose="02020603050405020304" pitchFamily="18" charset="0"/>
+              </a:rPr>
+              <a:t>stále</a:t>
+            </a:r>
+            <a:r>
+              <a:rPr lang="en-GB" dirty="0">
+                <a:latin typeface="Times New Roman" panose="02020603050405020304" pitchFamily="18" charset="0"/>
+                <a:cs typeface="Times New Roman" panose="02020603050405020304" pitchFamily="18" charset="0"/>
+              </a:rPr>
+              <a:t> </a:t>
+            </a:r>
+            <a:r>
+              <a:rPr lang="en-GB" dirty="0" err="1">
+                <a:latin typeface="Times New Roman" panose="02020603050405020304" pitchFamily="18" charset="0"/>
+                <a:cs typeface="Times New Roman" panose="02020603050405020304" pitchFamily="18" charset="0"/>
+              </a:rPr>
+              <a:t>dopředu</a:t>
+            </a:r>
+            <a:r>
+              <a:rPr lang="en-GB" dirty="0">
+                <a:latin typeface="Times New Roman" panose="02020603050405020304" pitchFamily="18" charset="0"/>
+                <a:cs typeface="Times New Roman" panose="02020603050405020304" pitchFamily="18" charset="0"/>
+              </a:rPr>
+              <a:t>.</a:t>
+            </a:r>
+          </a:p>
+          <a:p>
+            <a:r>
+              <a:rPr lang="en-GB" dirty="0" err="1">
+                <a:latin typeface="Times New Roman" panose="02020603050405020304" pitchFamily="18" charset="0"/>
+                <a:cs typeface="Times New Roman" panose="02020603050405020304" pitchFamily="18" charset="0"/>
+              </a:rPr>
+              <a:t>Jednoduchost</a:t>
+            </a:r>
+            <a:r>
+              <a:rPr lang="en-GB" dirty="0">
+                <a:latin typeface="Times New Roman" panose="02020603050405020304" pitchFamily="18" charset="0"/>
+                <a:cs typeface="Times New Roman" panose="02020603050405020304" pitchFamily="18" charset="0"/>
+              </a:rPr>
+              <a:t> je </a:t>
+            </a:r>
+            <a:r>
+              <a:rPr lang="en-GB" dirty="0" err="1">
+                <a:latin typeface="Times New Roman" panose="02020603050405020304" pitchFamily="18" charset="0"/>
+                <a:cs typeface="Times New Roman" panose="02020603050405020304" pitchFamily="18" charset="0"/>
+              </a:rPr>
+              <a:t>důležitá</a:t>
+            </a:r>
+            <a:r>
+              <a:rPr lang="en-GB" dirty="0">
+                <a:latin typeface="Times New Roman" panose="02020603050405020304" pitchFamily="18" charset="0"/>
+                <a:cs typeface="Times New Roman" panose="02020603050405020304" pitchFamily="18" charset="0"/>
+              </a:rPr>
+              <a:t>. </a:t>
+            </a:r>
+            <a:r>
+              <a:rPr lang="en-GB" dirty="0" err="1">
+                <a:latin typeface="Times New Roman" panose="02020603050405020304" pitchFamily="18" charset="0"/>
+                <a:cs typeface="Times New Roman" panose="02020603050405020304" pitchFamily="18" charset="0"/>
+              </a:rPr>
+              <a:t>Umění</a:t>
+            </a:r>
+            <a:r>
+              <a:rPr lang="en-GB" dirty="0">
+                <a:latin typeface="Times New Roman" panose="02020603050405020304" pitchFamily="18" charset="0"/>
+                <a:cs typeface="Times New Roman" panose="02020603050405020304" pitchFamily="18" charset="0"/>
+              </a:rPr>
+              <a:t> </a:t>
+            </a:r>
+            <a:r>
+              <a:rPr lang="en-GB" dirty="0" err="1">
+                <a:latin typeface="Times New Roman" panose="02020603050405020304" pitchFamily="18" charset="0"/>
+                <a:cs typeface="Times New Roman" panose="02020603050405020304" pitchFamily="18" charset="0"/>
+              </a:rPr>
+              <a:t>maximalizovat</a:t>
+            </a:r>
+            <a:r>
+              <a:rPr lang="en-GB" dirty="0">
+                <a:latin typeface="Times New Roman" panose="02020603050405020304" pitchFamily="18" charset="0"/>
+                <a:cs typeface="Times New Roman" panose="02020603050405020304" pitchFamily="18" charset="0"/>
+              </a:rPr>
+              <a:t> </a:t>
+            </a:r>
+            <a:r>
+              <a:rPr lang="en-GB" dirty="0" err="1">
+                <a:latin typeface="Times New Roman" panose="02020603050405020304" pitchFamily="18" charset="0"/>
+                <a:cs typeface="Times New Roman" panose="02020603050405020304" pitchFamily="18" charset="0"/>
+              </a:rPr>
+              <a:t>množství</a:t>
+            </a:r>
+            <a:r>
+              <a:rPr lang="en-GB" dirty="0">
+                <a:latin typeface="Times New Roman" panose="02020603050405020304" pitchFamily="18" charset="0"/>
+                <a:cs typeface="Times New Roman" panose="02020603050405020304" pitchFamily="18" charset="0"/>
+              </a:rPr>
+              <a:t> </a:t>
+            </a:r>
+            <a:r>
+              <a:rPr lang="en-GB" dirty="0" err="1">
+                <a:latin typeface="Times New Roman" panose="02020603050405020304" pitchFamily="18" charset="0"/>
+                <a:cs typeface="Times New Roman" panose="02020603050405020304" pitchFamily="18" charset="0"/>
+              </a:rPr>
+              <a:t>práce</a:t>
+            </a:r>
+            <a:r>
+              <a:rPr lang="en-GB" dirty="0">
+                <a:latin typeface="Times New Roman" panose="02020603050405020304" pitchFamily="18" charset="0"/>
+                <a:cs typeface="Times New Roman" panose="02020603050405020304" pitchFamily="18" charset="0"/>
+              </a:rPr>
+              <a:t>, </a:t>
+            </a:r>
+            <a:r>
+              <a:rPr lang="en-GB" dirty="0" err="1">
+                <a:latin typeface="Times New Roman" panose="02020603050405020304" pitchFamily="18" charset="0"/>
+                <a:cs typeface="Times New Roman" panose="02020603050405020304" pitchFamily="18" charset="0"/>
+              </a:rPr>
+              <a:t>která</a:t>
+            </a:r>
+            <a:r>
+              <a:rPr lang="en-GB" dirty="0">
+                <a:latin typeface="Times New Roman" panose="02020603050405020304" pitchFamily="18" charset="0"/>
+                <a:cs typeface="Times New Roman" panose="02020603050405020304" pitchFamily="18" charset="0"/>
+              </a:rPr>
+              <a:t> </a:t>
+            </a:r>
+            <a:r>
+              <a:rPr lang="en-GB" dirty="0" err="1">
+                <a:latin typeface="Times New Roman" panose="02020603050405020304" pitchFamily="18" charset="0"/>
+                <a:cs typeface="Times New Roman" panose="02020603050405020304" pitchFamily="18" charset="0"/>
+              </a:rPr>
+              <a:t>není</a:t>
+            </a:r>
+            <a:r>
+              <a:rPr lang="en-GB" dirty="0">
+                <a:latin typeface="Times New Roman" panose="02020603050405020304" pitchFamily="18" charset="0"/>
+                <a:cs typeface="Times New Roman" panose="02020603050405020304" pitchFamily="18" charset="0"/>
+              </a:rPr>
+              <a:t> </a:t>
+            </a:r>
+            <a:r>
+              <a:rPr lang="en-GB" dirty="0" err="1">
+                <a:latin typeface="Times New Roman" panose="02020603050405020304" pitchFamily="18" charset="0"/>
+                <a:cs typeface="Times New Roman" panose="02020603050405020304" pitchFamily="18" charset="0"/>
+              </a:rPr>
+              <a:t>udělána</a:t>
+            </a:r>
+            <a:r>
+              <a:rPr lang="en-GB" dirty="0">
+                <a:latin typeface="Times New Roman" panose="02020603050405020304" pitchFamily="18" charset="0"/>
+                <a:cs typeface="Times New Roman" panose="02020603050405020304" pitchFamily="18" charset="0"/>
+              </a:rPr>
+              <a:t>, </a:t>
+            </a:r>
+            <a:r>
+              <a:rPr lang="en-GB" dirty="0" err="1">
+                <a:latin typeface="Times New Roman" panose="02020603050405020304" pitchFamily="18" charset="0"/>
+                <a:cs typeface="Times New Roman" panose="02020603050405020304" pitchFamily="18" charset="0"/>
+              </a:rPr>
+              <a:t>protože</a:t>
+            </a:r>
+            <a:r>
+              <a:rPr lang="en-GB" dirty="0">
+                <a:latin typeface="Times New Roman" panose="02020603050405020304" pitchFamily="18" charset="0"/>
+                <a:cs typeface="Times New Roman" panose="02020603050405020304" pitchFamily="18" charset="0"/>
+              </a:rPr>
+              <a:t> </a:t>
+            </a:r>
+            <a:r>
+              <a:rPr lang="en-GB" dirty="0" err="1">
+                <a:latin typeface="Times New Roman" panose="02020603050405020304" pitchFamily="18" charset="0"/>
+                <a:cs typeface="Times New Roman" panose="02020603050405020304" pitchFamily="18" charset="0"/>
+              </a:rPr>
+              <a:t>není</a:t>
+            </a:r>
+            <a:r>
+              <a:rPr lang="en-GB" dirty="0">
+                <a:latin typeface="Times New Roman" panose="02020603050405020304" pitchFamily="18" charset="0"/>
+                <a:cs typeface="Times New Roman" panose="02020603050405020304" pitchFamily="18" charset="0"/>
+              </a:rPr>
+              <a:t> </a:t>
+            </a:r>
+            <a:r>
+              <a:rPr lang="en-GB" dirty="0" err="1">
+                <a:latin typeface="Times New Roman" panose="02020603050405020304" pitchFamily="18" charset="0"/>
+                <a:cs typeface="Times New Roman" panose="02020603050405020304" pitchFamily="18" charset="0"/>
+              </a:rPr>
+              <a:t>třeba</a:t>
+            </a:r>
+            <a:r>
+              <a:rPr lang="en-GB" dirty="0">
+                <a:latin typeface="Times New Roman" panose="02020603050405020304" pitchFamily="18" charset="0"/>
+                <a:cs typeface="Times New Roman" panose="02020603050405020304" pitchFamily="18" charset="0"/>
+              </a:rPr>
+              <a:t>, </a:t>
+            </a:r>
+            <a:r>
+              <a:rPr lang="en-GB" dirty="0" err="1">
+                <a:latin typeface="Times New Roman" panose="02020603050405020304" pitchFamily="18" charset="0"/>
+                <a:cs typeface="Times New Roman" panose="02020603050405020304" pitchFamily="18" charset="0"/>
+              </a:rPr>
+              <a:t>byla</a:t>
+            </a:r>
+            <a:r>
+              <a:rPr lang="en-GB" dirty="0">
+                <a:latin typeface="Times New Roman" panose="02020603050405020304" pitchFamily="18" charset="0"/>
+                <a:cs typeface="Times New Roman" panose="02020603050405020304" pitchFamily="18" charset="0"/>
+              </a:rPr>
+              <a:t> by </a:t>
+            </a:r>
+            <a:r>
+              <a:rPr lang="en-GB" dirty="0" err="1">
+                <a:latin typeface="Times New Roman" panose="02020603050405020304" pitchFamily="18" charset="0"/>
+                <a:cs typeface="Times New Roman" panose="02020603050405020304" pitchFamily="18" charset="0"/>
+              </a:rPr>
+              <a:t>zbytečná</a:t>
+            </a:r>
+            <a:r>
+              <a:rPr lang="en-GB" dirty="0">
+                <a:latin typeface="Times New Roman" panose="02020603050405020304" pitchFamily="18" charset="0"/>
+                <a:cs typeface="Times New Roman" panose="02020603050405020304" pitchFamily="18" charset="0"/>
+              </a:rPr>
+              <a:t>.</a:t>
+            </a:r>
+          </a:p>
+          <a:p>
+            <a:r>
+              <a:rPr lang="en-GB" dirty="0" err="1">
+                <a:latin typeface="Times New Roman" panose="02020603050405020304" pitchFamily="18" charset="0"/>
+                <a:cs typeface="Times New Roman" panose="02020603050405020304" pitchFamily="18" charset="0"/>
+              </a:rPr>
+              <a:t>Nejlepší</a:t>
+            </a:r>
+            <a:r>
+              <a:rPr lang="en-GB" dirty="0">
+                <a:latin typeface="Times New Roman" panose="02020603050405020304" pitchFamily="18" charset="0"/>
+                <a:cs typeface="Times New Roman" panose="02020603050405020304" pitchFamily="18" charset="0"/>
+              </a:rPr>
+              <a:t> design, </a:t>
+            </a:r>
+            <a:r>
+              <a:rPr lang="en-GB" dirty="0" err="1">
+                <a:latin typeface="Times New Roman" panose="02020603050405020304" pitchFamily="18" charset="0"/>
+                <a:cs typeface="Times New Roman" panose="02020603050405020304" pitchFamily="18" charset="0"/>
+              </a:rPr>
+              <a:t>požadavky</a:t>
+            </a:r>
+            <a:r>
+              <a:rPr lang="en-GB" dirty="0">
+                <a:latin typeface="Times New Roman" panose="02020603050405020304" pitchFamily="18" charset="0"/>
+                <a:cs typeface="Times New Roman" panose="02020603050405020304" pitchFamily="18" charset="0"/>
+              </a:rPr>
+              <a:t>, </a:t>
+            </a:r>
+            <a:r>
+              <a:rPr lang="en-GB" dirty="0" err="1">
+                <a:latin typeface="Times New Roman" panose="02020603050405020304" pitchFamily="18" charset="0"/>
+                <a:cs typeface="Times New Roman" panose="02020603050405020304" pitchFamily="18" charset="0"/>
+              </a:rPr>
+              <a:t>návrhy</a:t>
+            </a:r>
+            <a:r>
+              <a:rPr lang="en-GB" dirty="0">
+                <a:latin typeface="Times New Roman" panose="02020603050405020304" pitchFamily="18" charset="0"/>
+                <a:cs typeface="Times New Roman" panose="02020603050405020304" pitchFamily="18" charset="0"/>
+              </a:rPr>
+              <a:t> </a:t>
+            </a:r>
+            <a:r>
+              <a:rPr lang="en-GB" dirty="0" err="1">
+                <a:latin typeface="Times New Roman" panose="02020603050405020304" pitchFamily="18" charset="0"/>
+                <a:cs typeface="Times New Roman" panose="02020603050405020304" pitchFamily="18" charset="0"/>
+              </a:rPr>
+              <a:t>jsou</a:t>
+            </a:r>
+            <a:r>
+              <a:rPr lang="en-GB" dirty="0">
+                <a:latin typeface="Times New Roman" panose="02020603050405020304" pitchFamily="18" charset="0"/>
+                <a:cs typeface="Times New Roman" panose="02020603050405020304" pitchFamily="18" charset="0"/>
+              </a:rPr>
+              <a:t> </a:t>
+            </a:r>
+            <a:r>
+              <a:rPr lang="en-GB" dirty="0" err="1">
+                <a:latin typeface="Times New Roman" panose="02020603050405020304" pitchFamily="18" charset="0"/>
+                <a:cs typeface="Times New Roman" panose="02020603050405020304" pitchFamily="18" charset="0"/>
+              </a:rPr>
+              <a:t>produkovány</a:t>
+            </a:r>
+            <a:r>
+              <a:rPr lang="en-GB" dirty="0">
+                <a:latin typeface="Times New Roman" panose="02020603050405020304" pitchFamily="18" charset="0"/>
+                <a:cs typeface="Times New Roman" panose="02020603050405020304" pitchFamily="18" charset="0"/>
+              </a:rPr>
+              <a:t> </a:t>
+            </a:r>
+            <a:r>
+              <a:rPr lang="en-GB" dirty="0" err="1">
+                <a:latin typeface="Times New Roman" panose="02020603050405020304" pitchFamily="18" charset="0"/>
+                <a:cs typeface="Times New Roman" panose="02020603050405020304" pitchFamily="18" charset="0"/>
+              </a:rPr>
+              <a:t>samořiditelnými</a:t>
+            </a:r>
+            <a:r>
+              <a:rPr lang="en-GB" dirty="0">
+                <a:latin typeface="Times New Roman" panose="02020603050405020304" pitchFamily="18" charset="0"/>
+                <a:cs typeface="Times New Roman" panose="02020603050405020304" pitchFamily="18" charset="0"/>
+              </a:rPr>
+              <a:t> </a:t>
+            </a:r>
+            <a:r>
+              <a:rPr lang="en-GB" dirty="0" err="1">
+                <a:latin typeface="Times New Roman" panose="02020603050405020304" pitchFamily="18" charset="0"/>
+                <a:cs typeface="Times New Roman" panose="02020603050405020304" pitchFamily="18" charset="0"/>
+              </a:rPr>
+              <a:t>týmy</a:t>
+            </a:r>
+            <a:r>
+              <a:rPr lang="en-GB" dirty="0">
+                <a:latin typeface="Times New Roman" panose="02020603050405020304" pitchFamily="18" charset="0"/>
+                <a:cs typeface="Times New Roman" panose="02020603050405020304" pitchFamily="18" charset="0"/>
+              </a:rPr>
+              <a:t>.</a:t>
+            </a:r>
+          </a:p>
+          <a:p>
+            <a:r>
+              <a:rPr lang="en-GB" dirty="0">
+                <a:latin typeface="Times New Roman" panose="02020603050405020304" pitchFamily="18" charset="0"/>
+                <a:cs typeface="Times New Roman" panose="02020603050405020304" pitchFamily="18" charset="0"/>
+              </a:rPr>
+              <a:t>V </a:t>
+            </a:r>
+            <a:r>
+              <a:rPr lang="en-GB" dirty="0" err="1">
+                <a:latin typeface="Times New Roman" panose="02020603050405020304" pitchFamily="18" charset="0"/>
+                <a:cs typeface="Times New Roman" panose="02020603050405020304" pitchFamily="18" charset="0"/>
+              </a:rPr>
+              <a:t>pravidelných</a:t>
+            </a:r>
+            <a:r>
+              <a:rPr lang="en-GB" dirty="0">
+                <a:latin typeface="Times New Roman" panose="02020603050405020304" pitchFamily="18" charset="0"/>
+                <a:cs typeface="Times New Roman" panose="02020603050405020304" pitchFamily="18" charset="0"/>
+              </a:rPr>
+              <a:t> </a:t>
+            </a:r>
+            <a:r>
+              <a:rPr lang="en-GB" dirty="0" err="1">
+                <a:latin typeface="Times New Roman" panose="02020603050405020304" pitchFamily="18" charset="0"/>
+                <a:cs typeface="Times New Roman" panose="02020603050405020304" pitchFamily="18" charset="0"/>
+              </a:rPr>
+              <a:t>intervalech</a:t>
+            </a:r>
+            <a:r>
+              <a:rPr lang="en-GB" dirty="0">
+                <a:latin typeface="Times New Roman" panose="02020603050405020304" pitchFamily="18" charset="0"/>
+                <a:cs typeface="Times New Roman" panose="02020603050405020304" pitchFamily="18" charset="0"/>
+              </a:rPr>
+              <a:t> </a:t>
+            </a:r>
+            <a:r>
+              <a:rPr lang="en-GB" dirty="0" err="1">
+                <a:latin typeface="Times New Roman" panose="02020603050405020304" pitchFamily="18" charset="0"/>
+                <a:cs typeface="Times New Roman" panose="02020603050405020304" pitchFamily="18" charset="0"/>
+              </a:rPr>
+              <a:t>dochází</a:t>
+            </a:r>
+            <a:r>
+              <a:rPr lang="en-GB" dirty="0">
+                <a:latin typeface="Times New Roman" panose="02020603050405020304" pitchFamily="18" charset="0"/>
+                <a:cs typeface="Times New Roman" panose="02020603050405020304" pitchFamily="18" charset="0"/>
+              </a:rPr>
+              <a:t> k </a:t>
+            </a:r>
+            <a:r>
+              <a:rPr lang="en-GB" dirty="0" err="1">
+                <a:latin typeface="Times New Roman" panose="02020603050405020304" pitchFamily="18" charset="0"/>
+                <a:cs typeface="Times New Roman" panose="02020603050405020304" pitchFamily="18" charset="0"/>
+              </a:rPr>
+              <a:t>vyhodnocení</a:t>
+            </a:r>
+            <a:r>
+              <a:rPr lang="en-GB" dirty="0">
+                <a:latin typeface="Times New Roman" panose="02020603050405020304" pitchFamily="18" charset="0"/>
+                <a:cs typeface="Times New Roman" panose="02020603050405020304" pitchFamily="18" charset="0"/>
+              </a:rPr>
+              <a:t>, jak </a:t>
+            </a:r>
+            <a:r>
+              <a:rPr lang="en-GB" dirty="0" err="1">
+                <a:latin typeface="Times New Roman" panose="02020603050405020304" pitchFamily="18" charset="0"/>
+                <a:cs typeface="Times New Roman" panose="02020603050405020304" pitchFamily="18" charset="0"/>
+              </a:rPr>
+              <a:t>být</a:t>
+            </a:r>
+            <a:r>
+              <a:rPr lang="en-GB" dirty="0">
+                <a:latin typeface="Times New Roman" panose="02020603050405020304" pitchFamily="18" charset="0"/>
+                <a:cs typeface="Times New Roman" panose="02020603050405020304" pitchFamily="18" charset="0"/>
+              </a:rPr>
+              <a:t> </a:t>
+            </a:r>
+            <a:r>
+              <a:rPr lang="en-GB" dirty="0" err="1">
+                <a:latin typeface="Times New Roman" panose="02020603050405020304" pitchFamily="18" charset="0"/>
+                <a:cs typeface="Times New Roman" panose="02020603050405020304" pitchFamily="18" charset="0"/>
+              </a:rPr>
+              <a:t>více</a:t>
+            </a:r>
+            <a:r>
+              <a:rPr lang="en-GB" dirty="0">
+                <a:latin typeface="Times New Roman" panose="02020603050405020304" pitchFamily="18" charset="0"/>
+                <a:cs typeface="Times New Roman" panose="02020603050405020304" pitchFamily="18" charset="0"/>
+              </a:rPr>
+              <a:t> </a:t>
+            </a:r>
+            <a:r>
+              <a:rPr lang="en-GB" dirty="0" err="1">
+                <a:latin typeface="Times New Roman" panose="02020603050405020304" pitchFamily="18" charset="0"/>
+                <a:cs typeface="Times New Roman" panose="02020603050405020304" pitchFamily="18" charset="0"/>
+              </a:rPr>
+              <a:t>efektivní</a:t>
+            </a:r>
+            <a:r>
+              <a:rPr lang="en-GB" dirty="0">
+                <a:latin typeface="Times New Roman" panose="02020603050405020304" pitchFamily="18" charset="0"/>
+                <a:cs typeface="Times New Roman" panose="02020603050405020304" pitchFamily="18" charset="0"/>
+              </a:rPr>
+              <a:t>. </a:t>
+            </a:r>
+            <a:r>
+              <a:rPr lang="en-GB" dirty="0" err="1">
+                <a:latin typeface="Times New Roman" panose="02020603050405020304" pitchFamily="18" charset="0"/>
+                <a:cs typeface="Times New Roman" panose="02020603050405020304" pitchFamily="18" charset="0"/>
+              </a:rPr>
+              <a:t>Následně</a:t>
+            </a:r>
+            <a:r>
+              <a:rPr lang="en-GB" dirty="0">
+                <a:latin typeface="Times New Roman" panose="02020603050405020304" pitchFamily="18" charset="0"/>
+                <a:cs typeface="Times New Roman" panose="02020603050405020304" pitchFamily="18" charset="0"/>
+              </a:rPr>
+              <a:t> </a:t>
+            </a:r>
+            <a:r>
+              <a:rPr lang="en-GB" dirty="0" err="1">
+                <a:latin typeface="Times New Roman" panose="02020603050405020304" pitchFamily="18" charset="0"/>
+                <a:cs typeface="Times New Roman" panose="02020603050405020304" pitchFamily="18" charset="0"/>
+              </a:rPr>
+              <a:t>dochází</a:t>
+            </a:r>
+            <a:r>
+              <a:rPr lang="en-GB" dirty="0">
+                <a:latin typeface="Times New Roman" panose="02020603050405020304" pitchFamily="18" charset="0"/>
+                <a:cs typeface="Times New Roman" panose="02020603050405020304" pitchFamily="18" charset="0"/>
+              </a:rPr>
+              <a:t> k </a:t>
+            </a:r>
+            <a:r>
+              <a:rPr lang="en-GB" dirty="0" err="1">
+                <a:latin typeface="Times New Roman" panose="02020603050405020304" pitchFamily="18" charset="0"/>
+                <a:cs typeface="Times New Roman" panose="02020603050405020304" pitchFamily="18" charset="0"/>
+              </a:rPr>
+              <a:t>upravení</a:t>
+            </a:r>
+            <a:r>
+              <a:rPr lang="en-GB" dirty="0">
+                <a:latin typeface="Times New Roman" panose="02020603050405020304" pitchFamily="18" charset="0"/>
+                <a:cs typeface="Times New Roman" panose="02020603050405020304" pitchFamily="18" charset="0"/>
+              </a:rPr>
+              <a:t> </a:t>
+            </a:r>
+            <a:r>
+              <a:rPr lang="en-GB" dirty="0" err="1">
+                <a:latin typeface="Times New Roman" panose="02020603050405020304" pitchFamily="18" charset="0"/>
+                <a:cs typeface="Times New Roman" panose="02020603050405020304" pitchFamily="18" charset="0"/>
+              </a:rPr>
+              <a:t>chování</a:t>
+            </a:r>
+            <a:r>
+              <a:rPr lang="en-GB" dirty="0">
+                <a:latin typeface="Times New Roman" panose="02020603050405020304" pitchFamily="18" charset="0"/>
+                <a:cs typeface="Times New Roman" panose="02020603050405020304" pitchFamily="18" charset="0"/>
+              </a:rPr>
+              <a:t> a </a:t>
+            </a:r>
+            <a:r>
+              <a:rPr lang="en-GB" dirty="0" err="1">
+                <a:latin typeface="Times New Roman" panose="02020603050405020304" pitchFamily="18" charset="0"/>
+                <a:cs typeface="Times New Roman" panose="02020603050405020304" pitchFamily="18" charset="0"/>
+              </a:rPr>
+              <a:t>procesů</a:t>
+            </a:r>
+            <a:r>
+              <a:rPr lang="en-GB" dirty="0">
+                <a:latin typeface="Times New Roman" panose="02020603050405020304" pitchFamily="18" charset="0"/>
+                <a:cs typeface="Times New Roman" panose="02020603050405020304" pitchFamily="18" charset="0"/>
+              </a:rPr>
+              <a:t> aby se </a:t>
+            </a:r>
+            <a:r>
+              <a:rPr lang="en-GB" dirty="0" err="1">
+                <a:latin typeface="Times New Roman" panose="02020603050405020304" pitchFamily="18" charset="0"/>
+                <a:cs typeface="Times New Roman" panose="02020603050405020304" pitchFamily="18" charset="0"/>
+              </a:rPr>
+              <a:t>efektivita</a:t>
+            </a:r>
+            <a:r>
+              <a:rPr lang="en-GB" dirty="0">
+                <a:latin typeface="Times New Roman" panose="02020603050405020304" pitchFamily="18" charset="0"/>
+                <a:cs typeface="Times New Roman" panose="02020603050405020304" pitchFamily="18" charset="0"/>
+              </a:rPr>
+              <a:t> </a:t>
+            </a:r>
+            <a:r>
+              <a:rPr lang="en-GB" dirty="0" err="1">
+                <a:latin typeface="Times New Roman" panose="02020603050405020304" pitchFamily="18" charset="0"/>
+                <a:cs typeface="Times New Roman" panose="02020603050405020304" pitchFamily="18" charset="0"/>
+              </a:rPr>
+              <a:t>zvýšila</a:t>
+            </a:r>
+            <a:r>
+              <a:rPr lang="en-GB" dirty="0">
+                <a:latin typeface="Times New Roman" panose="02020603050405020304" pitchFamily="18" charset="0"/>
+                <a:cs typeface="Times New Roman" panose="02020603050405020304" pitchFamily="18" charset="0"/>
+              </a:rPr>
+              <a:t>.</a:t>
+            </a:r>
           </a:p>
         </p:txBody>
       </p:sp>
     </p:spTree>
     <p:extLst>
       <p:ext uri="{BB962C8B-B14F-4D97-AF65-F5344CB8AC3E}">
-        <p14:creationId xmlns:p14="http://schemas.microsoft.com/office/powerpoint/2010/main" val="980812500"/>
+        <p14:creationId xmlns:p14="http://schemas.microsoft.com/office/powerpoint/2010/main" val="1737031997"/>
       </p:ext>
     </p:extLst>
   </p:cSld>
@@ -15046,7 +17051,7 @@
         </p:nvSpPr>
         <p:spPr>
           <a:xfrm>
-            <a:off x="8469000" y="19878"/>
+            <a:off x="8393844" y="19878"/>
             <a:ext cx="907827" cy="544775"/>
           </a:xfrm>
           <a:prstGeom prst="rect">
@@ -15129,243 +17134,10 @@
           </a:p>
         </p:txBody>
       </p:sp>
-      <p:sp>
-        <p:nvSpPr>
-          <p:cNvPr id="8" name="Content Placeholder 2">
-            <a:extLst>
-              <a:ext uri="{FF2B5EF4-FFF2-40B4-BE49-F238E27FC236}">
-                <a16:creationId xmlns:a16="http://schemas.microsoft.com/office/drawing/2014/main" id="{1DE13750-9F62-BD48-9589-CF29E926F7C9}"/>
-              </a:ext>
-            </a:extLst>
-          </p:cNvPr>
-          <p:cNvSpPr txBox="1">
-            <a:spLocks/>
-          </p:cNvSpPr>
-          <p:nvPr/>
-        </p:nvSpPr>
-        <p:spPr>
-          <a:xfrm>
-            <a:off x="675000" y="1924161"/>
-            <a:ext cx="7794000" cy="4774813"/>
-          </a:xfrm>
-          <a:prstGeom prst="rect">
-            <a:avLst/>
-          </a:prstGeom>
-        </p:spPr>
-        <p:txBody>
-          <a:bodyPr vert="horz" lIns="91440" tIns="45720" rIns="91440" bIns="45720" rtlCol="0">
-            <a:normAutofit/>
-          </a:bodyPr>
-          <a:lstStyle>
-            <a:lvl1pPr marL="0" indent="0" algn="l" defTabSz="914354" rtl="0" eaLnBrk="1" latinLnBrk="0" hangingPunct="1">
-              <a:lnSpc>
-                <a:spcPct val="90000"/>
-              </a:lnSpc>
-              <a:spcBef>
-                <a:spcPts val="1000"/>
-              </a:spcBef>
-              <a:buFont typeface="Arial" panose="020B0604020202020204" pitchFamily="34" charset="0"/>
-              <a:buNone/>
-              <a:defRPr sz="2000" kern="3000" baseline="0">
-                <a:solidFill>
-                  <a:schemeClr val="tx1"/>
-                </a:solidFill>
-                <a:latin typeface="Technika-Bold" panose="00000600000000000000" pitchFamily="50" charset="-18"/>
-                <a:ea typeface="+mn-ea"/>
-                <a:cs typeface="+mn-cs"/>
-              </a:defRPr>
-            </a:lvl1pPr>
-            <a:lvl2pPr marL="685766" indent="-228589" algn="l" defTabSz="914354" rtl="0" eaLnBrk="1" latinLnBrk="0" hangingPunct="1">
-              <a:lnSpc>
-                <a:spcPct val="90000"/>
-              </a:lnSpc>
-              <a:spcBef>
-                <a:spcPts val="500"/>
-              </a:spcBef>
-              <a:buFont typeface="Arial" panose="020B0604020202020204" pitchFamily="34" charset="0"/>
-              <a:buChar char="•"/>
-              <a:defRPr sz="2400" kern="1200">
-                <a:solidFill>
-                  <a:schemeClr val="tx1"/>
-                </a:solidFill>
-                <a:latin typeface="Technika" panose="00000600000000000000" pitchFamily="50" charset="-18"/>
-                <a:ea typeface="+mn-ea"/>
-                <a:cs typeface="+mn-cs"/>
-              </a:defRPr>
-            </a:lvl2pPr>
-            <a:lvl3pPr marL="1142942" indent="-228589" algn="l" defTabSz="914354" rtl="0" eaLnBrk="1" latinLnBrk="0" hangingPunct="1">
-              <a:lnSpc>
-                <a:spcPct val="90000"/>
-              </a:lnSpc>
-              <a:spcBef>
-                <a:spcPts val="500"/>
-              </a:spcBef>
-              <a:buFont typeface="Arial" panose="020B0604020202020204" pitchFamily="34" charset="0"/>
-              <a:buChar char="•"/>
-              <a:defRPr sz="2000" kern="1200">
-                <a:solidFill>
-                  <a:schemeClr val="tx1"/>
-                </a:solidFill>
-                <a:latin typeface="Technika" panose="00000600000000000000" pitchFamily="50" charset="-18"/>
-                <a:ea typeface="+mn-ea"/>
-                <a:cs typeface="+mn-cs"/>
-              </a:defRPr>
-            </a:lvl3pPr>
-            <a:lvl4pPr marL="1600120" indent="-228589" algn="l" defTabSz="914354" rtl="0" eaLnBrk="1" latinLnBrk="0" hangingPunct="1">
-              <a:lnSpc>
-                <a:spcPct val="90000"/>
-              </a:lnSpc>
-              <a:spcBef>
-                <a:spcPts val="500"/>
-              </a:spcBef>
-              <a:buFont typeface="Arial" panose="020B0604020202020204" pitchFamily="34" charset="0"/>
-              <a:buChar char="•"/>
-              <a:defRPr sz="1800" kern="1200">
-                <a:solidFill>
-                  <a:schemeClr val="tx1"/>
-                </a:solidFill>
-                <a:latin typeface="Technika" panose="00000600000000000000" pitchFamily="50" charset="-18"/>
-                <a:ea typeface="+mn-ea"/>
-                <a:cs typeface="+mn-cs"/>
-              </a:defRPr>
-            </a:lvl4pPr>
-            <a:lvl5pPr marL="2057298" indent="-228589" algn="l" defTabSz="914354" rtl="0" eaLnBrk="1" latinLnBrk="0" hangingPunct="1">
-              <a:lnSpc>
-                <a:spcPct val="90000"/>
-              </a:lnSpc>
-              <a:spcBef>
-                <a:spcPts val="500"/>
-              </a:spcBef>
-              <a:buFont typeface="Arial" panose="020B0604020202020204" pitchFamily="34" charset="0"/>
-              <a:buChar char="•"/>
-              <a:defRPr sz="1800" kern="1200">
-                <a:solidFill>
-                  <a:schemeClr val="tx1"/>
-                </a:solidFill>
-                <a:latin typeface="Technika" panose="00000600000000000000" pitchFamily="50" charset="-18"/>
-                <a:ea typeface="+mn-ea"/>
-                <a:cs typeface="+mn-cs"/>
-              </a:defRPr>
-            </a:lvl5pPr>
-            <a:lvl6pPr marL="2514474" indent="-228589" algn="l" defTabSz="914354" rtl="0" eaLnBrk="1" latinLnBrk="0" hangingPunct="1">
-              <a:lnSpc>
-                <a:spcPct val="90000"/>
-              </a:lnSpc>
-              <a:spcBef>
-                <a:spcPts val="500"/>
-              </a:spcBef>
-              <a:buFont typeface="Arial" panose="020B0604020202020204" pitchFamily="34" charset="0"/>
-              <a:buChar char="•"/>
-              <a:defRPr sz="1800" kern="1200">
-                <a:solidFill>
-                  <a:schemeClr val="tx1"/>
-                </a:solidFill>
-                <a:latin typeface="+mn-lt"/>
-                <a:ea typeface="+mn-ea"/>
-                <a:cs typeface="+mn-cs"/>
-              </a:defRPr>
-            </a:lvl6pPr>
-            <a:lvl7pPr marL="2971652" indent="-228589" algn="l" defTabSz="914354" rtl="0" eaLnBrk="1" latinLnBrk="0" hangingPunct="1">
-              <a:lnSpc>
-                <a:spcPct val="90000"/>
-              </a:lnSpc>
-              <a:spcBef>
-                <a:spcPts val="500"/>
-              </a:spcBef>
-              <a:buFont typeface="Arial" panose="020B0604020202020204" pitchFamily="34" charset="0"/>
-              <a:buChar char="•"/>
-              <a:defRPr sz="1800" kern="1200">
-                <a:solidFill>
-                  <a:schemeClr val="tx1"/>
-                </a:solidFill>
-                <a:latin typeface="+mn-lt"/>
-                <a:ea typeface="+mn-ea"/>
-                <a:cs typeface="+mn-cs"/>
-              </a:defRPr>
-            </a:lvl7pPr>
-            <a:lvl8pPr marL="3428829" indent="-228589" algn="l" defTabSz="914354" rtl="0" eaLnBrk="1" latinLnBrk="0" hangingPunct="1">
-              <a:lnSpc>
-                <a:spcPct val="90000"/>
-              </a:lnSpc>
-              <a:spcBef>
-                <a:spcPts val="500"/>
-              </a:spcBef>
-              <a:buFont typeface="Arial" panose="020B0604020202020204" pitchFamily="34" charset="0"/>
-              <a:buChar char="•"/>
-              <a:defRPr sz="1800" kern="1200">
-                <a:solidFill>
-                  <a:schemeClr val="tx1"/>
-                </a:solidFill>
-                <a:latin typeface="+mn-lt"/>
-                <a:ea typeface="+mn-ea"/>
-                <a:cs typeface="+mn-cs"/>
-              </a:defRPr>
-            </a:lvl8pPr>
-            <a:lvl9pPr marL="3886006" indent="-228589" algn="l" defTabSz="914354" rtl="0" eaLnBrk="1" latinLnBrk="0" hangingPunct="1">
-              <a:lnSpc>
-                <a:spcPct val="90000"/>
-              </a:lnSpc>
-              <a:spcBef>
-                <a:spcPts val="500"/>
-              </a:spcBef>
-              <a:buFont typeface="Arial" panose="020B0604020202020204" pitchFamily="34" charset="0"/>
-              <a:buChar char="•"/>
-              <a:defRPr sz="1800" kern="1200">
-                <a:solidFill>
-                  <a:schemeClr val="tx1"/>
-                </a:solidFill>
-                <a:latin typeface="+mn-lt"/>
-                <a:ea typeface="+mn-ea"/>
-                <a:cs typeface="+mn-cs"/>
-              </a:defRPr>
-            </a:lvl9pPr>
-          </a:lstStyle>
-          <a:p>
-            <a:pPr algn="ctr"/>
-            <a:r>
-              <a:rPr lang="en-CZ" sz="2400" dirty="0">
-                <a:latin typeface="Times New Roman" panose="02020603050405020304" pitchFamily="18" charset="0"/>
-                <a:cs typeface="Times New Roman" panose="02020603050405020304" pitchFamily="18" charset="0"/>
-              </a:rPr>
-              <a:t>Optimizováno pro změnu</a:t>
-            </a:r>
-          </a:p>
-          <a:p>
-            <a:pPr algn="ctr"/>
-            <a:r>
-              <a:rPr lang="en-CZ" sz="2400" dirty="0">
-                <a:latin typeface="Times New Roman" panose="02020603050405020304" pitchFamily="18" charset="0"/>
-                <a:cs typeface="Times New Roman" panose="02020603050405020304" pitchFamily="18" charset="0"/>
-              </a:rPr>
-              <a:t>Objektivně orientované, modulární architektura</a:t>
-            </a:r>
-          </a:p>
-          <a:p>
-            <a:pPr algn="ctr"/>
-            <a:r>
-              <a:rPr lang="en-CZ" sz="2400" dirty="0">
-                <a:solidFill>
-                  <a:srgbClr val="0065BD"/>
-                </a:solidFill>
-                <a:latin typeface="Times New Roman" panose="02020603050405020304" pitchFamily="18" charset="0"/>
-                <a:cs typeface="Times New Roman" panose="02020603050405020304" pitchFamily="18" charset="0"/>
-              </a:rPr>
-              <a:t>Test Driven Development</a:t>
-            </a:r>
-          </a:p>
-          <a:p>
-            <a:pPr algn="ctr"/>
-            <a:endParaRPr lang="en-CZ" sz="2400" dirty="0">
-              <a:latin typeface="Times New Roman" panose="02020603050405020304" pitchFamily="18" charset="0"/>
-              <a:cs typeface="Times New Roman" panose="02020603050405020304" pitchFamily="18" charset="0"/>
-            </a:endParaRPr>
-          </a:p>
-        </p:txBody>
-      </p:sp>
     </p:spTree>
     <p:extLst>
       <p:ext uri="{BB962C8B-B14F-4D97-AF65-F5344CB8AC3E}">
-        <p14:creationId xmlns:p14="http://schemas.microsoft.com/office/powerpoint/2010/main" val="2262498160"/>
+        <p14:creationId xmlns:p14="http://schemas.microsoft.com/office/powerpoint/2010/main" val="3905668839"/>
       </p:ext>
     </p:extLst>
   </p:cSld>
@@ -15408,7 +17180,7 @@
         </p:nvSpPr>
         <p:spPr>
           <a:xfrm>
-            <a:off x="8469000" y="19878"/>
+            <a:off x="8393844" y="19878"/>
             <a:ext cx="907827" cy="544775"/>
           </a:xfrm>
           <a:prstGeom prst="rect">
@@ -15716,9 +17488,6 @@
             <a:pPr algn="ctr"/>
             <a:r>
               <a:rPr lang="en-CZ" sz="2400" dirty="0">
-                <a:solidFill>
-                  <a:srgbClr val="0065BD"/>
-                </a:solidFill>
                 <a:latin typeface="Times New Roman" panose="02020603050405020304" pitchFamily="18" charset="0"/>
                 <a:cs typeface="Times New Roman" panose="02020603050405020304" pitchFamily="18" charset="0"/>
               </a:rPr>
@@ -15727,17 +17496,70 @@
           </a:p>
           <a:p>
             <a:pPr algn="ctr"/>
-            <a:endParaRPr lang="en-CZ" sz="2400" dirty="0">
-              <a:latin typeface="Times New Roman" panose="02020603050405020304" pitchFamily="18" charset="0"/>
-              <a:cs typeface="Times New Roman" panose="02020603050405020304" pitchFamily="18" charset="0"/>
-            </a:endParaRPr>
+            <a:r>
+              <a:rPr lang="en-CZ" sz="2400" dirty="0">
+                <a:latin typeface="Times New Roman" panose="02020603050405020304" pitchFamily="18" charset="0"/>
+                <a:cs typeface="Times New Roman" panose="02020603050405020304" pitchFamily="18" charset="0"/>
+              </a:rPr>
+              <a:t>Iterate the Design</a:t>
+            </a:r>
+          </a:p>
+          <a:p>
+            <a:pPr algn="ctr"/>
+            <a:r>
+              <a:rPr lang="en-CZ" sz="2400" dirty="0">
+                <a:latin typeface="Times New Roman" panose="02020603050405020304" pitchFamily="18" charset="0"/>
+                <a:cs typeface="Times New Roman" panose="02020603050405020304" pitchFamily="18" charset="0"/>
+              </a:rPr>
+              <a:t>Agile Hardware Design Patterns</a:t>
+            </a:r>
+          </a:p>
+          <a:p>
+            <a:pPr algn="ctr"/>
+            <a:r>
+              <a:rPr lang="en-CZ" sz="2400" dirty="0">
+                <a:latin typeface="Times New Roman" panose="02020603050405020304" pitchFamily="18" charset="0"/>
+                <a:cs typeface="Times New Roman" panose="02020603050405020304" pitchFamily="18" charset="0"/>
+              </a:rPr>
+              <a:t>Continuous Integration Development</a:t>
+            </a:r>
+          </a:p>
+          <a:p>
+            <a:pPr algn="ctr"/>
+            <a:r>
+              <a:rPr lang="en-CZ" sz="2400" dirty="0">
+                <a:latin typeface="Times New Roman" panose="02020603050405020304" pitchFamily="18" charset="0"/>
+                <a:cs typeface="Times New Roman" panose="02020603050405020304" pitchFamily="18" charset="0"/>
+              </a:rPr>
+              <a:t>Continuous Deployment Development</a:t>
+            </a:r>
+          </a:p>
+          <a:p>
+            <a:pPr algn="ctr"/>
+            <a:r>
+              <a:rPr lang="en-CZ" sz="2400" dirty="0">
+                <a:latin typeface="Times New Roman" panose="02020603050405020304" pitchFamily="18" charset="0"/>
+                <a:cs typeface="Times New Roman" panose="02020603050405020304" pitchFamily="18" charset="0"/>
+              </a:rPr>
+              <a:t>Scaling Patterns</a:t>
+            </a:r>
+          </a:p>
+          <a:p>
+            <a:pPr algn="ctr"/>
+            <a:r>
+              <a:rPr lang="en-CZ" sz="2400" dirty="0">
+                <a:latin typeface="Times New Roman" panose="02020603050405020304" pitchFamily="18" charset="0"/>
+                <a:cs typeface="Times New Roman" panose="02020603050405020304" pitchFamily="18" charset="0"/>
+              </a:rPr>
+              <a:t>Partner Patterns</a:t>
+            </a:r>
           </a:p>
         </p:txBody>
       </p:sp>
     </p:spTree>
     <p:extLst>
       <p:ext uri="{BB962C8B-B14F-4D97-AF65-F5344CB8AC3E}">
-        <p14:creationId xmlns:p14="http://schemas.microsoft.com/office/powerpoint/2010/main" val="829010547"/>
+        <p14:creationId xmlns:p14="http://schemas.microsoft.com/office/powerpoint/2010/main" val="3140757222"/>
       </p:ext>
     </p:extLst>
   </p:cSld>
@@ -15780,7 +17602,7 @@
         </p:nvSpPr>
         <p:spPr>
           <a:xfrm>
-            <a:off x="8469000" y="19878"/>
+            <a:off x="8393844" y="19878"/>
             <a:ext cx="907827" cy="544775"/>
           </a:xfrm>
           <a:prstGeom prst="rect">
@@ -15815,6 +17637,252 @@
               <a:rPr lang="en-CZ" dirty="0"/>
               <a:t>XM</a:t>
             </a:r>
+          </a:p>
+        </p:txBody>
+      </p:sp>
+      <p:sp>
+        <p:nvSpPr>
+          <p:cNvPr id="6" name="Content Placeholder 2">
+            <a:extLst>
+              <a:ext uri="{FF2B5EF4-FFF2-40B4-BE49-F238E27FC236}">
+                <a16:creationId xmlns:a16="http://schemas.microsoft.com/office/drawing/2014/main" id="{1167AAF0-3F87-4C4E-8628-E168637FE451}"/>
+              </a:ext>
+            </a:extLst>
+          </p:cNvPr>
+          <p:cNvSpPr txBox="1">
+            <a:spLocks/>
+          </p:cNvSpPr>
+          <p:nvPr/>
+        </p:nvSpPr>
+        <p:spPr>
+          <a:xfrm>
+            <a:off x="675000" y="2401239"/>
+            <a:ext cx="7794000" cy="4238099"/>
+          </a:xfrm>
+          <a:prstGeom prst="rect">
+            <a:avLst/>
+          </a:prstGeom>
+        </p:spPr>
+        <p:txBody>
+          <a:bodyPr vert="horz" lIns="91440" tIns="45720" rIns="91440" bIns="45720" rtlCol="0">
+            <a:normAutofit/>
+          </a:bodyPr>
+          <a:lstStyle>
+            <a:lvl1pPr marL="0" indent="0" algn="l" defTabSz="914354" rtl="0" eaLnBrk="1" latinLnBrk="0" hangingPunct="1">
+              <a:lnSpc>
+                <a:spcPct val="90000"/>
+              </a:lnSpc>
+              <a:spcBef>
+                <a:spcPts val="1000"/>
+              </a:spcBef>
+              <a:buFont typeface="Arial" panose="020B0604020202020204" pitchFamily="34" charset="0"/>
+              <a:buNone/>
+              <a:defRPr sz="2000" kern="3000" baseline="0">
+                <a:solidFill>
+                  <a:schemeClr val="tx1"/>
+                </a:solidFill>
+                <a:latin typeface="Technika-Bold" panose="00000600000000000000" pitchFamily="50" charset="-18"/>
+                <a:ea typeface="+mn-ea"/>
+                <a:cs typeface="+mn-cs"/>
+              </a:defRPr>
+            </a:lvl1pPr>
+            <a:lvl2pPr marL="685766" indent="-228589" algn="l" defTabSz="914354" rtl="0" eaLnBrk="1" latinLnBrk="0" hangingPunct="1">
+              <a:lnSpc>
+                <a:spcPct val="90000"/>
+              </a:lnSpc>
+              <a:spcBef>
+                <a:spcPts val="500"/>
+              </a:spcBef>
+              <a:buFont typeface="Arial" panose="020B0604020202020204" pitchFamily="34" charset="0"/>
+              <a:buChar char="•"/>
+              <a:defRPr sz="2400" kern="1200">
+                <a:solidFill>
+                  <a:schemeClr val="tx1"/>
+                </a:solidFill>
+                <a:latin typeface="Technika" panose="00000600000000000000" pitchFamily="50" charset="-18"/>
+                <a:ea typeface="+mn-ea"/>
+                <a:cs typeface="+mn-cs"/>
+              </a:defRPr>
+            </a:lvl2pPr>
+            <a:lvl3pPr marL="1142942" indent="-228589" algn="l" defTabSz="914354" rtl="0" eaLnBrk="1" latinLnBrk="0" hangingPunct="1">
+              <a:lnSpc>
+                <a:spcPct val="90000"/>
+              </a:lnSpc>
+              <a:spcBef>
+                <a:spcPts val="500"/>
+              </a:spcBef>
+              <a:buFont typeface="Arial" panose="020B0604020202020204" pitchFamily="34" charset="0"/>
+              <a:buChar char="•"/>
+              <a:defRPr sz="2000" kern="1200">
+                <a:solidFill>
+                  <a:schemeClr val="tx1"/>
+                </a:solidFill>
+                <a:latin typeface="Technika" panose="00000600000000000000" pitchFamily="50" charset="-18"/>
+                <a:ea typeface="+mn-ea"/>
+                <a:cs typeface="+mn-cs"/>
+              </a:defRPr>
+            </a:lvl3pPr>
+            <a:lvl4pPr marL="1600120" indent="-228589" algn="l" defTabSz="914354" rtl="0" eaLnBrk="1" latinLnBrk="0" hangingPunct="1">
+              <a:lnSpc>
+                <a:spcPct val="90000"/>
+              </a:lnSpc>
+              <a:spcBef>
+                <a:spcPts val="500"/>
+              </a:spcBef>
+              <a:buFont typeface="Arial" panose="020B0604020202020204" pitchFamily="34" charset="0"/>
+              <a:buChar char="•"/>
+              <a:defRPr sz="1800" kern="1200">
+                <a:solidFill>
+                  <a:schemeClr val="tx1"/>
+                </a:solidFill>
+                <a:latin typeface="Technika" panose="00000600000000000000" pitchFamily="50" charset="-18"/>
+                <a:ea typeface="+mn-ea"/>
+                <a:cs typeface="+mn-cs"/>
+              </a:defRPr>
+            </a:lvl4pPr>
+            <a:lvl5pPr marL="2057298" indent="-228589" algn="l" defTabSz="914354" rtl="0" eaLnBrk="1" latinLnBrk="0" hangingPunct="1">
+              <a:lnSpc>
+                <a:spcPct val="90000"/>
+              </a:lnSpc>
+              <a:spcBef>
+                <a:spcPts val="500"/>
+              </a:spcBef>
+              <a:buFont typeface="Arial" panose="020B0604020202020204" pitchFamily="34" charset="0"/>
+              <a:buChar char="•"/>
+              <a:defRPr sz="1800" kern="1200">
+                <a:solidFill>
+                  <a:schemeClr val="tx1"/>
+                </a:solidFill>
+                <a:latin typeface="Technika" panose="00000600000000000000" pitchFamily="50" charset="-18"/>
+                <a:ea typeface="+mn-ea"/>
+                <a:cs typeface="+mn-cs"/>
+              </a:defRPr>
+            </a:lvl5pPr>
+            <a:lvl6pPr marL="2514474" indent="-228589" algn="l" defTabSz="914354" rtl="0" eaLnBrk="1" latinLnBrk="0" hangingPunct="1">
+              <a:lnSpc>
+                <a:spcPct val="90000"/>
+              </a:lnSpc>
+              <a:spcBef>
+                <a:spcPts val="500"/>
+              </a:spcBef>
+              <a:buFont typeface="Arial" panose="020B0604020202020204" pitchFamily="34" charset="0"/>
+              <a:buChar char="•"/>
+              <a:defRPr sz="1800" kern="1200">
+                <a:solidFill>
+                  <a:schemeClr val="tx1"/>
+                </a:solidFill>
+                <a:latin typeface="+mn-lt"/>
+                <a:ea typeface="+mn-ea"/>
+                <a:cs typeface="+mn-cs"/>
+              </a:defRPr>
+            </a:lvl6pPr>
+            <a:lvl7pPr marL="2971652" indent="-228589" algn="l" defTabSz="914354" rtl="0" eaLnBrk="1" latinLnBrk="0" hangingPunct="1">
+              <a:lnSpc>
+                <a:spcPct val="90000"/>
+              </a:lnSpc>
+              <a:spcBef>
+                <a:spcPts val="500"/>
+              </a:spcBef>
+              <a:buFont typeface="Arial" panose="020B0604020202020204" pitchFamily="34" charset="0"/>
+              <a:buChar char="•"/>
+              <a:defRPr sz="1800" kern="1200">
+                <a:solidFill>
+                  <a:schemeClr val="tx1"/>
+                </a:solidFill>
+                <a:latin typeface="+mn-lt"/>
+                <a:ea typeface="+mn-ea"/>
+                <a:cs typeface="+mn-cs"/>
+              </a:defRPr>
+            </a:lvl7pPr>
+            <a:lvl8pPr marL="3428829" indent="-228589" algn="l" defTabSz="914354" rtl="0" eaLnBrk="1" latinLnBrk="0" hangingPunct="1">
+              <a:lnSpc>
+                <a:spcPct val="90000"/>
+              </a:lnSpc>
+              <a:spcBef>
+                <a:spcPts val="500"/>
+              </a:spcBef>
+              <a:buFont typeface="Arial" panose="020B0604020202020204" pitchFamily="34" charset="0"/>
+              <a:buChar char="•"/>
+              <a:defRPr sz="1800" kern="1200">
+                <a:solidFill>
+                  <a:schemeClr val="tx1"/>
+                </a:solidFill>
+                <a:latin typeface="+mn-lt"/>
+                <a:ea typeface="+mn-ea"/>
+                <a:cs typeface="+mn-cs"/>
+              </a:defRPr>
+            </a:lvl8pPr>
+            <a:lvl9pPr marL="3886006" indent="-228589" algn="l" defTabSz="914354" rtl="0" eaLnBrk="1" latinLnBrk="0" hangingPunct="1">
+              <a:lnSpc>
+                <a:spcPct val="90000"/>
+              </a:lnSpc>
+              <a:spcBef>
+                <a:spcPts val="500"/>
+              </a:spcBef>
+              <a:buFont typeface="Arial" panose="020B0604020202020204" pitchFamily="34" charset="0"/>
+              <a:buChar char="•"/>
+              <a:defRPr sz="1800" kern="1200">
+                <a:solidFill>
+                  <a:schemeClr val="tx1"/>
+                </a:solidFill>
+                <a:latin typeface="+mn-lt"/>
+                <a:ea typeface="+mn-ea"/>
+                <a:cs typeface="+mn-cs"/>
+              </a:defRPr>
+            </a:lvl9pPr>
+          </a:lstStyle>
+          <a:p>
+            <a:r>
+              <a:rPr lang="en-GB" sz="1600" dirty="0">
+                <a:latin typeface="Times New Roman" panose="02020603050405020304" pitchFamily="18" charset="0"/>
+                <a:cs typeface="Times New Roman" panose="02020603050405020304" pitchFamily="18" charset="0"/>
+              </a:rPr>
+              <a:t>M. </a:t>
+            </a:r>
+            <a:r>
+              <a:rPr lang="en-GB" sz="1600" dirty="0" err="1">
+                <a:latin typeface="Times New Roman" panose="02020603050405020304" pitchFamily="18" charset="0"/>
+                <a:cs typeface="Times New Roman" panose="02020603050405020304" pitchFamily="18" charset="0"/>
+              </a:rPr>
+              <a:t>Molhanec</a:t>
+            </a:r>
+            <a:r>
+              <a:rPr lang="en-GB" sz="1600" dirty="0">
+                <a:latin typeface="Times New Roman" panose="02020603050405020304" pitchFamily="18" charset="0"/>
+                <a:cs typeface="Times New Roman" panose="02020603050405020304" pitchFamily="18" charset="0"/>
+              </a:rPr>
+              <a:t>, "Extreme manufacturing — Agility to greater productivity and quality," Proceedings of the 2014 37th International Spring Seminar on Electronics Technology, Dresden, Germany, 2014, pp. 164-169, </a:t>
+            </a:r>
+            <a:r>
+              <a:rPr lang="en-GB" sz="1600" dirty="0" err="1">
+                <a:latin typeface="Times New Roman" panose="02020603050405020304" pitchFamily="18" charset="0"/>
+                <a:cs typeface="Times New Roman" panose="02020603050405020304" pitchFamily="18" charset="0"/>
+              </a:rPr>
+              <a:t>doi</a:t>
+            </a:r>
+            <a:r>
+              <a:rPr lang="en-GB" sz="1600" dirty="0">
+                <a:latin typeface="Times New Roman" panose="02020603050405020304" pitchFamily="18" charset="0"/>
+                <a:cs typeface="Times New Roman" panose="02020603050405020304" pitchFamily="18" charset="0"/>
+              </a:rPr>
+              <a:t>: 10.1109/ISSE.2014.6887585.</a:t>
+            </a:r>
+            <a:endParaRPr lang="en-GB" sz="1600" dirty="0">
+              <a:solidFill>
+                <a:srgbClr val="0065BD"/>
+              </a:solidFill>
+              <a:latin typeface="Times New Roman" panose="02020603050405020304" pitchFamily="18" charset="0"/>
+              <a:cs typeface="Times New Roman" panose="02020603050405020304" pitchFamily="18" charset="0"/>
+            </a:endParaRPr>
+          </a:p>
+          <a:p>
+            <a:endParaRPr lang="en-CZ" sz="1600" dirty="0">
+              <a:solidFill>
+                <a:srgbClr val="0065BD"/>
+              </a:solidFill>
+              <a:latin typeface="Times New Roman" panose="02020603050405020304" pitchFamily="18" charset="0"/>
+              <a:cs typeface="Times New Roman" panose="02020603050405020304" pitchFamily="18" charset="0"/>
+            </a:endParaRPr>
           </a:p>
         </p:txBody>
       </p:sp>
@@ -15832,7 +17900,7 @@
         </p:nvSpPr>
         <p:spPr>
           <a:xfrm>
-            <a:off x="0" y="1221336"/>
+            <a:off x="0" y="1540089"/>
             <a:ext cx="9144000" cy="523220"/>
           </a:xfrm>
           <a:prstGeom prst="rect">
@@ -15855,263 +17923,10 @@
                 <a:latin typeface="+mj-lt"/>
                 <a:cs typeface="Times New Roman" panose="02020603050405020304" pitchFamily="18" charset="0"/>
               </a:rPr>
-              <a:t>Základy ze Scrum</a:t>
+              <a:t>Zdroje</a:t>
             </a:r>
             <a:endParaRPr lang="en-CZ" sz="2800" dirty="0">
               <a:latin typeface="+mj-lt"/>
-            </a:endParaRPr>
-          </a:p>
-        </p:txBody>
-      </p:sp>
-      <p:sp>
-        <p:nvSpPr>
-          <p:cNvPr id="8" name="Content Placeholder 2">
-            <a:extLst>
-              <a:ext uri="{FF2B5EF4-FFF2-40B4-BE49-F238E27FC236}">
-                <a16:creationId xmlns:a16="http://schemas.microsoft.com/office/drawing/2014/main" id="{1DE13750-9F62-BD48-9589-CF29E926F7C9}"/>
-              </a:ext>
-            </a:extLst>
-          </p:cNvPr>
-          <p:cNvSpPr txBox="1">
-            <a:spLocks/>
-          </p:cNvSpPr>
-          <p:nvPr/>
-        </p:nvSpPr>
-        <p:spPr>
-          <a:xfrm>
-            <a:off x="675000" y="1924161"/>
-            <a:ext cx="7794000" cy="4774813"/>
-          </a:xfrm>
-          <a:prstGeom prst="rect">
-            <a:avLst/>
-          </a:prstGeom>
-        </p:spPr>
-        <p:txBody>
-          <a:bodyPr vert="horz" lIns="91440" tIns="45720" rIns="91440" bIns="45720" rtlCol="0">
-            <a:normAutofit/>
-          </a:bodyPr>
-          <a:lstStyle>
-            <a:lvl1pPr marL="0" indent="0" algn="l" defTabSz="914354" rtl="0" eaLnBrk="1" latinLnBrk="0" hangingPunct="1">
-              <a:lnSpc>
-                <a:spcPct val="90000"/>
-              </a:lnSpc>
-              <a:spcBef>
-                <a:spcPts val="1000"/>
-              </a:spcBef>
-              <a:buFont typeface="Arial" panose="020B0604020202020204" pitchFamily="34" charset="0"/>
-              <a:buNone/>
-              <a:defRPr sz="2000" kern="3000" baseline="0">
-                <a:solidFill>
-                  <a:schemeClr val="tx1"/>
-                </a:solidFill>
-                <a:latin typeface="Technika-Bold" panose="00000600000000000000" pitchFamily="50" charset="-18"/>
-                <a:ea typeface="+mn-ea"/>
-                <a:cs typeface="+mn-cs"/>
-              </a:defRPr>
-            </a:lvl1pPr>
-            <a:lvl2pPr marL="685766" indent="-228589" algn="l" defTabSz="914354" rtl="0" eaLnBrk="1" latinLnBrk="0" hangingPunct="1">
-              <a:lnSpc>
-                <a:spcPct val="90000"/>
-              </a:lnSpc>
-              <a:spcBef>
-                <a:spcPts val="500"/>
-              </a:spcBef>
-              <a:buFont typeface="Arial" panose="020B0604020202020204" pitchFamily="34" charset="0"/>
-              <a:buChar char="•"/>
-              <a:defRPr sz="2400" kern="1200">
-                <a:solidFill>
-                  <a:schemeClr val="tx1"/>
-                </a:solidFill>
-                <a:latin typeface="Technika" panose="00000600000000000000" pitchFamily="50" charset="-18"/>
-                <a:ea typeface="+mn-ea"/>
-                <a:cs typeface="+mn-cs"/>
-              </a:defRPr>
-            </a:lvl2pPr>
-            <a:lvl3pPr marL="1142942" indent="-228589" algn="l" defTabSz="914354" rtl="0" eaLnBrk="1" latinLnBrk="0" hangingPunct="1">
-              <a:lnSpc>
-                <a:spcPct val="90000"/>
-              </a:lnSpc>
-              <a:spcBef>
-                <a:spcPts val="500"/>
-              </a:spcBef>
-              <a:buFont typeface="Arial" panose="020B0604020202020204" pitchFamily="34" charset="0"/>
-              <a:buChar char="•"/>
-              <a:defRPr sz="2000" kern="1200">
-                <a:solidFill>
-                  <a:schemeClr val="tx1"/>
-                </a:solidFill>
-                <a:latin typeface="Technika" panose="00000600000000000000" pitchFamily="50" charset="-18"/>
-                <a:ea typeface="+mn-ea"/>
-                <a:cs typeface="+mn-cs"/>
-              </a:defRPr>
-            </a:lvl3pPr>
-            <a:lvl4pPr marL="1600120" indent="-228589" algn="l" defTabSz="914354" rtl="0" eaLnBrk="1" latinLnBrk="0" hangingPunct="1">
-              <a:lnSpc>
-                <a:spcPct val="90000"/>
-              </a:lnSpc>
-              <a:spcBef>
-                <a:spcPts val="500"/>
-              </a:spcBef>
-              <a:buFont typeface="Arial" panose="020B0604020202020204" pitchFamily="34" charset="0"/>
-              <a:buChar char="•"/>
-              <a:defRPr sz="1800" kern="1200">
-                <a:solidFill>
-                  <a:schemeClr val="tx1"/>
-                </a:solidFill>
-                <a:latin typeface="Technika" panose="00000600000000000000" pitchFamily="50" charset="-18"/>
-                <a:ea typeface="+mn-ea"/>
-                <a:cs typeface="+mn-cs"/>
-              </a:defRPr>
-            </a:lvl4pPr>
-            <a:lvl5pPr marL="2057298" indent="-228589" algn="l" defTabSz="914354" rtl="0" eaLnBrk="1" latinLnBrk="0" hangingPunct="1">
-              <a:lnSpc>
-                <a:spcPct val="90000"/>
-              </a:lnSpc>
-              <a:spcBef>
-                <a:spcPts val="500"/>
-              </a:spcBef>
-              <a:buFont typeface="Arial" panose="020B0604020202020204" pitchFamily="34" charset="0"/>
-              <a:buChar char="•"/>
-              <a:defRPr sz="1800" kern="1200">
-                <a:solidFill>
-                  <a:schemeClr val="tx1"/>
-                </a:solidFill>
-                <a:latin typeface="Technika" panose="00000600000000000000" pitchFamily="50" charset="-18"/>
-                <a:ea typeface="+mn-ea"/>
-                <a:cs typeface="+mn-cs"/>
-              </a:defRPr>
-            </a:lvl5pPr>
-            <a:lvl6pPr marL="2514474" indent="-228589" algn="l" defTabSz="914354" rtl="0" eaLnBrk="1" latinLnBrk="0" hangingPunct="1">
-              <a:lnSpc>
-                <a:spcPct val="90000"/>
-              </a:lnSpc>
-              <a:spcBef>
-                <a:spcPts val="500"/>
-              </a:spcBef>
-              <a:buFont typeface="Arial" panose="020B0604020202020204" pitchFamily="34" charset="0"/>
-              <a:buChar char="•"/>
-              <a:defRPr sz="1800" kern="1200">
-                <a:solidFill>
-                  <a:schemeClr val="tx1"/>
-                </a:solidFill>
-                <a:latin typeface="+mn-lt"/>
-                <a:ea typeface="+mn-ea"/>
-                <a:cs typeface="+mn-cs"/>
-              </a:defRPr>
-            </a:lvl6pPr>
-            <a:lvl7pPr marL="2971652" indent="-228589" algn="l" defTabSz="914354" rtl="0" eaLnBrk="1" latinLnBrk="0" hangingPunct="1">
-              <a:lnSpc>
-                <a:spcPct val="90000"/>
-              </a:lnSpc>
-              <a:spcBef>
-                <a:spcPts val="500"/>
-              </a:spcBef>
-              <a:buFont typeface="Arial" panose="020B0604020202020204" pitchFamily="34" charset="0"/>
-              <a:buChar char="•"/>
-              <a:defRPr sz="1800" kern="1200">
-                <a:solidFill>
-                  <a:schemeClr val="tx1"/>
-                </a:solidFill>
-                <a:latin typeface="+mn-lt"/>
-                <a:ea typeface="+mn-ea"/>
-                <a:cs typeface="+mn-cs"/>
-              </a:defRPr>
-            </a:lvl7pPr>
-            <a:lvl8pPr marL="3428829" indent="-228589" algn="l" defTabSz="914354" rtl="0" eaLnBrk="1" latinLnBrk="0" hangingPunct="1">
-              <a:lnSpc>
-                <a:spcPct val="90000"/>
-              </a:lnSpc>
-              <a:spcBef>
-                <a:spcPts val="500"/>
-              </a:spcBef>
-              <a:buFont typeface="Arial" panose="020B0604020202020204" pitchFamily="34" charset="0"/>
-              <a:buChar char="•"/>
-              <a:defRPr sz="1800" kern="1200">
-                <a:solidFill>
-                  <a:schemeClr val="tx1"/>
-                </a:solidFill>
-                <a:latin typeface="+mn-lt"/>
-                <a:ea typeface="+mn-ea"/>
-                <a:cs typeface="+mn-cs"/>
-              </a:defRPr>
-            </a:lvl8pPr>
-            <a:lvl9pPr marL="3886006" indent="-228589" algn="l" defTabSz="914354" rtl="0" eaLnBrk="1" latinLnBrk="0" hangingPunct="1">
-              <a:lnSpc>
-                <a:spcPct val="90000"/>
-              </a:lnSpc>
-              <a:spcBef>
-                <a:spcPts val="500"/>
-              </a:spcBef>
-              <a:buFont typeface="Arial" panose="020B0604020202020204" pitchFamily="34" charset="0"/>
-              <a:buChar char="•"/>
-              <a:defRPr sz="1800" kern="1200">
-                <a:solidFill>
-                  <a:schemeClr val="tx1"/>
-                </a:solidFill>
-                <a:latin typeface="+mn-lt"/>
-                <a:ea typeface="+mn-ea"/>
-                <a:cs typeface="+mn-cs"/>
-              </a:defRPr>
-            </a:lvl9pPr>
-          </a:lstStyle>
-          <a:p>
-            <a:pPr algn="ctr"/>
-            <a:r>
-              <a:rPr lang="en-CZ" sz="2400" dirty="0">
-                <a:latin typeface="Times New Roman" panose="02020603050405020304" pitchFamily="18" charset="0"/>
-                <a:cs typeface="Times New Roman" panose="02020603050405020304" pitchFamily="18" charset="0"/>
-              </a:rPr>
-              <a:t>Optimizováno pro změnu</a:t>
-            </a:r>
-          </a:p>
-          <a:p>
-            <a:pPr algn="ctr"/>
-            <a:r>
-              <a:rPr lang="en-CZ" sz="2400" dirty="0">
-                <a:latin typeface="Times New Roman" panose="02020603050405020304" pitchFamily="18" charset="0"/>
-                <a:cs typeface="Times New Roman" panose="02020603050405020304" pitchFamily="18" charset="0"/>
-              </a:rPr>
-              <a:t>Objektivně orientované, modulární architektura</a:t>
-            </a:r>
-          </a:p>
-          <a:p>
-            <a:pPr algn="ctr"/>
-            <a:r>
-              <a:rPr lang="en-CZ" sz="2400" dirty="0">
-                <a:latin typeface="Times New Roman" panose="02020603050405020304" pitchFamily="18" charset="0"/>
-                <a:cs typeface="Times New Roman" panose="02020603050405020304" pitchFamily="18" charset="0"/>
-              </a:rPr>
-              <a:t>Test Driven Development</a:t>
-            </a:r>
-          </a:p>
-          <a:p>
-            <a:pPr algn="ctr"/>
-            <a:r>
-              <a:rPr lang="en-CZ" sz="2400" dirty="0">
-                <a:latin typeface="Times New Roman" panose="02020603050405020304" pitchFamily="18" charset="0"/>
-                <a:cs typeface="Times New Roman" panose="02020603050405020304" pitchFamily="18" charset="0"/>
-              </a:rPr>
-              <a:t>Contact First Design</a:t>
-            </a:r>
-          </a:p>
-          <a:p>
-            <a:pPr algn="ctr"/>
-            <a:r>
-              <a:rPr lang="en-CZ" sz="2400" dirty="0">
-                <a:solidFill>
-                  <a:srgbClr val="0065BD"/>
-                </a:solidFill>
-                <a:latin typeface="Times New Roman" panose="02020603050405020304" pitchFamily="18" charset="0"/>
-                <a:cs typeface="Times New Roman" panose="02020603050405020304" pitchFamily="18" charset="0"/>
-              </a:rPr>
-              <a:t>Iterate the Design</a:t>
-            </a:r>
-          </a:p>
-          <a:p>
-            <a:pPr algn="ctr"/>
-            <a:endParaRPr lang="en-CZ" sz="2400" dirty="0">
-              <a:latin typeface="Times New Roman" panose="02020603050405020304" pitchFamily="18" charset="0"/>
-              <a:cs typeface="Times New Roman" panose="02020603050405020304" pitchFamily="18" charset="0"/>
             </a:endParaRPr>
           </a:p>
         </p:txBody>
@@ -16119,7 +17934,7 @@
     </p:spTree>
     <p:extLst>
       <p:ext uri="{BB962C8B-B14F-4D97-AF65-F5344CB8AC3E}">
-        <p14:creationId xmlns:p14="http://schemas.microsoft.com/office/powerpoint/2010/main" val="437437047"/>
+        <p14:creationId xmlns:p14="http://schemas.microsoft.com/office/powerpoint/2010/main" val="350606253"/>
       </p:ext>
     </p:extLst>
   </p:cSld>
@@ -16148,10 +17963,43 @@
       </p:grpSpPr>
       <p:sp>
         <p:nvSpPr>
-          <p:cNvPr id="7" name="Title 1">
+          <p:cNvPr id="2" name="Title 1">
             <a:extLst>
               <a:ext uri="{FF2B5EF4-FFF2-40B4-BE49-F238E27FC236}">
-                <a16:creationId xmlns:a16="http://schemas.microsoft.com/office/drawing/2014/main" id="{778F5AB8-30D0-2943-8A43-A6E04205B88F}"/>
+                <a16:creationId xmlns:a16="http://schemas.microsoft.com/office/drawing/2014/main" id="{28C9F81D-D815-C64B-B580-2F7E104BCCF8}"/>
+              </a:ext>
+            </a:extLst>
+          </p:cNvPr>
+          <p:cNvSpPr>
+            <a:spLocks noGrp="1"/>
+          </p:cNvSpPr>
+          <p:nvPr>
+            <p:ph type="ctrTitle"/>
+          </p:nvPr>
+        </p:nvSpPr>
+        <p:spPr>
+          <a:xfrm>
+            <a:off x="1080000" y="2705668"/>
+            <a:ext cx="7736694" cy="1446663"/>
+          </a:xfrm>
+        </p:spPr>
+        <p:txBody>
+          <a:bodyPr/>
+          <a:lstStyle/>
+          <a:p>
+            <a:r>
+              <a:rPr lang="en-CZ" dirty="0"/>
+              <a:t>Děkujeme za pozornost</a:t>
+            </a:r>
+          </a:p>
+        </p:txBody>
+      </p:sp>
+      <p:sp>
+        <p:nvSpPr>
+          <p:cNvPr id="4" name="Content Placeholder 2">
+            <a:extLst>
+              <a:ext uri="{FF2B5EF4-FFF2-40B4-BE49-F238E27FC236}">
+                <a16:creationId xmlns:a16="http://schemas.microsoft.com/office/drawing/2014/main" id="{0989FA9D-E085-184A-85E2-259E55750507}"/>
               </a:ext>
             </a:extLst>
           </p:cNvPr>
@@ -16162,107 +18010,8 @@
         </p:nvSpPr>
         <p:spPr>
           <a:xfrm>
-            <a:off x="8469000" y="19878"/>
-            <a:ext cx="907827" cy="544775"/>
-          </a:xfrm>
-          <a:prstGeom prst="rect">
-            <a:avLst/>
-          </a:prstGeom>
-        </p:spPr>
-        <p:txBody>
-          <a:bodyPr vert="horz" lIns="91440" tIns="45720" rIns="91440" bIns="45720" rtlCol="0" anchor="t">
-            <a:normAutofit/>
-          </a:bodyPr>
-          <a:lstStyle>
-            <a:lvl1pPr algn="l" defTabSz="914354" rtl="0" eaLnBrk="1" latinLnBrk="0" hangingPunct="1">
-              <a:lnSpc>
-                <a:spcPct val="90000"/>
-              </a:lnSpc>
-              <a:spcBef>
-                <a:spcPct val="0"/>
-              </a:spcBef>
-              <a:buNone/>
-              <a:defRPr sz="2800" kern="2800" baseline="0">
-                <a:solidFill>
-                  <a:schemeClr val="tx1"/>
-                </a:solidFill>
-                <a:latin typeface="Technika-Bold" panose="00000600000000000000" pitchFamily="50" charset="-18"/>
-                <a:ea typeface="+mj-ea"/>
-                <a:cs typeface="+mj-cs"/>
-              </a:defRPr>
-            </a:lvl1pPr>
-          </a:lstStyle>
-          <a:p>
-            <a:r>
-              <a:rPr lang="en-CZ" dirty="0"/>
-              <a:t>XM</a:t>
-            </a:r>
-          </a:p>
-        </p:txBody>
-      </p:sp>
-      <p:sp>
-        <p:nvSpPr>
-          <p:cNvPr id="5" name="TextBox 4">
-            <a:extLst>
-              <a:ext uri="{FF2B5EF4-FFF2-40B4-BE49-F238E27FC236}">
-                <a16:creationId xmlns:a16="http://schemas.microsoft.com/office/drawing/2014/main" id="{0B97D00E-39C2-D145-A631-DBA36E45E7E1}"/>
-              </a:ext>
-            </a:extLst>
-          </p:cNvPr>
-          <p:cNvSpPr txBox="1"/>
-          <p:nvPr/>
-        </p:nvSpPr>
-        <p:spPr>
-          <a:xfrm>
-            <a:off x="0" y="1221336"/>
-            <a:ext cx="9144000" cy="523220"/>
-          </a:xfrm>
-          <a:prstGeom prst="rect">
-            <a:avLst/>
-          </a:prstGeom>
-          <a:noFill/>
-        </p:spPr>
-        <p:txBody>
-          <a:bodyPr wrap="square" rtlCol="0">
-            <a:spAutoFit/>
-          </a:bodyPr>
-          <a:lstStyle/>
-          <a:p>
-            <a:pPr algn="ctr"/>
-            <a:r>
-              <a:rPr lang="en-CZ" sz="2800" dirty="0">
-                <a:solidFill>
-                  <a:srgbClr val="FF0000"/>
-                </a:solidFill>
-                <a:latin typeface="+mj-lt"/>
-                <a:cs typeface="Times New Roman" panose="02020603050405020304" pitchFamily="18" charset="0"/>
-              </a:rPr>
-              <a:t>Základy ze Scrum</a:t>
-            </a:r>
-            <a:endParaRPr lang="en-CZ" sz="2800" dirty="0">
-              <a:latin typeface="+mj-lt"/>
-            </a:endParaRPr>
-          </a:p>
-        </p:txBody>
-      </p:sp>
-      <p:sp>
-        <p:nvSpPr>
-          <p:cNvPr id="8" name="Content Placeholder 2">
-            <a:extLst>
-              <a:ext uri="{FF2B5EF4-FFF2-40B4-BE49-F238E27FC236}">
-                <a16:creationId xmlns:a16="http://schemas.microsoft.com/office/drawing/2014/main" id="{1DE13750-9F62-BD48-9589-CF29E926F7C9}"/>
-              </a:ext>
-            </a:extLst>
-          </p:cNvPr>
-          <p:cNvSpPr txBox="1">
-            <a:spLocks/>
-          </p:cNvSpPr>
-          <p:nvPr/>
-        </p:nvSpPr>
-        <p:spPr>
-          <a:xfrm>
-            <a:off x="675000" y="1924161"/>
-            <a:ext cx="7794000" cy="4774813"/>
+            <a:off x="-457200" y="6272448"/>
+            <a:ext cx="10058400" cy="1481070"/>
           </a:xfrm>
           <a:prstGeom prst="rect">
             <a:avLst/>
@@ -16439,71 +18188,41 @@
           <a:p>
             <a:pPr algn="ctr"/>
             <a:r>
-              <a:rPr lang="en-CZ" sz="2400" dirty="0">
-                <a:latin typeface="Times New Roman" panose="02020603050405020304" pitchFamily="18" charset="0"/>
-                <a:cs typeface="Times New Roman" panose="02020603050405020304" pitchFamily="18" charset="0"/>
-              </a:rPr>
-              <a:t>Optimizováno pro změnu</a:t>
-            </a:r>
-          </a:p>
-          <a:p>
-            <a:pPr algn="ctr"/>
-            <a:r>
-              <a:rPr lang="en-CZ" sz="2400" dirty="0">
-                <a:latin typeface="Times New Roman" panose="02020603050405020304" pitchFamily="18" charset="0"/>
-                <a:cs typeface="Times New Roman" panose="02020603050405020304" pitchFamily="18" charset="0"/>
-              </a:rPr>
-              <a:t>Objektivně orientované, modulární architektura</a:t>
-            </a:r>
-          </a:p>
-          <a:p>
-            <a:pPr algn="ctr"/>
-            <a:r>
-              <a:rPr lang="en-CZ" sz="2400" dirty="0">
-                <a:latin typeface="Times New Roman" panose="02020603050405020304" pitchFamily="18" charset="0"/>
-                <a:cs typeface="Times New Roman" panose="02020603050405020304" pitchFamily="18" charset="0"/>
-              </a:rPr>
-              <a:t>Test Driven Development</a:t>
-            </a:r>
-          </a:p>
-          <a:p>
-            <a:pPr algn="ctr"/>
-            <a:r>
-              <a:rPr lang="en-CZ" sz="2400" dirty="0">
-                <a:latin typeface="Times New Roman" panose="02020603050405020304" pitchFamily="18" charset="0"/>
-                <a:cs typeface="Times New Roman" panose="02020603050405020304" pitchFamily="18" charset="0"/>
-              </a:rPr>
-              <a:t>Contact First Design</a:t>
-            </a:r>
-          </a:p>
-          <a:p>
-            <a:pPr algn="ctr"/>
-            <a:r>
-              <a:rPr lang="en-CZ" sz="2400" dirty="0">
-                <a:latin typeface="Times New Roman" panose="02020603050405020304" pitchFamily="18" charset="0"/>
-                <a:cs typeface="Times New Roman" panose="02020603050405020304" pitchFamily="18" charset="0"/>
-              </a:rPr>
-              <a:t>Iterate the Design</a:t>
-            </a:r>
-          </a:p>
-          <a:p>
-            <a:pPr algn="ctr"/>
-            <a:r>
-              <a:rPr lang="en-CZ" sz="2400" dirty="0">
-                <a:solidFill>
-                  <a:srgbClr val="0065BD"/>
-                </a:solidFill>
-                <a:latin typeface="Times New Roman" panose="02020603050405020304" pitchFamily="18" charset="0"/>
-                <a:cs typeface="Times New Roman" panose="02020603050405020304" pitchFamily="18" charset="0"/>
-              </a:rPr>
-              <a:t>Agile Hardware Design Patterns</a:t>
-            </a:r>
-          </a:p>
-          <a:p>
-            <a:pPr algn="ctr"/>
-            <a:endParaRPr lang="en-CZ" sz="2400" dirty="0">
-              <a:latin typeface="Times New Roman" panose="02020603050405020304" pitchFamily="18" charset="0"/>
-              <a:cs typeface="Times New Roman" panose="02020603050405020304" pitchFamily="18" charset="0"/>
+              <a:rPr lang="cs-CZ" sz="2800" dirty="0" err="1">
+                <a:solidFill>
+                  <a:schemeClr val="bg1">
+                    <a:lumMod val="85000"/>
+                  </a:schemeClr>
+                </a:solidFill>
+              </a:rPr>
+              <a:t>ptzk.cz</a:t>
+            </a:r>
+            <a:r>
+              <a:rPr lang="cs-CZ" sz="2800" dirty="0">
+                <a:solidFill>
+                  <a:schemeClr val="bg1">
+                    <a:lumMod val="85000"/>
+                  </a:schemeClr>
+                </a:solidFill>
+              </a:rPr>
+              <a:t>/</a:t>
+            </a:r>
+            <a:r>
+              <a:rPr lang="cs-CZ" sz="2800" dirty="0" err="1">
+                <a:solidFill>
+                  <a:schemeClr val="bg1">
+                    <a:lumMod val="85000"/>
+                  </a:schemeClr>
+                </a:solidFill>
+              </a:rPr>
+              <a:t>tpr</a:t>
+            </a:r>
+            <a:endParaRPr lang="en-CZ" sz="2800" dirty="0">
+              <a:solidFill>
+                <a:schemeClr val="bg1">
+                  <a:lumMod val="85000"/>
+                </a:schemeClr>
+              </a:solidFill>
             </a:endParaRPr>
           </a:p>
         </p:txBody>
@@ -16511,807 +18230,7 @@
     </p:spTree>
     <p:extLst>
       <p:ext uri="{BB962C8B-B14F-4D97-AF65-F5344CB8AC3E}">
-        <p14:creationId xmlns:p14="http://schemas.microsoft.com/office/powerpoint/2010/main" val="2965370288"/>
-      </p:ext>
-    </p:extLst>
-  </p:cSld>
-  <p:clrMapOvr>
-    <a:masterClrMapping/>
-  </p:clrMapOvr>
-</p:sld>
-</file>
-
-<file path=ppt/slides/slide48.xml><?xml version="1.0" encoding="utf-8"?>
-<p:sld xmlns:a="http://schemas.openxmlformats.org/drawingml/2006/main" xmlns:r="http://schemas.openxmlformats.org/officeDocument/2006/relationships" xmlns:p="http://schemas.openxmlformats.org/presentationml/2006/main">
-  <p:cSld>
-    <p:spTree>
-      <p:nvGrpSpPr>
-        <p:cNvPr id="1" name=""/>
-        <p:cNvGrpSpPr/>
-        <p:nvPr/>
-      </p:nvGrpSpPr>
-      <p:grpSpPr>
-        <a:xfrm>
-          <a:off x="0" y="0"/>
-          <a:ext cx="0" cy="0"/>
-          <a:chOff x="0" y="0"/>
-          <a:chExt cx="0" cy="0"/>
-        </a:xfrm>
-      </p:grpSpPr>
-      <p:sp>
-        <p:nvSpPr>
-          <p:cNvPr id="7" name="Title 1">
-            <a:extLst>
-              <a:ext uri="{FF2B5EF4-FFF2-40B4-BE49-F238E27FC236}">
-                <a16:creationId xmlns:a16="http://schemas.microsoft.com/office/drawing/2014/main" id="{778F5AB8-30D0-2943-8A43-A6E04205B88F}"/>
-              </a:ext>
-            </a:extLst>
-          </p:cNvPr>
-          <p:cNvSpPr txBox="1">
-            <a:spLocks/>
-          </p:cNvSpPr>
-          <p:nvPr/>
-        </p:nvSpPr>
-        <p:spPr>
-          <a:xfrm>
-            <a:off x="8469000" y="19878"/>
-            <a:ext cx="907827" cy="544775"/>
-          </a:xfrm>
-          <a:prstGeom prst="rect">
-            <a:avLst/>
-          </a:prstGeom>
-        </p:spPr>
-        <p:txBody>
-          <a:bodyPr vert="horz" lIns="91440" tIns="45720" rIns="91440" bIns="45720" rtlCol="0" anchor="t">
-            <a:normAutofit/>
-          </a:bodyPr>
-          <a:lstStyle>
-            <a:lvl1pPr algn="l" defTabSz="914354" rtl="0" eaLnBrk="1" latinLnBrk="0" hangingPunct="1">
-              <a:lnSpc>
-                <a:spcPct val="90000"/>
-              </a:lnSpc>
-              <a:spcBef>
-                <a:spcPct val="0"/>
-              </a:spcBef>
-              <a:buNone/>
-              <a:defRPr sz="2800" kern="2800" baseline="0">
-                <a:solidFill>
-                  <a:schemeClr val="tx1"/>
-                </a:solidFill>
-                <a:latin typeface="Technika-Bold" panose="00000600000000000000" pitchFamily="50" charset="-18"/>
-                <a:ea typeface="+mj-ea"/>
-                <a:cs typeface="+mj-cs"/>
-              </a:defRPr>
-            </a:lvl1pPr>
-          </a:lstStyle>
-          <a:p>
-            <a:r>
-              <a:rPr lang="en-CZ" dirty="0"/>
-              <a:t>XM</a:t>
-            </a:r>
-          </a:p>
-        </p:txBody>
-      </p:sp>
-      <p:sp>
-        <p:nvSpPr>
-          <p:cNvPr id="5" name="TextBox 4">
-            <a:extLst>
-              <a:ext uri="{FF2B5EF4-FFF2-40B4-BE49-F238E27FC236}">
-                <a16:creationId xmlns:a16="http://schemas.microsoft.com/office/drawing/2014/main" id="{0B97D00E-39C2-D145-A631-DBA36E45E7E1}"/>
-              </a:ext>
-            </a:extLst>
-          </p:cNvPr>
-          <p:cNvSpPr txBox="1"/>
-          <p:nvPr/>
-        </p:nvSpPr>
-        <p:spPr>
-          <a:xfrm>
-            <a:off x="0" y="1221336"/>
-            <a:ext cx="9144000" cy="523220"/>
-          </a:xfrm>
-          <a:prstGeom prst="rect">
-            <a:avLst/>
-          </a:prstGeom>
-          <a:noFill/>
-        </p:spPr>
-        <p:txBody>
-          <a:bodyPr wrap="square" rtlCol="0">
-            <a:spAutoFit/>
-          </a:bodyPr>
-          <a:lstStyle/>
-          <a:p>
-            <a:pPr algn="ctr"/>
-            <a:r>
-              <a:rPr lang="en-CZ" sz="2800" dirty="0">
-                <a:solidFill>
-                  <a:srgbClr val="FF0000"/>
-                </a:solidFill>
-                <a:latin typeface="+mj-lt"/>
-                <a:cs typeface="Times New Roman" panose="02020603050405020304" pitchFamily="18" charset="0"/>
-              </a:rPr>
-              <a:t>Základy ze Scrum</a:t>
-            </a:r>
-            <a:endParaRPr lang="en-CZ" sz="2800" dirty="0">
-              <a:latin typeface="+mj-lt"/>
-            </a:endParaRPr>
-          </a:p>
-        </p:txBody>
-      </p:sp>
-      <p:sp>
-        <p:nvSpPr>
-          <p:cNvPr id="8" name="Content Placeholder 2">
-            <a:extLst>
-              <a:ext uri="{FF2B5EF4-FFF2-40B4-BE49-F238E27FC236}">
-                <a16:creationId xmlns:a16="http://schemas.microsoft.com/office/drawing/2014/main" id="{1DE13750-9F62-BD48-9589-CF29E926F7C9}"/>
-              </a:ext>
-            </a:extLst>
-          </p:cNvPr>
-          <p:cNvSpPr txBox="1">
-            <a:spLocks/>
-          </p:cNvSpPr>
-          <p:nvPr/>
-        </p:nvSpPr>
-        <p:spPr>
-          <a:xfrm>
-            <a:off x="675000" y="1924161"/>
-            <a:ext cx="7794000" cy="4774813"/>
-          </a:xfrm>
-          <a:prstGeom prst="rect">
-            <a:avLst/>
-          </a:prstGeom>
-        </p:spPr>
-        <p:txBody>
-          <a:bodyPr vert="horz" lIns="91440" tIns="45720" rIns="91440" bIns="45720" rtlCol="0">
-            <a:normAutofit/>
-          </a:bodyPr>
-          <a:lstStyle>
-            <a:lvl1pPr marL="0" indent="0" algn="l" defTabSz="914354" rtl="0" eaLnBrk="1" latinLnBrk="0" hangingPunct="1">
-              <a:lnSpc>
-                <a:spcPct val="90000"/>
-              </a:lnSpc>
-              <a:spcBef>
-                <a:spcPts val="1000"/>
-              </a:spcBef>
-              <a:buFont typeface="Arial" panose="020B0604020202020204" pitchFamily="34" charset="0"/>
-              <a:buNone/>
-              <a:defRPr sz="2000" kern="3000" baseline="0">
-                <a:solidFill>
-                  <a:schemeClr val="tx1"/>
-                </a:solidFill>
-                <a:latin typeface="Technika-Bold" panose="00000600000000000000" pitchFamily="50" charset="-18"/>
-                <a:ea typeface="+mn-ea"/>
-                <a:cs typeface="+mn-cs"/>
-              </a:defRPr>
-            </a:lvl1pPr>
-            <a:lvl2pPr marL="685766" indent="-228589" algn="l" defTabSz="914354" rtl="0" eaLnBrk="1" latinLnBrk="0" hangingPunct="1">
-              <a:lnSpc>
-                <a:spcPct val="90000"/>
-              </a:lnSpc>
-              <a:spcBef>
-                <a:spcPts val="500"/>
-              </a:spcBef>
-              <a:buFont typeface="Arial" panose="020B0604020202020204" pitchFamily="34" charset="0"/>
-              <a:buChar char="•"/>
-              <a:defRPr sz="2400" kern="1200">
-                <a:solidFill>
-                  <a:schemeClr val="tx1"/>
-                </a:solidFill>
-                <a:latin typeface="Technika" panose="00000600000000000000" pitchFamily="50" charset="-18"/>
-                <a:ea typeface="+mn-ea"/>
-                <a:cs typeface="+mn-cs"/>
-              </a:defRPr>
-            </a:lvl2pPr>
-            <a:lvl3pPr marL="1142942" indent="-228589" algn="l" defTabSz="914354" rtl="0" eaLnBrk="1" latinLnBrk="0" hangingPunct="1">
-              <a:lnSpc>
-                <a:spcPct val="90000"/>
-              </a:lnSpc>
-              <a:spcBef>
-                <a:spcPts val="500"/>
-              </a:spcBef>
-              <a:buFont typeface="Arial" panose="020B0604020202020204" pitchFamily="34" charset="0"/>
-              <a:buChar char="•"/>
-              <a:defRPr sz="2000" kern="1200">
-                <a:solidFill>
-                  <a:schemeClr val="tx1"/>
-                </a:solidFill>
-                <a:latin typeface="Technika" panose="00000600000000000000" pitchFamily="50" charset="-18"/>
-                <a:ea typeface="+mn-ea"/>
-                <a:cs typeface="+mn-cs"/>
-              </a:defRPr>
-            </a:lvl3pPr>
-            <a:lvl4pPr marL="1600120" indent="-228589" algn="l" defTabSz="914354" rtl="0" eaLnBrk="1" latinLnBrk="0" hangingPunct="1">
-              <a:lnSpc>
-                <a:spcPct val="90000"/>
-              </a:lnSpc>
-              <a:spcBef>
-                <a:spcPts val="500"/>
-              </a:spcBef>
-              <a:buFont typeface="Arial" panose="020B0604020202020204" pitchFamily="34" charset="0"/>
-              <a:buChar char="•"/>
-              <a:defRPr sz="1800" kern="1200">
-                <a:solidFill>
-                  <a:schemeClr val="tx1"/>
-                </a:solidFill>
-                <a:latin typeface="Technika" panose="00000600000000000000" pitchFamily="50" charset="-18"/>
-                <a:ea typeface="+mn-ea"/>
-                <a:cs typeface="+mn-cs"/>
-              </a:defRPr>
-            </a:lvl4pPr>
-            <a:lvl5pPr marL="2057298" indent="-228589" algn="l" defTabSz="914354" rtl="0" eaLnBrk="1" latinLnBrk="0" hangingPunct="1">
-              <a:lnSpc>
-                <a:spcPct val="90000"/>
-              </a:lnSpc>
-              <a:spcBef>
-                <a:spcPts val="500"/>
-              </a:spcBef>
-              <a:buFont typeface="Arial" panose="020B0604020202020204" pitchFamily="34" charset="0"/>
-              <a:buChar char="•"/>
-              <a:defRPr sz="1800" kern="1200">
-                <a:solidFill>
-                  <a:schemeClr val="tx1"/>
-                </a:solidFill>
-                <a:latin typeface="Technika" panose="00000600000000000000" pitchFamily="50" charset="-18"/>
-                <a:ea typeface="+mn-ea"/>
-                <a:cs typeface="+mn-cs"/>
-              </a:defRPr>
-            </a:lvl5pPr>
-            <a:lvl6pPr marL="2514474" indent="-228589" algn="l" defTabSz="914354" rtl="0" eaLnBrk="1" latinLnBrk="0" hangingPunct="1">
-              <a:lnSpc>
-                <a:spcPct val="90000"/>
-              </a:lnSpc>
-              <a:spcBef>
-                <a:spcPts val="500"/>
-              </a:spcBef>
-              <a:buFont typeface="Arial" panose="020B0604020202020204" pitchFamily="34" charset="0"/>
-              <a:buChar char="•"/>
-              <a:defRPr sz="1800" kern="1200">
-                <a:solidFill>
-                  <a:schemeClr val="tx1"/>
-                </a:solidFill>
-                <a:latin typeface="+mn-lt"/>
-                <a:ea typeface="+mn-ea"/>
-                <a:cs typeface="+mn-cs"/>
-              </a:defRPr>
-            </a:lvl6pPr>
-            <a:lvl7pPr marL="2971652" indent="-228589" algn="l" defTabSz="914354" rtl="0" eaLnBrk="1" latinLnBrk="0" hangingPunct="1">
-              <a:lnSpc>
-                <a:spcPct val="90000"/>
-              </a:lnSpc>
-              <a:spcBef>
-                <a:spcPts val="500"/>
-              </a:spcBef>
-              <a:buFont typeface="Arial" panose="020B0604020202020204" pitchFamily="34" charset="0"/>
-              <a:buChar char="•"/>
-              <a:defRPr sz="1800" kern="1200">
-                <a:solidFill>
-                  <a:schemeClr val="tx1"/>
-                </a:solidFill>
-                <a:latin typeface="+mn-lt"/>
-                <a:ea typeface="+mn-ea"/>
-                <a:cs typeface="+mn-cs"/>
-              </a:defRPr>
-            </a:lvl7pPr>
-            <a:lvl8pPr marL="3428829" indent="-228589" algn="l" defTabSz="914354" rtl="0" eaLnBrk="1" latinLnBrk="0" hangingPunct="1">
-              <a:lnSpc>
-                <a:spcPct val="90000"/>
-              </a:lnSpc>
-              <a:spcBef>
-                <a:spcPts val="500"/>
-              </a:spcBef>
-              <a:buFont typeface="Arial" panose="020B0604020202020204" pitchFamily="34" charset="0"/>
-              <a:buChar char="•"/>
-              <a:defRPr sz="1800" kern="1200">
-                <a:solidFill>
-                  <a:schemeClr val="tx1"/>
-                </a:solidFill>
-                <a:latin typeface="+mn-lt"/>
-                <a:ea typeface="+mn-ea"/>
-                <a:cs typeface="+mn-cs"/>
-              </a:defRPr>
-            </a:lvl8pPr>
-            <a:lvl9pPr marL="3886006" indent="-228589" algn="l" defTabSz="914354" rtl="0" eaLnBrk="1" latinLnBrk="0" hangingPunct="1">
-              <a:lnSpc>
-                <a:spcPct val="90000"/>
-              </a:lnSpc>
-              <a:spcBef>
-                <a:spcPts val="500"/>
-              </a:spcBef>
-              <a:buFont typeface="Arial" panose="020B0604020202020204" pitchFamily="34" charset="0"/>
-              <a:buChar char="•"/>
-              <a:defRPr sz="1800" kern="1200">
-                <a:solidFill>
-                  <a:schemeClr val="tx1"/>
-                </a:solidFill>
-                <a:latin typeface="+mn-lt"/>
-                <a:ea typeface="+mn-ea"/>
-                <a:cs typeface="+mn-cs"/>
-              </a:defRPr>
-            </a:lvl9pPr>
-          </a:lstStyle>
-          <a:p>
-            <a:pPr algn="ctr"/>
-            <a:r>
-              <a:rPr lang="en-CZ" sz="2400" dirty="0">
-                <a:latin typeface="Times New Roman" panose="02020603050405020304" pitchFamily="18" charset="0"/>
-                <a:cs typeface="Times New Roman" panose="02020603050405020304" pitchFamily="18" charset="0"/>
-              </a:rPr>
-              <a:t>Optimizováno pro změnu</a:t>
-            </a:r>
-          </a:p>
-          <a:p>
-            <a:pPr algn="ctr"/>
-            <a:r>
-              <a:rPr lang="en-CZ" sz="2400" dirty="0">
-                <a:latin typeface="Times New Roman" panose="02020603050405020304" pitchFamily="18" charset="0"/>
-                <a:cs typeface="Times New Roman" panose="02020603050405020304" pitchFamily="18" charset="0"/>
-              </a:rPr>
-              <a:t>Objektivně orientované, modulární architektura</a:t>
-            </a:r>
-          </a:p>
-          <a:p>
-            <a:pPr algn="ctr"/>
-            <a:r>
-              <a:rPr lang="en-CZ" sz="2400" dirty="0">
-                <a:latin typeface="Times New Roman" panose="02020603050405020304" pitchFamily="18" charset="0"/>
-                <a:cs typeface="Times New Roman" panose="02020603050405020304" pitchFamily="18" charset="0"/>
-              </a:rPr>
-              <a:t>Test Driven Development</a:t>
-            </a:r>
-          </a:p>
-          <a:p>
-            <a:pPr algn="ctr"/>
-            <a:r>
-              <a:rPr lang="en-CZ" sz="2400" dirty="0">
-                <a:latin typeface="Times New Roman" panose="02020603050405020304" pitchFamily="18" charset="0"/>
-                <a:cs typeface="Times New Roman" panose="02020603050405020304" pitchFamily="18" charset="0"/>
-              </a:rPr>
-              <a:t>Contact First Design</a:t>
-            </a:r>
-          </a:p>
-          <a:p>
-            <a:pPr algn="ctr"/>
-            <a:r>
-              <a:rPr lang="en-CZ" sz="2400" dirty="0">
-                <a:latin typeface="Times New Roman" panose="02020603050405020304" pitchFamily="18" charset="0"/>
-                <a:cs typeface="Times New Roman" panose="02020603050405020304" pitchFamily="18" charset="0"/>
-              </a:rPr>
-              <a:t>Iterate the Design</a:t>
-            </a:r>
-          </a:p>
-          <a:p>
-            <a:pPr algn="ctr"/>
-            <a:r>
-              <a:rPr lang="en-CZ" sz="2400" dirty="0">
-                <a:latin typeface="Times New Roman" panose="02020603050405020304" pitchFamily="18" charset="0"/>
-                <a:cs typeface="Times New Roman" panose="02020603050405020304" pitchFamily="18" charset="0"/>
-              </a:rPr>
-              <a:t>Agile Hardware Design Patterns</a:t>
-            </a:r>
-          </a:p>
-          <a:p>
-            <a:pPr algn="ctr"/>
-            <a:r>
-              <a:rPr lang="en-CZ" sz="2400" dirty="0">
-                <a:solidFill>
-                  <a:srgbClr val="0065BD"/>
-                </a:solidFill>
-                <a:latin typeface="Times New Roman" panose="02020603050405020304" pitchFamily="18" charset="0"/>
-                <a:cs typeface="Times New Roman" panose="02020603050405020304" pitchFamily="18" charset="0"/>
-              </a:rPr>
-              <a:t>Continuous Integration Development</a:t>
-            </a:r>
-          </a:p>
-        </p:txBody>
-      </p:sp>
-    </p:spTree>
-    <p:extLst>
-      <p:ext uri="{BB962C8B-B14F-4D97-AF65-F5344CB8AC3E}">
-        <p14:creationId xmlns:p14="http://schemas.microsoft.com/office/powerpoint/2010/main" val="1168832104"/>
-      </p:ext>
-    </p:extLst>
-  </p:cSld>
-  <p:clrMapOvr>
-    <a:masterClrMapping/>
-  </p:clrMapOvr>
-</p:sld>
-</file>
-
-<file path=ppt/slides/slide49.xml><?xml version="1.0" encoding="utf-8"?>
-<p:sld xmlns:a="http://schemas.openxmlformats.org/drawingml/2006/main" xmlns:r="http://schemas.openxmlformats.org/officeDocument/2006/relationships" xmlns:p="http://schemas.openxmlformats.org/presentationml/2006/main">
-  <p:cSld>
-    <p:spTree>
-      <p:nvGrpSpPr>
-        <p:cNvPr id="1" name=""/>
-        <p:cNvGrpSpPr/>
-        <p:nvPr/>
-      </p:nvGrpSpPr>
-      <p:grpSpPr>
-        <a:xfrm>
-          <a:off x="0" y="0"/>
-          <a:ext cx="0" cy="0"/>
-          <a:chOff x="0" y="0"/>
-          <a:chExt cx="0" cy="0"/>
-        </a:xfrm>
-      </p:grpSpPr>
-      <p:sp>
-        <p:nvSpPr>
-          <p:cNvPr id="7" name="Title 1">
-            <a:extLst>
-              <a:ext uri="{FF2B5EF4-FFF2-40B4-BE49-F238E27FC236}">
-                <a16:creationId xmlns:a16="http://schemas.microsoft.com/office/drawing/2014/main" id="{778F5AB8-30D0-2943-8A43-A6E04205B88F}"/>
-              </a:ext>
-            </a:extLst>
-          </p:cNvPr>
-          <p:cNvSpPr txBox="1">
-            <a:spLocks/>
-          </p:cNvSpPr>
-          <p:nvPr/>
-        </p:nvSpPr>
-        <p:spPr>
-          <a:xfrm>
-            <a:off x="8469000" y="19878"/>
-            <a:ext cx="907827" cy="544775"/>
-          </a:xfrm>
-          <a:prstGeom prst="rect">
-            <a:avLst/>
-          </a:prstGeom>
-        </p:spPr>
-        <p:txBody>
-          <a:bodyPr vert="horz" lIns="91440" tIns="45720" rIns="91440" bIns="45720" rtlCol="0" anchor="t">
-            <a:normAutofit/>
-          </a:bodyPr>
-          <a:lstStyle>
-            <a:lvl1pPr algn="l" defTabSz="914354" rtl="0" eaLnBrk="1" latinLnBrk="0" hangingPunct="1">
-              <a:lnSpc>
-                <a:spcPct val="90000"/>
-              </a:lnSpc>
-              <a:spcBef>
-                <a:spcPct val="0"/>
-              </a:spcBef>
-              <a:buNone/>
-              <a:defRPr sz="2800" kern="2800" baseline="0">
-                <a:solidFill>
-                  <a:schemeClr val="tx1"/>
-                </a:solidFill>
-                <a:latin typeface="Technika-Bold" panose="00000600000000000000" pitchFamily="50" charset="-18"/>
-                <a:ea typeface="+mj-ea"/>
-                <a:cs typeface="+mj-cs"/>
-              </a:defRPr>
-            </a:lvl1pPr>
-          </a:lstStyle>
-          <a:p>
-            <a:r>
-              <a:rPr lang="en-CZ" dirty="0"/>
-              <a:t>XM</a:t>
-            </a:r>
-          </a:p>
-        </p:txBody>
-      </p:sp>
-      <p:sp>
-        <p:nvSpPr>
-          <p:cNvPr id="5" name="TextBox 4">
-            <a:extLst>
-              <a:ext uri="{FF2B5EF4-FFF2-40B4-BE49-F238E27FC236}">
-                <a16:creationId xmlns:a16="http://schemas.microsoft.com/office/drawing/2014/main" id="{0B97D00E-39C2-D145-A631-DBA36E45E7E1}"/>
-              </a:ext>
-            </a:extLst>
-          </p:cNvPr>
-          <p:cNvSpPr txBox="1"/>
-          <p:nvPr/>
-        </p:nvSpPr>
-        <p:spPr>
-          <a:xfrm>
-            <a:off x="0" y="1221336"/>
-            <a:ext cx="9144000" cy="523220"/>
-          </a:xfrm>
-          <a:prstGeom prst="rect">
-            <a:avLst/>
-          </a:prstGeom>
-          <a:noFill/>
-        </p:spPr>
-        <p:txBody>
-          <a:bodyPr wrap="square" rtlCol="0">
-            <a:spAutoFit/>
-          </a:bodyPr>
-          <a:lstStyle/>
-          <a:p>
-            <a:pPr algn="ctr"/>
-            <a:r>
-              <a:rPr lang="en-CZ" sz="2800" dirty="0">
-                <a:solidFill>
-                  <a:srgbClr val="FF0000"/>
-                </a:solidFill>
-                <a:latin typeface="+mj-lt"/>
-                <a:cs typeface="Times New Roman" panose="02020603050405020304" pitchFamily="18" charset="0"/>
-              </a:rPr>
-              <a:t>Základy ze Scrum</a:t>
-            </a:r>
-            <a:endParaRPr lang="en-CZ" sz="2800" dirty="0">
-              <a:latin typeface="+mj-lt"/>
-            </a:endParaRPr>
-          </a:p>
-        </p:txBody>
-      </p:sp>
-      <p:sp>
-        <p:nvSpPr>
-          <p:cNvPr id="8" name="Content Placeholder 2">
-            <a:extLst>
-              <a:ext uri="{FF2B5EF4-FFF2-40B4-BE49-F238E27FC236}">
-                <a16:creationId xmlns:a16="http://schemas.microsoft.com/office/drawing/2014/main" id="{1DE13750-9F62-BD48-9589-CF29E926F7C9}"/>
-              </a:ext>
-            </a:extLst>
-          </p:cNvPr>
-          <p:cNvSpPr txBox="1">
-            <a:spLocks/>
-          </p:cNvSpPr>
-          <p:nvPr/>
-        </p:nvSpPr>
-        <p:spPr>
-          <a:xfrm>
-            <a:off x="675000" y="1924161"/>
-            <a:ext cx="7794000" cy="4774813"/>
-          </a:xfrm>
-          <a:prstGeom prst="rect">
-            <a:avLst/>
-          </a:prstGeom>
-        </p:spPr>
-        <p:txBody>
-          <a:bodyPr vert="horz" lIns="91440" tIns="45720" rIns="91440" bIns="45720" rtlCol="0">
-            <a:normAutofit/>
-          </a:bodyPr>
-          <a:lstStyle>
-            <a:lvl1pPr marL="0" indent="0" algn="l" defTabSz="914354" rtl="0" eaLnBrk="1" latinLnBrk="0" hangingPunct="1">
-              <a:lnSpc>
-                <a:spcPct val="90000"/>
-              </a:lnSpc>
-              <a:spcBef>
-                <a:spcPts val="1000"/>
-              </a:spcBef>
-              <a:buFont typeface="Arial" panose="020B0604020202020204" pitchFamily="34" charset="0"/>
-              <a:buNone/>
-              <a:defRPr sz="2000" kern="3000" baseline="0">
-                <a:solidFill>
-                  <a:schemeClr val="tx1"/>
-                </a:solidFill>
-                <a:latin typeface="Technika-Bold" panose="00000600000000000000" pitchFamily="50" charset="-18"/>
-                <a:ea typeface="+mn-ea"/>
-                <a:cs typeface="+mn-cs"/>
-              </a:defRPr>
-            </a:lvl1pPr>
-            <a:lvl2pPr marL="685766" indent="-228589" algn="l" defTabSz="914354" rtl="0" eaLnBrk="1" latinLnBrk="0" hangingPunct="1">
-              <a:lnSpc>
-                <a:spcPct val="90000"/>
-              </a:lnSpc>
-              <a:spcBef>
-                <a:spcPts val="500"/>
-              </a:spcBef>
-              <a:buFont typeface="Arial" panose="020B0604020202020204" pitchFamily="34" charset="0"/>
-              <a:buChar char="•"/>
-              <a:defRPr sz="2400" kern="1200">
-                <a:solidFill>
-                  <a:schemeClr val="tx1"/>
-                </a:solidFill>
-                <a:latin typeface="Technika" panose="00000600000000000000" pitchFamily="50" charset="-18"/>
-                <a:ea typeface="+mn-ea"/>
-                <a:cs typeface="+mn-cs"/>
-              </a:defRPr>
-            </a:lvl2pPr>
-            <a:lvl3pPr marL="1142942" indent="-228589" algn="l" defTabSz="914354" rtl="0" eaLnBrk="1" latinLnBrk="0" hangingPunct="1">
-              <a:lnSpc>
-                <a:spcPct val="90000"/>
-              </a:lnSpc>
-              <a:spcBef>
-                <a:spcPts val="500"/>
-              </a:spcBef>
-              <a:buFont typeface="Arial" panose="020B0604020202020204" pitchFamily="34" charset="0"/>
-              <a:buChar char="•"/>
-              <a:defRPr sz="2000" kern="1200">
-                <a:solidFill>
-                  <a:schemeClr val="tx1"/>
-                </a:solidFill>
-                <a:latin typeface="Technika" panose="00000600000000000000" pitchFamily="50" charset="-18"/>
-                <a:ea typeface="+mn-ea"/>
-                <a:cs typeface="+mn-cs"/>
-              </a:defRPr>
-            </a:lvl3pPr>
-            <a:lvl4pPr marL="1600120" indent="-228589" algn="l" defTabSz="914354" rtl="0" eaLnBrk="1" latinLnBrk="0" hangingPunct="1">
-              <a:lnSpc>
-                <a:spcPct val="90000"/>
-              </a:lnSpc>
-              <a:spcBef>
-                <a:spcPts val="500"/>
-              </a:spcBef>
-              <a:buFont typeface="Arial" panose="020B0604020202020204" pitchFamily="34" charset="0"/>
-              <a:buChar char="•"/>
-              <a:defRPr sz="1800" kern="1200">
-                <a:solidFill>
-                  <a:schemeClr val="tx1"/>
-                </a:solidFill>
-                <a:latin typeface="Technika" panose="00000600000000000000" pitchFamily="50" charset="-18"/>
-                <a:ea typeface="+mn-ea"/>
-                <a:cs typeface="+mn-cs"/>
-              </a:defRPr>
-            </a:lvl4pPr>
-            <a:lvl5pPr marL="2057298" indent="-228589" algn="l" defTabSz="914354" rtl="0" eaLnBrk="1" latinLnBrk="0" hangingPunct="1">
-              <a:lnSpc>
-                <a:spcPct val="90000"/>
-              </a:lnSpc>
-              <a:spcBef>
-                <a:spcPts val="500"/>
-              </a:spcBef>
-              <a:buFont typeface="Arial" panose="020B0604020202020204" pitchFamily="34" charset="0"/>
-              <a:buChar char="•"/>
-              <a:defRPr sz="1800" kern="1200">
-                <a:solidFill>
-                  <a:schemeClr val="tx1"/>
-                </a:solidFill>
-                <a:latin typeface="Technika" panose="00000600000000000000" pitchFamily="50" charset="-18"/>
-                <a:ea typeface="+mn-ea"/>
-                <a:cs typeface="+mn-cs"/>
-              </a:defRPr>
-            </a:lvl5pPr>
-            <a:lvl6pPr marL="2514474" indent="-228589" algn="l" defTabSz="914354" rtl="0" eaLnBrk="1" latinLnBrk="0" hangingPunct="1">
-              <a:lnSpc>
-                <a:spcPct val="90000"/>
-              </a:lnSpc>
-              <a:spcBef>
-                <a:spcPts val="500"/>
-              </a:spcBef>
-              <a:buFont typeface="Arial" panose="020B0604020202020204" pitchFamily="34" charset="0"/>
-              <a:buChar char="•"/>
-              <a:defRPr sz="1800" kern="1200">
-                <a:solidFill>
-                  <a:schemeClr val="tx1"/>
-                </a:solidFill>
-                <a:latin typeface="+mn-lt"/>
-                <a:ea typeface="+mn-ea"/>
-                <a:cs typeface="+mn-cs"/>
-              </a:defRPr>
-            </a:lvl6pPr>
-            <a:lvl7pPr marL="2971652" indent="-228589" algn="l" defTabSz="914354" rtl="0" eaLnBrk="1" latinLnBrk="0" hangingPunct="1">
-              <a:lnSpc>
-                <a:spcPct val="90000"/>
-              </a:lnSpc>
-              <a:spcBef>
-                <a:spcPts val="500"/>
-              </a:spcBef>
-              <a:buFont typeface="Arial" panose="020B0604020202020204" pitchFamily="34" charset="0"/>
-              <a:buChar char="•"/>
-              <a:defRPr sz="1800" kern="1200">
-                <a:solidFill>
-                  <a:schemeClr val="tx1"/>
-                </a:solidFill>
-                <a:latin typeface="+mn-lt"/>
-                <a:ea typeface="+mn-ea"/>
-                <a:cs typeface="+mn-cs"/>
-              </a:defRPr>
-            </a:lvl7pPr>
-            <a:lvl8pPr marL="3428829" indent="-228589" algn="l" defTabSz="914354" rtl="0" eaLnBrk="1" latinLnBrk="0" hangingPunct="1">
-              <a:lnSpc>
-                <a:spcPct val="90000"/>
-              </a:lnSpc>
-              <a:spcBef>
-                <a:spcPts val="500"/>
-              </a:spcBef>
-              <a:buFont typeface="Arial" panose="020B0604020202020204" pitchFamily="34" charset="0"/>
-              <a:buChar char="•"/>
-              <a:defRPr sz="1800" kern="1200">
-                <a:solidFill>
-                  <a:schemeClr val="tx1"/>
-                </a:solidFill>
-                <a:latin typeface="+mn-lt"/>
-                <a:ea typeface="+mn-ea"/>
-                <a:cs typeface="+mn-cs"/>
-              </a:defRPr>
-            </a:lvl8pPr>
-            <a:lvl9pPr marL="3886006" indent="-228589" algn="l" defTabSz="914354" rtl="0" eaLnBrk="1" latinLnBrk="0" hangingPunct="1">
-              <a:lnSpc>
-                <a:spcPct val="90000"/>
-              </a:lnSpc>
-              <a:spcBef>
-                <a:spcPts val="500"/>
-              </a:spcBef>
-              <a:buFont typeface="Arial" panose="020B0604020202020204" pitchFamily="34" charset="0"/>
-              <a:buChar char="•"/>
-              <a:defRPr sz="1800" kern="1200">
-                <a:solidFill>
-                  <a:schemeClr val="tx1"/>
-                </a:solidFill>
-                <a:latin typeface="+mn-lt"/>
-                <a:ea typeface="+mn-ea"/>
-                <a:cs typeface="+mn-cs"/>
-              </a:defRPr>
-            </a:lvl9pPr>
-          </a:lstStyle>
-          <a:p>
-            <a:pPr algn="ctr"/>
-            <a:r>
-              <a:rPr lang="en-CZ" sz="2400" dirty="0">
-                <a:latin typeface="Times New Roman" panose="02020603050405020304" pitchFamily="18" charset="0"/>
-                <a:cs typeface="Times New Roman" panose="02020603050405020304" pitchFamily="18" charset="0"/>
-              </a:rPr>
-              <a:t>Optimizováno pro změnu</a:t>
-            </a:r>
-          </a:p>
-          <a:p>
-            <a:pPr algn="ctr"/>
-            <a:r>
-              <a:rPr lang="en-CZ" sz="2400" dirty="0">
-                <a:latin typeface="Times New Roman" panose="02020603050405020304" pitchFamily="18" charset="0"/>
-                <a:cs typeface="Times New Roman" panose="02020603050405020304" pitchFamily="18" charset="0"/>
-              </a:rPr>
-              <a:t>Objektivně orientované, modulární architektura</a:t>
-            </a:r>
-          </a:p>
-          <a:p>
-            <a:pPr algn="ctr"/>
-            <a:r>
-              <a:rPr lang="en-CZ" sz="2400" dirty="0">
-                <a:latin typeface="Times New Roman" panose="02020603050405020304" pitchFamily="18" charset="0"/>
-                <a:cs typeface="Times New Roman" panose="02020603050405020304" pitchFamily="18" charset="0"/>
-              </a:rPr>
-              <a:t>Test Driven Development</a:t>
-            </a:r>
-          </a:p>
-          <a:p>
-            <a:pPr algn="ctr"/>
-            <a:r>
-              <a:rPr lang="en-CZ" sz="2400" dirty="0">
-                <a:latin typeface="Times New Roman" panose="02020603050405020304" pitchFamily="18" charset="0"/>
-                <a:cs typeface="Times New Roman" panose="02020603050405020304" pitchFamily="18" charset="0"/>
-              </a:rPr>
-              <a:t>Contact First Design</a:t>
-            </a:r>
-          </a:p>
-          <a:p>
-            <a:pPr algn="ctr"/>
-            <a:r>
-              <a:rPr lang="en-CZ" sz="2400" dirty="0">
-                <a:latin typeface="Times New Roman" panose="02020603050405020304" pitchFamily="18" charset="0"/>
-                <a:cs typeface="Times New Roman" panose="02020603050405020304" pitchFamily="18" charset="0"/>
-              </a:rPr>
-              <a:t>Iterate the Design</a:t>
-            </a:r>
-          </a:p>
-          <a:p>
-            <a:pPr algn="ctr"/>
-            <a:r>
-              <a:rPr lang="en-CZ" sz="2400" dirty="0">
-                <a:latin typeface="Times New Roman" panose="02020603050405020304" pitchFamily="18" charset="0"/>
-                <a:cs typeface="Times New Roman" panose="02020603050405020304" pitchFamily="18" charset="0"/>
-              </a:rPr>
-              <a:t>Agile Hardware Design Patterns</a:t>
-            </a:r>
-          </a:p>
-          <a:p>
-            <a:pPr algn="ctr"/>
-            <a:r>
-              <a:rPr lang="en-CZ" sz="2400" dirty="0">
-                <a:latin typeface="Times New Roman" panose="02020603050405020304" pitchFamily="18" charset="0"/>
-                <a:cs typeface="Times New Roman" panose="02020603050405020304" pitchFamily="18" charset="0"/>
-              </a:rPr>
-              <a:t>Continuous Integration Development</a:t>
-            </a:r>
-          </a:p>
-          <a:p>
-            <a:pPr algn="ctr"/>
-            <a:r>
-              <a:rPr lang="en-CZ" sz="2400" dirty="0">
-                <a:solidFill>
-                  <a:srgbClr val="0065BD"/>
-                </a:solidFill>
-                <a:latin typeface="Times New Roman" panose="02020603050405020304" pitchFamily="18" charset="0"/>
-                <a:cs typeface="Times New Roman" panose="02020603050405020304" pitchFamily="18" charset="0"/>
-              </a:rPr>
-              <a:t>Continuous Deployment Development</a:t>
-            </a:r>
-          </a:p>
-        </p:txBody>
-      </p:sp>
-    </p:spTree>
-    <p:extLst>
-      <p:ext uri="{BB962C8B-B14F-4D97-AF65-F5344CB8AC3E}">
-        <p14:creationId xmlns:p14="http://schemas.microsoft.com/office/powerpoint/2010/main" val="3315965749"/>
+        <p14:creationId xmlns:p14="http://schemas.microsoft.com/office/powerpoint/2010/main" val="2323112200"/>
       </p:ext>
     </p:extLst>
   </p:cSld>
@@ -17516,1517 +18435,6 @@
     <p:extLst>
       <p:ext uri="{BB962C8B-B14F-4D97-AF65-F5344CB8AC3E}">
         <p14:creationId xmlns:p14="http://schemas.microsoft.com/office/powerpoint/2010/main" val="3631176026"/>
-      </p:ext>
-    </p:extLst>
-  </p:cSld>
-  <p:clrMapOvr>
-    <a:masterClrMapping/>
-  </p:clrMapOvr>
-</p:sld>
-</file>
-
-<file path=ppt/slides/slide50.xml><?xml version="1.0" encoding="utf-8"?>
-<p:sld xmlns:a="http://schemas.openxmlformats.org/drawingml/2006/main" xmlns:r="http://schemas.openxmlformats.org/officeDocument/2006/relationships" xmlns:p="http://schemas.openxmlformats.org/presentationml/2006/main">
-  <p:cSld>
-    <p:spTree>
-      <p:nvGrpSpPr>
-        <p:cNvPr id="1" name=""/>
-        <p:cNvGrpSpPr/>
-        <p:nvPr/>
-      </p:nvGrpSpPr>
-      <p:grpSpPr>
-        <a:xfrm>
-          <a:off x="0" y="0"/>
-          <a:ext cx="0" cy="0"/>
-          <a:chOff x="0" y="0"/>
-          <a:chExt cx="0" cy="0"/>
-        </a:xfrm>
-      </p:grpSpPr>
-      <p:sp>
-        <p:nvSpPr>
-          <p:cNvPr id="7" name="Title 1">
-            <a:extLst>
-              <a:ext uri="{FF2B5EF4-FFF2-40B4-BE49-F238E27FC236}">
-                <a16:creationId xmlns:a16="http://schemas.microsoft.com/office/drawing/2014/main" id="{778F5AB8-30D0-2943-8A43-A6E04205B88F}"/>
-              </a:ext>
-            </a:extLst>
-          </p:cNvPr>
-          <p:cNvSpPr txBox="1">
-            <a:spLocks/>
-          </p:cNvSpPr>
-          <p:nvPr/>
-        </p:nvSpPr>
-        <p:spPr>
-          <a:xfrm>
-            <a:off x="8469000" y="19878"/>
-            <a:ext cx="907827" cy="544775"/>
-          </a:xfrm>
-          <a:prstGeom prst="rect">
-            <a:avLst/>
-          </a:prstGeom>
-        </p:spPr>
-        <p:txBody>
-          <a:bodyPr vert="horz" lIns="91440" tIns="45720" rIns="91440" bIns="45720" rtlCol="0" anchor="t">
-            <a:normAutofit/>
-          </a:bodyPr>
-          <a:lstStyle>
-            <a:lvl1pPr algn="l" defTabSz="914354" rtl="0" eaLnBrk="1" latinLnBrk="0" hangingPunct="1">
-              <a:lnSpc>
-                <a:spcPct val="90000"/>
-              </a:lnSpc>
-              <a:spcBef>
-                <a:spcPct val="0"/>
-              </a:spcBef>
-              <a:buNone/>
-              <a:defRPr sz="2800" kern="2800" baseline="0">
-                <a:solidFill>
-                  <a:schemeClr val="tx1"/>
-                </a:solidFill>
-                <a:latin typeface="Technika-Bold" panose="00000600000000000000" pitchFamily="50" charset="-18"/>
-                <a:ea typeface="+mj-ea"/>
-                <a:cs typeface="+mj-cs"/>
-              </a:defRPr>
-            </a:lvl1pPr>
-          </a:lstStyle>
-          <a:p>
-            <a:r>
-              <a:rPr lang="en-CZ" dirty="0"/>
-              <a:t>XM</a:t>
-            </a:r>
-          </a:p>
-        </p:txBody>
-      </p:sp>
-      <p:sp>
-        <p:nvSpPr>
-          <p:cNvPr id="5" name="TextBox 4">
-            <a:extLst>
-              <a:ext uri="{FF2B5EF4-FFF2-40B4-BE49-F238E27FC236}">
-                <a16:creationId xmlns:a16="http://schemas.microsoft.com/office/drawing/2014/main" id="{0B97D00E-39C2-D145-A631-DBA36E45E7E1}"/>
-              </a:ext>
-            </a:extLst>
-          </p:cNvPr>
-          <p:cNvSpPr txBox="1"/>
-          <p:nvPr/>
-        </p:nvSpPr>
-        <p:spPr>
-          <a:xfrm>
-            <a:off x="0" y="1221336"/>
-            <a:ext cx="9144000" cy="523220"/>
-          </a:xfrm>
-          <a:prstGeom prst="rect">
-            <a:avLst/>
-          </a:prstGeom>
-          <a:noFill/>
-        </p:spPr>
-        <p:txBody>
-          <a:bodyPr wrap="square" rtlCol="0">
-            <a:spAutoFit/>
-          </a:bodyPr>
-          <a:lstStyle/>
-          <a:p>
-            <a:pPr algn="ctr"/>
-            <a:r>
-              <a:rPr lang="en-CZ" sz="2800" dirty="0">
-                <a:solidFill>
-                  <a:srgbClr val="FF0000"/>
-                </a:solidFill>
-                <a:latin typeface="+mj-lt"/>
-                <a:cs typeface="Times New Roman" panose="02020603050405020304" pitchFamily="18" charset="0"/>
-              </a:rPr>
-              <a:t>Základy ze Scrum</a:t>
-            </a:r>
-            <a:endParaRPr lang="en-CZ" sz="2800" dirty="0">
-              <a:latin typeface="+mj-lt"/>
-            </a:endParaRPr>
-          </a:p>
-        </p:txBody>
-      </p:sp>
-      <p:sp>
-        <p:nvSpPr>
-          <p:cNvPr id="8" name="Content Placeholder 2">
-            <a:extLst>
-              <a:ext uri="{FF2B5EF4-FFF2-40B4-BE49-F238E27FC236}">
-                <a16:creationId xmlns:a16="http://schemas.microsoft.com/office/drawing/2014/main" id="{1DE13750-9F62-BD48-9589-CF29E926F7C9}"/>
-              </a:ext>
-            </a:extLst>
-          </p:cNvPr>
-          <p:cNvSpPr txBox="1">
-            <a:spLocks/>
-          </p:cNvSpPr>
-          <p:nvPr/>
-        </p:nvSpPr>
-        <p:spPr>
-          <a:xfrm>
-            <a:off x="675000" y="1924161"/>
-            <a:ext cx="7794000" cy="4774813"/>
-          </a:xfrm>
-          <a:prstGeom prst="rect">
-            <a:avLst/>
-          </a:prstGeom>
-        </p:spPr>
-        <p:txBody>
-          <a:bodyPr vert="horz" lIns="91440" tIns="45720" rIns="91440" bIns="45720" rtlCol="0">
-            <a:normAutofit/>
-          </a:bodyPr>
-          <a:lstStyle>
-            <a:lvl1pPr marL="0" indent="0" algn="l" defTabSz="914354" rtl="0" eaLnBrk="1" latinLnBrk="0" hangingPunct="1">
-              <a:lnSpc>
-                <a:spcPct val="90000"/>
-              </a:lnSpc>
-              <a:spcBef>
-                <a:spcPts val="1000"/>
-              </a:spcBef>
-              <a:buFont typeface="Arial" panose="020B0604020202020204" pitchFamily="34" charset="0"/>
-              <a:buNone/>
-              <a:defRPr sz="2000" kern="3000" baseline="0">
-                <a:solidFill>
-                  <a:schemeClr val="tx1"/>
-                </a:solidFill>
-                <a:latin typeface="Technika-Bold" panose="00000600000000000000" pitchFamily="50" charset="-18"/>
-                <a:ea typeface="+mn-ea"/>
-                <a:cs typeface="+mn-cs"/>
-              </a:defRPr>
-            </a:lvl1pPr>
-            <a:lvl2pPr marL="685766" indent="-228589" algn="l" defTabSz="914354" rtl="0" eaLnBrk="1" latinLnBrk="0" hangingPunct="1">
-              <a:lnSpc>
-                <a:spcPct val="90000"/>
-              </a:lnSpc>
-              <a:spcBef>
-                <a:spcPts val="500"/>
-              </a:spcBef>
-              <a:buFont typeface="Arial" panose="020B0604020202020204" pitchFamily="34" charset="0"/>
-              <a:buChar char="•"/>
-              <a:defRPr sz="2400" kern="1200">
-                <a:solidFill>
-                  <a:schemeClr val="tx1"/>
-                </a:solidFill>
-                <a:latin typeface="Technika" panose="00000600000000000000" pitchFamily="50" charset="-18"/>
-                <a:ea typeface="+mn-ea"/>
-                <a:cs typeface="+mn-cs"/>
-              </a:defRPr>
-            </a:lvl2pPr>
-            <a:lvl3pPr marL="1142942" indent="-228589" algn="l" defTabSz="914354" rtl="0" eaLnBrk="1" latinLnBrk="0" hangingPunct="1">
-              <a:lnSpc>
-                <a:spcPct val="90000"/>
-              </a:lnSpc>
-              <a:spcBef>
-                <a:spcPts val="500"/>
-              </a:spcBef>
-              <a:buFont typeface="Arial" panose="020B0604020202020204" pitchFamily="34" charset="0"/>
-              <a:buChar char="•"/>
-              <a:defRPr sz="2000" kern="1200">
-                <a:solidFill>
-                  <a:schemeClr val="tx1"/>
-                </a:solidFill>
-                <a:latin typeface="Technika" panose="00000600000000000000" pitchFamily="50" charset="-18"/>
-                <a:ea typeface="+mn-ea"/>
-                <a:cs typeface="+mn-cs"/>
-              </a:defRPr>
-            </a:lvl3pPr>
-            <a:lvl4pPr marL="1600120" indent="-228589" algn="l" defTabSz="914354" rtl="0" eaLnBrk="1" latinLnBrk="0" hangingPunct="1">
-              <a:lnSpc>
-                <a:spcPct val="90000"/>
-              </a:lnSpc>
-              <a:spcBef>
-                <a:spcPts val="500"/>
-              </a:spcBef>
-              <a:buFont typeface="Arial" panose="020B0604020202020204" pitchFamily="34" charset="0"/>
-              <a:buChar char="•"/>
-              <a:defRPr sz="1800" kern="1200">
-                <a:solidFill>
-                  <a:schemeClr val="tx1"/>
-                </a:solidFill>
-                <a:latin typeface="Technika" panose="00000600000000000000" pitchFamily="50" charset="-18"/>
-                <a:ea typeface="+mn-ea"/>
-                <a:cs typeface="+mn-cs"/>
-              </a:defRPr>
-            </a:lvl4pPr>
-            <a:lvl5pPr marL="2057298" indent="-228589" algn="l" defTabSz="914354" rtl="0" eaLnBrk="1" latinLnBrk="0" hangingPunct="1">
-              <a:lnSpc>
-                <a:spcPct val="90000"/>
-              </a:lnSpc>
-              <a:spcBef>
-                <a:spcPts val="500"/>
-              </a:spcBef>
-              <a:buFont typeface="Arial" panose="020B0604020202020204" pitchFamily="34" charset="0"/>
-              <a:buChar char="•"/>
-              <a:defRPr sz="1800" kern="1200">
-                <a:solidFill>
-                  <a:schemeClr val="tx1"/>
-                </a:solidFill>
-                <a:latin typeface="Technika" panose="00000600000000000000" pitchFamily="50" charset="-18"/>
-                <a:ea typeface="+mn-ea"/>
-                <a:cs typeface="+mn-cs"/>
-              </a:defRPr>
-            </a:lvl5pPr>
-            <a:lvl6pPr marL="2514474" indent="-228589" algn="l" defTabSz="914354" rtl="0" eaLnBrk="1" latinLnBrk="0" hangingPunct="1">
-              <a:lnSpc>
-                <a:spcPct val="90000"/>
-              </a:lnSpc>
-              <a:spcBef>
-                <a:spcPts val="500"/>
-              </a:spcBef>
-              <a:buFont typeface="Arial" panose="020B0604020202020204" pitchFamily="34" charset="0"/>
-              <a:buChar char="•"/>
-              <a:defRPr sz="1800" kern="1200">
-                <a:solidFill>
-                  <a:schemeClr val="tx1"/>
-                </a:solidFill>
-                <a:latin typeface="+mn-lt"/>
-                <a:ea typeface="+mn-ea"/>
-                <a:cs typeface="+mn-cs"/>
-              </a:defRPr>
-            </a:lvl6pPr>
-            <a:lvl7pPr marL="2971652" indent="-228589" algn="l" defTabSz="914354" rtl="0" eaLnBrk="1" latinLnBrk="0" hangingPunct="1">
-              <a:lnSpc>
-                <a:spcPct val="90000"/>
-              </a:lnSpc>
-              <a:spcBef>
-                <a:spcPts val="500"/>
-              </a:spcBef>
-              <a:buFont typeface="Arial" panose="020B0604020202020204" pitchFamily="34" charset="0"/>
-              <a:buChar char="•"/>
-              <a:defRPr sz="1800" kern="1200">
-                <a:solidFill>
-                  <a:schemeClr val="tx1"/>
-                </a:solidFill>
-                <a:latin typeface="+mn-lt"/>
-                <a:ea typeface="+mn-ea"/>
-                <a:cs typeface="+mn-cs"/>
-              </a:defRPr>
-            </a:lvl7pPr>
-            <a:lvl8pPr marL="3428829" indent="-228589" algn="l" defTabSz="914354" rtl="0" eaLnBrk="1" latinLnBrk="0" hangingPunct="1">
-              <a:lnSpc>
-                <a:spcPct val="90000"/>
-              </a:lnSpc>
-              <a:spcBef>
-                <a:spcPts val="500"/>
-              </a:spcBef>
-              <a:buFont typeface="Arial" panose="020B0604020202020204" pitchFamily="34" charset="0"/>
-              <a:buChar char="•"/>
-              <a:defRPr sz="1800" kern="1200">
-                <a:solidFill>
-                  <a:schemeClr val="tx1"/>
-                </a:solidFill>
-                <a:latin typeface="+mn-lt"/>
-                <a:ea typeface="+mn-ea"/>
-                <a:cs typeface="+mn-cs"/>
-              </a:defRPr>
-            </a:lvl8pPr>
-            <a:lvl9pPr marL="3886006" indent="-228589" algn="l" defTabSz="914354" rtl="0" eaLnBrk="1" latinLnBrk="0" hangingPunct="1">
-              <a:lnSpc>
-                <a:spcPct val="90000"/>
-              </a:lnSpc>
-              <a:spcBef>
-                <a:spcPts val="500"/>
-              </a:spcBef>
-              <a:buFont typeface="Arial" panose="020B0604020202020204" pitchFamily="34" charset="0"/>
-              <a:buChar char="•"/>
-              <a:defRPr sz="1800" kern="1200">
-                <a:solidFill>
-                  <a:schemeClr val="tx1"/>
-                </a:solidFill>
-                <a:latin typeface="+mn-lt"/>
-                <a:ea typeface="+mn-ea"/>
-                <a:cs typeface="+mn-cs"/>
-              </a:defRPr>
-            </a:lvl9pPr>
-          </a:lstStyle>
-          <a:p>
-            <a:pPr algn="ctr"/>
-            <a:r>
-              <a:rPr lang="en-CZ" sz="2400" dirty="0">
-                <a:latin typeface="Times New Roman" panose="02020603050405020304" pitchFamily="18" charset="0"/>
-                <a:cs typeface="Times New Roman" panose="02020603050405020304" pitchFamily="18" charset="0"/>
-              </a:rPr>
-              <a:t>Optimizováno pro změnu</a:t>
-            </a:r>
-          </a:p>
-          <a:p>
-            <a:pPr algn="ctr"/>
-            <a:r>
-              <a:rPr lang="en-CZ" sz="2400" dirty="0">
-                <a:latin typeface="Times New Roman" panose="02020603050405020304" pitchFamily="18" charset="0"/>
-                <a:cs typeface="Times New Roman" panose="02020603050405020304" pitchFamily="18" charset="0"/>
-              </a:rPr>
-              <a:t>Objektivně orientované, modulární architektura</a:t>
-            </a:r>
-          </a:p>
-          <a:p>
-            <a:pPr algn="ctr"/>
-            <a:r>
-              <a:rPr lang="en-CZ" sz="2400" dirty="0">
-                <a:latin typeface="Times New Roman" panose="02020603050405020304" pitchFamily="18" charset="0"/>
-                <a:cs typeface="Times New Roman" panose="02020603050405020304" pitchFamily="18" charset="0"/>
-              </a:rPr>
-              <a:t>Test Driven Development</a:t>
-            </a:r>
-          </a:p>
-          <a:p>
-            <a:pPr algn="ctr"/>
-            <a:r>
-              <a:rPr lang="en-CZ" sz="2400" dirty="0">
-                <a:latin typeface="Times New Roman" panose="02020603050405020304" pitchFamily="18" charset="0"/>
-                <a:cs typeface="Times New Roman" panose="02020603050405020304" pitchFamily="18" charset="0"/>
-              </a:rPr>
-              <a:t>Contact First Design</a:t>
-            </a:r>
-          </a:p>
-          <a:p>
-            <a:pPr algn="ctr"/>
-            <a:r>
-              <a:rPr lang="en-CZ" sz="2400" dirty="0">
-                <a:latin typeface="Times New Roman" panose="02020603050405020304" pitchFamily="18" charset="0"/>
-                <a:cs typeface="Times New Roman" panose="02020603050405020304" pitchFamily="18" charset="0"/>
-              </a:rPr>
-              <a:t>Iterate the Design</a:t>
-            </a:r>
-          </a:p>
-          <a:p>
-            <a:pPr algn="ctr"/>
-            <a:r>
-              <a:rPr lang="en-CZ" sz="2400" dirty="0">
-                <a:latin typeface="Times New Roman" panose="02020603050405020304" pitchFamily="18" charset="0"/>
-                <a:cs typeface="Times New Roman" panose="02020603050405020304" pitchFamily="18" charset="0"/>
-              </a:rPr>
-              <a:t>Agile Hardware Design Patterns</a:t>
-            </a:r>
-          </a:p>
-          <a:p>
-            <a:pPr algn="ctr"/>
-            <a:r>
-              <a:rPr lang="en-CZ" sz="2400" dirty="0">
-                <a:latin typeface="Times New Roman" panose="02020603050405020304" pitchFamily="18" charset="0"/>
-                <a:cs typeface="Times New Roman" panose="02020603050405020304" pitchFamily="18" charset="0"/>
-              </a:rPr>
-              <a:t>Continuous Integration Development</a:t>
-            </a:r>
-          </a:p>
-          <a:p>
-            <a:pPr algn="ctr"/>
-            <a:r>
-              <a:rPr lang="en-CZ" sz="2400" dirty="0">
-                <a:latin typeface="Times New Roman" panose="02020603050405020304" pitchFamily="18" charset="0"/>
-                <a:cs typeface="Times New Roman" panose="02020603050405020304" pitchFamily="18" charset="0"/>
-              </a:rPr>
-              <a:t>Continuous Deployment Development</a:t>
-            </a:r>
-          </a:p>
-          <a:p>
-            <a:pPr algn="ctr"/>
-            <a:r>
-              <a:rPr lang="en-CZ" sz="2400" dirty="0">
-                <a:solidFill>
-                  <a:srgbClr val="0065BD"/>
-                </a:solidFill>
-                <a:latin typeface="Times New Roman" panose="02020603050405020304" pitchFamily="18" charset="0"/>
-                <a:cs typeface="Times New Roman" panose="02020603050405020304" pitchFamily="18" charset="0"/>
-              </a:rPr>
-              <a:t>Scaling Patterns</a:t>
-            </a:r>
-          </a:p>
-        </p:txBody>
-      </p:sp>
-    </p:spTree>
-    <p:extLst>
-      <p:ext uri="{BB962C8B-B14F-4D97-AF65-F5344CB8AC3E}">
-        <p14:creationId xmlns:p14="http://schemas.microsoft.com/office/powerpoint/2010/main" val="174182631"/>
-      </p:ext>
-    </p:extLst>
-  </p:cSld>
-  <p:clrMapOvr>
-    <a:masterClrMapping/>
-  </p:clrMapOvr>
-</p:sld>
-</file>
-
-<file path=ppt/slides/slide51.xml><?xml version="1.0" encoding="utf-8"?>
-<p:sld xmlns:a="http://schemas.openxmlformats.org/drawingml/2006/main" xmlns:r="http://schemas.openxmlformats.org/officeDocument/2006/relationships" xmlns:p="http://schemas.openxmlformats.org/presentationml/2006/main">
-  <p:cSld>
-    <p:spTree>
-      <p:nvGrpSpPr>
-        <p:cNvPr id="1" name=""/>
-        <p:cNvGrpSpPr/>
-        <p:nvPr/>
-      </p:nvGrpSpPr>
-      <p:grpSpPr>
-        <a:xfrm>
-          <a:off x="0" y="0"/>
-          <a:ext cx="0" cy="0"/>
-          <a:chOff x="0" y="0"/>
-          <a:chExt cx="0" cy="0"/>
-        </a:xfrm>
-      </p:grpSpPr>
-      <p:sp>
-        <p:nvSpPr>
-          <p:cNvPr id="7" name="Title 1">
-            <a:extLst>
-              <a:ext uri="{FF2B5EF4-FFF2-40B4-BE49-F238E27FC236}">
-                <a16:creationId xmlns:a16="http://schemas.microsoft.com/office/drawing/2014/main" id="{778F5AB8-30D0-2943-8A43-A6E04205B88F}"/>
-              </a:ext>
-            </a:extLst>
-          </p:cNvPr>
-          <p:cNvSpPr txBox="1">
-            <a:spLocks/>
-          </p:cNvSpPr>
-          <p:nvPr/>
-        </p:nvSpPr>
-        <p:spPr>
-          <a:xfrm>
-            <a:off x="8469000" y="19878"/>
-            <a:ext cx="907827" cy="544775"/>
-          </a:xfrm>
-          <a:prstGeom prst="rect">
-            <a:avLst/>
-          </a:prstGeom>
-        </p:spPr>
-        <p:txBody>
-          <a:bodyPr vert="horz" lIns="91440" tIns="45720" rIns="91440" bIns="45720" rtlCol="0" anchor="t">
-            <a:normAutofit/>
-          </a:bodyPr>
-          <a:lstStyle>
-            <a:lvl1pPr algn="l" defTabSz="914354" rtl="0" eaLnBrk="1" latinLnBrk="0" hangingPunct="1">
-              <a:lnSpc>
-                <a:spcPct val="90000"/>
-              </a:lnSpc>
-              <a:spcBef>
-                <a:spcPct val="0"/>
-              </a:spcBef>
-              <a:buNone/>
-              <a:defRPr sz="2800" kern="2800" baseline="0">
-                <a:solidFill>
-                  <a:schemeClr val="tx1"/>
-                </a:solidFill>
-                <a:latin typeface="Technika-Bold" panose="00000600000000000000" pitchFamily="50" charset="-18"/>
-                <a:ea typeface="+mj-ea"/>
-                <a:cs typeface="+mj-cs"/>
-              </a:defRPr>
-            </a:lvl1pPr>
-          </a:lstStyle>
-          <a:p>
-            <a:r>
-              <a:rPr lang="en-CZ" dirty="0"/>
-              <a:t>XM</a:t>
-            </a:r>
-          </a:p>
-        </p:txBody>
-      </p:sp>
-      <p:sp>
-        <p:nvSpPr>
-          <p:cNvPr id="5" name="TextBox 4">
-            <a:extLst>
-              <a:ext uri="{FF2B5EF4-FFF2-40B4-BE49-F238E27FC236}">
-                <a16:creationId xmlns:a16="http://schemas.microsoft.com/office/drawing/2014/main" id="{0B97D00E-39C2-D145-A631-DBA36E45E7E1}"/>
-              </a:ext>
-            </a:extLst>
-          </p:cNvPr>
-          <p:cNvSpPr txBox="1"/>
-          <p:nvPr/>
-        </p:nvSpPr>
-        <p:spPr>
-          <a:xfrm>
-            <a:off x="0" y="1221336"/>
-            <a:ext cx="9144000" cy="523220"/>
-          </a:xfrm>
-          <a:prstGeom prst="rect">
-            <a:avLst/>
-          </a:prstGeom>
-          <a:noFill/>
-        </p:spPr>
-        <p:txBody>
-          <a:bodyPr wrap="square" rtlCol="0">
-            <a:spAutoFit/>
-          </a:bodyPr>
-          <a:lstStyle/>
-          <a:p>
-            <a:pPr algn="ctr"/>
-            <a:r>
-              <a:rPr lang="en-CZ" sz="2800" dirty="0">
-                <a:solidFill>
-                  <a:srgbClr val="FF0000"/>
-                </a:solidFill>
-                <a:latin typeface="+mj-lt"/>
-                <a:cs typeface="Times New Roman" panose="02020603050405020304" pitchFamily="18" charset="0"/>
-              </a:rPr>
-              <a:t>Základy ze Scrum</a:t>
-            </a:r>
-            <a:endParaRPr lang="en-CZ" sz="2800" dirty="0">
-              <a:latin typeface="+mj-lt"/>
-            </a:endParaRPr>
-          </a:p>
-        </p:txBody>
-      </p:sp>
-      <p:sp>
-        <p:nvSpPr>
-          <p:cNvPr id="8" name="Content Placeholder 2">
-            <a:extLst>
-              <a:ext uri="{FF2B5EF4-FFF2-40B4-BE49-F238E27FC236}">
-                <a16:creationId xmlns:a16="http://schemas.microsoft.com/office/drawing/2014/main" id="{1DE13750-9F62-BD48-9589-CF29E926F7C9}"/>
-              </a:ext>
-            </a:extLst>
-          </p:cNvPr>
-          <p:cNvSpPr txBox="1">
-            <a:spLocks/>
-          </p:cNvSpPr>
-          <p:nvPr/>
-        </p:nvSpPr>
-        <p:spPr>
-          <a:xfrm>
-            <a:off x="675000" y="1924161"/>
-            <a:ext cx="7794000" cy="4774813"/>
-          </a:xfrm>
-          <a:prstGeom prst="rect">
-            <a:avLst/>
-          </a:prstGeom>
-        </p:spPr>
-        <p:txBody>
-          <a:bodyPr vert="horz" lIns="91440" tIns="45720" rIns="91440" bIns="45720" rtlCol="0">
-            <a:normAutofit/>
-          </a:bodyPr>
-          <a:lstStyle>
-            <a:lvl1pPr marL="0" indent="0" algn="l" defTabSz="914354" rtl="0" eaLnBrk="1" latinLnBrk="0" hangingPunct="1">
-              <a:lnSpc>
-                <a:spcPct val="90000"/>
-              </a:lnSpc>
-              <a:spcBef>
-                <a:spcPts val="1000"/>
-              </a:spcBef>
-              <a:buFont typeface="Arial" panose="020B0604020202020204" pitchFamily="34" charset="0"/>
-              <a:buNone/>
-              <a:defRPr sz="2000" kern="3000" baseline="0">
-                <a:solidFill>
-                  <a:schemeClr val="tx1"/>
-                </a:solidFill>
-                <a:latin typeface="Technika-Bold" panose="00000600000000000000" pitchFamily="50" charset="-18"/>
-                <a:ea typeface="+mn-ea"/>
-                <a:cs typeface="+mn-cs"/>
-              </a:defRPr>
-            </a:lvl1pPr>
-            <a:lvl2pPr marL="685766" indent="-228589" algn="l" defTabSz="914354" rtl="0" eaLnBrk="1" latinLnBrk="0" hangingPunct="1">
-              <a:lnSpc>
-                <a:spcPct val="90000"/>
-              </a:lnSpc>
-              <a:spcBef>
-                <a:spcPts val="500"/>
-              </a:spcBef>
-              <a:buFont typeface="Arial" panose="020B0604020202020204" pitchFamily="34" charset="0"/>
-              <a:buChar char="•"/>
-              <a:defRPr sz="2400" kern="1200">
-                <a:solidFill>
-                  <a:schemeClr val="tx1"/>
-                </a:solidFill>
-                <a:latin typeface="Technika" panose="00000600000000000000" pitchFamily="50" charset="-18"/>
-                <a:ea typeface="+mn-ea"/>
-                <a:cs typeface="+mn-cs"/>
-              </a:defRPr>
-            </a:lvl2pPr>
-            <a:lvl3pPr marL="1142942" indent="-228589" algn="l" defTabSz="914354" rtl="0" eaLnBrk="1" latinLnBrk="0" hangingPunct="1">
-              <a:lnSpc>
-                <a:spcPct val="90000"/>
-              </a:lnSpc>
-              <a:spcBef>
-                <a:spcPts val="500"/>
-              </a:spcBef>
-              <a:buFont typeface="Arial" panose="020B0604020202020204" pitchFamily="34" charset="0"/>
-              <a:buChar char="•"/>
-              <a:defRPr sz="2000" kern="1200">
-                <a:solidFill>
-                  <a:schemeClr val="tx1"/>
-                </a:solidFill>
-                <a:latin typeface="Technika" panose="00000600000000000000" pitchFamily="50" charset="-18"/>
-                <a:ea typeface="+mn-ea"/>
-                <a:cs typeface="+mn-cs"/>
-              </a:defRPr>
-            </a:lvl3pPr>
-            <a:lvl4pPr marL="1600120" indent="-228589" algn="l" defTabSz="914354" rtl="0" eaLnBrk="1" latinLnBrk="0" hangingPunct="1">
-              <a:lnSpc>
-                <a:spcPct val="90000"/>
-              </a:lnSpc>
-              <a:spcBef>
-                <a:spcPts val="500"/>
-              </a:spcBef>
-              <a:buFont typeface="Arial" panose="020B0604020202020204" pitchFamily="34" charset="0"/>
-              <a:buChar char="•"/>
-              <a:defRPr sz="1800" kern="1200">
-                <a:solidFill>
-                  <a:schemeClr val="tx1"/>
-                </a:solidFill>
-                <a:latin typeface="Technika" panose="00000600000000000000" pitchFamily="50" charset="-18"/>
-                <a:ea typeface="+mn-ea"/>
-                <a:cs typeface="+mn-cs"/>
-              </a:defRPr>
-            </a:lvl4pPr>
-            <a:lvl5pPr marL="2057298" indent="-228589" algn="l" defTabSz="914354" rtl="0" eaLnBrk="1" latinLnBrk="0" hangingPunct="1">
-              <a:lnSpc>
-                <a:spcPct val="90000"/>
-              </a:lnSpc>
-              <a:spcBef>
-                <a:spcPts val="500"/>
-              </a:spcBef>
-              <a:buFont typeface="Arial" panose="020B0604020202020204" pitchFamily="34" charset="0"/>
-              <a:buChar char="•"/>
-              <a:defRPr sz="1800" kern="1200">
-                <a:solidFill>
-                  <a:schemeClr val="tx1"/>
-                </a:solidFill>
-                <a:latin typeface="Technika" panose="00000600000000000000" pitchFamily="50" charset="-18"/>
-                <a:ea typeface="+mn-ea"/>
-                <a:cs typeface="+mn-cs"/>
-              </a:defRPr>
-            </a:lvl5pPr>
-            <a:lvl6pPr marL="2514474" indent="-228589" algn="l" defTabSz="914354" rtl="0" eaLnBrk="1" latinLnBrk="0" hangingPunct="1">
-              <a:lnSpc>
-                <a:spcPct val="90000"/>
-              </a:lnSpc>
-              <a:spcBef>
-                <a:spcPts val="500"/>
-              </a:spcBef>
-              <a:buFont typeface="Arial" panose="020B0604020202020204" pitchFamily="34" charset="0"/>
-              <a:buChar char="•"/>
-              <a:defRPr sz="1800" kern="1200">
-                <a:solidFill>
-                  <a:schemeClr val="tx1"/>
-                </a:solidFill>
-                <a:latin typeface="+mn-lt"/>
-                <a:ea typeface="+mn-ea"/>
-                <a:cs typeface="+mn-cs"/>
-              </a:defRPr>
-            </a:lvl6pPr>
-            <a:lvl7pPr marL="2971652" indent="-228589" algn="l" defTabSz="914354" rtl="0" eaLnBrk="1" latinLnBrk="0" hangingPunct="1">
-              <a:lnSpc>
-                <a:spcPct val="90000"/>
-              </a:lnSpc>
-              <a:spcBef>
-                <a:spcPts val="500"/>
-              </a:spcBef>
-              <a:buFont typeface="Arial" panose="020B0604020202020204" pitchFamily="34" charset="0"/>
-              <a:buChar char="•"/>
-              <a:defRPr sz="1800" kern="1200">
-                <a:solidFill>
-                  <a:schemeClr val="tx1"/>
-                </a:solidFill>
-                <a:latin typeface="+mn-lt"/>
-                <a:ea typeface="+mn-ea"/>
-                <a:cs typeface="+mn-cs"/>
-              </a:defRPr>
-            </a:lvl7pPr>
-            <a:lvl8pPr marL="3428829" indent="-228589" algn="l" defTabSz="914354" rtl="0" eaLnBrk="1" latinLnBrk="0" hangingPunct="1">
-              <a:lnSpc>
-                <a:spcPct val="90000"/>
-              </a:lnSpc>
-              <a:spcBef>
-                <a:spcPts val="500"/>
-              </a:spcBef>
-              <a:buFont typeface="Arial" panose="020B0604020202020204" pitchFamily="34" charset="0"/>
-              <a:buChar char="•"/>
-              <a:defRPr sz="1800" kern="1200">
-                <a:solidFill>
-                  <a:schemeClr val="tx1"/>
-                </a:solidFill>
-                <a:latin typeface="+mn-lt"/>
-                <a:ea typeface="+mn-ea"/>
-                <a:cs typeface="+mn-cs"/>
-              </a:defRPr>
-            </a:lvl8pPr>
-            <a:lvl9pPr marL="3886006" indent="-228589" algn="l" defTabSz="914354" rtl="0" eaLnBrk="1" latinLnBrk="0" hangingPunct="1">
-              <a:lnSpc>
-                <a:spcPct val="90000"/>
-              </a:lnSpc>
-              <a:spcBef>
-                <a:spcPts val="500"/>
-              </a:spcBef>
-              <a:buFont typeface="Arial" panose="020B0604020202020204" pitchFamily="34" charset="0"/>
-              <a:buChar char="•"/>
-              <a:defRPr sz="1800" kern="1200">
-                <a:solidFill>
-                  <a:schemeClr val="tx1"/>
-                </a:solidFill>
-                <a:latin typeface="+mn-lt"/>
-                <a:ea typeface="+mn-ea"/>
-                <a:cs typeface="+mn-cs"/>
-              </a:defRPr>
-            </a:lvl9pPr>
-          </a:lstStyle>
-          <a:p>
-            <a:pPr algn="ctr"/>
-            <a:r>
-              <a:rPr lang="en-CZ" sz="2400" dirty="0">
-                <a:latin typeface="Times New Roman" panose="02020603050405020304" pitchFamily="18" charset="0"/>
-                <a:cs typeface="Times New Roman" panose="02020603050405020304" pitchFamily="18" charset="0"/>
-              </a:rPr>
-              <a:t>Optimizováno pro změnu</a:t>
-            </a:r>
-          </a:p>
-          <a:p>
-            <a:pPr algn="ctr"/>
-            <a:r>
-              <a:rPr lang="en-CZ" sz="2400" dirty="0">
-                <a:latin typeface="Times New Roman" panose="02020603050405020304" pitchFamily="18" charset="0"/>
-                <a:cs typeface="Times New Roman" panose="02020603050405020304" pitchFamily="18" charset="0"/>
-              </a:rPr>
-              <a:t>Objektivně orientované, modulární architektura</a:t>
-            </a:r>
-          </a:p>
-          <a:p>
-            <a:pPr algn="ctr"/>
-            <a:r>
-              <a:rPr lang="en-CZ" sz="2400" dirty="0">
-                <a:latin typeface="Times New Roman" panose="02020603050405020304" pitchFamily="18" charset="0"/>
-                <a:cs typeface="Times New Roman" panose="02020603050405020304" pitchFamily="18" charset="0"/>
-              </a:rPr>
-              <a:t>Test Driven Development</a:t>
-            </a:r>
-          </a:p>
-          <a:p>
-            <a:pPr algn="ctr"/>
-            <a:r>
-              <a:rPr lang="en-CZ" sz="2400" dirty="0">
-                <a:latin typeface="Times New Roman" panose="02020603050405020304" pitchFamily="18" charset="0"/>
-                <a:cs typeface="Times New Roman" panose="02020603050405020304" pitchFamily="18" charset="0"/>
-              </a:rPr>
-              <a:t>Contact First Design</a:t>
-            </a:r>
-          </a:p>
-          <a:p>
-            <a:pPr algn="ctr"/>
-            <a:r>
-              <a:rPr lang="en-CZ" sz="2400" dirty="0">
-                <a:latin typeface="Times New Roman" panose="02020603050405020304" pitchFamily="18" charset="0"/>
-                <a:cs typeface="Times New Roman" panose="02020603050405020304" pitchFamily="18" charset="0"/>
-              </a:rPr>
-              <a:t>Iterate the Design</a:t>
-            </a:r>
-          </a:p>
-          <a:p>
-            <a:pPr algn="ctr"/>
-            <a:r>
-              <a:rPr lang="en-CZ" sz="2400" dirty="0">
-                <a:latin typeface="Times New Roman" panose="02020603050405020304" pitchFamily="18" charset="0"/>
-                <a:cs typeface="Times New Roman" panose="02020603050405020304" pitchFamily="18" charset="0"/>
-              </a:rPr>
-              <a:t>Agile Hardware Design Patterns</a:t>
-            </a:r>
-          </a:p>
-          <a:p>
-            <a:pPr algn="ctr"/>
-            <a:r>
-              <a:rPr lang="en-CZ" sz="2400" dirty="0">
-                <a:latin typeface="Times New Roman" panose="02020603050405020304" pitchFamily="18" charset="0"/>
-                <a:cs typeface="Times New Roman" panose="02020603050405020304" pitchFamily="18" charset="0"/>
-              </a:rPr>
-              <a:t>Continuous Integration Development</a:t>
-            </a:r>
-          </a:p>
-          <a:p>
-            <a:pPr algn="ctr"/>
-            <a:r>
-              <a:rPr lang="en-CZ" sz="2400" dirty="0">
-                <a:latin typeface="Times New Roman" panose="02020603050405020304" pitchFamily="18" charset="0"/>
-                <a:cs typeface="Times New Roman" panose="02020603050405020304" pitchFamily="18" charset="0"/>
-              </a:rPr>
-              <a:t>Continuous Deployment Development</a:t>
-            </a:r>
-          </a:p>
-          <a:p>
-            <a:pPr algn="ctr"/>
-            <a:r>
-              <a:rPr lang="en-CZ" sz="2400" dirty="0">
-                <a:latin typeface="Times New Roman" panose="02020603050405020304" pitchFamily="18" charset="0"/>
-                <a:cs typeface="Times New Roman" panose="02020603050405020304" pitchFamily="18" charset="0"/>
-              </a:rPr>
-              <a:t>Scaling Patterns</a:t>
-            </a:r>
-          </a:p>
-          <a:p>
-            <a:pPr algn="ctr"/>
-            <a:r>
-              <a:rPr lang="en-CZ" sz="2400" dirty="0">
-                <a:solidFill>
-                  <a:srgbClr val="0065BD"/>
-                </a:solidFill>
-                <a:latin typeface="Times New Roman" panose="02020603050405020304" pitchFamily="18" charset="0"/>
-                <a:cs typeface="Times New Roman" panose="02020603050405020304" pitchFamily="18" charset="0"/>
-              </a:rPr>
-              <a:t>Partner Patterns</a:t>
-            </a:r>
-          </a:p>
-        </p:txBody>
-      </p:sp>
-    </p:spTree>
-    <p:extLst>
-      <p:ext uri="{BB962C8B-B14F-4D97-AF65-F5344CB8AC3E}">
-        <p14:creationId xmlns:p14="http://schemas.microsoft.com/office/powerpoint/2010/main" val="3905668839"/>
-      </p:ext>
-    </p:extLst>
-  </p:cSld>
-  <p:clrMapOvr>
-    <a:masterClrMapping/>
-  </p:clrMapOvr>
-</p:sld>
-</file>
-
-<file path=ppt/slides/slide52.xml><?xml version="1.0" encoding="utf-8"?>
-<p:sld xmlns:a="http://schemas.openxmlformats.org/drawingml/2006/main" xmlns:r="http://schemas.openxmlformats.org/officeDocument/2006/relationships" xmlns:p="http://schemas.openxmlformats.org/presentationml/2006/main">
-  <p:cSld>
-    <p:spTree>
-      <p:nvGrpSpPr>
-        <p:cNvPr id="1" name=""/>
-        <p:cNvGrpSpPr/>
-        <p:nvPr/>
-      </p:nvGrpSpPr>
-      <p:grpSpPr>
-        <a:xfrm>
-          <a:off x="0" y="0"/>
-          <a:ext cx="0" cy="0"/>
-          <a:chOff x="0" y="0"/>
-          <a:chExt cx="0" cy="0"/>
-        </a:xfrm>
-      </p:grpSpPr>
-      <p:sp>
-        <p:nvSpPr>
-          <p:cNvPr id="7" name="Title 1">
-            <a:extLst>
-              <a:ext uri="{FF2B5EF4-FFF2-40B4-BE49-F238E27FC236}">
-                <a16:creationId xmlns:a16="http://schemas.microsoft.com/office/drawing/2014/main" id="{778F5AB8-30D0-2943-8A43-A6E04205B88F}"/>
-              </a:ext>
-            </a:extLst>
-          </p:cNvPr>
-          <p:cNvSpPr txBox="1">
-            <a:spLocks/>
-          </p:cNvSpPr>
-          <p:nvPr/>
-        </p:nvSpPr>
-        <p:spPr>
-          <a:xfrm>
-            <a:off x="8469000" y="19878"/>
-            <a:ext cx="907827" cy="544775"/>
-          </a:xfrm>
-          <a:prstGeom prst="rect">
-            <a:avLst/>
-          </a:prstGeom>
-        </p:spPr>
-        <p:txBody>
-          <a:bodyPr vert="horz" lIns="91440" tIns="45720" rIns="91440" bIns="45720" rtlCol="0" anchor="t">
-            <a:normAutofit/>
-          </a:bodyPr>
-          <a:lstStyle>
-            <a:lvl1pPr algn="l" defTabSz="914354" rtl="0" eaLnBrk="1" latinLnBrk="0" hangingPunct="1">
-              <a:lnSpc>
-                <a:spcPct val="90000"/>
-              </a:lnSpc>
-              <a:spcBef>
-                <a:spcPct val="0"/>
-              </a:spcBef>
-              <a:buNone/>
-              <a:defRPr sz="2800" kern="2800" baseline="0">
-                <a:solidFill>
-                  <a:schemeClr val="tx1"/>
-                </a:solidFill>
-                <a:latin typeface="Technika-Bold" panose="00000600000000000000" pitchFamily="50" charset="-18"/>
-                <a:ea typeface="+mj-ea"/>
-                <a:cs typeface="+mj-cs"/>
-              </a:defRPr>
-            </a:lvl1pPr>
-          </a:lstStyle>
-          <a:p>
-            <a:r>
-              <a:rPr lang="en-CZ" dirty="0"/>
-              <a:t>XM</a:t>
-            </a:r>
-          </a:p>
-        </p:txBody>
-      </p:sp>
-      <p:sp>
-        <p:nvSpPr>
-          <p:cNvPr id="6" name="Content Placeholder 2">
-            <a:extLst>
-              <a:ext uri="{FF2B5EF4-FFF2-40B4-BE49-F238E27FC236}">
-                <a16:creationId xmlns:a16="http://schemas.microsoft.com/office/drawing/2014/main" id="{1167AAF0-3F87-4C4E-8628-E168637FE451}"/>
-              </a:ext>
-            </a:extLst>
-          </p:cNvPr>
-          <p:cNvSpPr txBox="1">
-            <a:spLocks/>
-          </p:cNvSpPr>
-          <p:nvPr/>
-        </p:nvSpPr>
-        <p:spPr>
-          <a:xfrm>
-            <a:off x="675000" y="2401239"/>
-            <a:ext cx="7794000" cy="4238099"/>
-          </a:xfrm>
-          <a:prstGeom prst="rect">
-            <a:avLst/>
-          </a:prstGeom>
-        </p:spPr>
-        <p:txBody>
-          <a:bodyPr vert="horz" lIns="91440" tIns="45720" rIns="91440" bIns="45720" rtlCol="0">
-            <a:normAutofit/>
-          </a:bodyPr>
-          <a:lstStyle>
-            <a:lvl1pPr marL="0" indent="0" algn="l" defTabSz="914354" rtl="0" eaLnBrk="1" latinLnBrk="0" hangingPunct="1">
-              <a:lnSpc>
-                <a:spcPct val="90000"/>
-              </a:lnSpc>
-              <a:spcBef>
-                <a:spcPts val="1000"/>
-              </a:spcBef>
-              <a:buFont typeface="Arial" panose="020B0604020202020204" pitchFamily="34" charset="0"/>
-              <a:buNone/>
-              <a:defRPr sz="2000" kern="3000" baseline="0">
-                <a:solidFill>
-                  <a:schemeClr val="tx1"/>
-                </a:solidFill>
-                <a:latin typeface="Technika-Bold" panose="00000600000000000000" pitchFamily="50" charset="-18"/>
-                <a:ea typeface="+mn-ea"/>
-                <a:cs typeface="+mn-cs"/>
-              </a:defRPr>
-            </a:lvl1pPr>
-            <a:lvl2pPr marL="685766" indent="-228589" algn="l" defTabSz="914354" rtl="0" eaLnBrk="1" latinLnBrk="0" hangingPunct="1">
-              <a:lnSpc>
-                <a:spcPct val="90000"/>
-              </a:lnSpc>
-              <a:spcBef>
-                <a:spcPts val="500"/>
-              </a:spcBef>
-              <a:buFont typeface="Arial" panose="020B0604020202020204" pitchFamily="34" charset="0"/>
-              <a:buChar char="•"/>
-              <a:defRPr sz="2400" kern="1200">
-                <a:solidFill>
-                  <a:schemeClr val="tx1"/>
-                </a:solidFill>
-                <a:latin typeface="Technika" panose="00000600000000000000" pitchFamily="50" charset="-18"/>
-                <a:ea typeface="+mn-ea"/>
-                <a:cs typeface="+mn-cs"/>
-              </a:defRPr>
-            </a:lvl2pPr>
-            <a:lvl3pPr marL="1142942" indent="-228589" algn="l" defTabSz="914354" rtl="0" eaLnBrk="1" latinLnBrk="0" hangingPunct="1">
-              <a:lnSpc>
-                <a:spcPct val="90000"/>
-              </a:lnSpc>
-              <a:spcBef>
-                <a:spcPts val="500"/>
-              </a:spcBef>
-              <a:buFont typeface="Arial" panose="020B0604020202020204" pitchFamily="34" charset="0"/>
-              <a:buChar char="•"/>
-              <a:defRPr sz="2000" kern="1200">
-                <a:solidFill>
-                  <a:schemeClr val="tx1"/>
-                </a:solidFill>
-                <a:latin typeface="Technika" panose="00000600000000000000" pitchFamily="50" charset="-18"/>
-                <a:ea typeface="+mn-ea"/>
-                <a:cs typeface="+mn-cs"/>
-              </a:defRPr>
-            </a:lvl3pPr>
-            <a:lvl4pPr marL="1600120" indent="-228589" algn="l" defTabSz="914354" rtl="0" eaLnBrk="1" latinLnBrk="0" hangingPunct="1">
-              <a:lnSpc>
-                <a:spcPct val="90000"/>
-              </a:lnSpc>
-              <a:spcBef>
-                <a:spcPts val="500"/>
-              </a:spcBef>
-              <a:buFont typeface="Arial" panose="020B0604020202020204" pitchFamily="34" charset="0"/>
-              <a:buChar char="•"/>
-              <a:defRPr sz="1800" kern="1200">
-                <a:solidFill>
-                  <a:schemeClr val="tx1"/>
-                </a:solidFill>
-                <a:latin typeface="Technika" panose="00000600000000000000" pitchFamily="50" charset="-18"/>
-                <a:ea typeface="+mn-ea"/>
-                <a:cs typeface="+mn-cs"/>
-              </a:defRPr>
-            </a:lvl4pPr>
-            <a:lvl5pPr marL="2057298" indent="-228589" algn="l" defTabSz="914354" rtl="0" eaLnBrk="1" latinLnBrk="0" hangingPunct="1">
-              <a:lnSpc>
-                <a:spcPct val="90000"/>
-              </a:lnSpc>
-              <a:spcBef>
-                <a:spcPts val="500"/>
-              </a:spcBef>
-              <a:buFont typeface="Arial" panose="020B0604020202020204" pitchFamily="34" charset="0"/>
-              <a:buChar char="•"/>
-              <a:defRPr sz="1800" kern="1200">
-                <a:solidFill>
-                  <a:schemeClr val="tx1"/>
-                </a:solidFill>
-                <a:latin typeface="Technika" panose="00000600000000000000" pitchFamily="50" charset="-18"/>
-                <a:ea typeface="+mn-ea"/>
-                <a:cs typeface="+mn-cs"/>
-              </a:defRPr>
-            </a:lvl5pPr>
-            <a:lvl6pPr marL="2514474" indent="-228589" algn="l" defTabSz="914354" rtl="0" eaLnBrk="1" latinLnBrk="0" hangingPunct="1">
-              <a:lnSpc>
-                <a:spcPct val="90000"/>
-              </a:lnSpc>
-              <a:spcBef>
-                <a:spcPts val="500"/>
-              </a:spcBef>
-              <a:buFont typeface="Arial" panose="020B0604020202020204" pitchFamily="34" charset="0"/>
-              <a:buChar char="•"/>
-              <a:defRPr sz="1800" kern="1200">
-                <a:solidFill>
-                  <a:schemeClr val="tx1"/>
-                </a:solidFill>
-                <a:latin typeface="+mn-lt"/>
-                <a:ea typeface="+mn-ea"/>
-                <a:cs typeface="+mn-cs"/>
-              </a:defRPr>
-            </a:lvl6pPr>
-            <a:lvl7pPr marL="2971652" indent="-228589" algn="l" defTabSz="914354" rtl="0" eaLnBrk="1" latinLnBrk="0" hangingPunct="1">
-              <a:lnSpc>
-                <a:spcPct val="90000"/>
-              </a:lnSpc>
-              <a:spcBef>
-                <a:spcPts val="500"/>
-              </a:spcBef>
-              <a:buFont typeface="Arial" panose="020B0604020202020204" pitchFamily="34" charset="0"/>
-              <a:buChar char="•"/>
-              <a:defRPr sz="1800" kern="1200">
-                <a:solidFill>
-                  <a:schemeClr val="tx1"/>
-                </a:solidFill>
-                <a:latin typeface="+mn-lt"/>
-                <a:ea typeface="+mn-ea"/>
-                <a:cs typeface="+mn-cs"/>
-              </a:defRPr>
-            </a:lvl7pPr>
-            <a:lvl8pPr marL="3428829" indent="-228589" algn="l" defTabSz="914354" rtl="0" eaLnBrk="1" latinLnBrk="0" hangingPunct="1">
-              <a:lnSpc>
-                <a:spcPct val="90000"/>
-              </a:lnSpc>
-              <a:spcBef>
-                <a:spcPts val="500"/>
-              </a:spcBef>
-              <a:buFont typeface="Arial" panose="020B0604020202020204" pitchFamily="34" charset="0"/>
-              <a:buChar char="•"/>
-              <a:defRPr sz="1800" kern="1200">
-                <a:solidFill>
-                  <a:schemeClr val="tx1"/>
-                </a:solidFill>
-                <a:latin typeface="+mn-lt"/>
-                <a:ea typeface="+mn-ea"/>
-                <a:cs typeface="+mn-cs"/>
-              </a:defRPr>
-            </a:lvl8pPr>
-            <a:lvl9pPr marL="3886006" indent="-228589" algn="l" defTabSz="914354" rtl="0" eaLnBrk="1" latinLnBrk="0" hangingPunct="1">
-              <a:lnSpc>
-                <a:spcPct val="90000"/>
-              </a:lnSpc>
-              <a:spcBef>
-                <a:spcPts val="500"/>
-              </a:spcBef>
-              <a:buFont typeface="Arial" panose="020B0604020202020204" pitchFamily="34" charset="0"/>
-              <a:buChar char="•"/>
-              <a:defRPr sz="1800" kern="1200">
-                <a:solidFill>
-                  <a:schemeClr val="tx1"/>
-                </a:solidFill>
-                <a:latin typeface="+mn-lt"/>
-                <a:ea typeface="+mn-ea"/>
-                <a:cs typeface="+mn-cs"/>
-              </a:defRPr>
-            </a:lvl9pPr>
-          </a:lstStyle>
-          <a:p>
-            <a:r>
-              <a:rPr lang="en-GB" sz="1600" dirty="0">
-                <a:latin typeface="Times New Roman" panose="02020603050405020304" pitchFamily="18" charset="0"/>
-                <a:cs typeface="Times New Roman" panose="02020603050405020304" pitchFamily="18" charset="0"/>
-              </a:rPr>
-              <a:t>M. </a:t>
-            </a:r>
-            <a:r>
-              <a:rPr lang="en-GB" sz="1600" dirty="0" err="1">
-                <a:latin typeface="Times New Roman" panose="02020603050405020304" pitchFamily="18" charset="0"/>
-                <a:cs typeface="Times New Roman" panose="02020603050405020304" pitchFamily="18" charset="0"/>
-              </a:rPr>
-              <a:t>Molhanec</a:t>
-            </a:r>
-            <a:r>
-              <a:rPr lang="en-GB" sz="1600" dirty="0">
-                <a:latin typeface="Times New Roman" panose="02020603050405020304" pitchFamily="18" charset="0"/>
-                <a:cs typeface="Times New Roman" panose="02020603050405020304" pitchFamily="18" charset="0"/>
-              </a:rPr>
-              <a:t>, "Extreme manufacturing — Agility to greater productivity and quality," Proceedings of the 2014 37th International Spring Seminar on Electronics Technology, Dresden, Germany, 2014, pp. 164-169, </a:t>
-            </a:r>
-            <a:r>
-              <a:rPr lang="en-GB" sz="1600" dirty="0" err="1">
-                <a:latin typeface="Times New Roman" panose="02020603050405020304" pitchFamily="18" charset="0"/>
-                <a:cs typeface="Times New Roman" panose="02020603050405020304" pitchFamily="18" charset="0"/>
-              </a:rPr>
-              <a:t>doi</a:t>
-            </a:r>
-            <a:r>
-              <a:rPr lang="en-GB" sz="1600" dirty="0">
-                <a:latin typeface="Times New Roman" panose="02020603050405020304" pitchFamily="18" charset="0"/>
-                <a:cs typeface="Times New Roman" panose="02020603050405020304" pitchFamily="18" charset="0"/>
-              </a:rPr>
-              <a:t>: 10.1109/ISSE.2014.6887585.</a:t>
-            </a:r>
-            <a:endParaRPr lang="en-GB" sz="1600" dirty="0">
-              <a:solidFill>
-                <a:srgbClr val="0065BD"/>
-              </a:solidFill>
-              <a:latin typeface="Times New Roman" panose="02020603050405020304" pitchFamily="18" charset="0"/>
-              <a:cs typeface="Times New Roman" panose="02020603050405020304" pitchFamily="18" charset="0"/>
-            </a:endParaRPr>
-          </a:p>
-          <a:p>
-            <a:endParaRPr lang="en-CZ" sz="1600" dirty="0">
-              <a:solidFill>
-                <a:srgbClr val="0065BD"/>
-              </a:solidFill>
-              <a:latin typeface="Times New Roman" panose="02020603050405020304" pitchFamily="18" charset="0"/>
-              <a:cs typeface="Times New Roman" panose="02020603050405020304" pitchFamily="18" charset="0"/>
-            </a:endParaRPr>
-          </a:p>
-        </p:txBody>
-      </p:sp>
-      <p:sp>
-        <p:nvSpPr>
-          <p:cNvPr id="5" name="TextBox 4">
-            <a:extLst>
-              <a:ext uri="{FF2B5EF4-FFF2-40B4-BE49-F238E27FC236}">
-                <a16:creationId xmlns:a16="http://schemas.microsoft.com/office/drawing/2014/main" id="{0B97D00E-39C2-D145-A631-DBA36E45E7E1}"/>
-              </a:ext>
-            </a:extLst>
-          </p:cNvPr>
-          <p:cNvSpPr txBox="1"/>
-          <p:nvPr/>
-        </p:nvSpPr>
-        <p:spPr>
-          <a:xfrm>
-            <a:off x="0" y="1540089"/>
-            <a:ext cx="9144000" cy="523220"/>
-          </a:xfrm>
-          <a:prstGeom prst="rect">
-            <a:avLst/>
-          </a:prstGeom>
-          <a:noFill/>
-        </p:spPr>
-        <p:txBody>
-          <a:bodyPr wrap="square" rtlCol="0">
-            <a:spAutoFit/>
-          </a:bodyPr>
-          <a:lstStyle/>
-          <a:p>
-            <a:pPr algn="ctr"/>
-            <a:r>
-              <a:rPr lang="en-CZ" sz="2800" dirty="0">
-                <a:solidFill>
-                  <a:srgbClr val="FF0000"/>
-                </a:solidFill>
-                <a:latin typeface="+mj-lt"/>
-                <a:cs typeface="Times New Roman" panose="02020603050405020304" pitchFamily="18" charset="0"/>
-              </a:rPr>
-              <a:t>Zdroje</a:t>
-            </a:r>
-            <a:endParaRPr lang="en-CZ" sz="2800" dirty="0">
-              <a:latin typeface="+mj-lt"/>
-            </a:endParaRPr>
-          </a:p>
-        </p:txBody>
-      </p:sp>
-    </p:spTree>
-    <p:extLst>
-      <p:ext uri="{BB962C8B-B14F-4D97-AF65-F5344CB8AC3E}">
-        <p14:creationId xmlns:p14="http://schemas.microsoft.com/office/powerpoint/2010/main" val="350606253"/>
-      </p:ext>
-    </p:extLst>
-  </p:cSld>
-  <p:clrMapOvr>
-    <a:masterClrMapping/>
-  </p:clrMapOvr>
-</p:sld>
-</file>
-
-<file path=ppt/slides/slide53.xml><?xml version="1.0" encoding="utf-8"?>
-<p:sld xmlns:a="http://schemas.openxmlformats.org/drawingml/2006/main" xmlns:r="http://schemas.openxmlformats.org/officeDocument/2006/relationships" xmlns:p="http://schemas.openxmlformats.org/presentationml/2006/main">
-  <p:cSld>
-    <p:spTree>
-      <p:nvGrpSpPr>
-        <p:cNvPr id="1" name=""/>
-        <p:cNvGrpSpPr/>
-        <p:nvPr/>
-      </p:nvGrpSpPr>
-      <p:grpSpPr>
-        <a:xfrm>
-          <a:off x="0" y="0"/>
-          <a:ext cx="0" cy="0"/>
-          <a:chOff x="0" y="0"/>
-          <a:chExt cx="0" cy="0"/>
-        </a:xfrm>
-      </p:grpSpPr>
-      <p:sp>
-        <p:nvSpPr>
-          <p:cNvPr id="2" name="Title 1">
-            <a:extLst>
-              <a:ext uri="{FF2B5EF4-FFF2-40B4-BE49-F238E27FC236}">
-                <a16:creationId xmlns:a16="http://schemas.microsoft.com/office/drawing/2014/main" id="{28C9F81D-D815-C64B-B580-2F7E104BCCF8}"/>
-              </a:ext>
-            </a:extLst>
-          </p:cNvPr>
-          <p:cNvSpPr>
-            <a:spLocks noGrp="1"/>
-          </p:cNvSpPr>
-          <p:nvPr>
-            <p:ph type="ctrTitle"/>
-          </p:nvPr>
-        </p:nvSpPr>
-        <p:spPr>
-          <a:xfrm>
-            <a:off x="1080000" y="2705668"/>
-            <a:ext cx="7736694" cy="1446663"/>
-          </a:xfrm>
-        </p:spPr>
-        <p:txBody>
-          <a:bodyPr/>
-          <a:lstStyle/>
-          <a:p>
-            <a:r>
-              <a:rPr lang="en-CZ" dirty="0"/>
-              <a:t>Děkujeme za pozornost</a:t>
-            </a:r>
-          </a:p>
-        </p:txBody>
-      </p:sp>
-      <p:sp>
-        <p:nvSpPr>
-          <p:cNvPr id="4" name="Content Placeholder 2">
-            <a:extLst>
-              <a:ext uri="{FF2B5EF4-FFF2-40B4-BE49-F238E27FC236}">
-                <a16:creationId xmlns:a16="http://schemas.microsoft.com/office/drawing/2014/main" id="{0989FA9D-E085-184A-85E2-259E55750507}"/>
-              </a:ext>
-            </a:extLst>
-          </p:cNvPr>
-          <p:cNvSpPr txBox="1">
-            <a:spLocks/>
-          </p:cNvSpPr>
-          <p:nvPr/>
-        </p:nvSpPr>
-        <p:spPr>
-          <a:xfrm>
-            <a:off x="-457200" y="6272448"/>
-            <a:ext cx="10058400" cy="1481070"/>
-          </a:xfrm>
-          <a:prstGeom prst="rect">
-            <a:avLst/>
-          </a:prstGeom>
-        </p:spPr>
-        <p:txBody>
-          <a:bodyPr vert="horz" lIns="91440" tIns="45720" rIns="91440" bIns="45720" rtlCol="0">
-            <a:normAutofit/>
-          </a:bodyPr>
-          <a:lstStyle>
-            <a:lvl1pPr marL="0" indent="0" algn="l" defTabSz="914354" rtl="0" eaLnBrk="1" latinLnBrk="0" hangingPunct="1">
-              <a:lnSpc>
-                <a:spcPct val="90000"/>
-              </a:lnSpc>
-              <a:spcBef>
-                <a:spcPts val="1000"/>
-              </a:spcBef>
-              <a:buFont typeface="Arial" panose="020B0604020202020204" pitchFamily="34" charset="0"/>
-              <a:buNone/>
-              <a:defRPr sz="2000" kern="3000" baseline="0">
-                <a:solidFill>
-                  <a:schemeClr val="tx1"/>
-                </a:solidFill>
-                <a:latin typeface="Technika-Bold" panose="00000600000000000000" pitchFamily="50" charset="-18"/>
-                <a:ea typeface="+mn-ea"/>
-                <a:cs typeface="+mn-cs"/>
-              </a:defRPr>
-            </a:lvl1pPr>
-            <a:lvl2pPr marL="685766" indent="-228589" algn="l" defTabSz="914354" rtl="0" eaLnBrk="1" latinLnBrk="0" hangingPunct="1">
-              <a:lnSpc>
-                <a:spcPct val="90000"/>
-              </a:lnSpc>
-              <a:spcBef>
-                <a:spcPts val="500"/>
-              </a:spcBef>
-              <a:buFont typeface="Arial" panose="020B0604020202020204" pitchFamily="34" charset="0"/>
-              <a:buChar char="•"/>
-              <a:defRPr sz="2400" kern="1200">
-                <a:solidFill>
-                  <a:schemeClr val="tx1"/>
-                </a:solidFill>
-                <a:latin typeface="Technika" panose="00000600000000000000" pitchFamily="50" charset="-18"/>
-                <a:ea typeface="+mn-ea"/>
-                <a:cs typeface="+mn-cs"/>
-              </a:defRPr>
-            </a:lvl2pPr>
-            <a:lvl3pPr marL="1142942" indent="-228589" algn="l" defTabSz="914354" rtl="0" eaLnBrk="1" latinLnBrk="0" hangingPunct="1">
-              <a:lnSpc>
-                <a:spcPct val="90000"/>
-              </a:lnSpc>
-              <a:spcBef>
-                <a:spcPts val="500"/>
-              </a:spcBef>
-              <a:buFont typeface="Arial" panose="020B0604020202020204" pitchFamily="34" charset="0"/>
-              <a:buChar char="•"/>
-              <a:defRPr sz="2000" kern="1200">
-                <a:solidFill>
-                  <a:schemeClr val="tx1"/>
-                </a:solidFill>
-                <a:latin typeface="Technika" panose="00000600000000000000" pitchFamily="50" charset="-18"/>
-                <a:ea typeface="+mn-ea"/>
-                <a:cs typeface="+mn-cs"/>
-              </a:defRPr>
-            </a:lvl3pPr>
-            <a:lvl4pPr marL="1600120" indent="-228589" algn="l" defTabSz="914354" rtl="0" eaLnBrk="1" latinLnBrk="0" hangingPunct="1">
-              <a:lnSpc>
-                <a:spcPct val="90000"/>
-              </a:lnSpc>
-              <a:spcBef>
-                <a:spcPts val="500"/>
-              </a:spcBef>
-              <a:buFont typeface="Arial" panose="020B0604020202020204" pitchFamily="34" charset="0"/>
-              <a:buChar char="•"/>
-              <a:defRPr sz="1800" kern="1200">
-                <a:solidFill>
-                  <a:schemeClr val="tx1"/>
-                </a:solidFill>
-                <a:latin typeface="Technika" panose="00000600000000000000" pitchFamily="50" charset="-18"/>
-                <a:ea typeface="+mn-ea"/>
-                <a:cs typeface="+mn-cs"/>
-              </a:defRPr>
-            </a:lvl4pPr>
-            <a:lvl5pPr marL="2057298" indent="-228589" algn="l" defTabSz="914354" rtl="0" eaLnBrk="1" latinLnBrk="0" hangingPunct="1">
-              <a:lnSpc>
-                <a:spcPct val="90000"/>
-              </a:lnSpc>
-              <a:spcBef>
-                <a:spcPts val="500"/>
-              </a:spcBef>
-              <a:buFont typeface="Arial" panose="020B0604020202020204" pitchFamily="34" charset="0"/>
-              <a:buChar char="•"/>
-              <a:defRPr sz="1800" kern="1200">
-                <a:solidFill>
-                  <a:schemeClr val="tx1"/>
-                </a:solidFill>
-                <a:latin typeface="Technika" panose="00000600000000000000" pitchFamily="50" charset="-18"/>
-                <a:ea typeface="+mn-ea"/>
-                <a:cs typeface="+mn-cs"/>
-              </a:defRPr>
-            </a:lvl5pPr>
-            <a:lvl6pPr marL="2514474" indent="-228589" algn="l" defTabSz="914354" rtl="0" eaLnBrk="1" latinLnBrk="0" hangingPunct="1">
-              <a:lnSpc>
-                <a:spcPct val="90000"/>
-              </a:lnSpc>
-              <a:spcBef>
-                <a:spcPts val="500"/>
-              </a:spcBef>
-              <a:buFont typeface="Arial" panose="020B0604020202020204" pitchFamily="34" charset="0"/>
-              <a:buChar char="•"/>
-              <a:defRPr sz="1800" kern="1200">
-                <a:solidFill>
-                  <a:schemeClr val="tx1"/>
-                </a:solidFill>
-                <a:latin typeface="+mn-lt"/>
-                <a:ea typeface="+mn-ea"/>
-                <a:cs typeface="+mn-cs"/>
-              </a:defRPr>
-            </a:lvl6pPr>
-            <a:lvl7pPr marL="2971652" indent="-228589" algn="l" defTabSz="914354" rtl="0" eaLnBrk="1" latinLnBrk="0" hangingPunct="1">
-              <a:lnSpc>
-                <a:spcPct val="90000"/>
-              </a:lnSpc>
-              <a:spcBef>
-                <a:spcPts val="500"/>
-              </a:spcBef>
-              <a:buFont typeface="Arial" panose="020B0604020202020204" pitchFamily="34" charset="0"/>
-              <a:buChar char="•"/>
-              <a:defRPr sz="1800" kern="1200">
-                <a:solidFill>
-                  <a:schemeClr val="tx1"/>
-                </a:solidFill>
-                <a:latin typeface="+mn-lt"/>
-                <a:ea typeface="+mn-ea"/>
-                <a:cs typeface="+mn-cs"/>
-              </a:defRPr>
-            </a:lvl7pPr>
-            <a:lvl8pPr marL="3428829" indent="-228589" algn="l" defTabSz="914354" rtl="0" eaLnBrk="1" latinLnBrk="0" hangingPunct="1">
-              <a:lnSpc>
-                <a:spcPct val="90000"/>
-              </a:lnSpc>
-              <a:spcBef>
-                <a:spcPts val="500"/>
-              </a:spcBef>
-              <a:buFont typeface="Arial" panose="020B0604020202020204" pitchFamily="34" charset="0"/>
-              <a:buChar char="•"/>
-              <a:defRPr sz="1800" kern="1200">
-                <a:solidFill>
-                  <a:schemeClr val="tx1"/>
-                </a:solidFill>
-                <a:latin typeface="+mn-lt"/>
-                <a:ea typeface="+mn-ea"/>
-                <a:cs typeface="+mn-cs"/>
-              </a:defRPr>
-            </a:lvl8pPr>
-            <a:lvl9pPr marL="3886006" indent="-228589" algn="l" defTabSz="914354" rtl="0" eaLnBrk="1" latinLnBrk="0" hangingPunct="1">
-              <a:lnSpc>
-                <a:spcPct val="90000"/>
-              </a:lnSpc>
-              <a:spcBef>
-                <a:spcPts val="500"/>
-              </a:spcBef>
-              <a:buFont typeface="Arial" panose="020B0604020202020204" pitchFamily="34" charset="0"/>
-              <a:buChar char="•"/>
-              <a:defRPr sz="1800" kern="1200">
-                <a:solidFill>
-                  <a:schemeClr val="tx1"/>
-                </a:solidFill>
-                <a:latin typeface="+mn-lt"/>
-                <a:ea typeface="+mn-ea"/>
-                <a:cs typeface="+mn-cs"/>
-              </a:defRPr>
-            </a:lvl9pPr>
-          </a:lstStyle>
-          <a:p>
-            <a:pPr algn="ctr"/>
-            <a:r>
-              <a:rPr lang="cs-CZ" sz="2800" dirty="0" err="1">
-                <a:solidFill>
-                  <a:schemeClr val="bg1">
-                    <a:lumMod val="85000"/>
-                  </a:schemeClr>
-                </a:solidFill>
-              </a:rPr>
-              <a:t>ptzk.cz</a:t>
-            </a:r>
-            <a:r>
-              <a:rPr lang="cs-CZ" sz="2800" dirty="0">
-                <a:solidFill>
-                  <a:schemeClr val="bg1">
-                    <a:lumMod val="85000"/>
-                  </a:schemeClr>
-                </a:solidFill>
-              </a:rPr>
-              <a:t>/</a:t>
-            </a:r>
-            <a:r>
-              <a:rPr lang="cs-CZ" sz="2800" dirty="0" err="1">
-                <a:solidFill>
-                  <a:schemeClr val="bg1">
-                    <a:lumMod val="85000"/>
-                  </a:schemeClr>
-                </a:solidFill>
-              </a:rPr>
-              <a:t>tpr</a:t>
-            </a:r>
-            <a:endParaRPr lang="en-CZ" sz="2800" dirty="0">
-              <a:solidFill>
-                <a:schemeClr val="bg1">
-                  <a:lumMod val="85000"/>
-                </a:schemeClr>
-              </a:solidFill>
-            </a:endParaRPr>
-          </a:p>
-        </p:txBody>
-      </p:sp>
-    </p:spTree>
-    <p:extLst>
-      <p:ext uri="{BB962C8B-B14F-4D97-AF65-F5344CB8AC3E}">
-        <p14:creationId xmlns:p14="http://schemas.microsoft.com/office/powerpoint/2010/main" val="2323112200"/>
       </p:ext>
     </p:extLst>
   </p:cSld>

--- a/source/files/prezentace_sem.pptx
+++ b/source/files/prezentace_sem.pptx
@@ -18324,7 +18324,7 @@
                 <a:latin typeface="Times New Roman" panose="02020603050405020304" pitchFamily="18" charset="0"/>
                 <a:cs typeface="Times New Roman" panose="02020603050405020304" pitchFamily="18" charset="0"/>
               </a:rPr>
-              <a:t>XP je agilní projektový rámec, který má za cíl vytvářet kvalitní software a dbát na vyšší životní kvalitu/úroveň vývojářského týmu. </a:t>
+              <a:t>XP je agilní vývojářský/procesní/ rámec (framework), který má za cíl vytvářet kvalitní software a dbát na vyšší životní kvalitu/úroveň vývojářského týmu. </a:t>
             </a:r>
           </a:p>
         </p:txBody>

--- a/source/files/prezentace_sem.pptx
+++ b/source/files/prezentace_sem.pptx
@@ -18324,7 +18324,21 @@
                 <a:latin typeface="Times New Roman" panose="02020603050405020304" pitchFamily="18" charset="0"/>
                 <a:cs typeface="Times New Roman" panose="02020603050405020304" pitchFamily="18" charset="0"/>
               </a:rPr>
-              <a:t>XP je agilní vývojářský/procesní/ rámec (framework), který má za cíl vytvářet kvalitní software a dbát na vyšší životní kvalitu/úroveň vývojářského týmu. </a:t>
+              <a:t>XP je agilní vývojářský</a:t>
+            </a:r>
+            <a:r>
+              <a:rPr lang="en-CZ" sz="2800">
+                <a:latin typeface="Times New Roman" panose="02020603050405020304" pitchFamily="18" charset="0"/>
+                <a:cs typeface="Times New Roman" panose="02020603050405020304" pitchFamily="18" charset="0"/>
+              </a:rPr>
+              <a:t>/procesní </a:t>
+            </a:r>
+            <a:r>
+              <a:rPr lang="en-CZ" sz="2800" dirty="0">
+                <a:latin typeface="Times New Roman" panose="02020603050405020304" pitchFamily="18" charset="0"/>
+                <a:cs typeface="Times New Roman" panose="02020603050405020304" pitchFamily="18" charset="0"/>
+              </a:rPr>
+              <a:t>rámec (framework), který má za cíl vytvářet kvalitní software a dbát na vyšší životní kvalitu/úroveň vývojářského týmu. </a:t>
             </a:r>
           </a:p>
         </p:txBody>

--- a/source/files/prezentace_sem.pptx
+++ b/source/files/prezentace_sem.pptx
@@ -18331,14 +18331,14 @@
                 <a:latin typeface="Times New Roman" panose="02020603050405020304" pitchFamily="18" charset="0"/>
                 <a:cs typeface="Times New Roman" panose="02020603050405020304" pitchFamily="18" charset="0"/>
               </a:rPr>
-              <a:t>/procesní </a:t>
+              <a:t>/procesní rámec/přístup </a:t>
             </a:r>
             <a:r>
               <a:rPr lang="en-CZ" sz="2800" dirty="0">
                 <a:latin typeface="Times New Roman" panose="02020603050405020304" pitchFamily="18" charset="0"/>
                 <a:cs typeface="Times New Roman" panose="02020603050405020304" pitchFamily="18" charset="0"/>
               </a:rPr>
-              <a:t>rámec (framework), který má za cíl vytvářet kvalitní software a dbát na vyšší životní kvalitu/úroveň vývojářského týmu. </a:t>
+              <a:t>(framework), který má za cíl vytvářet kvalitní software a dbát na vyšší životní kvalitu/úroveň vývojářského týmu. </a:t>
             </a:r>
           </a:p>
         </p:txBody>

--- a/source/files/prezentace_sem.pptx
+++ b/source/files/prezentace_sem.pptx
@@ -14249,7 +14249,21 @@
                 <a:latin typeface="Times New Roman" panose="02020603050405020304" pitchFamily="18" charset="0"/>
                 <a:cs typeface="Times New Roman" panose="02020603050405020304" pitchFamily="18" charset="0"/>
               </a:rPr>
-              <a:t>založen na agility</a:t>
+              <a:t>založen na </a:t>
+            </a:r>
+            <a:r>
+              <a:rPr lang="en-CZ" sz="2400">
+                <a:latin typeface="Times New Roman" panose="02020603050405020304" pitchFamily="18" charset="0"/>
+                <a:cs typeface="Times New Roman" panose="02020603050405020304" pitchFamily="18" charset="0"/>
+              </a:rPr>
+              <a:t>agility (rychle a vynalézavě </a:t>
+            </a:r>
+            <a:r>
+              <a:rPr lang="en-CZ" sz="2400" dirty="0">
+                <a:latin typeface="Times New Roman" panose="02020603050405020304" pitchFamily="18" charset="0"/>
+                <a:cs typeface="Times New Roman" panose="02020603050405020304" pitchFamily="18" charset="0"/>
+              </a:rPr>
+              <a:t>reagovat)</a:t>
             </a:r>
           </a:p>
           <a:p>
@@ -18324,21 +18338,7 @@
                 <a:latin typeface="Times New Roman" panose="02020603050405020304" pitchFamily="18" charset="0"/>
                 <a:cs typeface="Times New Roman" panose="02020603050405020304" pitchFamily="18" charset="0"/>
               </a:rPr>
-              <a:t>XP je agilní vývojářský</a:t>
-            </a:r>
-            <a:r>
-              <a:rPr lang="en-CZ" sz="2800">
-                <a:latin typeface="Times New Roman" panose="02020603050405020304" pitchFamily="18" charset="0"/>
-                <a:cs typeface="Times New Roman" panose="02020603050405020304" pitchFamily="18" charset="0"/>
-              </a:rPr>
-              <a:t>/procesní rámec/přístup </a:t>
-            </a:r>
-            <a:r>
-              <a:rPr lang="en-CZ" sz="2800" dirty="0">
-                <a:latin typeface="Times New Roman" panose="02020603050405020304" pitchFamily="18" charset="0"/>
-                <a:cs typeface="Times New Roman" panose="02020603050405020304" pitchFamily="18" charset="0"/>
-              </a:rPr>
-              <a:t>(framework), který má za cíl vytvářet kvalitní software a dbát na vyšší životní kvalitu/úroveň vývojářského týmu. </a:t>
+              <a:t>XP je agilní vývojářský/procesní rámec/přístup (framework), který má za cíl vytvářet kvalitní software a dbát na vyšší životní kvalitu/úroveň vývojářského týmu. </a:t>
             </a:r>
           </a:p>
         </p:txBody>

--- a/source/files/prezentace_sem.pptx
+++ b/source/files/prezentace_sem.pptx
@@ -12238,8 +12238,18 @@
                 <a:latin typeface="Times New Roman" panose="02020603050405020304" pitchFamily="18" charset="0"/>
                 <a:cs typeface="Times New Roman" panose="02020603050405020304" pitchFamily="18" charset="0"/>
               </a:rPr>
-              <a:t>založen na agility</a:t>
-            </a:r>
+              <a:t>založen na agility (rychle a vynalézavě reagovat)</a:t>
+            </a:r>
+          </a:p>
+          <a:p>
+            <a:pPr algn="ctr"/>
+            <a:endParaRPr lang="en-CZ" sz="2400" dirty="0">
+              <a:solidFill>
+                <a:srgbClr val="0065BD"/>
+              </a:solidFill>
+              <a:latin typeface="Times New Roman" panose="02020603050405020304" pitchFamily="18" charset="0"/>
+              <a:cs typeface="Times New Roman" panose="02020603050405020304" pitchFamily="18" charset="0"/>
+            </a:endParaRPr>
           </a:p>
         </p:txBody>
       </p:sp>
@@ -12570,7 +12580,7 @@
                 <a:latin typeface="Times New Roman" panose="02020603050405020304" pitchFamily="18" charset="0"/>
                 <a:cs typeface="Times New Roman" panose="02020603050405020304" pitchFamily="18" charset="0"/>
               </a:rPr>
-              <a:t>založen na agility</a:t>
+              <a:t>založen na agility (rychle a vynalézavě reagovat)</a:t>
             </a:r>
           </a:p>
           <a:p>
@@ -12915,7 +12925,7 @@
                 <a:latin typeface="Times New Roman" panose="02020603050405020304" pitchFamily="18" charset="0"/>
                 <a:cs typeface="Times New Roman" panose="02020603050405020304" pitchFamily="18" charset="0"/>
               </a:rPr>
-              <a:t>založen na agility</a:t>
+              <a:t>založen na agility (rychle a vynalézavě reagovat)</a:t>
             </a:r>
           </a:p>
           <a:p>
@@ -13270,7 +13280,7 @@
                 <a:latin typeface="Times New Roman" panose="02020603050405020304" pitchFamily="18" charset="0"/>
                 <a:cs typeface="Times New Roman" panose="02020603050405020304" pitchFamily="18" charset="0"/>
               </a:rPr>
-              <a:t>založen na agility</a:t>
+              <a:t>založen na agility (rychle a vynalézavě reagovat)</a:t>
             </a:r>
           </a:p>
           <a:p>
@@ -13874,7 +13884,7 @@
                 <a:latin typeface="Times New Roman" panose="02020603050405020304" pitchFamily="18" charset="0"/>
                 <a:cs typeface="Times New Roman" panose="02020603050405020304" pitchFamily="18" charset="0"/>
               </a:rPr>
-              <a:t>založen na agility</a:t>
+              <a:t>založen na agility (rychle a vynalézavě reagovat)</a:t>
             </a:r>
           </a:p>
           <a:p>
@@ -14249,21 +14259,7 @@
                 <a:latin typeface="Times New Roman" panose="02020603050405020304" pitchFamily="18" charset="0"/>
                 <a:cs typeface="Times New Roman" panose="02020603050405020304" pitchFamily="18" charset="0"/>
               </a:rPr>
-              <a:t>založen na </a:t>
-            </a:r>
-            <a:r>
-              <a:rPr lang="en-CZ" sz="2400">
-                <a:latin typeface="Times New Roman" panose="02020603050405020304" pitchFamily="18" charset="0"/>
-                <a:cs typeface="Times New Roman" panose="02020603050405020304" pitchFamily="18" charset="0"/>
-              </a:rPr>
-              <a:t>agility (rychle a vynalézavě </a:t>
-            </a:r>
-            <a:r>
-              <a:rPr lang="en-CZ" sz="2400" dirty="0">
-                <a:latin typeface="Times New Roman" panose="02020603050405020304" pitchFamily="18" charset="0"/>
-                <a:cs typeface="Times New Roman" panose="02020603050405020304" pitchFamily="18" charset="0"/>
-              </a:rPr>
-              <a:t>reagovat)</a:t>
+              <a:t>založen na agility (rychle a vynalézavě reagovat)</a:t>
             </a:r>
           </a:p>
           <a:p>
